--- a/기획/체스/체스 전투 시스템 기획서.pptx
+++ b/기획/체스/체스 전투 시스템 기획서.pptx
@@ -5,16 +5,23 @@
     <p:sldMasterId id="2147484370" r:id="rId1"/>
   </p:sldMasterIdLst>
   <p:notesMasterIdLst>
-    <p:notesMasterId r:id="rId6"/>
+    <p:notesMasterId r:id="rId13"/>
   </p:notesMasterIdLst>
   <p:handoutMasterIdLst>
-    <p:handoutMasterId r:id="rId7"/>
+    <p:handoutMasterId r:id="rId14"/>
   </p:handoutMasterIdLst>
   <p:sldIdLst>
     <p:sldId id="256" r:id="rId2"/>
     <p:sldId id="386" r:id="rId3"/>
     <p:sldId id="390" r:id="rId4"/>
-    <p:sldId id="389" r:id="rId5"/>
+    <p:sldId id="392" r:id="rId5"/>
+    <p:sldId id="393" r:id="rId6"/>
+    <p:sldId id="394" r:id="rId7"/>
+    <p:sldId id="389" r:id="rId8"/>
+    <p:sldId id="395" r:id="rId9"/>
+    <p:sldId id="396" r:id="rId10"/>
+    <p:sldId id="398" r:id="rId11"/>
+    <p:sldId id="399" r:id="rId12"/>
   </p:sldIdLst>
   <p:sldSz cx="12192000" cy="6858000"/>
   <p:notesSz cx="6858000" cy="9144000"/>
@@ -310,7 +317,7 @@
           <a:p>
             <a:fld id="{4E9214C1-2863-45BA-A7C5-D5EA3C3D4C30}" type="datetimeFigureOut">
               <a:rPr lang="ko-KR" altLang="en-US" smtClean="0"/>
-              <a:t>2025-02-25</a:t>
+              <a:t>2025-03-05</a:t>
             </a:fld>
             <a:endParaRPr lang="ko-KR" altLang="en-US"/>
           </a:p>
@@ -475,7 +482,7 @@
           <a:p>
             <a:fld id="{8F563C85-90F6-445D-9B5B-8ABB00FB3043}" type="datetimeFigureOut">
               <a:rPr lang="ko-KR" altLang="en-US" smtClean="0"/>
-              <a:t>2025-02-25</a:t>
+              <a:t>2025-03-05</a:t>
             </a:fld>
             <a:endParaRPr lang="ko-KR" altLang="en-US"/>
           </a:p>
@@ -966,7 +973,7 @@
             </a:pPr>
             <a:fld id="{B9320F77-B9A0-41C5-862A-B4B631284C64}" type="datetime1">
               <a:rPr lang="en-GB" altLang="en-US"/>
-              <a:t>25/02/2025</a:t>
+              <a:t>05/03/2025</a:t>
             </a:fld>
             <a:endParaRPr lang="ko-KR" altLang="en-US"/>
           </a:p>
@@ -1166,7 +1173,7 @@
             </a:pPr>
             <a:fld id="{B9320F77-B9A0-41C5-862A-B4B631284C64}" type="datetime1">
               <a:rPr lang="en-GB" altLang="en-US"/>
-              <a:t>25/02/2025</a:t>
+              <a:t>05/03/2025</a:t>
             </a:fld>
             <a:endParaRPr lang="ko-KR" altLang="en-US"/>
           </a:p>
@@ -1366,7 +1373,7 @@
             </a:pPr>
             <a:fld id="{B9320F77-B9A0-41C5-862A-B4B631284C64}" type="datetime1">
               <a:rPr lang="en-GB" altLang="en-US"/>
-              <a:t>25/02/2025</a:t>
+              <a:t>05/03/2025</a:t>
             </a:fld>
             <a:endParaRPr lang="ko-KR" altLang="en-US"/>
           </a:p>
@@ -1566,7 +1573,7 @@
             </a:pPr>
             <a:fld id="{B9320F77-B9A0-41C5-862A-B4B631284C64}" type="datetime1">
               <a:rPr lang="en-GB" altLang="en-US"/>
-              <a:t>25/02/2025</a:t>
+              <a:t>05/03/2025</a:t>
             </a:fld>
             <a:endParaRPr lang="ko-KR" altLang="en-US"/>
           </a:p>
@@ -1832,7 +1839,7 @@
             </a:pPr>
             <a:fld id="{B9320F77-B9A0-41C5-862A-B4B631284C64}" type="datetime1">
               <a:rPr lang="en-GB" altLang="en-US"/>
-              <a:t>25/02/2025</a:t>
+              <a:t>05/03/2025</a:t>
             </a:fld>
             <a:endParaRPr lang="ko-KR" altLang="en-US"/>
           </a:p>
@@ -2088,7 +2095,7 @@
             </a:pPr>
             <a:fld id="{B9320F77-B9A0-41C5-862A-B4B631284C64}" type="datetime1">
               <a:rPr lang="en-GB" altLang="en-US"/>
-              <a:t>25/02/2025</a:t>
+              <a:t>05/03/2025</a:t>
             </a:fld>
             <a:endParaRPr lang="ko-KR" altLang="en-US"/>
           </a:p>
@@ -2474,7 +2481,7 @@
             </a:pPr>
             <a:fld id="{B9320F77-B9A0-41C5-862A-B4B631284C64}" type="datetime1">
               <a:rPr lang="en-GB" altLang="en-US"/>
-              <a:t>25/02/2025</a:t>
+              <a:t>05/03/2025</a:t>
             </a:fld>
             <a:endParaRPr lang="ko-KR" altLang="en-US"/>
           </a:p>
@@ -2618,7 +2625,7 @@
             </a:pPr>
             <a:fld id="{B9320F77-B9A0-41C5-862A-B4B631284C64}" type="datetime1">
               <a:rPr lang="en-GB" altLang="en-US"/>
-              <a:t>25/02/2025</a:t>
+              <a:t>05/03/2025</a:t>
             </a:fld>
             <a:endParaRPr lang="ko-KR" altLang="en-US"/>
           </a:p>
@@ -2735,7 +2742,7 @@
             </a:pPr>
             <a:fld id="{B9320F77-B9A0-41C5-862A-B4B631284C64}" type="datetime1">
               <a:rPr lang="en-GB" altLang="en-US"/>
-              <a:t>25/02/2025</a:t>
+              <a:t>05/03/2025</a:t>
             </a:fld>
             <a:endParaRPr lang="ko-KR" altLang="en-US"/>
           </a:p>
@@ -3032,7 +3039,7 @@
             </a:pPr>
             <a:fld id="{B9320F77-B9A0-41C5-862A-B4B631284C64}" type="datetime1">
               <a:rPr lang="en-GB" altLang="en-US"/>
-              <a:t>25/02/2025</a:t>
+              <a:t>05/03/2025</a:t>
             </a:fld>
             <a:endParaRPr lang="ko-KR" altLang="en-US"/>
           </a:p>
@@ -3306,7 +3313,7 @@
             </a:pPr>
             <a:fld id="{B9320F77-B9A0-41C5-862A-B4B631284C64}" type="datetime1">
               <a:rPr lang="en-GB" altLang="en-US"/>
-              <a:t>25/02/2025</a:t>
+              <a:t>05/03/2025</a:t>
             </a:fld>
             <a:endParaRPr lang="ko-KR" altLang="en-US"/>
           </a:p>
@@ -3536,7 +3543,7 @@
             </a:pPr>
             <a:fld id="{B9320F77-B9A0-41C5-862A-B4B631284C64}" type="datetime1">
               <a:rPr lang="en-GB" altLang="en-US"/>
-              <a:t>25/02/2025</a:t>
+              <a:t>05/03/2025</a:t>
             </a:fld>
             <a:endParaRPr lang="ko-KR" altLang="en-US"/>
           </a:p>
@@ -4026,6 +4033,826 @@
 </p:sld>
 </file>
 
+<file path=ppt/slides/slide10.xml><?xml version="1.0" encoding="utf-8"?>
+<p:sld xmlns:a="http://schemas.openxmlformats.org/drawingml/2006/main" xmlns:r="http://schemas.openxmlformats.org/officeDocument/2006/relationships" xmlns:p="http://schemas.openxmlformats.org/presentationml/2006/main">
+  <p:cSld>
+    <p:spTree>
+      <p:nvGrpSpPr>
+        <p:cNvPr id="1" name="">
+          <a:extLst>
+            <a:ext uri="{FF2B5EF4-FFF2-40B4-BE49-F238E27FC236}">
+              <a16:creationId xmlns:a16="http://schemas.microsoft.com/office/drawing/2014/main" id="{D21DAEA7-79E3-502E-509C-DF5DDCA8B6BC}"/>
+            </a:ext>
+          </a:extLst>
+        </p:cNvPr>
+        <p:cNvGrpSpPr/>
+        <p:nvPr/>
+      </p:nvGrpSpPr>
+      <p:grpSpPr>
+        <a:xfrm>
+          <a:off x="0" y="0"/>
+          <a:ext cx="0" cy="0"/>
+          <a:chOff x="0" y="0"/>
+          <a:chExt cx="0" cy="0"/>
+        </a:xfrm>
+      </p:grpSpPr>
+      <p:sp>
+        <p:nvSpPr>
+          <p:cNvPr id="4" name="제목 1">
+            <a:extLst>
+              <a:ext uri="{FF2B5EF4-FFF2-40B4-BE49-F238E27FC236}">
+                <a16:creationId xmlns:a16="http://schemas.microsoft.com/office/drawing/2014/main" id="{636482B7-5B29-4FB0-B905-DE64440A7328}"/>
+              </a:ext>
+            </a:extLst>
+          </p:cNvPr>
+          <p:cNvSpPr txBox="1">
+            <a:spLocks/>
+          </p:cNvSpPr>
+          <p:nvPr/>
+        </p:nvSpPr>
+        <p:spPr>
+          <a:xfrm>
+            <a:off x="695324" y="387600"/>
+            <a:ext cx="10801351" cy="628400"/>
+          </a:xfrm>
+          <a:prstGeom prst="rect">
+            <a:avLst/>
+          </a:prstGeom>
+        </p:spPr>
+        <p:txBody>
+          <a:bodyPr vert="horz" lIns="91440" tIns="45720" rIns="91440" bIns="45720" rtlCol="0" anchor="ctr">
+            <a:normAutofit/>
+          </a:bodyPr>
+          <a:lstStyle>
+            <a:lvl1pPr algn="ctr" defTabSz="914400" rtl="0" eaLnBrk="1" latinLnBrk="1" hangingPunct="1">
+              <a:lnSpc>
+                <a:spcPct val="90000"/>
+              </a:lnSpc>
+              <a:spcBef>
+                <a:spcPct val="0"/>
+              </a:spcBef>
+              <a:buNone/>
+              <a:defRPr sz="6000" kern="1200">
+                <a:solidFill>
+                  <a:schemeClr val="tx1"/>
+                </a:solidFill>
+                <a:latin typeface="+mj-lt"/>
+                <a:ea typeface="+mj-ea"/>
+                <a:cs typeface="+mj-cs"/>
+              </a:defRPr>
+            </a:lvl1pPr>
+          </a:lstStyle>
+          <a:p>
+            <a:pPr algn="l">
+              <a:lnSpc>
+                <a:spcPct val="100000"/>
+              </a:lnSpc>
+            </a:pPr>
+            <a:r>
+              <a:rPr lang="ko-KR" altLang="en-US" sz="3200" dirty="0"/>
+              <a:t>플레이어 턴</a:t>
+            </a:r>
+            <a:r>
+              <a:rPr lang="en-US" altLang="ko-KR" sz="3200" dirty="0"/>
+              <a:t>–</a:t>
+            </a:r>
+            <a:r>
+              <a:rPr lang="en-US" altLang="ko-KR" sz="2800" dirty="0"/>
+              <a:t> </a:t>
+            </a:r>
+            <a:r>
+              <a:rPr lang="ko-KR" altLang="en-US" sz="2400" dirty="0"/>
+              <a:t>기물 프로모션 소환 시스템</a:t>
+            </a:r>
+            <a:endParaRPr lang="en-US" altLang="ko-KR" sz="3200" dirty="0"/>
+          </a:p>
+        </p:txBody>
+      </p:sp>
+      <p:graphicFrame>
+        <p:nvGraphicFramePr>
+          <p:cNvPr id="18" name="표 17">
+            <a:extLst>
+              <a:ext uri="{FF2B5EF4-FFF2-40B4-BE49-F238E27FC236}">
+                <a16:creationId xmlns:a16="http://schemas.microsoft.com/office/drawing/2014/main" id="{F64BB153-38B9-4099-B10D-B1D00AAA2FD5}"/>
+              </a:ext>
+            </a:extLst>
+          </p:cNvPr>
+          <p:cNvGraphicFramePr>
+            <a:graphicFrameLocks noGrp="1"/>
+          </p:cNvGraphicFramePr>
+          <p:nvPr>
+            <p:extLst>
+              <p:ext uri="{D42A27DB-BD31-4B8C-83A1-F6EECF244321}">
+                <p14:modId xmlns:p14="http://schemas.microsoft.com/office/powerpoint/2010/main" val="856964786"/>
+              </p:ext>
+            </p:extLst>
+          </p:nvPr>
+        </p:nvGraphicFramePr>
+        <p:xfrm>
+          <a:off x="1055528" y="4957128"/>
+          <a:ext cx="10080943" cy="1280160"/>
+        </p:xfrm>
+        <a:graphic>
+          <a:graphicData uri="http://schemas.openxmlformats.org/drawingml/2006/table">
+            <a:tbl>
+              <a:tblPr firstRow="1" bandRow="1">
+                <a:tableStyleId>{5C22544A-7EE6-4342-B048-85BDC9FD1C3A}</a:tableStyleId>
+              </a:tblPr>
+              <a:tblGrid>
+                <a:gridCol w="10080943">
+                  <a:extLst>
+                    <a:ext uri="{9D8B030D-6E8A-4147-A177-3AD203B41FA5}">
+                      <a16:colId xmlns:a16="http://schemas.microsoft.com/office/drawing/2014/main" val="2619519810"/>
+                    </a:ext>
+                  </a:extLst>
+                </a:gridCol>
+              </a:tblGrid>
+              <a:tr h="0">
+                <a:tc>
+                  <a:txBody>
+                    <a:bodyPr/>
+                    <a:lstStyle/>
+                    <a:p>
+                      <a:pPr latinLnBrk="1"/>
+                      <a:r>
+                        <a:rPr lang="ko-KR" altLang="en-US" sz="1400" b="0" dirty="0">
+                          <a:solidFill>
+                            <a:schemeClr val="tx1"/>
+                          </a:solidFill>
+                        </a:rPr>
+                        <a:t>플레이어가 필드에 기물을 소모하여 손패에 기물 카드를 필드에 프로모션 소환하는 시스템이다</a:t>
+                      </a:r>
+                      <a:r>
+                        <a:rPr lang="en-US" altLang="ko-KR" sz="1400" b="0" dirty="0">
+                          <a:solidFill>
+                            <a:schemeClr val="tx1"/>
+                          </a:solidFill>
+                        </a:rPr>
+                        <a:t>.</a:t>
+                      </a:r>
+                      <a:endParaRPr lang="ko-KR" altLang="en-US" sz="1400" b="0" dirty="0">
+                        <a:solidFill>
+                          <a:schemeClr val="tx1"/>
+                        </a:solidFill>
+                      </a:endParaRPr>
+                    </a:p>
+                  </a:txBody>
+                  <a:tcPr>
+                    <a:lnL w="12700" cmpd="sng">
+                      <a:noFill/>
+                    </a:lnL>
+                    <a:lnR w="12700" cmpd="sng">
+                      <a:noFill/>
+                    </a:lnR>
+                    <a:lnT w="12700" cap="flat" cmpd="sng" algn="ctr">
+                      <a:noFill/>
+                      <a:prstDash val="solid"/>
+                      <a:round/>
+                      <a:headEnd type="none" w="med" len="med"/>
+                      <a:tailEnd type="none" w="med" len="med"/>
+                    </a:lnT>
+                    <a:lnB w="12700" cap="flat" cmpd="sng" algn="ctr">
+                      <a:solidFill>
+                        <a:schemeClr val="tx1"/>
+                      </a:solidFill>
+                      <a:prstDash val="solid"/>
+                      <a:round/>
+                      <a:headEnd type="none" w="med" len="med"/>
+                      <a:tailEnd type="none" w="med" len="med"/>
+                    </a:lnB>
+                    <a:lnTlToBr w="12700" cmpd="sng">
+                      <a:noFill/>
+                      <a:prstDash val="solid"/>
+                    </a:lnTlToBr>
+                    <a:lnBlToTr w="12700" cmpd="sng">
+                      <a:noFill/>
+                      <a:prstDash val="solid"/>
+                    </a:lnBlToTr>
+                    <a:noFill/>
+                  </a:tcPr>
+                </a:tc>
+                <a:extLst>
+                  <a:ext uri="{0D108BD9-81ED-4DB2-BD59-A6C34878D82A}">
+                    <a16:rowId xmlns:a16="http://schemas.microsoft.com/office/drawing/2014/main" val="1453759622"/>
+                  </a:ext>
+                </a:extLst>
+              </a:tr>
+              <a:tr h="0">
+                <a:tc>
+                  <a:txBody>
+                    <a:bodyPr/>
+                    <a:lstStyle/>
+                    <a:p>
+                      <a:pPr marL="0" marR="0" lvl="0" indent="0" algn="l" defTabSz="914400" rtl="0" eaLnBrk="1" fontAlgn="auto" latinLnBrk="1" hangingPunct="1">
+                        <a:lnSpc>
+                          <a:spcPct val="100000"/>
+                        </a:lnSpc>
+                        <a:spcBef>
+                          <a:spcPts val="0"/>
+                        </a:spcBef>
+                        <a:spcAft>
+                          <a:spcPts val="0"/>
+                        </a:spcAft>
+                        <a:buClrTx/>
+                        <a:buSzTx/>
+                        <a:buFontTx/>
+                        <a:buNone/>
+                        <a:tabLst/>
+                        <a:defRPr/>
+                      </a:pPr>
+                      <a:endParaRPr lang="en-US" altLang="ko-KR" sz="1400" b="1" dirty="0">
+                        <a:solidFill>
+                          <a:schemeClr val="tx1"/>
+                        </a:solidFill>
+                      </a:endParaRPr>
+                    </a:p>
+                    <a:p>
+                      <a:pPr marL="0" marR="0" lvl="0" indent="0" algn="l" defTabSz="914400" rtl="0" eaLnBrk="1" fontAlgn="auto" latinLnBrk="1" hangingPunct="1">
+                        <a:lnSpc>
+                          <a:spcPct val="100000"/>
+                        </a:lnSpc>
+                        <a:spcBef>
+                          <a:spcPts val="0"/>
+                        </a:spcBef>
+                        <a:spcAft>
+                          <a:spcPts val="0"/>
+                        </a:spcAft>
+                        <a:buClrTx/>
+                        <a:buSzTx/>
+                        <a:buFontTx/>
+                        <a:buNone/>
+                        <a:tabLst/>
+                        <a:defRPr/>
+                      </a:pPr>
+                      <a:r>
+                        <a:rPr lang="ko-KR" altLang="en-US" sz="1400" b="1" dirty="0">
+                          <a:solidFill>
+                            <a:schemeClr val="tx1"/>
+                          </a:solidFill>
+                        </a:rPr>
+                        <a:t>기획 의도</a:t>
+                      </a:r>
+                      <a:endParaRPr lang="en-US" altLang="ko-KR" sz="1400" b="1" dirty="0">
+                        <a:solidFill>
+                          <a:schemeClr val="tx1"/>
+                        </a:solidFill>
+                      </a:endParaRPr>
+                    </a:p>
+                  </a:txBody>
+                  <a:tcPr anchor="ctr">
+                    <a:lnL w="12700" cmpd="sng">
+                      <a:noFill/>
+                    </a:lnL>
+                    <a:lnR w="12700" cmpd="sng">
+                      <a:noFill/>
+                    </a:lnR>
+                    <a:lnT w="12700" cap="flat" cmpd="sng" algn="ctr">
+                      <a:solidFill>
+                        <a:schemeClr val="tx1"/>
+                      </a:solidFill>
+                      <a:prstDash val="solid"/>
+                      <a:round/>
+                      <a:headEnd type="none" w="med" len="med"/>
+                      <a:tailEnd type="none" w="med" len="med"/>
+                    </a:lnT>
+                    <a:lnB w="12700" cap="flat" cmpd="sng" algn="ctr">
+                      <a:noFill/>
+                      <a:prstDash val="solid"/>
+                      <a:round/>
+                      <a:headEnd type="none" w="med" len="med"/>
+                      <a:tailEnd type="none" w="med" len="med"/>
+                    </a:lnB>
+                    <a:lnTlToBr w="12700" cmpd="sng">
+                      <a:noFill/>
+                      <a:prstDash val="solid"/>
+                    </a:lnTlToBr>
+                    <a:lnBlToTr w="12700" cmpd="sng">
+                      <a:noFill/>
+                      <a:prstDash val="solid"/>
+                    </a:lnBlToTr>
+                    <a:noFill/>
+                  </a:tcPr>
+                </a:tc>
+                <a:extLst>
+                  <a:ext uri="{0D108BD9-81ED-4DB2-BD59-A6C34878D82A}">
+                    <a16:rowId xmlns:a16="http://schemas.microsoft.com/office/drawing/2014/main" val="824188820"/>
+                  </a:ext>
+                </a:extLst>
+              </a:tr>
+              <a:tr h="0">
+                <a:tc>
+                  <a:txBody>
+                    <a:bodyPr/>
+                    <a:lstStyle/>
+                    <a:p>
+                      <a:pPr latinLnBrk="1"/>
+                      <a:r>
+                        <a:rPr lang="ko-KR" altLang="en-US" sz="1200" b="0" dirty="0">
+                          <a:solidFill>
+                            <a:schemeClr val="tx1"/>
+                          </a:solidFill>
+                        </a:rPr>
+                        <a:t>일반 기물보다 높은 능력치나 효과를 보유한 기물 카드를 소환할 경우 행동력을 제외한 추가적인 자원이 필요하게 하여 강력한 기물을 소환할 경우 그것에 맞는 대가가 필요하게 기획하였다</a:t>
+                      </a:r>
+                      <a:r>
+                        <a:rPr lang="en-US" altLang="ko-KR" sz="1200" b="0" dirty="0">
+                          <a:solidFill>
+                            <a:schemeClr val="tx1"/>
+                          </a:solidFill>
+                        </a:rPr>
+                        <a:t>.</a:t>
+                      </a:r>
+                    </a:p>
+                  </a:txBody>
+                  <a:tcPr anchor="ctr">
+                    <a:lnL w="12700" cmpd="sng">
+                      <a:noFill/>
+                    </a:lnL>
+                    <a:lnR w="12700" cmpd="sng">
+                      <a:noFill/>
+                    </a:lnR>
+                    <a:lnT w="12700" cap="flat" cmpd="sng" algn="ctr">
+                      <a:noFill/>
+                      <a:prstDash val="solid"/>
+                      <a:round/>
+                      <a:headEnd type="none" w="med" len="med"/>
+                      <a:tailEnd type="none" w="med" len="med"/>
+                    </a:lnT>
+                    <a:lnB w="12700" cap="flat" cmpd="sng" algn="ctr">
+                      <a:noFill/>
+                      <a:prstDash val="solid"/>
+                      <a:round/>
+                      <a:headEnd type="none" w="med" len="med"/>
+                      <a:tailEnd type="none" w="med" len="med"/>
+                    </a:lnB>
+                    <a:lnTlToBr w="12700" cmpd="sng">
+                      <a:noFill/>
+                      <a:prstDash val="solid"/>
+                    </a:lnTlToBr>
+                    <a:lnBlToTr w="12700" cmpd="sng">
+                      <a:noFill/>
+                      <a:prstDash val="solid"/>
+                    </a:lnBlToTr>
+                    <a:noFill/>
+                  </a:tcPr>
+                </a:tc>
+                <a:extLst>
+                  <a:ext uri="{0D108BD9-81ED-4DB2-BD59-A6C34878D82A}">
+                    <a16:rowId xmlns:a16="http://schemas.microsoft.com/office/drawing/2014/main" val="2690906204"/>
+                  </a:ext>
+                </a:extLst>
+              </a:tr>
+            </a:tbl>
+          </a:graphicData>
+        </a:graphic>
+      </p:graphicFrame>
+    </p:spTree>
+    <p:extLst>
+      <p:ext uri="{BB962C8B-B14F-4D97-AF65-F5344CB8AC3E}">
+        <p14:creationId xmlns:p14="http://schemas.microsoft.com/office/powerpoint/2010/main" val="1504579489"/>
+      </p:ext>
+    </p:extLst>
+  </p:cSld>
+  <p:clrMapOvr>
+    <a:masterClrMapping/>
+  </p:clrMapOvr>
+</p:sld>
+</file>
+
+<file path=ppt/slides/slide11.xml><?xml version="1.0" encoding="utf-8"?>
+<p:sld xmlns:a="http://schemas.openxmlformats.org/drawingml/2006/main" xmlns:r="http://schemas.openxmlformats.org/officeDocument/2006/relationships" xmlns:p="http://schemas.openxmlformats.org/presentationml/2006/main">
+  <p:cSld>
+    <p:spTree>
+      <p:nvGrpSpPr>
+        <p:cNvPr id="1" name="">
+          <a:extLst>
+            <a:ext uri="{FF2B5EF4-FFF2-40B4-BE49-F238E27FC236}">
+              <a16:creationId xmlns:a16="http://schemas.microsoft.com/office/drawing/2014/main" id="{D21DAEA7-79E3-502E-509C-DF5DDCA8B6BC}"/>
+            </a:ext>
+          </a:extLst>
+        </p:cNvPr>
+        <p:cNvGrpSpPr/>
+        <p:nvPr/>
+      </p:nvGrpSpPr>
+      <p:grpSpPr>
+        <a:xfrm>
+          <a:off x="0" y="0"/>
+          <a:ext cx="0" cy="0"/>
+          <a:chOff x="0" y="0"/>
+          <a:chExt cx="0" cy="0"/>
+        </a:xfrm>
+      </p:grpSpPr>
+      <p:sp>
+        <p:nvSpPr>
+          <p:cNvPr id="4" name="제목 1">
+            <a:extLst>
+              <a:ext uri="{FF2B5EF4-FFF2-40B4-BE49-F238E27FC236}">
+                <a16:creationId xmlns:a16="http://schemas.microsoft.com/office/drawing/2014/main" id="{636482B7-5B29-4FB0-B905-DE64440A7328}"/>
+              </a:ext>
+            </a:extLst>
+          </p:cNvPr>
+          <p:cNvSpPr txBox="1">
+            <a:spLocks/>
+          </p:cNvSpPr>
+          <p:nvPr/>
+        </p:nvSpPr>
+        <p:spPr>
+          <a:xfrm>
+            <a:off x="695324" y="387600"/>
+            <a:ext cx="10801351" cy="628400"/>
+          </a:xfrm>
+          <a:prstGeom prst="rect">
+            <a:avLst/>
+          </a:prstGeom>
+        </p:spPr>
+        <p:txBody>
+          <a:bodyPr vert="horz" lIns="91440" tIns="45720" rIns="91440" bIns="45720" rtlCol="0" anchor="ctr">
+            <a:normAutofit/>
+          </a:bodyPr>
+          <a:lstStyle>
+            <a:lvl1pPr algn="ctr" defTabSz="914400" rtl="0" eaLnBrk="1" latinLnBrk="1" hangingPunct="1">
+              <a:lnSpc>
+                <a:spcPct val="90000"/>
+              </a:lnSpc>
+              <a:spcBef>
+                <a:spcPct val="0"/>
+              </a:spcBef>
+              <a:buNone/>
+              <a:defRPr sz="6000" kern="1200">
+                <a:solidFill>
+                  <a:schemeClr val="tx1"/>
+                </a:solidFill>
+                <a:latin typeface="+mj-lt"/>
+                <a:ea typeface="+mj-ea"/>
+                <a:cs typeface="+mj-cs"/>
+              </a:defRPr>
+            </a:lvl1pPr>
+          </a:lstStyle>
+          <a:p>
+            <a:pPr algn="l">
+              <a:lnSpc>
+                <a:spcPct val="100000"/>
+              </a:lnSpc>
+            </a:pPr>
+            <a:r>
+              <a:rPr lang="ko-KR" altLang="en-US" sz="3200" dirty="0"/>
+              <a:t>플레이어 턴</a:t>
+            </a:r>
+            <a:r>
+              <a:rPr lang="en-US" altLang="ko-KR" sz="3200" dirty="0"/>
+              <a:t>–</a:t>
+            </a:r>
+            <a:r>
+              <a:rPr lang="en-US" altLang="ko-KR" sz="2800" dirty="0"/>
+              <a:t> </a:t>
+            </a:r>
+            <a:r>
+              <a:rPr lang="ko-KR" altLang="en-US" sz="2400" dirty="0"/>
+              <a:t>스킬 시스템</a:t>
+            </a:r>
+            <a:endParaRPr lang="en-US" altLang="ko-KR" sz="3200" dirty="0"/>
+          </a:p>
+        </p:txBody>
+      </p:sp>
+      <p:graphicFrame>
+        <p:nvGraphicFramePr>
+          <p:cNvPr id="18" name="표 17">
+            <a:extLst>
+              <a:ext uri="{FF2B5EF4-FFF2-40B4-BE49-F238E27FC236}">
+                <a16:creationId xmlns:a16="http://schemas.microsoft.com/office/drawing/2014/main" id="{F64BB153-38B9-4099-B10D-B1D00AAA2FD5}"/>
+              </a:ext>
+            </a:extLst>
+          </p:cNvPr>
+          <p:cNvGraphicFramePr>
+            <a:graphicFrameLocks noGrp="1"/>
+          </p:cNvGraphicFramePr>
+          <p:nvPr>
+            <p:extLst>
+              <p:ext uri="{D42A27DB-BD31-4B8C-83A1-F6EECF244321}">
+                <p14:modId xmlns:p14="http://schemas.microsoft.com/office/powerpoint/2010/main" val="2947694394"/>
+              </p:ext>
+            </p:extLst>
+          </p:nvPr>
+        </p:nvGraphicFramePr>
+        <p:xfrm>
+          <a:off x="1055528" y="4778377"/>
+          <a:ext cx="10080943" cy="1463040"/>
+        </p:xfrm>
+        <a:graphic>
+          <a:graphicData uri="http://schemas.openxmlformats.org/drawingml/2006/table">
+            <a:tbl>
+              <a:tblPr firstRow="1" bandRow="1">
+                <a:tableStyleId>{5C22544A-7EE6-4342-B048-85BDC9FD1C3A}</a:tableStyleId>
+              </a:tblPr>
+              <a:tblGrid>
+                <a:gridCol w="10080943">
+                  <a:extLst>
+                    <a:ext uri="{9D8B030D-6E8A-4147-A177-3AD203B41FA5}">
+                      <a16:colId xmlns:a16="http://schemas.microsoft.com/office/drawing/2014/main" val="2619519810"/>
+                    </a:ext>
+                  </a:extLst>
+                </a:gridCol>
+              </a:tblGrid>
+              <a:tr h="0">
+                <a:tc>
+                  <a:txBody>
+                    <a:bodyPr/>
+                    <a:lstStyle/>
+                    <a:p>
+                      <a:pPr latinLnBrk="1"/>
+                      <a:r>
+                        <a:rPr lang="ko-KR" altLang="en-US" sz="1400" b="0" dirty="0">
+                          <a:solidFill>
+                            <a:schemeClr val="tx1"/>
+                          </a:solidFill>
+                        </a:rPr>
+                        <a:t>스킬 덱에 스킬 카드를 필드에 기물이 사용하는 시스템이다</a:t>
+                      </a:r>
+                      <a:r>
+                        <a:rPr lang="en-US" altLang="ko-KR" sz="1400" b="0" dirty="0">
+                          <a:solidFill>
+                            <a:schemeClr val="tx1"/>
+                          </a:solidFill>
+                        </a:rPr>
+                        <a:t>.</a:t>
+                      </a:r>
+                      <a:endParaRPr lang="ko-KR" altLang="en-US" sz="1400" b="0" dirty="0">
+                        <a:solidFill>
+                          <a:schemeClr val="tx1"/>
+                        </a:solidFill>
+                      </a:endParaRPr>
+                    </a:p>
+                  </a:txBody>
+                  <a:tcPr>
+                    <a:lnL w="12700" cmpd="sng">
+                      <a:noFill/>
+                    </a:lnL>
+                    <a:lnR w="12700" cmpd="sng">
+                      <a:noFill/>
+                    </a:lnR>
+                    <a:lnT w="12700" cap="flat" cmpd="sng" algn="ctr">
+                      <a:noFill/>
+                      <a:prstDash val="solid"/>
+                      <a:round/>
+                      <a:headEnd type="none" w="med" len="med"/>
+                      <a:tailEnd type="none" w="med" len="med"/>
+                    </a:lnT>
+                    <a:lnB w="12700" cap="flat" cmpd="sng" algn="ctr">
+                      <a:solidFill>
+                        <a:schemeClr val="tx1"/>
+                      </a:solidFill>
+                      <a:prstDash val="solid"/>
+                      <a:round/>
+                      <a:headEnd type="none" w="med" len="med"/>
+                      <a:tailEnd type="none" w="med" len="med"/>
+                    </a:lnB>
+                    <a:lnTlToBr w="12700" cmpd="sng">
+                      <a:noFill/>
+                      <a:prstDash val="solid"/>
+                    </a:lnTlToBr>
+                    <a:lnBlToTr w="12700" cmpd="sng">
+                      <a:noFill/>
+                      <a:prstDash val="solid"/>
+                    </a:lnBlToTr>
+                    <a:noFill/>
+                  </a:tcPr>
+                </a:tc>
+                <a:extLst>
+                  <a:ext uri="{0D108BD9-81ED-4DB2-BD59-A6C34878D82A}">
+                    <a16:rowId xmlns:a16="http://schemas.microsoft.com/office/drawing/2014/main" val="1453759622"/>
+                  </a:ext>
+                </a:extLst>
+              </a:tr>
+              <a:tr h="0">
+                <a:tc>
+                  <a:txBody>
+                    <a:bodyPr/>
+                    <a:lstStyle/>
+                    <a:p>
+                      <a:pPr marL="0" marR="0" lvl="0" indent="0" algn="l" defTabSz="914400" rtl="0" eaLnBrk="1" fontAlgn="auto" latinLnBrk="1" hangingPunct="1">
+                        <a:lnSpc>
+                          <a:spcPct val="100000"/>
+                        </a:lnSpc>
+                        <a:spcBef>
+                          <a:spcPts val="0"/>
+                        </a:spcBef>
+                        <a:spcAft>
+                          <a:spcPts val="0"/>
+                        </a:spcAft>
+                        <a:buClrTx/>
+                        <a:buSzTx/>
+                        <a:buFontTx/>
+                        <a:buNone/>
+                        <a:tabLst/>
+                        <a:defRPr/>
+                      </a:pPr>
+                      <a:endParaRPr lang="en-US" altLang="ko-KR" sz="1400" b="1" dirty="0">
+                        <a:solidFill>
+                          <a:schemeClr val="tx1"/>
+                        </a:solidFill>
+                      </a:endParaRPr>
+                    </a:p>
+                    <a:p>
+                      <a:pPr marL="0" marR="0" lvl="0" indent="0" algn="l" defTabSz="914400" rtl="0" eaLnBrk="1" fontAlgn="auto" latinLnBrk="1" hangingPunct="1">
+                        <a:lnSpc>
+                          <a:spcPct val="100000"/>
+                        </a:lnSpc>
+                        <a:spcBef>
+                          <a:spcPts val="0"/>
+                        </a:spcBef>
+                        <a:spcAft>
+                          <a:spcPts val="0"/>
+                        </a:spcAft>
+                        <a:buClrTx/>
+                        <a:buSzTx/>
+                        <a:buFontTx/>
+                        <a:buNone/>
+                        <a:tabLst/>
+                        <a:defRPr/>
+                      </a:pPr>
+                      <a:r>
+                        <a:rPr lang="ko-KR" altLang="en-US" sz="1400" b="1" dirty="0">
+                          <a:solidFill>
+                            <a:schemeClr val="tx1"/>
+                          </a:solidFill>
+                        </a:rPr>
+                        <a:t>기획 의도</a:t>
+                      </a:r>
+                      <a:endParaRPr lang="en-US" altLang="ko-KR" sz="1400" b="1" dirty="0">
+                        <a:solidFill>
+                          <a:schemeClr val="tx1"/>
+                        </a:solidFill>
+                      </a:endParaRPr>
+                    </a:p>
+                  </a:txBody>
+                  <a:tcPr anchor="ctr">
+                    <a:lnL w="12700" cmpd="sng">
+                      <a:noFill/>
+                    </a:lnL>
+                    <a:lnR w="12700" cmpd="sng">
+                      <a:noFill/>
+                    </a:lnR>
+                    <a:lnT w="12700" cap="flat" cmpd="sng" algn="ctr">
+                      <a:solidFill>
+                        <a:schemeClr val="tx1"/>
+                      </a:solidFill>
+                      <a:prstDash val="solid"/>
+                      <a:round/>
+                      <a:headEnd type="none" w="med" len="med"/>
+                      <a:tailEnd type="none" w="med" len="med"/>
+                    </a:lnT>
+                    <a:lnB w="12700" cap="flat" cmpd="sng" algn="ctr">
+                      <a:noFill/>
+                      <a:prstDash val="solid"/>
+                      <a:round/>
+                      <a:headEnd type="none" w="med" len="med"/>
+                      <a:tailEnd type="none" w="med" len="med"/>
+                    </a:lnB>
+                    <a:lnTlToBr w="12700" cmpd="sng">
+                      <a:noFill/>
+                      <a:prstDash val="solid"/>
+                    </a:lnTlToBr>
+                    <a:lnBlToTr w="12700" cmpd="sng">
+                      <a:noFill/>
+                      <a:prstDash val="solid"/>
+                    </a:lnBlToTr>
+                    <a:noFill/>
+                  </a:tcPr>
+                </a:tc>
+                <a:extLst>
+                  <a:ext uri="{0D108BD9-81ED-4DB2-BD59-A6C34878D82A}">
+                    <a16:rowId xmlns:a16="http://schemas.microsoft.com/office/drawing/2014/main" val="824188820"/>
+                  </a:ext>
+                </a:extLst>
+              </a:tr>
+              <a:tr h="0">
+                <a:tc>
+                  <a:txBody>
+                    <a:bodyPr/>
+                    <a:lstStyle/>
+                    <a:p>
+                      <a:pPr latinLnBrk="1"/>
+                      <a:r>
+                        <a:rPr lang="ko-KR" altLang="en-US" sz="1200" b="0" dirty="0">
+                          <a:solidFill>
+                            <a:schemeClr val="tx1"/>
+                          </a:solidFill>
+                        </a:rPr>
+                        <a:t>손패에 존재해야 사용 가능한 카드와 달리 스킬을 사용할 기물이 필드에 존재할 경우 스킬 덱에서 스킬 카드를 사용하여 필드에 소환되어 있는 기물이 해당 스킬을 사용할 수 있는 전략적인 요소로 사용할 수 있게 기획하였다</a:t>
+                      </a:r>
+                      <a:r>
+                        <a:rPr lang="en-US" altLang="ko-KR" sz="1200" b="0" dirty="0">
+                          <a:solidFill>
+                            <a:schemeClr val="tx1"/>
+                          </a:solidFill>
+                        </a:rPr>
+                        <a:t>.</a:t>
+                      </a:r>
+                    </a:p>
+                    <a:p>
+                      <a:pPr latinLnBrk="1"/>
+                      <a:r>
+                        <a:rPr lang="ko-KR" altLang="en-US" sz="1200" b="0" dirty="0">
+                          <a:solidFill>
+                            <a:schemeClr val="tx1"/>
+                          </a:solidFill>
+                        </a:rPr>
+                        <a:t>또한</a:t>
+                      </a:r>
+                      <a:r>
+                        <a:rPr lang="en-US" altLang="ko-KR" sz="1200" b="0" dirty="0">
+                          <a:solidFill>
+                            <a:schemeClr val="tx1"/>
+                          </a:solidFill>
+                        </a:rPr>
+                        <a:t>, </a:t>
+                      </a:r>
+                      <a:r>
+                        <a:rPr lang="ko-KR" altLang="en-US" sz="1200" b="0" dirty="0">
+                          <a:solidFill>
+                            <a:schemeClr val="tx1"/>
+                          </a:solidFill>
+                        </a:rPr>
+                        <a:t>기물이 보유하기 너무 강력하거나 복잡한 효과를 스킬 카드로 분리하여 플레이어가 카드 효과를 이해하기 쉽게 하였다</a:t>
+                      </a:r>
+                      <a:r>
+                        <a:rPr lang="en-US" altLang="ko-KR" sz="1200" b="0" dirty="0">
+                          <a:solidFill>
+                            <a:schemeClr val="tx1"/>
+                          </a:solidFill>
+                        </a:rPr>
+                        <a:t>.</a:t>
+                      </a:r>
+                      <a:r>
+                        <a:rPr lang="ko-KR" altLang="en-US" sz="1200" b="0" dirty="0">
+                          <a:solidFill>
+                            <a:schemeClr val="tx1"/>
+                          </a:solidFill>
+                        </a:rPr>
+                        <a:t> </a:t>
+                      </a:r>
+                      <a:endParaRPr lang="en-US" altLang="ko-KR" sz="1200" b="0" dirty="0">
+                        <a:solidFill>
+                          <a:schemeClr val="tx1"/>
+                        </a:solidFill>
+                      </a:endParaRPr>
+                    </a:p>
+                  </a:txBody>
+                  <a:tcPr anchor="ctr">
+                    <a:lnL w="12700" cmpd="sng">
+                      <a:noFill/>
+                    </a:lnL>
+                    <a:lnR w="12700" cmpd="sng">
+                      <a:noFill/>
+                    </a:lnR>
+                    <a:lnT w="12700" cap="flat" cmpd="sng" algn="ctr">
+                      <a:noFill/>
+                      <a:prstDash val="solid"/>
+                      <a:round/>
+                      <a:headEnd type="none" w="med" len="med"/>
+                      <a:tailEnd type="none" w="med" len="med"/>
+                    </a:lnT>
+                    <a:lnB w="12700" cap="flat" cmpd="sng" algn="ctr">
+                      <a:noFill/>
+                      <a:prstDash val="solid"/>
+                      <a:round/>
+                      <a:headEnd type="none" w="med" len="med"/>
+                      <a:tailEnd type="none" w="med" len="med"/>
+                    </a:lnB>
+                    <a:lnTlToBr w="12700" cmpd="sng">
+                      <a:noFill/>
+                      <a:prstDash val="solid"/>
+                    </a:lnTlToBr>
+                    <a:lnBlToTr w="12700" cmpd="sng">
+                      <a:noFill/>
+                      <a:prstDash val="solid"/>
+                    </a:lnBlToTr>
+                    <a:noFill/>
+                  </a:tcPr>
+                </a:tc>
+                <a:extLst>
+                  <a:ext uri="{0D108BD9-81ED-4DB2-BD59-A6C34878D82A}">
+                    <a16:rowId xmlns:a16="http://schemas.microsoft.com/office/drawing/2014/main" val="2690906204"/>
+                  </a:ext>
+                </a:extLst>
+              </a:tr>
+            </a:tbl>
+          </a:graphicData>
+        </a:graphic>
+      </p:graphicFrame>
+    </p:spTree>
+    <p:extLst>
+      <p:ext uri="{BB962C8B-B14F-4D97-AF65-F5344CB8AC3E}">
+        <p14:creationId xmlns:p14="http://schemas.microsoft.com/office/powerpoint/2010/main" val="2885987824"/>
+      </p:ext>
+    </p:extLst>
+  </p:cSld>
+  <p:clrMapOvr>
+    <a:masterClrMapping/>
+  </p:clrMapOvr>
+</p:sld>
+</file>
+
 <file path=ppt/slides/slide2.xml><?xml version="1.0" encoding="utf-8"?>
 <p:sld xmlns:a="http://schemas.openxmlformats.org/drawingml/2006/main" xmlns:r="http://schemas.openxmlformats.org/officeDocument/2006/relationships" xmlns:p="http://schemas.openxmlformats.org/presentationml/2006/main">
   <p:cSld>
@@ -4124,14 +4951,14 @@
           <p:nvPr>
             <p:extLst>
               <p:ext uri="{D42A27DB-BD31-4B8C-83A1-F6EECF244321}">
-                <p14:modId xmlns:p14="http://schemas.microsoft.com/office/powerpoint/2010/main" val="760162769"/>
+                <p14:modId xmlns:p14="http://schemas.microsoft.com/office/powerpoint/2010/main" val="712674411"/>
               </p:ext>
             </p:extLst>
           </p:nvPr>
         </p:nvGraphicFramePr>
         <p:xfrm>
-          <a:off x="1345087" y="1302279"/>
-          <a:ext cx="9501823" cy="1158240"/>
+          <a:off x="1576638" y="3097530"/>
+          <a:ext cx="9038724" cy="1310640"/>
         </p:xfrm>
         <a:graphic>
           <a:graphicData uri="http://schemas.openxmlformats.org/drawingml/2006/table">
@@ -4140,7 +4967,7 @@
                 <a:tableStyleId>{5C22544A-7EE6-4342-B048-85BDC9FD1C3A}</a:tableStyleId>
               </a:tblPr>
               <a:tblGrid>
-                <a:gridCol w="9501823">
+                <a:gridCol w="9038724">
                   <a:extLst>
                     <a:ext uri="{9D8B030D-6E8A-4147-A177-3AD203B41FA5}">
                       <a16:colId xmlns:a16="http://schemas.microsoft.com/office/drawing/2014/main" val="2619519810"/>
@@ -4148,7 +4975,7 @@
                   </a:extLst>
                 </a:gridCol>
               </a:tblGrid>
-              <a:tr h="0">
+              <a:tr h="1021398">
                 <a:tc>
                   <a:txBody>
                     <a:bodyPr/>
@@ -4172,7 +4999,7 @@
                         <a:defRPr/>
                       </a:pPr>
                       <a:r>
-                        <a:rPr kumimoji="0" lang="ko-KR" altLang="en-US" sz="1400" b="0" i="0" u="none" strike="noStrike" kern="1200" cap="none" spc="0" normalizeH="0" baseline="0" noProof="0" dirty="0">
+                        <a:rPr kumimoji="0" lang="ko-KR" altLang="en-US" sz="1600" b="0" i="0" u="none" strike="noStrike" kern="1200" cap="none" spc="0" normalizeH="0" baseline="0" noProof="0" dirty="0">
                           <a:ln>
                             <a:noFill/>
                           </a:ln>
@@ -4189,7 +5016,7 @@
                         <a:t>해당 문서는 게임 </a:t>
                       </a:r>
                       <a:r>
-                        <a:rPr kumimoji="0" lang="en-US" altLang="ko-KR" sz="1400" b="0" i="0" u="none" strike="noStrike" kern="1200" cap="none" spc="0" normalizeH="0" baseline="0" noProof="0" dirty="0">
+                        <a:rPr kumimoji="0" lang="en-US" altLang="ko-KR" sz="1600" b="0" i="0" u="none" strike="noStrike" kern="1200" cap="none" spc="0" normalizeH="0" baseline="0" noProof="0" dirty="0">
                           <a:ln>
                             <a:noFill/>
                           </a:ln>
@@ -4206,7 +5033,7 @@
                         <a:t>‘Fantasy chess’</a:t>
                       </a:r>
                       <a:r>
-                        <a:rPr kumimoji="0" lang="ko-KR" altLang="en-US" sz="1400" b="0" i="0" u="none" strike="noStrike" kern="1200" cap="none" spc="0" normalizeH="0" baseline="0" noProof="0" dirty="0">
+                        <a:rPr kumimoji="0" lang="ko-KR" altLang="en-US" sz="1600" b="0" i="0" u="none" strike="noStrike" kern="1200" cap="none" spc="0" normalizeH="0" baseline="0" noProof="0" dirty="0">
                           <a:ln>
                             <a:noFill/>
                           </a:ln>
@@ -4220,10 +5047,60 @@
                           <a:ea typeface="맑은 고딕" charset="0"/>
                           <a:cs typeface="+mn-cs"/>
                         </a:rPr>
-                        <a:t>의 전투 시스템을 단계별로 분류하여 기획한 문서로 전투 시스템 구현 과정에서 전투 시스템에 대한 이해를 돕고 게임의 완성도를 향상 시키기 위하여 작성되었다</a:t>
+                        <a:t>의 전투 시스템을 단계별로 분류하여 기획한 문서로 전투 시스템</a:t>
+                      </a:r>
+                      <a:endParaRPr kumimoji="0" lang="en-US" altLang="ko-KR" sz="1600" b="0" i="0" u="none" strike="noStrike" kern="1200" cap="none" spc="0" normalizeH="0" baseline="0" noProof="0" dirty="0">
+                        <a:ln>
+                          <a:noFill/>
+                        </a:ln>
+                        <a:solidFill>
+                          <a:prstClr val="black"/>
+                        </a:solidFill>
+                        <a:effectLst/>
+                        <a:uLnTx/>
+                        <a:uFillTx/>
+                        <a:latin typeface="맑은 고딕" charset="0"/>
+                        <a:ea typeface="맑은 고딕" charset="0"/>
+                        <a:cs typeface="+mn-cs"/>
+                      </a:endParaRPr>
+                    </a:p>
+                    <a:p>
+                      <a:pPr marL="0" marR="0" lvl="0" indent="0" algn="l" defTabSz="914400" rtl="0" eaLnBrk="1" fontAlgn="auto" latinLnBrk="1" hangingPunct="1">
+                        <a:lnSpc>
+                          <a:spcPct val="100000"/>
+                        </a:lnSpc>
+                        <a:spcBef>
+                          <a:spcPts val="0"/>
+                        </a:spcBef>
+                        <a:spcAft>
+                          <a:spcPts val="0"/>
+                        </a:spcAft>
+                        <a:buClrTx/>
+                        <a:buSzTx/>
+                        <a:buFontTx/>
+                        <a:buNone/>
+                        <a:tabLst/>
+                        <a:defRPr/>
+                      </a:pPr>
+                      <a:r>
+                        <a:rPr kumimoji="0" lang="ko-KR" altLang="en-US" sz="1600" b="0" i="0" u="none" strike="noStrike" kern="1200" cap="none" spc="0" normalizeH="0" baseline="0" noProof="0" dirty="0">
+                          <a:ln>
+                            <a:noFill/>
+                          </a:ln>
+                          <a:solidFill>
+                            <a:prstClr val="black"/>
+                          </a:solidFill>
+                          <a:effectLst/>
+                          <a:uLnTx/>
+                          <a:uFillTx/>
+                          <a:latin typeface="맑은 고딕" charset="0"/>
+                          <a:ea typeface="맑은 고딕" charset="0"/>
+                          <a:cs typeface="+mn-cs"/>
+                        </a:rPr>
+                        <a:t>구현 과정에서 전투 시스템에 대한 이해를 돕고 게임의 완성도를 향상 시키기 위하여 작성되었다</a:t>
                       </a:r>
                       <a:r>
-                        <a:rPr kumimoji="0" lang="en-US" altLang="ko-KR" sz="1400" b="0" i="0" u="none" strike="noStrike" kern="1200" cap="none" spc="0" normalizeH="0" baseline="0" noProof="0" dirty="0">
+                        <a:rPr kumimoji="0" lang="en-US" altLang="ko-KR" sz="1600" b="0" i="0" u="none" strike="noStrike" kern="1200" cap="none" spc="0" normalizeH="0" baseline="0" noProof="0" dirty="0">
                           <a:ln>
                             <a:noFill/>
                           </a:ln>
@@ -4258,7 +5135,7 @@
                         <a:tabLst/>
                         <a:defRPr/>
                       </a:pPr>
-                      <a:endParaRPr kumimoji="0" lang="en-US" altLang="ko-KR" sz="1400" b="0" i="0" u="none" strike="noStrike" kern="1200" cap="none" spc="0" normalizeH="0" baseline="0" noProof="0" dirty="0">
+                      <a:endParaRPr kumimoji="0" lang="en-US" altLang="ko-KR" sz="1600" b="0" i="0" u="none" strike="noStrike" kern="1200" cap="none" spc="0" normalizeH="0" baseline="0" noProof="0" dirty="0">
                         <a:ln>
                           <a:noFill/>
                         </a:ln>
@@ -4292,7 +5169,7 @@
                         <a:defRPr/>
                       </a:pPr>
                       <a:r>
-                        <a:rPr kumimoji="0" lang="ko-KR" altLang="en-US" sz="1400" b="0" i="0" u="none" strike="noStrike" kern="1200" cap="none" spc="0" normalizeH="0" baseline="0" noProof="0" dirty="0">
+                        <a:rPr kumimoji="0" lang="ko-KR" altLang="en-US" sz="1600" b="0" i="0" u="none" strike="noStrike" kern="1200" cap="none" spc="0" normalizeH="0" baseline="0" noProof="0" dirty="0">
                           <a:ln>
                             <a:noFill/>
                           </a:ln>
@@ -4309,7 +5186,7 @@
                         <a:t>해당 문서에 서술된 내용은 </a:t>
                       </a:r>
                       <a:r>
-                        <a:rPr kumimoji="0" lang="en-US" altLang="ko-KR" sz="1400" b="0" i="0" u="none" strike="noStrike" kern="1200" cap="none" spc="0" normalizeH="0" baseline="0" noProof="0" dirty="0">
+                        <a:rPr kumimoji="0" lang="en-US" altLang="ko-KR" sz="1600" b="0" i="0" u="none" strike="noStrike" kern="1200" cap="none" spc="0" normalizeH="0" baseline="0" noProof="0" dirty="0">
                           <a:ln>
                             <a:noFill/>
                           </a:ln>
@@ -4326,7 +5203,7 @@
                         <a:t>‘Fantasy chess’</a:t>
                       </a:r>
                       <a:r>
-                        <a:rPr kumimoji="0" lang="ko-KR" altLang="en-US" sz="1400" b="0" i="0" u="none" strike="noStrike" kern="1200" cap="none" spc="0" normalizeH="0" baseline="0" noProof="0" dirty="0">
+                        <a:rPr kumimoji="0" lang="ko-KR" altLang="en-US" sz="1600" b="0" i="0" u="none" strike="noStrike" kern="1200" cap="none" spc="0" normalizeH="0" baseline="0" noProof="0" dirty="0">
                           <a:ln>
                             <a:noFill/>
                           </a:ln>
@@ -4340,10 +5217,60 @@
                           <a:ea typeface="맑은 고딕" charset="0"/>
                           <a:cs typeface="+mn-cs"/>
                         </a:rPr>
-                        <a:t>에 전투 시스템의 기초이자 기본이 되는 내용이지만 추후 보완이 필요한 부분이 발견 시 수정될 수 있다</a:t>
+                        <a:t>에 전투 시스템의 기초이자 기본이 되는 내용이지만</a:t>
+                      </a:r>
+                      <a:endParaRPr kumimoji="0" lang="en-US" altLang="ko-KR" sz="1600" b="0" i="0" u="none" strike="noStrike" kern="1200" cap="none" spc="0" normalizeH="0" baseline="0" noProof="0" dirty="0">
+                        <a:ln>
+                          <a:noFill/>
+                        </a:ln>
+                        <a:solidFill>
+                          <a:prstClr val="black"/>
+                        </a:solidFill>
+                        <a:effectLst/>
+                        <a:uLnTx/>
+                        <a:uFillTx/>
+                        <a:latin typeface="맑은 고딕" charset="0"/>
+                        <a:ea typeface="맑은 고딕" charset="0"/>
+                        <a:cs typeface="+mn-cs"/>
+                      </a:endParaRPr>
+                    </a:p>
+                    <a:p>
+                      <a:pPr marL="0" marR="0" lvl="0" indent="0" algn="l" defTabSz="914400" rtl="0" eaLnBrk="1" fontAlgn="auto" latinLnBrk="1" hangingPunct="1">
+                        <a:lnSpc>
+                          <a:spcPct val="100000"/>
+                        </a:lnSpc>
+                        <a:spcBef>
+                          <a:spcPts val="0"/>
+                        </a:spcBef>
+                        <a:spcAft>
+                          <a:spcPts val="0"/>
+                        </a:spcAft>
+                        <a:buClrTx/>
+                        <a:buSzTx/>
+                        <a:buFontTx/>
+                        <a:buNone/>
+                        <a:tabLst/>
+                        <a:defRPr/>
+                      </a:pPr>
+                      <a:r>
+                        <a:rPr kumimoji="0" lang="ko-KR" altLang="en-US" sz="1600" b="0" i="0" u="none" strike="noStrike" kern="1200" cap="none" spc="0" normalizeH="0" baseline="0" noProof="0" dirty="0">
+                          <a:ln>
+                            <a:noFill/>
+                          </a:ln>
+                          <a:solidFill>
+                            <a:prstClr val="black"/>
+                          </a:solidFill>
+                          <a:effectLst/>
+                          <a:uLnTx/>
+                          <a:uFillTx/>
+                          <a:latin typeface="맑은 고딕" charset="0"/>
+                          <a:ea typeface="맑은 고딕" charset="0"/>
+                          <a:cs typeface="+mn-cs"/>
+                        </a:rPr>
+                        <a:t>추후 보완이 필요한 부분이 발견 시 수정될 수 있다</a:t>
                       </a:r>
                       <a:r>
-                        <a:rPr kumimoji="0" lang="en-US" altLang="ko-KR" sz="1400" b="0" i="0" u="none" strike="noStrike" kern="1200" cap="none" spc="0" normalizeH="0" baseline="0" noProof="0" dirty="0">
+                        <a:rPr kumimoji="0" lang="en-US" altLang="ko-KR" sz="1600" b="0" i="0" u="none" strike="noStrike" kern="1200" cap="none" spc="0" normalizeH="0" baseline="0" noProof="0" dirty="0">
                           <a:ln>
                             <a:noFill/>
                           </a:ln>
@@ -4360,7 +5287,7 @@
                         <a:t>.</a:t>
                       </a:r>
                       <a:r>
-                        <a:rPr kumimoji="0" lang="ko-KR" altLang="en-US" sz="1400" b="0" i="0" u="none" strike="noStrike" kern="1200" cap="none" spc="0" normalizeH="0" baseline="0" noProof="0" dirty="0">
+                        <a:rPr kumimoji="0" lang="ko-KR" altLang="en-US" sz="1600" b="0" i="0" u="none" strike="noStrike" kern="1200" cap="none" spc="0" normalizeH="0" baseline="0" noProof="0" dirty="0">
                           <a:ln>
                             <a:noFill/>
                           </a:ln>
@@ -4376,7 +5303,7 @@
                         </a:rPr>
                         <a:t> </a:t>
                       </a:r>
-                      <a:endParaRPr kumimoji="0" lang="en-US" altLang="ko-KR" sz="1400" b="0" i="0" u="none" strike="noStrike" kern="1200" cap="none" spc="0" normalizeH="0" baseline="0" noProof="0" dirty="0">
+                      <a:endParaRPr kumimoji="0" lang="en-US" altLang="ko-KR" sz="1600" b="0" i="0" u="none" strike="noStrike" kern="1200" cap="none" spc="0" normalizeH="0" baseline="0" noProof="0" dirty="0">
                         <a:ln>
                           <a:noFill/>
                         </a:ln>
@@ -4524,41 +5451,18 @@
             </a:pPr>
             <a:r>
               <a:rPr lang="ko-KR" altLang="en-US" sz="3200" dirty="0"/>
-              <a:t>합 시스템 </a:t>
-            </a:r>
-            <a:r>
-              <a:rPr lang="en-US" altLang="ko-KR" sz="3200" dirty="0"/>
-              <a:t>–</a:t>
-            </a:r>
-            <a:r>
-              <a:rPr lang="en-US" altLang="ko-KR" sz="2400" dirty="0"/>
-              <a:t> </a:t>
-            </a:r>
-            <a:r>
-              <a:rPr lang="ko-KR" altLang="en-US" sz="2400" dirty="0"/>
-              <a:t>단계 구분 및 설명 </a:t>
-            </a:r>
-            <a:r>
-              <a:rPr lang="en-US" altLang="ko-KR" sz="2400" dirty="0"/>
-              <a:t>(</a:t>
-            </a:r>
-            <a:r>
-              <a:rPr lang="ko-KR" altLang="en-US" sz="2400" dirty="0"/>
-              <a:t>전투 전체</a:t>
-            </a:r>
-            <a:r>
-              <a:rPr lang="en-US" altLang="ko-KR" sz="2400" dirty="0"/>
-              <a:t>)</a:t>
-            </a:r>
-          </a:p>
-        </p:txBody>
-      </p:sp>
-      <p:sp>
-        <p:nvSpPr>
-          <p:cNvPr id="7" name="직사각형 6">
+              <a:t>전투 전체 알고리즘</a:t>
+            </a:r>
+            <a:endParaRPr lang="en-US" altLang="ko-KR" sz="2400" dirty="0"/>
+          </a:p>
+        </p:txBody>
+      </p:sp>
+      <p:sp>
+        <p:nvSpPr>
+          <p:cNvPr id="8" name="직사각형 7">
             <a:extLst>
               <a:ext uri="{FF2B5EF4-FFF2-40B4-BE49-F238E27FC236}">
-                <a16:creationId xmlns:a16="http://schemas.microsoft.com/office/drawing/2014/main" id="{37E1A83C-0DBB-49DD-8C18-D4FE5B189C02}"/>
+                <a16:creationId xmlns:a16="http://schemas.microsoft.com/office/drawing/2014/main" id="{ED466D24-47EB-4EE1-83E7-366A0934116A}"/>
               </a:ext>
             </a:extLst>
           </p:cNvPr>
@@ -4567,7 +5471,7 @@
         </p:nvSpPr>
         <p:spPr>
           <a:xfrm>
-            <a:off x="695325" y="1160150"/>
+            <a:off x="2908089" y="1949754"/>
             <a:ext cx="1258358" cy="430212"/>
           </a:xfrm>
           <a:prstGeom prst="rect">
@@ -4597,17 +5501,25 @@
             <a:pPr algn="ctr"/>
             <a:r>
               <a:rPr lang="ko-KR" altLang="en-US" sz="1200" dirty="0"/>
-              <a:t>전투 돌입</a:t>
-            </a:r>
-          </a:p>
-        </p:txBody>
-      </p:sp>
-      <p:sp>
-        <p:nvSpPr>
-          <p:cNvPr id="8" name="직사각형 7">
+              <a:t>코인 토스</a:t>
+            </a:r>
+            <a:endParaRPr lang="en-US" altLang="ko-KR" sz="1200" dirty="0"/>
+          </a:p>
+          <a:p>
+            <a:pPr algn="ctr"/>
+            <a:r>
+              <a:rPr lang="ko-KR" altLang="en-US" sz="1200" dirty="0"/>
+              <a:t>시스템</a:t>
+            </a:r>
+          </a:p>
+        </p:txBody>
+      </p:sp>
+      <p:sp>
+        <p:nvSpPr>
+          <p:cNvPr id="9" name="직사각형 8">
             <a:extLst>
               <a:ext uri="{FF2B5EF4-FFF2-40B4-BE49-F238E27FC236}">
-                <a16:creationId xmlns:a16="http://schemas.microsoft.com/office/drawing/2014/main" id="{ED466D24-47EB-4EE1-83E7-366A0934116A}"/>
+                <a16:creationId xmlns:a16="http://schemas.microsoft.com/office/drawing/2014/main" id="{5C204D70-AABC-4C42-A3AD-7E32DFC8C0D7}"/>
               </a:ext>
             </a:extLst>
           </p:cNvPr>
@@ -4616,7 +5528,7 @@
         </p:nvSpPr>
         <p:spPr>
           <a:xfrm>
-            <a:off x="2270123" y="1698625"/>
+            <a:off x="2706581" y="1426369"/>
             <a:ext cx="1258358" cy="430212"/>
           </a:xfrm>
           <a:prstGeom prst="rect">
@@ -4646,33 +5558,17 @@
             <a:pPr algn="ctr"/>
             <a:r>
               <a:rPr lang="ko-KR" altLang="en-US" sz="1200" dirty="0"/>
-              <a:t>선공</a:t>
-            </a:r>
-            <a:r>
-              <a:rPr lang="en-US" altLang="ko-KR" sz="1200" dirty="0"/>
-              <a:t>/</a:t>
-            </a:r>
-            <a:r>
-              <a:rPr lang="ko-KR" altLang="en-US" sz="1200" dirty="0"/>
-              <a:t>후공</a:t>
-            </a:r>
-            <a:endParaRPr lang="en-US" altLang="ko-KR" sz="1200" dirty="0"/>
-          </a:p>
-          <a:p>
-            <a:pPr algn="ctr"/>
-            <a:r>
-              <a:rPr lang="ko-KR" altLang="en-US" sz="1200" dirty="0"/>
-              <a:t>결정</a:t>
-            </a:r>
-          </a:p>
-        </p:txBody>
-      </p:sp>
-      <p:sp>
-        <p:nvSpPr>
-          <p:cNvPr id="9" name="직사각형 8">
+              <a:t>전투 준비</a:t>
+            </a:r>
+          </a:p>
+        </p:txBody>
+      </p:sp>
+      <p:sp>
+        <p:nvSpPr>
+          <p:cNvPr id="10" name="직사각형 9">
             <a:extLst>
               <a:ext uri="{FF2B5EF4-FFF2-40B4-BE49-F238E27FC236}">
-                <a16:creationId xmlns:a16="http://schemas.microsoft.com/office/drawing/2014/main" id="{5C204D70-AABC-4C42-A3AD-7E32DFC8C0D7}"/>
+                <a16:creationId xmlns:a16="http://schemas.microsoft.com/office/drawing/2014/main" id="{071F2FDC-8552-4BD0-BB6C-69AB3AC13C40}"/>
               </a:ext>
             </a:extLst>
           </p:cNvPr>
@@ -4681,7 +5577,7 @@
         </p:nvSpPr>
         <p:spPr>
           <a:xfrm>
-            <a:off x="2110949" y="1160150"/>
+            <a:off x="7887124" y="1426369"/>
             <a:ext cx="1258358" cy="430212"/>
           </a:xfrm>
           <a:prstGeom prst="rect">
@@ -4711,17 +5607,17 @@
             <a:pPr algn="ctr"/>
             <a:r>
               <a:rPr lang="ko-KR" altLang="en-US" sz="1200" dirty="0"/>
-              <a:t>전투 준비</a:t>
-            </a:r>
-          </a:p>
-        </p:txBody>
-      </p:sp>
-      <p:sp>
-        <p:nvSpPr>
-          <p:cNvPr id="10" name="직사각형 9">
+              <a:t>전투 시작</a:t>
+            </a:r>
+          </a:p>
+        </p:txBody>
+      </p:sp>
+      <p:sp>
+        <p:nvSpPr>
+          <p:cNvPr id="16" name="직사각형 15">
             <a:extLst>
               <a:ext uri="{FF2B5EF4-FFF2-40B4-BE49-F238E27FC236}">
-                <a16:creationId xmlns:a16="http://schemas.microsoft.com/office/drawing/2014/main" id="{071F2FDC-8552-4BD0-BB6C-69AB3AC13C40}"/>
+                <a16:creationId xmlns:a16="http://schemas.microsoft.com/office/drawing/2014/main" id="{88EF567A-EAEC-4716-9651-E3D5581BCD45}"/>
               </a:ext>
             </a:extLst>
           </p:cNvPr>
@@ -4730,7 +5626,7 @@
         </p:nvSpPr>
         <p:spPr>
           <a:xfrm>
-            <a:off x="6806140" y="1160150"/>
+            <a:off x="4960726" y="1949754"/>
             <a:ext cx="1258358" cy="430212"/>
           </a:xfrm>
           <a:prstGeom prst="rect">
@@ -4760,17 +5656,25 @@
             <a:pPr algn="ctr"/>
             <a:r>
               <a:rPr lang="ko-KR" altLang="en-US" sz="1200" dirty="0"/>
-              <a:t>전투 시작</a:t>
-            </a:r>
-          </a:p>
-        </p:txBody>
-      </p:sp>
-      <p:sp>
-        <p:nvSpPr>
-          <p:cNvPr id="16" name="직사각형 15">
+              <a:t>시작 기물</a:t>
+            </a:r>
+            <a:endParaRPr lang="en-US" altLang="ko-KR" sz="1200" dirty="0"/>
+          </a:p>
+          <a:p>
+            <a:pPr algn="ctr"/>
+            <a:r>
+              <a:rPr lang="ko-KR" altLang="en-US" sz="1200" dirty="0"/>
+              <a:t>배치 시스템</a:t>
+            </a:r>
+          </a:p>
+        </p:txBody>
+      </p:sp>
+      <p:sp>
+        <p:nvSpPr>
+          <p:cNvPr id="17" name="직사각형 16">
             <a:extLst>
               <a:ext uri="{FF2B5EF4-FFF2-40B4-BE49-F238E27FC236}">
-                <a16:creationId xmlns:a16="http://schemas.microsoft.com/office/drawing/2014/main" id="{88EF567A-EAEC-4716-9651-E3D5581BCD45}"/>
+                <a16:creationId xmlns:a16="http://schemas.microsoft.com/office/drawing/2014/main" id="{7A5F502F-29CB-4932-824B-0B64458ECA94}"/>
               </a:ext>
             </a:extLst>
           </p:cNvPr>
@@ -4779,7 +5683,7 @@
         </p:nvSpPr>
         <p:spPr>
           <a:xfrm>
-            <a:off x="3710303" y="1698625"/>
+            <a:off x="5141171" y="2427101"/>
             <a:ext cx="1258358" cy="430212"/>
           </a:xfrm>
           <a:prstGeom prst="rect">
@@ -4809,25 +5713,17 @@
             <a:pPr algn="ctr"/>
             <a:r>
               <a:rPr lang="ko-KR" altLang="en-US" sz="1200" dirty="0"/>
-              <a:t>시작 기물</a:t>
-            </a:r>
-            <a:endParaRPr lang="en-US" altLang="ko-KR" sz="1200" dirty="0"/>
-          </a:p>
-          <a:p>
-            <a:pPr algn="ctr"/>
-            <a:r>
-              <a:rPr lang="ko-KR" altLang="en-US" sz="1200" dirty="0"/>
-              <a:t>배치</a:t>
-            </a:r>
-          </a:p>
-        </p:txBody>
-      </p:sp>
-      <p:sp>
-        <p:nvSpPr>
-          <p:cNvPr id="17" name="직사각형 16">
+              <a:t>선호 부대</a:t>
+            </a:r>
+          </a:p>
+        </p:txBody>
+      </p:sp>
+      <p:sp>
+        <p:nvSpPr>
+          <p:cNvPr id="21" name="직사각형 20">
             <a:extLst>
               <a:ext uri="{FF2B5EF4-FFF2-40B4-BE49-F238E27FC236}">
-                <a16:creationId xmlns:a16="http://schemas.microsoft.com/office/drawing/2014/main" id="{7A5F502F-29CB-4932-824B-0B64458ECA94}"/>
+                <a16:creationId xmlns:a16="http://schemas.microsoft.com/office/drawing/2014/main" id="{9EB4082B-75A0-43E9-A1E4-00A9A648778C}"/>
               </a:ext>
             </a:extLst>
           </p:cNvPr>
@@ -4836,7 +5732,7 @@
         </p:nvSpPr>
         <p:spPr>
           <a:xfrm>
-            <a:off x="3800473" y="2256471"/>
+            <a:off x="5022638" y="3514874"/>
             <a:ext cx="1258358" cy="430212"/>
           </a:xfrm>
           <a:prstGeom prst="rect">
@@ -4866,34 +5762,17 @@
             <a:pPr algn="ctr"/>
             <a:r>
               <a:rPr lang="ko-KR" altLang="en-US" sz="1200" dirty="0"/>
-              <a:t>부대 선택</a:t>
-            </a:r>
-            <a:endParaRPr lang="en-US" altLang="ko-KR" sz="1200" dirty="0"/>
-          </a:p>
-          <a:p>
-            <a:pPr algn="ctr"/>
-            <a:r>
-              <a:rPr lang="en-US" altLang="ko-KR" sz="1200" dirty="0"/>
-              <a:t>(</a:t>
-            </a:r>
-            <a:r>
-              <a:rPr lang="ko-KR" altLang="en-US" sz="1200" dirty="0" err="1"/>
-              <a:t>프리셋</a:t>
-            </a:r>
-            <a:r>
-              <a:rPr lang="en-US" altLang="ko-KR" sz="1200" dirty="0"/>
-              <a:t>)</a:t>
-            </a:r>
-            <a:endParaRPr lang="ko-KR" altLang="en-US" sz="1200" dirty="0"/>
-          </a:p>
-        </p:txBody>
-      </p:sp>
-      <p:sp>
-        <p:nvSpPr>
-          <p:cNvPr id="20" name="직사각형 19">
+              <a:t>수동 선택 및 배치</a:t>
+            </a:r>
+          </a:p>
+        </p:txBody>
+      </p:sp>
+      <p:sp>
+        <p:nvSpPr>
+          <p:cNvPr id="13" name="직사각형 12">
             <a:extLst>
               <a:ext uri="{FF2B5EF4-FFF2-40B4-BE49-F238E27FC236}">
-                <a16:creationId xmlns:a16="http://schemas.microsoft.com/office/drawing/2014/main" id="{664B9A31-44B4-413C-AA02-6C9B32C6251F}"/>
+                <a16:creationId xmlns:a16="http://schemas.microsoft.com/office/drawing/2014/main" id="{50675259-0BA2-475F-8435-FF49B7702A4B}"/>
               </a:ext>
             </a:extLst>
           </p:cNvPr>
@@ -4902,7 +5781,7 @@
         </p:nvSpPr>
         <p:spPr>
           <a:xfrm>
-            <a:off x="10133542" y="1160150"/>
+            <a:off x="793643" y="1426369"/>
             <a:ext cx="1258358" cy="430212"/>
           </a:xfrm>
           <a:prstGeom prst="rect">
@@ -4932,17 +5811,17 @@
             <a:pPr algn="ctr"/>
             <a:r>
               <a:rPr lang="ko-KR" altLang="en-US" sz="1200" dirty="0"/>
-              <a:t>전투 종료</a:t>
-            </a:r>
-          </a:p>
-        </p:txBody>
-      </p:sp>
-      <p:sp>
-        <p:nvSpPr>
-          <p:cNvPr id="21" name="직사각형 20">
+              <a:t>매칭 완료</a:t>
+            </a:r>
+          </a:p>
+        </p:txBody>
+      </p:sp>
+      <p:sp>
+        <p:nvSpPr>
+          <p:cNvPr id="14" name="직사각형 13">
             <a:extLst>
               <a:ext uri="{FF2B5EF4-FFF2-40B4-BE49-F238E27FC236}">
-                <a16:creationId xmlns:a16="http://schemas.microsoft.com/office/drawing/2014/main" id="{9EB4082B-75A0-43E9-A1E4-00A9A648778C}"/>
+                <a16:creationId xmlns:a16="http://schemas.microsoft.com/office/drawing/2014/main" id="{198F5B80-0C46-4035-B4E4-DE789F8CE973}"/>
               </a:ext>
             </a:extLst>
           </p:cNvPr>
@@ -4951,7 +5830,7 @@
         </p:nvSpPr>
         <p:spPr>
           <a:xfrm>
-            <a:off x="3816341" y="2732569"/>
+            <a:off x="3043556" y="2427101"/>
             <a:ext cx="1258358" cy="430212"/>
           </a:xfrm>
           <a:prstGeom prst="rect">
@@ -4981,34 +5860,17 @@
             <a:pPr algn="ctr"/>
             <a:r>
               <a:rPr lang="ko-KR" altLang="en-US" sz="1200" dirty="0"/>
-              <a:t>기물 선택</a:t>
-            </a:r>
-            <a:endParaRPr lang="en-US" altLang="ko-KR" sz="1200" dirty="0"/>
-          </a:p>
-          <a:p>
-            <a:pPr algn="ctr"/>
-            <a:r>
-              <a:rPr lang="en-US" altLang="ko-KR" sz="1200" dirty="0"/>
-              <a:t>(</a:t>
-            </a:r>
-            <a:r>
-              <a:rPr lang="ko-KR" altLang="en-US" sz="1200" dirty="0"/>
-              <a:t>수동</a:t>
-            </a:r>
-            <a:r>
-              <a:rPr lang="en-US" altLang="ko-KR" sz="1200" dirty="0"/>
-              <a:t>)</a:t>
-            </a:r>
-            <a:endParaRPr lang="ko-KR" altLang="en-US" sz="1200" dirty="0"/>
-          </a:p>
-        </p:txBody>
-      </p:sp>
-      <p:sp>
-        <p:nvSpPr>
-          <p:cNvPr id="22" name="직사각형 21">
+              <a:t>토스 결과</a:t>
+            </a:r>
+          </a:p>
+        </p:txBody>
+      </p:sp>
+      <p:sp>
+        <p:nvSpPr>
+          <p:cNvPr id="15" name="직사각형 14">
             <a:extLst>
               <a:ext uri="{FF2B5EF4-FFF2-40B4-BE49-F238E27FC236}">
-                <a16:creationId xmlns:a16="http://schemas.microsoft.com/office/drawing/2014/main" id="{B646BEE4-B9AA-40F4-ABCF-1BF0AC4262B4}"/>
+                <a16:creationId xmlns:a16="http://schemas.microsoft.com/office/drawing/2014/main" id="{D5BC5333-5266-4A6D-A22D-251B57C9B072}"/>
               </a:ext>
             </a:extLst>
           </p:cNvPr>
@@ -5017,7 +5879,7 @@
         </p:nvSpPr>
         <p:spPr>
           <a:xfrm>
-            <a:off x="5383738" y="2256471"/>
+            <a:off x="3043556" y="2912915"/>
             <a:ext cx="1258358" cy="430212"/>
           </a:xfrm>
           <a:prstGeom prst="rect">
@@ -5047,34 +5909,17 @@
             <a:pPr algn="ctr"/>
             <a:r>
               <a:rPr lang="ko-KR" altLang="en-US" sz="1200" dirty="0"/>
-              <a:t>배치 설정</a:t>
-            </a:r>
-            <a:endParaRPr lang="en-US" altLang="ko-KR" sz="1200" dirty="0"/>
-          </a:p>
-          <a:p>
-            <a:pPr algn="ctr"/>
-            <a:r>
-              <a:rPr lang="en-US" altLang="ko-KR" sz="1200" dirty="0"/>
-              <a:t>(</a:t>
-            </a:r>
-            <a:r>
-              <a:rPr lang="ko-KR" altLang="en-US" sz="1200" dirty="0" err="1"/>
-              <a:t>프리셋</a:t>
-            </a:r>
-            <a:r>
-              <a:rPr lang="en-US" altLang="ko-KR" sz="1200" dirty="0"/>
-              <a:t>)</a:t>
-            </a:r>
-            <a:endParaRPr lang="ko-KR" altLang="en-US" sz="1200" dirty="0"/>
-          </a:p>
-        </p:txBody>
-      </p:sp>
-      <p:sp>
-        <p:nvSpPr>
-          <p:cNvPr id="23" name="직사각형 22">
+              <a:t>선후공 선택</a:t>
+            </a:r>
+          </a:p>
+        </p:txBody>
+      </p:sp>
+      <p:sp>
+        <p:nvSpPr>
+          <p:cNvPr id="18" name="직사각형 17">
             <a:extLst>
               <a:ext uri="{FF2B5EF4-FFF2-40B4-BE49-F238E27FC236}">
-                <a16:creationId xmlns:a16="http://schemas.microsoft.com/office/drawing/2014/main" id="{105A97BC-E7DE-4D11-8182-BFFA31188467}"/>
+                <a16:creationId xmlns:a16="http://schemas.microsoft.com/office/drawing/2014/main" id="{57E33300-B49B-4D59-90AD-108F75D8DAEC}"/>
               </a:ext>
             </a:extLst>
           </p:cNvPr>
@@ -5083,7 +5928,7 @@
         </p:nvSpPr>
         <p:spPr>
           <a:xfrm>
-            <a:off x="5383738" y="2732569"/>
+            <a:off x="5141171" y="2912915"/>
             <a:ext cx="1258358" cy="430212"/>
           </a:xfrm>
           <a:prstGeom prst="rect">
@@ -5113,25 +5958,8 @@
             <a:pPr algn="ctr"/>
             <a:r>
               <a:rPr lang="ko-KR" altLang="en-US" sz="1200" dirty="0"/>
-              <a:t>배치 설정</a:t>
-            </a:r>
-            <a:endParaRPr lang="en-US" altLang="ko-KR" sz="1200" dirty="0"/>
-          </a:p>
-          <a:p>
-            <a:pPr algn="ctr"/>
-            <a:r>
-              <a:rPr lang="en-US" altLang="ko-KR" sz="1200" dirty="0"/>
-              <a:t>(</a:t>
-            </a:r>
-            <a:r>
-              <a:rPr lang="ko-KR" altLang="en-US" sz="1200" dirty="0"/>
-              <a:t>수동</a:t>
-            </a:r>
-            <a:r>
-              <a:rPr lang="en-US" altLang="ko-KR" sz="1200" dirty="0"/>
-              <a:t>)</a:t>
-            </a:r>
-            <a:endParaRPr lang="ko-KR" altLang="en-US" sz="1200" dirty="0"/>
+              <a:t>선호 배치</a:t>
+            </a:r>
           </a:p>
         </p:txBody>
       </p:sp>
@@ -5225,32 +6053,1309 @@
             </a:pPr>
             <a:r>
               <a:rPr lang="ko-KR" altLang="en-US" sz="3200" dirty="0"/>
-              <a:t>합 시스템 </a:t>
+              <a:t>전투 돌입 단계 </a:t>
             </a:r>
             <a:r>
               <a:rPr lang="en-US" altLang="ko-KR" sz="3200" dirty="0"/>
               <a:t>–</a:t>
             </a:r>
             <a:r>
-              <a:rPr lang="en-US" altLang="ko-KR" sz="2400" dirty="0"/>
+              <a:rPr lang="en-US" altLang="ko-KR" sz="2800" dirty="0"/>
               <a:t> </a:t>
             </a:r>
             <a:r>
               <a:rPr lang="ko-KR" altLang="en-US" sz="2400" dirty="0"/>
-              <a:t>단계 구분 및 설명</a:t>
-            </a:r>
-            <a:r>
-              <a:rPr lang="en-US" altLang="ko-KR" sz="2400" dirty="0"/>
-              <a:t>(</a:t>
+              <a:t>코인 토스 시스템</a:t>
+            </a:r>
+            <a:endParaRPr lang="en-US" altLang="ko-KR" sz="3200" dirty="0"/>
+          </a:p>
+        </p:txBody>
+      </p:sp>
+      <p:graphicFrame>
+        <p:nvGraphicFramePr>
+          <p:cNvPr id="18" name="표 17">
+            <a:extLst>
+              <a:ext uri="{FF2B5EF4-FFF2-40B4-BE49-F238E27FC236}">
+                <a16:creationId xmlns:a16="http://schemas.microsoft.com/office/drawing/2014/main" id="{F64BB153-38B9-4099-B10D-B1D00AAA2FD5}"/>
+              </a:ext>
+            </a:extLst>
+          </p:cNvPr>
+          <p:cNvGraphicFramePr>
+            <a:graphicFrameLocks noGrp="1"/>
+          </p:cNvGraphicFramePr>
+          <p:nvPr>
+            <p:extLst>
+              <p:ext uri="{D42A27DB-BD31-4B8C-83A1-F6EECF244321}">
+                <p14:modId xmlns:p14="http://schemas.microsoft.com/office/powerpoint/2010/main" val="4075058402"/>
+              </p:ext>
+            </p:extLst>
+          </p:nvPr>
+        </p:nvGraphicFramePr>
+        <p:xfrm>
+          <a:off x="1055528" y="4957128"/>
+          <a:ext cx="10080943" cy="1280160"/>
+        </p:xfrm>
+        <a:graphic>
+          <a:graphicData uri="http://schemas.openxmlformats.org/drawingml/2006/table">
+            <a:tbl>
+              <a:tblPr firstRow="1" bandRow="1">
+                <a:tableStyleId>{5C22544A-7EE6-4342-B048-85BDC9FD1C3A}</a:tableStyleId>
+              </a:tblPr>
+              <a:tblGrid>
+                <a:gridCol w="10080943">
+                  <a:extLst>
+                    <a:ext uri="{9D8B030D-6E8A-4147-A177-3AD203B41FA5}">
+                      <a16:colId xmlns:a16="http://schemas.microsoft.com/office/drawing/2014/main" val="2619519810"/>
+                    </a:ext>
+                  </a:extLst>
+                </a:gridCol>
+              </a:tblGrid>
+              <a:tr h="0">
+                <a:tc>
+                  <a:txBody>
+                    <a:bodyPr/>
+                    <a:lstStyle/>
+                    <a:p>
+                      <a:pPr latinLnBrk="1"/>
+                      <a:r>
+                        <a:rPr lang="ko-KR" altLang="en-US" sz="1400" b="0" dirty="0">
+                          <a:solidFill>
+                            <a:schemeClr val="tx1"/>
+                          </a:solidFill>
+                        </a:rPr>
+                        <a:t>선공 플레이어와 후공 플레이어를 코인 토스로 결정하는 시스템이다</a:t>
+                      </a:r>
+                      <a:r>
+                        <a:rPr lang="en-US" altLang="ko-KR" sz="1400" b="0" dirty="0">
+                          <a:solidFill>
+                            <a:schemeClr val="tx1"/>
+                          </a:solidFill>
+                        </a:rPr>
+                        <a:t>.</a:t>
+                      </a:r>
+                      <a:endParaRPr lang="ko-KR" altLang="en-US" sz="1400" b="0" dirty="0">
+                        <a:solidFill>
+                          <a:schemeClr val="tx1"/>
+                        </a:solidFill>
+                      </a:endParaRPr>
+                    </a:p>
+                  </a:txBody>
+                  <a:tcPr>
+                    <a:lnL w="12700" cmpd="sng">
+                      <a:noFill/>
+                    </a:lnL>
+                    <a:lnR w="12700" cmpd="sng">
+                      <a:noFill/>
+                    </a:lnR>
+                    <a:lnT w="12700" cap="flat" cmpd="sng" algn="ctr">
+                      <a:noFill/>
+                      <a:prstDash val="solid"/>
+                      <a:round/>
+                      <a:headEnd type="none" w="med" len="med"/>
+                      <a:tailEnd type="none" w="med" len="med"/>
+                    </a:lnT>
+                    <a:lnB w="12700" cap="flat" cmpd="sng" algn="ctr">
+                      <a:solidFill>
+                        <a:schemeClr val="tx1"/>
+                      </a:solidFill>
+                      <a:prstDash val="solid"/>
+                      <a:round/>
+                      <a:headEnd type="none" w="med" len="med"/>
+                      <a:tailEnd type="none" w="med" len="med"/>
+                    </a:lnB>
+                    <a:lnTlToBr w="12700" cmpd="sng">
+                      <a:noFill/>
+                      <a:prstDash val="solid"/>
+                    </a:lnTlToBr>
+                    <a:lnBlToTr w="12700" cmpd="sng">
+                      <a:noFill/>
+                      <a:prstDash val="solid"/>
+                    </a:lnBlToTr>
+                    <a:noFill/>
+                  </a:tcPr>
+                </a:tc>
+                <a:extLst>
+                  <a:ext uri="{0D108BD9-81ED-4DB2-BD59-A6C34878D82A}">
+                    <a16:rowId xmlns:a16="http://schemas.microsoft.com/office/drawing/2014/main" val="1453759622"/>
+                  </a:ext>
+                </a:extLst>
+              </a:tr>
+              <a:tr h="0">
+                <a:tc>
+                  <a:txBody>
+                    <a:bodyPr/>
+                    <a:lstStyle/>
+                    <a:p>
+                      <a:pPr marL="0" marR="0" lvl="0" indent="0" algn="l" defTabSz="914400" rtl="0" eaLnBrk="1" fontAlgn="auto" latinLnBrk="1" hangingPunct="1">
+                        <a:lnSpc>
+                          <a:spcPct val="100000"/>
+                        </a:lnSpc>
+                        <a:spcBef>
+                          <a:spcPts val="0"/>
+                        </a:spcBef>
+                        <a:spcAft>
+                          <a:spcPts val="0"/>
+                        </a:spcAft>
+                        <a:buClrTx/>
+                        <a:buSzTx/>
+                        <a:buFontTx/>
+                        <a:buNone/>
+                        <a:tabLst/>
+                        <a:defRPr/>
+                      </a:pPr>
+                      <a:endParaRPr lang="en-US" altLang="ko-KR" sz="1400" b="1" dirty="0">
+                        <a:solidFill>
+                          <a:schemeClr val="tx1"/>
+                        </a:solidFill>
+                      </a:endParaRPr>
+                    </a:p>
+                    <a:p>
+                      <a:pPr marL="0" marR="0" lvl="0" indent="0" algn="l" defTabSz="914400" rtl="0" eaLnBrk="1" fontAlgn="auto" latinLnBrk="1" hangingPunct="1">
+                        <a:lnSpc>
+                          <a:spcPct val="100000"/>
+                        </a:lnSpc>
+                        <a:spcBef>
+                          <a:spcPts val="0"/>
+                        </a:spcBef>
+                        <a:spcAft>
+                          <a:spcPts val="0"/>
+                        </a:spcAft>
+                        <a:buClrTx/>
+                        <a:buSzTx/>
+                        <a:buFontTx/>
+                        <a:buNone/>
+                        <a:tabLst/>
+                        <a:defRPr/>
+                      </a:pPr>
+                      <a:r>
+                        <a:rPr lang="ko-KR" altLang="en-US" sz="1400" b="1" dirty="0">
+                          <a:solidFill>
+                            <a:schemeClr val="tx1"/>
+                          </a:solidFill>
+                        </a:rPr>
+                        <a:t>기획 의도</a:t>
+                      </a:r>
+                      <a:endParaRPr lang="en-US" altLang="ko-KR" sz="1400" b="1" dirty="0">
+                        <a:solidFill>
+                          <a:schemeClr val="tx1"/>
+                        </a:solidFill>
+                      </a:endParaRPr>
+                    </a:p>
+                  </a:txBody>
+                  <a:tcPr anchor="ctr">
+                    <a:lnL w="12700" cmpd="sng">
+                      <a:noFill/>
+                    </a:lnL>
+                    <a:lnR w="12700" cmpd="sng">
+                      <a:noFill/>
+                    </a:lnR>
+                    <a:lnT w="12700" cap="flat" cmpd="sng" algn="ctr">
+                      <a:solidFill>
+                        <a:schemeClr val="tx1"/>
+                      </a:solidFill>
+                      <a:prstDash val="solid"/>
+                      <a:round/>
+                      <a:headEnd type="none" w="med" len="med"/>
+                      <a:tailEnd type="none" w="med" len="med"/>
+                    </a:lnT>
+                    <a:lnB w="12700" cap="flat" cmpd="sng" algn="ctr">
+                      <a:noFill/>
+                      <a:prstDash val="solid"/>
+                      <a:round/>
+                      <a:headEnd type="none" w="med" len="med"/>
+                      <a:tailEnd type="none" w="med" len="med"/>
+                    </a:lnB>
+                    <a:lnTlToBr w="12700" cmpd="sng">
+                      <a:noFill/>
+                      <a:prstDash val="solid"/>
+                    </a:lnTlToBr>
+                    <a:lnBlToTr w="12700" cmpd="sng">
+                      <a:noFill/>
+                      <a:prstDash val="solid"/>
+                    </a:lnBlToTr>
+                    <a:noFill/>
+                  </a:tcPr>
+                </a:tc>
+                <a:extLst>
+                  <a:ext uri="{0D108BD9-81ED-4DB2-BD59-A6C34878D82A}">
+                    <a16:rowId xmlns:a16="http://schemas.microsoft.com/office/drawing/2014/main" val="824188820"/>
+                  </a:ext>
+                </a:extLst>
+              </a:tr>
+              <a:tr h="0">
+                <a:tc>
+                  <a:txBody>
+                    <a:bodyPr/>
+                    <a:lstStyle/>
+                    <a:p>
+                      <a:pPr latinLnBrk="1"/>
+                      <a:r>
+                        <a:rPr lang="ko-KR" altLang="en-US" sz="1200" b="0" dirty="0">
+                          <a:solidFill>
+                            <a:schemeClr val="tx1"/>
+                          </a:solidFill>
+                        </a:rPr>
+                        <a:t>턴제 전투에서 선공과 후공의 차이는 전략적인 측면에서 꽤 큰 요소이며</a:t>
+                      </a:r>
+                      <a:r>
+                        <a:rPr lang="en-US" altLang="ko-KR" sz="1200" b="0" dirty="0">
+                          <a:solidFill>
+                            <a:schemeClr val="tx1"/>
+                          </a:solidFill>
+                        </a:rPr>
+                        <a:t>,</a:t>
+                      </a:r>
+                      <a:r>
+                        <a:rPr lang="ko-KR" altLang="en-US" sz="1200" b="0" dirty="0">
+                          <a:solidFill>
+                            <a:schemeClr val="tx1"/>
+                          </a:solidFill>
+                        </a:rPr>
+                        <a:t> 선공과 후공 플레이어를 결정하는 방식이 매우 중요하다</a:t>
+                      </a:r>
+                      <a:r>
+                        <a:rPr lang="en-US" altLang="ko-KR" sz="1200" b="0" dirty="0">
+                          <a:solidFill>
+                            <a:schemeClr val="tx1"/>
+                          </a:solidFill>
+                        </a:rPr>
+                        <a:t>.</a:t>
+                      </a:r>
+                    </a:p>
+                    <a:p>
+                      <a:pPr latinLnBrk="1"/>
+                      <a:r>
+                        <a:rPr lang="ko-KR" altLang="en-US" sz="1200" b="0" dirty="0">
+                          <a:solidFill>
+                            <a:schemeClr val="tx1"/>
+                          </a:solidFill>
+                        </a:rPr>
+                        <a:t>그렇기에 가장 공정할 수 있는 </a:t>
+                      </a:r>
+                      <a:r>
+                        <a:rPr lang="en-US" altLang="ko-KR" sz="1200" b="0" dirty="0">
+                          <a:solidFill>
+                            <a:schemeClr val="tx1"/>
+                          </a:solidFill>
+                        </a:rPr>
+                        <a:t>50%</a:t>
+                      </a:r>
+                      <a:r>
+                        <a:rPr lang="ko-KR" altLang="en-US" sz="1200" b="0" dirty="0">
+                          <a:solidFill>
+                            <a:schemeClr val="tx1"/>
+                          </a:solidFill>
+                        </a:rPr>
+                        <a:t>의 확률로 플레이어를 선택되고</a:t>
+                      </a:r>
+                      <a:r>
+                        <a:rPr lang="en-US" altLang="ko-KR" sz="1200" b="0" dirty="0">
+                          <a:solidFill>
+                            <a:schemeClr val="tx1"/>
+                          </a:solidFill>
+                        </a:rPr>
+                        <a:t>,</a:t>
+                      </a:r>
+                      <a:r>
+                        <a:rPr lang="ko-KR" altLang="en-US" sz="1200" b="0" dirty="0">
+                          <a:solidFill>
+                            <a:schemeClr val="tx1"/>
+                          </a:solidFill>
+                        </a:rPr>
+                        <a:t> 선택된 플레이어가 선공과 후공을 선택하게 기획하였다</a:t>
+                      </a:r>
+                      <a:r>
+                        <a:rPr lang="en-US" altLang="ko-KR" sz="1200" b="0" dirty="0">
+                          <a:solidFill>
+                            <a:schemeClr val="tx1"/>
+                          </a:solidFill>
+                        </a:rPr>
+                        <a:t>.</a:t>
+                      </a:r>
+                    </a:p>
+                  </a:txBody>
+                  <a:tcPr anchor="ctr">
+                    <a:lnL w="12700" cmpd="sng">
+                      <a:noFill/>
+                    </a:lnL>
+                    <a:lnR w="12700" cmpd="sng">
+                      <a:noFill/>
+                    </a:lnR>
+                    <a:lnT w="12700" cap="flat" cmpd="sng" algn="ctr">
+                      <a:noFill/>
+                      <a:prstDash val="solid"/>
+                      <a:round/>
+                      <a:headEnd type="none" w="med" len="med"/>
+                      <a:tailEnd type="none" w="med" len="med"/>
+                    </a:lnT>
+                    <a:lnB w="12700" cap="flat" cmpd="sng" algn="ctr">
+                      <a:noFill/>
+                      <a:prstDash val="solid"/>
+                      <a:round/>
+                      <a:headEnd type="none" w="med" len="med"/>
+                      <a:tailEnd type="none" w="med" len="med"/>
+                    </a:lnB>
+                    <a:lnTlToBr w="12700" cmpd="sng">
+                      <a:noFill/>
+                      <a:prstDash val="solid"/>
+                    </a:lnTlToBr>
+                    <a:lnBlToTr w="12700" cmpd="sng">
+                      <a:noFill/>
+                      <a:prstDash val="solid"/>
+                    </a:lnBlToTr>
+                    <a:noFill/>
+                  </a:tcPr>
+                </a:tc>
+                <a:extLst>
+                  <a:ext uri="{0D108BD9-81ED-4DB2-BD59-A6C34878D82A}">
+                    <a16:rowId xmlns:a16="http://schemas.microsoft.com/office/drawing/2014/main" val="2690906204"/>
+                  </a:ext>
+                </a:extLst>
+              </a:tr>
+            </a:tbl>
+          </a:graphicData>
+        </a:graphic>
+      </p:graphicFrame>
+    </p:spTree>
+    <p:extLst>
+      <p:ext uri="{BB962C8B-B14F-4D97-AF65-F5344CB8AC3E}">
+        <p14:creationId xmlns:p14="http://schemas.microsoft.com/office/powerpoint/2010/main" val="2700007658"/>
+      </p:ext>
+    </p:extLst>
+  </p:cSld>
+  <p:clrMapOvr>
+    <a:masterClrMapping/>
+  </p:clrMapOvr>
+</p:sld>
+</file>
+
+<file path=ppt/slides/slide5.xml><?xml version="1.0" encoding="utf-8"?>
+<p:sld xmlns:a="http://schemas.openxmlformats.org/drawingml/2006/main" xmlns:r="http://schemas.openxmlformats.org/officeDocument/2006/relationships" xmlns:p="http://schemas.openxmlformats.org/presentationml/2006/main">
+  <p:cSld>
+    <p:spTree>
+      <p:nvGrpSpPr>
+        <p:cNvPr id="1" name="">
+          <a:extLst>
+            <a:ext uri="{FF2B5EF4-FFF2-40B4-BE49-F238E27FC236}">
+              <a16:creationId xmlns:a16="http://schemas.microsoft.com/office/drawing/2014/main" id="{D21DAEA7-79E3-502E-509C-DF5DDCA8B6BC}"/>
+            </a:ext>
+          </a:extLst>
+        </p:cNvPr>
+        <p:cNvGrpSpPr/>
+        <p:nvPr/>
+      </p:nvGrpSpPr>
+      <p:grpSpPr>
+        <a:xfrm>
+          <a:off x="0" y="0"/>
+          <a:ext cx="0" cy="0"/>
+          <a:chOff x="0" y="0"/>
+          <a:chExt cx="0" cy="0"/>
+        </a:xfrm>
+      </p:grpSpPr>
+      <p:sp>
+        <p:nvSpPr>
+          <p:cNvPr id="4" name="제목 1">
+            <a:extLst>
+              <a:ext uri="{FF2B5EF4-FFF2-40B4-BE49-F238E27FC236}">
+                <a16:creationId xmlns:a16="http://schemas.microsoft.com/office/drawing/2014/main" id="{636482B7-5B29-4FB0-B905-DE64440A7328}"/>
+              </a:ext>
+            </a:extLst>
+          </p:cNvPr>
+          <p:cNvSpPr txBox="1">
+            <a:spLocks/>
+          </p:cNvSpPr>
+          <p:nvPr/>
+        </p:nvSpPr>
+        <p:spPr>
+          <a:xfrm>
+            <a:off x="695324" y="387600"/>
+            <a:ext cx="10801351" cy="628400"/>
+          </a:xfrm>
+          <a:prstGeom prst="rect">
+            <a:avLst/>
+          </a:prstGeom>
+        </p:spPr>
+        <p:txBody>
+          <a:bodyPr vert="horz" lIns="91440" tIns="45720" rIns="91440" bIns="45720" rtlCol="0" anchor="ctr">
+            <a:normAutofit/>
+          </a:bodyPr>
+          <a:lstStyle>
+            <a:lvl1pPr algn="ctr" defTabSz="914400" rtl="0" eaLnBrk="1" latinLnBrk="1" hangingPunct="1">
+              <a:lnSpc>
+                <a:spcPct val="90000"/>
+              </a:lnSpc>
+              <a:spcBef>
+                <a:spcPct val="0"/>
+              </a:spcBef>
+              <a:buNone/>
+              <a:defRPr sz="6000" kern="1200">
+                <a:solidFill>
+                  <a:schemeClr val="tx1"/>
+                </a:solidFill>
+                <a:latin typeface="+mj-lt"/>
+                <a:ea typeface="+mj-ea"/>
+                <a:cs typeface="+mj-cs"/>
+              </a:defRPr>
+            </a:lvl1pPr>
+          </a:lstStyle>
+          <a:p>
+            <a:pPr algn="l">
+              <a:lnSpc>
+                <a:spcPct val="100000"/>
+              </a:lnSpc>
+            </a:pPr>
+            <a:r>
+              <a:rPr lang="ko-KR" altLang="en-US" sz="3200" dirty="0"/>
+              <a:t>전투 돌입 단계 </a:t>
+            </a:r>
+            <a:r>
+              <a:rPr lang="en-US" altLang="ko-KR" sz="3200" dirty="0"/>
+              <a:t>–</a:t>
+            </a:r>
+            <a:r>
+              <a:rPr lang="en-US" altLang="ko-KR" sz="2800" dirty="0"/>
+              <a:t> </a:t>
             </a:r>
             <a:r>
               <a:rPr lang="ko-KR" altLang="en-US" sz="2400" dirty="0"/>
-              <a:t>플레이어 턴</a:t>
-            </a:r>
-            <a:r>
-              <a:rPr lang="en-US" altLang="ko-KR" sz="2400" dirty="0"/>
-              <a:t>)</a:t>
-            </a:r>
+              <a:t>시작 기물 배치 시스템</a:t>
+            </a:r>
+            <a:endParaRPr lang="en-US" altLang="ko-KR" sz="3200" dirty="0"/>
+          </a:p>
+        </p:txBody>
+      </p:sp>
+      <p:graphicFrame>
+        <p:nvGraphicFramePr>
+          <p:cNvPr id="18" name="표 17">
+            <a:extLst>
+              <a:ext uri="{FF2B5EF4-FFF2-40B4-BE49-F238E27FC236}">
+                <a16:creationId xmlns:a16="http://schemas.microsoft.com/office/drawing/2014/main" id="{F64BB153-38B9-4099-B10D-B1D00AAA2FD5}"/>
+              </a:ext>
+            </a:extLst>
+          </p:cNvPr>
+          <p:cNvGraphicFramePr>
+            <a:graphicFrameLocks noGrp="1"/>
+          </p:cNvGraphicFramePr>
+          <p:nvPr>
+            <p:extLst>
+              <p:ext uri="{D42A27DB-BD31-4B8C-83A1-F6EECF244321}">
+                <p14:modId xmlns:p14="http://schemas.microsoft.com/office/powerpoint/2010/main" val="2100401766"/>
+              </p:ext>
+            </p:extLst>
+          </p:nvPr>
+        </p:nvGraphicFramePr>
+        <p:xfrm>
+          <a:off x="1055528" y="4769910"/>
+          <a:ext cx="10080943" cy="1463040"/>
+        </p:xfrm>
+        <a:graphic>
+          <a:graphicData uri="http://schemas.openxmlformats.org/drawingml/2006/table">
+            <a:tbl>
+              <a:tblPr firstRow="1" bandRow="1">
+                <a:tableStyleId>{5C22544A-7EE6-4342-B048-85BDC9FD1C3A}</a:tableStyleId>
+              </a:tblPr>
+              <a:tblGrid>
+                <a:gridCol w="10080943">
+                  <a:extLst>
+                    <a:ext uri="{9D8B030D-6E8A-4147-A177-3AD203B41FA5}">
+                      <a16:colId xmlns:a16="http://schemas.microsoft.com/office/drawing/2014/main" val="2619519810"/>
+                    </a:ext>
+                  </a:extLst>
+                </a:gridCol>
+              </a:tblGrid>
+              <a:tr h="0">
+                <a:tc>
+                  <a:txBody>
+                    <a:bodyPr/>
+                    <a:lstStyle/>
+                    <a:p>
+                      <a:pPr latinLnBrk="1"/>
+                      <a:r>
+                        <a:rPr lang="ko-KR" altLang="en-US" sz="1400" b="0" dirty="0">
+                          <a:solidFill>
+                            <a:schemeClr val="tx1"/>
+                          </a:solidFill>
+                        </a:rPr>
+                        <a:t>전투 시작 전에 기물을 배치하는 시스템이다</a:t>
+                      </a:r>
+                      <a:r>
+                        <a:rPr lang="en-US" altLang="ko-KR" sz="1400" b="0" dirty="0">
+                          <a:solidFill>
+                            <a:schemeClr val="tx1"/>
+                          </a:solidFill>
+                        </a:rPr>
+                        <a:t>.</a:t>
+                      </a:r>
+                      <a:endParaRPr lang="ko-KR" altLang="en-US" sz="1400" b="0" dirty="0">
+                        <a:solidFill>
+                          <a:schemeClr val="tx1"/>
+                        </a:solidFill>
+                      </a:endParaRPr>
+                    </a:p>
+                  </a:txBody>
+                  <a:tcPr>
+                    <a:lnL w="12700" cmpd="sng">
+                      <a:noFill/>
+                    </a:lnL>
+                    <a:lnR w="12700" cmpd="sng">
+                      <a:noFill/>
+                    </a:lnR>
+                    <a:lnT w="12700" cap="flat" cmpd="sng" algn="ctr">
+                      <a:noFill/>
+                      <a:prstDash val="solid"/>
+                      <a:round/>
+                      <a:headEnd type="none" w="med" len="med"/>
+                      <a:tailEnd type="none" w="med" len="med"/>
+                    </a:lnT>
+                    <a:lnB w="12700" cap="flat" cmpd="sng" algn="ctr">
+                      <a:solidFill>
+                        <a:schemeClr val="tx1"/>
+                      </a:solidFill>
+                      <a:prstDash val="solid"/>
+                      <a:round/>
+                      <a:headEnd type="none" w="med" len="med"/>
+                      <a:tailEnd type="none" w="med" len="med"/>
+                    </a:lnB>
+                    <a:lnTlToBr w="12700" cmpd="sng">
+                      <a:noFill/>
+                      <a:prstDash val="solid"/>
+                    </a:lnTlToBr>
+                    <a:lnBlToTr w="12700" cmpd="sng">
+                      <a:noFill/>
+                      <a:prstDash val="solid"/>
+                    </a:lnBlToTr>
+                    <a:noFill/>
+                  </a:tcPr>
+                </a:tc>
+                <a:extLst>
+                  <a:ext uri="{0D108BD9-81ED-4DB2-BD59-A6C34878D82A}">
+                    <a16:rowId xmlns:a16="http://schemas.microsoft.com/office/drawing/2014/main" val="1453759622"/>
+                  </a:ext>
+                </a:extLst>
+              </a:tr>
+              <a:tr h="0">
+                <a:tc>
+                  <a:txBody>
+                    <a:bodyPr/>
+                    <a:lstStyle/>
+                    <a:p>
+                      <a:pPr marL="0" marR="0" lvl="0" indent="0" algn="l" defTabSz="914400" rtl="0" eaLnBrk="1" fontAlgn="auto" latinLnBrk="1" hangingPunct="1">
+                        <a:lnSpc>
+                          <a:spcPct val="100000"/>
+                        </a:lnSpc>
+                        <a:spcBef>
+                          <a:spcPts val="0"/>
+                        </a:spcBef>
+                        <a:spcAft>
+                          <a:spcPts val="0"/>
+                        </a:spcAft>
+                        <a:buClrTx/>
+                        <a:buSzTx/>
+                        <a:buFontTx/>
+                        <a:buNone/>
+                        <a:tabLst/>
+                        <a:defRPr/>
+                      </a:pPr>
+                      <a:endParaRPr lang="en-US" altLang="ko-KR" sz="1400" b="1" dirty="0">
+                        <a:solidFill>
+                          <a:schemeClr val="tx1"/>
+                        </a:solidFill>
+                      </a:endParaRPr>
+                    </a:p>
+                    <a:p>
+                      <a:pPr marL="0" marR="0" lvl="0" indent="0" algn="l" defTabSz="914400" rtl="0" eaLnBrk="1" fontAlgn="auto" latinLnBrk="1" hangingPunct="1">
+                        <a:lnSpc>
+                          <a:spcPct val="100000"/>
+                        </a:lnSpc>
+                        <a:spcBef>
+                          <a:spcPts val="0"/>
+                        </a:spcBef>
+                        <a:spcAft>
+                          <a:spcPts val="0"/>
+                        </a:spcAft>
+                        <a:buClrTx/>
+                        <a:buSzTx/>
+                        <a:buFontTx/>
+                        <a:buNone/>
+                        <a:tabLst/>
+                        <a:defRPr/>
+                      </a:pPr>
+                      <a:r>
+                        <a:rPr lang="ko-KR" altLang="en-US" sz="1400" b="1" dirty="0">
+                          <a:solidFill>
+                            <a:schemeClr val="tx1"/>
+                          </a:solidFill>
+                        </a:rPr>
+                        <a:t>기획 의도</a:t>
+                      </a:r>
+                      <a:endParaRPr lang="en-US" altLang="ko-KR" sz="1400" b="1" dirty="0">
+                        <a:solidFill>
+                          <a:schemeClr val="tx1"/>
+                        </a:solidFill>
+                      </a:endParaRPr>
+                    </a:p>
+                  </a:txBody>
+                  <a:tcPr anchor="ctr">
+                    <a:lnL w="12700" cmpd="sng">
+                      <a:noFill/>
+                    </a:lnL>
+                    <a:lnR w="12700" cmpd="sng">
+                      <a:noFill/>
+                    </a:lnR>
+                    <a:lnT w="12700" cap="flat" cmpd="sng" algn="ctr">
+                      <a:solidFill>
+                        <a:schemeClr val="tx1"/>
+                      </a:solidFill>
+                      <a:prstDash val="solid"/>
+                      <a:round/>
+                      <a:headEnd type="none" w="med" len="med"/>
+                      <a:tailEnd type="none" w="med" len="med"/>
+                    </a:lnT>
+                    <a:lnB w="12700" cap="flat" cmpd="sng" algn="ctr">
+                      <a:noFill/>
+                      <a:prstDash val="solid"/>
+                      <a:round/>
+                      <a:headEnd type="none" w="med" len="med"/>
+                      <a:tailEnd type="none" w="med" len="med"/>
+                    </a:lnB>
+                    <a:lnTlToBr w="12700" cmpd="sng">
+                      <a:noFill/>
+                      <a:prstDash val="solid"/>
+                    </a:lnTlToBr>
+                    <a:lnBlToTr w="12700" cmpd="sng">
+                      <a:noFill/>
+                      <a:prstDash val="solid"/>
+                    </a:lnBlToTr>
+                    <a:noFill/>
+                  </a:tcPr>
+                </a:tc>
+                <a:extLst>
+                  <a:ext uri="{0D108BD9-81ED-4DB2-BD59-A6C34878D82A}">
+                    <a16:rowId xmlns:a16="http://schemas.microsoft.com/office/drawing/2014/main" val="824188820"/>
+                  </a:ext>
+                </a:extLst>
+              </a:tr>
+              <a:tr h="0">
+                <a:tc>
+                  <a:txBody>
+                    <a:bodyPr/>
+                    <a:lstStyle/>
+                    <a:p>
+                      <a:pPr latinLnBrk="1"/>
+                      <a:r>
+                        <a:rPr lang="ko-KR" altLang="en-US" sz="1200" b="0" dirty="0">
+                          <a:solidFill>
+                            <a:schemeClr val="tx1"/>
+                          </a:solidFill>
+                        </a:rPr>
+                        <a:t>기존의 전략 카드 게임과 비교했을 때 기물이 적을 공격하는 과정이 길고 복잡한 해당 게임의 특징상 전투 한번에 소모되는 시간이 과도하게 길어져 게임이 지루해 지거나 피로를 느끼는 상황을 방지하기 위해서 전투 초반에 기물을 소환하는 과정에서 소모되는 시간을 단축시킬 해당 시스템을 기획하였다</a:t>
+                      </a:r>
+                      <a:r>
+                        <a:rPr lang="en-US" altLang="ko-KR" sz="1200" b="0" dirty="0">
+                          <a:solidFill>
+                            <a:schemeClr val="tx1"/>
+                          </a:solidFill>
+                        </a:rPr>
+                        <a:t>.</a:t>
+                      </a:r>
+                    </a:p>
+                  </a:txBody>
+                  <a:tcPr anchor="ctr">
+                    <a:lnL w="12700" cmpd="sng">
+                      <a:noFill/>
+                    </a:lnL>
+                    <a:lnR w="12700" cmpd="sng">
+                      <a:noFill/>
+                    </a:lnR>
+                    <a:lnT w="12700" cap="flat" cmpd="sng" algn="ctr">
+                      <a:noFill/>
+                      <a:prstDash val="solid"/>
+                      <a:round/>
+                      <a:headEnd type="none" w="med" len="med"/>
+                      <a:tailEnd type="none" w="med" len="med"/>
+                    </a:lnT>
+                    <a:lnB w="12700" cap="flat" cmpd="sng" algn="ctr">
+                      <a:noFill/>
+                      <a:prstDash val="solid"/>
+                      <a:round/>
+                      <a:headEnd type="none" w="med" len="med"/>
+                      <a:tailEnd type="none" w="med" len="med"/>
+                    </a:lnB>
+                    <a:lnTlToBr w="12700" cmpd="sng">
+                      <a:noFill/>
+                      <a:prstDash val="solid"/>
+                    </a:lnTlToBr>
+                    <a:lnBlToTr w="12700" cmpd="sng">
+                      <a:noFill/>
+                      <a:prstDash val="solid"/>
+                    </a:lnBlToTr>
+                    <a:noFill/>
+                  </a:tcPr>
+                </a:tc>
+                <a:extLst>
+                  <a:ext uri="{0D108BD9-81ED-4DB2-BD59-A6C34878D82A}">
+                    <a16:rowId xmlns:a16="http://schemas.microsoft.com/office/drawing/2014/main" val="2690906204"/>
+                  </a:ext>
+                </a:extLst>
+              </a:tr>
+            </a:tbl>
+          </a:graphicData>
+        </a:graphic>
+      </p:graphicFrame>
+    </p:spTree>
+    <p:extLst>
+      <p:ext uri="{BB962C8B-B14F-4D97-AF65-F5344CB8AC3E}">
+        <p14:creationId xmlns:p14="http://schemas.microsoft.com/office/powerpoint/2010/main" val="3168994686"/>
+      </p:ext>
+    </p:extLst>
+  </p:cSld>
+  <p:clrMapOvr>
+    <a:masterClrMapping/>
+  </p:clrMapOvr>
+</p:sld>
+</file>
+
+<file path=ppt/slides/slide6.xml><?xml version="1.0" encoding="utf-8"?>
+<p:sld xmlns:a="http://schemas.openxmlformats.org/drawingml/2006/main" xmlns:r="http://schemas.openxmlformats.org/officeDocument/2006/relationships" xmlns:p="http://schemas.openxmlformats.org/presentationml/2006/main">
+  <p:cSld>
+    <p:spTree>
+      <p:nvGrpSpPr>
+        <p:cNvPr id="1" name="">
+          <a:extLst>
+            <a:ext uri="{FF2B5EF4-FFF2-40B4-BE49-F238E27FC236}">
+              <a16:creationId xmlns:a16="http://schemas.microsoft.com/office/drawing/2014/main" id="{D21DAEA7-79E3-502E-509C-DF5DDCA8B6BC}"/>
+            </a:ext>
+          </a:extLst>
+        </p:cNvPr>
+        <p:cNvGrpSpPr/>
+        <p:nvPr/>
+      </p:nvGrpSpPr>
+      <p:grpSpPr>
+        <a:xfrm>
+          <a:off x="0" y="0"/>
+          <a:ext cx="0" cy="0"/>
+          <a:chOff x="0" y="0"/>
+          <a:chExt cx="0" cy="0"/>
+        </a:xfrm>
+      </p:grpSpPr>
+      <p:sp>
+        <p:nvSpPr>
+          <p:cNvPr id="4" name="제목 1">
+            <a:extLst>
+              <a:ext uri="{FF2B5EF4-FFF2-40B4-BE49-F238E27FC236}">
+                <a16:creationId xmlns:a16="http://schemas.microsoft.com/office/drawing/2014/main" id="{636482B7-5B29-4FB0-B905-DE64440A7328}"/>
+              </a:ext>
+            </a:extLst>
+          </p:cNvPr>
+          <p:cNvSpPr txBox="1">
+            <a:spLocks/>
+          </p:cNvSpPr>
+          <p:nvPr/>
+        </p:nvSpPr>
+        <p:spPr>
+          <a:xfrm>
+            <a:off x="695324" y="387600"/>
+            <a:ext cx="10801351" cy="628400"/>
+          </a:xfrm>
+          <a:prstGeom prst="rect">
+            <a:avLst/>
+          </a:prstGeom>
+        </p:spPr>
+        <p:txBody>
+          <a:bodyPr vert="horz" lIns="91440" tIns="45720" rIns="91440" bIns="45720" rtlCol="0" anchor="ctr">
+            <a:normAutofit/>
+          </a:bodyPr>
+          <a:lstStyle>
+            <a:lvl1pPr algn="ctr" defTabSz="914400" rtl="0" eaLnBrk="1" latinLnBrk="1" hangingPunct="1">
+              <a:lnSpc>
+                <a:spcPct val="90000"/>
+              </a:lnSpc>
+              <a:spcBef>
+                <a:spcPct val="0"/>
+              </a:spcBef>
+              <a:buNone/>
+              <a:defRPr sz="6000" kern="1200">
+                <a:solidFill>
+                  <a:schemeClr val="tx1"/>
+                </a:solidFill>
+                <a:latin typeface="+mj-lt"/>
+                <a:ea typeface="+mj-ea"/>
+                <a:cs typeface="+mj-cs"/>
+              </a:defRPr>
+            </a:lvl1pPr>
+          </a:lstStyle>
+          <a:p>
+            <a:pPr algn="l">
+              <a:lnSpc>
+                <a:spcPct val="100000"/>
+              </a:lnSpc>
+            </a:pPr>
+            <a:r>
+              <a:rPr lang="ko-KR" altLang="en-US" sz="3200" dirty="0"/>
+              <a:t>전투 돌입 단계 </a:t>
+            </a:r>
+            <a:r>
+              <a:rPr lang="en-US" altLang="ko-KR" sz="3200" dirty="0"/>
+              <a:t>–</a:t>
+            </a:r>
+            <a:r>
+              <a:rPr lang="en-US" altLang="ko-KR" sz="2800" dirty="0"/>
+              <a:t> </a:t>
+            </a:r>
+            <a:r>
+              <a:rPr lang="ko-KR" altLang="en-US" sz="2400" dirty="0"/>
+              <a:t>시작</a:t>
+            </a:r>
+            <a:r>
+              <a:rPr lang="ko-KR" altLang="en-US" sz="2800" dirty="0"/>
+              <a:t> </a:t>
+            </a:r>
+            <a:r>
+              <a:rPr lang="ko-KR" altLang="en-US" sz="2400" dirty="0"/>
+              <a:t>부대 및 배치 시스템</a:t>
+            </a:r>
+            <a:endParaRPr lang="en-US" altLang="ko-KR" sz="3200" dirty="0"/>
+          </a:p>
+        </p:txBody>
+      </p:sp>
+      <p:graphicFrame>
+        <p:nvGraphicFramePr>
+          <p:cNvPr id="18" name="표 17">
+            <a:extLst>
+              <a:ext uri="{FF2B5EF4-FFF2-40B4-BE49-F238E27FC236}">
+                <a16:creationId xmlns:a16="http://schemas.microsoft.com/office/drawing/2014/main" id="{F64BB153-38B9-4099-B10D-B1D00AAA2FD5}"/>
+              </a:ext>
+            </a:extLst>
+          </p:cNvPr>
+          <p:cNvGraphicFramePr>
+            <a:graphicFrameLocks noGrp="1"/>
+          </p:cNvGraphicFramePr>
+          <p:nvPr>
+            <p:extLst>
+              <p:ext uri="{D42A27DB-BD31-4B8C-83A1-F6EECF244321}">
+                <p14:modId xmlns:p14="http://schemas.microsoft.com/office/powerpoint/2010/main" val="2978028931"/>
+              </p:ext>
+            </p:extLst>
+          </p:nvPr>
+        </p:nvGraphicFramePr>
+        <p:xfrm>
+          <a:off x="1055528" y="4777425"/>
+          <a:ext cx="10080943" cy="1463040"/>
+        </p:xfrm>
+        <a:graphic>
+          <a:graphicData uri="http://schemas.openxmlformats.org/drawingml/2006/table">
+            <a:tbl>
+              <a:tblPr firstRow="1" bandRow="1">
+                <a:tableStyleId>{5C22544A-7EE6-4342-B048-85BDC9FD1C3A}</a:tableStyleId>
+              </a:tblPr>
+              <a:tblGrid>
+                <a:gridCol w="10080943">
+                  <a:extLst>
+                    <a:ext uri="{9D8B030D-6E8A-4147-A177-3AD203B41FA5}">
+                      <a16:colId xmlns:a16="http://schemas.microsoft.com/office/drawing/2014/main" val="2619519810"/>
+                    </a:ext>
+                  </a:extLst>
+                </a:gridCol>
+              </a:tblGrid>
+              <a:tr h="0">
+                <a:tc>
+                  <a:txBody>
+                    <a:bodyPr/>
+                    <a:lstStyle/>
+                    <a:p>
+                      <a:pPr latinLnBrk="1"/>
+                      <a:r>
+                        <a:rPr lang="ko-KR" altLang="en-US" sz="1400" b="0" dirty="0">
+                          <a:solidFill>
+                            <a:schemeClr val="tx1"/>
+                          </a:solidFill>
+                        </a:rPr>
+                        <a:t>전투 시작 전에 초기 배치할 기물과 배치를 미리 설정하는 시스템이다</a:t>
+                      </a:r>
+                      <a:r>
+                        <a:rPr lang="en-US" altLang="ko-KR" sz="1400" b="0" dirty="0">
+                          <a:solidFill>
+                            <a:schemeClr val="tx1"/>
+                          </a:solidFill>
+                        </a:rPr>
+                        <a:t>.</a:t>
+                      </a:r>
+                      <a:endParaRPr lang="ko-KR" altLang="en-US" sz="1400" b="0" dirty="0">
+                        <a:solidFill>
+                          <a:schemeClr val="tx1"/>
+                        </a:solidFill>
+                      </a:endParaRPr>
+                    </a:p>
+                  </a:txBody>
+                  <a:tcPr>
+                    <a:lnL w="12700" cmpd="sng">
+                      <a:noFill/>
+                    </a:lnL>
+                    <a:lnR w="12700" cmpd="sng">
+                      <a:noFill/>
+                    </a:lnR>
+                    <a:lnT w="12700" cap="flat" cmpd="sng" algn="ctr">
+                      <a:noFill/>
+                      <a:prstDash val="solid"/>
+                      <a:round/>
+                      <a:headEnd type="none" w="med" len="med"/>
+                      <a:tailEnd type="none" w="med" len="med"/>
+                    </a:lnT>
+                    <a:lnB w="12700" cap="flat" cmpd="sng" algn="ctr">
+                      <a:solidFill>
+                        <a:schemeClr val="tx1"/>
+                      </a:solidFill>
+                      <a:prstDash val="solid"/>
+                      <a:round/>
+                      <a:headEnd type="none" w="med" len="med"/>
+                      <a:tailEnd type="none" w="med" len="med"/>
+                    </a:lnB>
+                    <a:lnTlToBr w="12700" cmpd="sng">
+                      <a:noFill/>
+                      <a:prstDash val="solid"/>
+                    </a:lnTlToBr>
+                    <a:lnBlToTr w="12700" cmpd="sng">
+                      <a:noFill/>
+                      <a:prstDash val="solid"/>
+                    </a:lnBlToTr>
+                    <a:noFill/>
+                  </a:tcPr>
+                </a:tc>
+                <a:extLst>
+                  <a:ext uri="{0D108BD9-81ED-4DB2-BD59-A6C34878D82A}">
+                    <a16:rowId xmlns:a16="http://schemas.microsoft.com/office/drawing/2014/main" val="1453759622"/>
+                  </a:ext>
+                </a:extLst>
+              </a:tr>
+              <a:tr h="0">
+                <a:tc>
+                  <a:txBody>
+                    <a:bodyPr/>
+                    <a:lstStyle/>
+                    <a:p>
+                      <a:pPr marL="0" marR="0" lvl="0" indent="0" algn="l" defTabSz="914400" rtl="0" eaLnBrk="1" fontAlgn="auto" latinLnBrk="1" hangingPunct="1">
+                        <a:lnSpc>
+                          <a:spcPct val="100000"/>
+                        </a:lnSpc>
+                        <a:spcBef>
+                          <a:spcPts val="0"/>
+                        </a:spcBef>
+                        <a:spcAft>
+                          <a:spcPts val="0"/>
+                        </a:spcAft>
+                        <a:buClrTx/>
+                        <a:buSzTx/>
+                        <a:buFontTx/>
+                        <a:buNone/>
+                        <a:tabLst/>
+                        <a:defRPr/>
+                      </a:pPr>
+                      <a:endParaRPr lang="en-US" altLang="ko-KR" sz="1400" b="1" dirty="0">
+                        <a:solidFill>
+                          <a:schemeClr val="tx1"/>
+                        </a:solidFill>
+                      </a:endParaRPr>
+                    </a:p>
+                    <a:p>
+                      <a:pPr marL="0" marR="0" lvl="0" indent="0" algn="l" defTabSz="914400" rtl="0" eaLnBrk="1" fontAlgn="auto" latinLnBrk="1" hangingPunct="1">
+                        <a:lnSpc>
+                          <a:spcPct val="100000"/>
+                        </a:lnSpc>
+                        <a:spcBef>
+                          <a:spcPts val="0"/>
+                        </a:spcBef>
+                        <a:spcAft>
+                          <a:spcPts val="0"/>
+                        </a:spcAft>
+                        <a:buClrTx/>
+                        <a:buSzTx/>
+                        <a:buFontTx/>
+                        <a:buNone/>
+                        <a:tabLst/>
+                        <a:defRPr/>
+                      </a:pPr>
+                      <a:r>
+                        <a:rPr lang="ko-KR" altLang="en-US" sz="1400" b="1" dirty="0">
+                          <a:solidFill>
+                            <a:schemeClr val="tx1"/>
+                          </a:solidFill>
+                        </a:rPr>
+                        <a:t>기획 의도</a:t>
+                      </a:r>
+                      <a:endParaRPr lang="en-US" altLang="ko-KR" sz="1400" b="1" dirty="0">
+                        <a:solidFill>
+                          <a:schemeClr val="tx1"/>
+                        </a:solidFill>
+                      </a:endParaRPr>
+                    </a:p>
+                  </a:txBody>
+                  <a:tcPr anchor="ctr">
+                    <a:lnL w="12700" cmpd="sng">
+                      <a:noFill/>
+                    </a:lnL>
+                    <a:lnR w="12700" cmpd="sng">
+                      <a:noFill/>
+                    </a:lnR>
+                    <a:lnT w="12700" cap="flat" cmpd="sng" algn="ctr">
+                      <a:solidFill>
+                        <a:schemeClr val="tx1"/>
+                      </a:solidFill>
+                      <a:prstDash val="solid"/>
+                      <a:round/>
+                      <a:headEnd type="none" w="med" len="med"/>
+                      <a:tailEnd type="none" w="med" len="med"/>
+                    </a:lnT>
+                    <a:lnB w="12700" cap="flat" cmpd="sng" algn="ctr">
+                      <a:noFill/>
+                      <a:prstDash val="solid"/>
+                      <a:round/>
+                      <a:headEnd type="none" w="med" len="med"/>
+                      <a:tailEnd type="none" w="med" len="med"/>
+                    </a:lnB>
+                    <a:lnTlToBr w="12700" cmpd="sng">
+                      <a:noFill/>
+                      <a:prstDash val="solid"/>
+                    </a:lnTlToBr>
+                    <a:lnBlToTr w="12700" cmpd="sng">
+                      <a:noFill/>
+                      <a:prstDash val="solid"/>
+                    </a:lnBlToTr>
+                    <a:noFill/>
+                  </a:tcPr>
+                </a:tc>
+                <a:extLst>
+                  <a:ext uri="{0D108BD9-81ED-4DB2-BD59-A6C34878D82A}">
+                    <a16:rowId xmlns:a16="http://schemas.microsoft.com/office/drawing/2014/main" val="824188820"/>
+                  </a:ext>
+                </a:extLst>
+              </a:tr>
+              <a:tr h="0">
+                <a:tc>
+                  <a:txBody>
+                    <a:bodyPr/>
+                    <a:lstStyle/>
+                    <a:p>
+                      <a:pPr latinLnBrk="1"/>
+                      <a:r>
+                        <a:rPr lang="ko-KR" altLang="en-US" sz="1200" b="0" dirty="0">
+                          <a:solidFill>
+                            <a:schemeClr val="tx1"/>
+                          </a:solidFill>
+                        </a:rPr>
+                        <a:t>시작 기물 배치는 전투에 소모되는 시간을 단축하기 위하여 기획된 시스템이지만 오히려 시작 기물을 선택하고 배치하는 과정에서 소모되는 시간으로 전투에 소모되는 시간이 늘어나는 것을 방지하기 위하여 전투 시작 전에 배치할 기물의 종류와 배치할 위치를 설정하는 시스템이다</a:t>
+                      </a:r>
+                      <a:r>
+                        <a:rPr lang="en-US" altLang="ko-KR" sz="1200" b="0" dirty="0">
+                          <a:solidFill>
+                            <a:schemeClr val="tx1"/>
+                          </a:solidFill>
+                        </a:rPr>
+                        <a:t>.</a:t>
+                      </a:r>
+                    </a:p>
+                    <a:p>
+                      <a:pPr latinLnBrk="1"/>
+                      <a:r>
+                        <a:rPr lang="ko-KR" altLang="en-US" sz="1200" b="0" dirty="0">
+                          <a:solidFill>
+                            <a:schemeClr val="tx1"/>
+                          </a:solidFill>
+                        </a:rPr>
+                        <a:t>또한</a:t>
+                      </a:r>
+                      <a:r>
+                        <a:rPr lang="en-US" altLang="ko-KR" sz="1200" b="0" dirty="0">
+                          <a:solidFill>
+                            <a:schemeClr val="tx1"/>
+                          </a:solidFill>
+                        </a:rPr>
+                        <a:t>, </a:t>
+                      </a:r>
+                      <a:r>
+                        <a:rPr lang="ko-KR" altLang="en-US" sz="1200" b="0" dirty="0">
+                          <a:solidFill>
+                            <a:schemeClr val="tx1"/>
+                          </a:solidFill>
+                        </a:rPr>
+                        <a:t>선호 설정된 부대</a:t>
+                      </a:r>
+                      <a:r>
+                        <a:rPr lang="en-US" altLang="ko-KR" sz="1200" b="0" dirty="0">
+                          <a:solidFill>
+                            <a:schemeClr val="tx1"/>
+                          </a:solidFill>
+                        </a:rPr>
+                        <a:t>(</a:t>
+                      </a:r>
+                      <a:r>
+                        <a:rPr lang="ko-KR" altLang="en-US" sz="1200" b="0" dirty="0">
+                          <a:solidFill>
+                            <a:schemeClr val="tx1"/>
+                          </a:solidFill>
+                        </a:rPr>
+                        <a:t>기물 프리셋</a:t>
+                      </a:r>
+                      <a:r>
+                        <a:rPr lang="en-US" altLang="ko-KR" sz="1200" b="0" dirty="0">
+                          <a:solidFill>
+                            <a:schemeClr val="tx1"/>
+                          </a:solidFill>
+                        </a:rPr>
+                        <a:t>)</a:t>
+                      </a:r>
+                      <a:r>
+                        <a:rPr lang="ko-KR" altLang="en-US" sz="1200" b="0" dirty="0">
+                          <a:solidFill>
+                            <a:schemeClr val="tx1"/>
+                          </a:solidFill>
+                        </a:rPr>
+                        <a:t>과 배치를 전투 시작 시 기본 값으로 설정하게 하여 소모되는 시간을 더욱 감소할 수 있게 하였다</a:t>
+                      </a:r>
+                      <a:r>
+                        <a:rPr lang="en-US" altLang="ko-KR" sz="1200" b="0" dirty="0">
+                          <a:solidFill>
+                            <a:schemeClr val="tx1"/>
+                          </a:solidFill>
+                        </a:rPr>
+                        <a:t>.</a:t>
+                      </a:r>
+                    </a:p>
+                  </a:txBody>
+                  <a:tcPr anchor="ctr">
+                    <a:lnL w="12700" cmpd="sng">
+                      <a:noFill/>
+                    </a:lnL>
+                    <a:lnR w="12700" cmpd="sng">
+                      <a:noFill/>
+                    </a:lnR>
+                    <a:lnT w="12700" cap="flat" cmpd="sng" algn="ctr">
+                      <a:noFill/>
+                      <a:prstDash val="solid"/>
+                      <a:round/>
+                      <a:headEnd type="none" w="med" len="med"/>
+                      <a:tailEnd type="none" w="med" len="med"/>
+                    </a:lnT>
+                    <a:lnB w="12700" cap="flat" cmpd="sng" algn="ctr">
+                      <a:noFill/>
+                      <a:prstDash val="solid"/>
+                      <a:round/>
+                      <a:headEnd type="none" w="med" len="med"/>
+                      <a:tailEnd type="none" w="med" len="med"/>
+                    </a:lnB>
+                    <a:lnTlToBr w="12700" cmpd="sng">
+                      <a:noFill/>
+                      <a:prstDash val="solid"/>
+                    </a:lnTlToBr>
+                    <a:lnBlToTr w="12700" cmpd="sng">
+                      <a:noFill/>
+                      <a:prstDash val="solid"/>
+                    </a:lnBlToTr>
+                    <a:noFill/>
+                  </a:tcPr>
+                </a:tc>
+                <a:extLst>
+                  <a:ext uri="{0D108BD9-81ED-4DB2-BD59-A6C34878D82A}">
+                    <a16:rowId xmlns:a16="http://schemas.microsoft.com/office/drawing/2014/main" val="2690906204"/>
+                  </a:ext>
+                </a:extLst>
+              </a:tr>
+            </a:tbl>
+          </a:graphicData>
+        </a:graphic>
+      </p:graphicFrame>
+    </p:spTree>
+    <p:extLst>
+      <p:ext uri="{BB962C8B-B14F-4D97-AF65-F5344CB8AC3E}">
+        <p14:creationId xmlns:p14="http://schemas.microsoft.com/office/powerpoint/2010/main" val="374291264"/>
+      </p:ext>
+    </p:extLst>
+  </p:cSld>
+  <p:clrMapOvr>
+    <a:masterClrMapping/>
+  </p:clrMapOvr>
+</p:sld>
+</file>
+
+<file path=ppt/slides/slide7.xml><?xml version="1.0" encoding="utf-8"?>
+<p:sld xmlns:a="http://schemas.openxmlformats.org/drawingml/2006/main" xmlns:r="http://schemas.openxmlformats.org/officeDocument/2006/relationships" xmlns:p="http://schemas.openxmlformats.org/presentationml/2006/main">
+  <p:cSld>
+    <p:spTree>
+      <p:nvGrpSpPr>
+        <p:cNvPr id="1" name="">
+          <a:extLst>
+            <a:ext uri="{FF2B5EF4-FFF2-40B4-BE49-F238E27FC236}">
+              <a16:creationId xmlns:a16="http://schemas.microsoft.com/office/drawing/2014/main" id="{D21DAEA7-79E3-502E-509C-DF5DDCA8B6BC}"/>
+            </a:ext>
+          </a:extLst>
+        </p:cNvPr>
+        <p:cNvGrpSpPr/>
+        <p:nvPr/>
+      </p:nvGrpSpPr>
+      <p:grpSpPr>
+        <a:xfrm>
+          <a:off x="0" y="0"/>
+          <a:ext cx="0" cy="0"/>
+          <a:chOff x="0" y="0"/>
+          <a:chExt cx="0" cy="0"/>
+        </a:xfrm>
+      </p:grpSpPr>
+      <p:sp>
+        <p:nvSpPr>
+          <p:cNvPr id="4" name="제목 1">
+            <a:extLst>
+              <a:ext uri="{FF2B5EF4-FFF2-40B4-BE49-F238E27FC236}">
+                <a16:creationId xmlns:a16="http://schemas.microsoft.com/office/drawing/2014/main" id="{636482B7-5B29-4FB0-B905-DE64440A7328}"/>
+              </a:ext>
+            </a:extLst>
+          </p:cNvPr>
+          <p:cNvSpPr txBox="1">
+            <a:spLocks/>
+          </p:cNvSpPr>
+          <p:nvPr/>
+        </p:nvSpPr>
+        <p:spPr>
+          <a:xfrm>
+            <a:off x="695324" y="387600"/>
+            <a:ext cx="10801351" cy="628400"/>
+          </a:xfrm>
+          <a:prstGeom prst="rect">
+            <a:avLst/>
+          </a:prstGeom>
+        </p:spPr>
+        <p:txBody>
+          <a:bodyPr vert="horz" lIns="91440" tIns="45720" rIns="91440" bIns="45720" rtlCol="0" anchor="ctr">
+            <a:normAutofit/>
+          </a:bodyPr>
+          <a:lstStyle>
+            <a:lvl1pPr algn="ctr" defTabSz="914400" rtl="0" eaLnBrk="1" latinLnBrk="1" hangingPunct="1">
+              <a:lnSpc>
+                <a:spcPct val="90000"/>
+              </a:lnSpc>
+              <a:spcBef>
+                <a:spcPct val="0"/>
+              </a:spcBef>
+              <a:buNone/>
+              <a:defRPr sz="6000" kern="1200">
+                <a:solidFill>
+                  <a:schemeClr val="tx1"/>
+                </a:solidFill>
+                <a:latin typeface="+mj-lt"/>
+                <a:ea typeface="+mj-ea"/>
+                <a:cs typeface="+mj-cs"/>
+              </a:defRPr>
+            </a:lvl1pPr>
+          </a:lstStyle>
+          <a:p>
+            <a:pPr algn="l">
+              <a:lnSpc>
+                <a:spcPct val="100000"/>
+              </a:lnSpc>
+            </a:pPr>
+            <a:r>
+              <a:rPr lang="ko-KR" altLang="en-US" sz="3200" dirty="0"/>
+              <a:t>플레이어턴 알고리즘</a:t>
+            </a:r>
+            <a:endParaRPr lang="en-US" altLang="ko-KR" sz="2400" dirty="0"/>
           </a:p>
         </p:txBody>
       </p:sp>
@@ -5268,7 +7373,7 @@
         </p:nvSpPr>
         <p:spPr>
           <a:xfrm>
-            <a:off x="2159207" y="1754193"/>
+            <a:off x="2308714" y="1640207"/>
             <a:ext cx="1258358" cy="430212"/>
           </a:xfrm>
           <a:prstGeom prst="rect">
@@ -5300,6 +7405,14 @@
               <a:rPr lang="ko-KR" altLang="en-US" sz="1200" dirty="0"/>
               <a:t>카드 드로우</a:t>
             </a:r>
+            <a:endParaRPr lang="en-US" altLang="ko-KR" sz="1200" dirty="0"/>
+          </a:p>
+          <a:p>
+            <a:pPr algn="ctr"/>
+            <a:r>
+              <a:rPr lang="ko-KR" altLang="en-US" sz="1200" dirty="0"/>
+              <a:t>시스템</a:t>
+            </a:r>
           </a:p>
         </p:txBody>
       </p:sp>
@@ -5404,7 +7517,7 @@
             <a:pPr algn="ctr"/>
             <a:r>
               <a:rPr lang="ko-KR" altLang="en-US" sz="1200" dirty="0"/>
-              <a:t>증가 및 회복</a:t>
+              <a:t>시스템</a:t>
             </a:r>
           </a:p>
         </p:txBody>
@@ -5423,7 +7536,7 @@
         </p:nvSpPr>
         <p:spPr>
           <a:xfrm>
-            <a:off x="3620133" y="1256507"/>
+            <a:off x="4678466" y="1256507"/>
             <a:ext cx="1258358" cy="430212"/>
           </a:xfrm>
           <a:prstGeom prst="rect">
@@ -5463,6 +7576,19 @@
               <a:rPr lang="ko-KR" altLang="en-US" sz="1200" dirty="0"/>
               <a:t>행동</a:t>
             </a:r>
+            <a:r>
+              <a:rPr lang="en-US" altLang="ko-KR" sz="1200" dirty="0"/>
+              <a:t>(MP </a:t>
+            </a:r>
+            <a:r>
+              <a:rPr lang="ko-KR" altLang="en-US" sz="1200" dirty="0"/>
+              <a:t>소모</a:t>
+            </a:r>
+            <a:r>
+              <a:rPr lang="en-US" altLang="ko-KR" sz="1200" dirty="0"/>
+              <a:t>)</a:t>
+            </a:r>
+            <a:endParaRPr lang="ko-KR" altLang="en-US" sz="1200" dirty="0"/>
           </a:p>
         </p:txBody>
       </p:sp>
@@ -5480,7 +7606,7 @@
         </p:nvSpPr>
         <p:spPr>
           <a:xfrm>
-            <a:off x="6806140" y="1260321"/>
+            <a:off x="8761941" y="1286674"/>
             <a:ext cx="1258358" cy="430212"/>
           </a:xfrm>
           <a:prstGeom prst="rect">
@@ -5529,7 +7655,7 @@
         </p:nvSpPr>
         <p:spPr>
           <a:xfrm>
-            <a:off x="3816762" y="1750703"/>
+            <a:off x="5228953" y="1754193"/>
             <a:ext cx="1258358" cy="430212"/>
           </a:xfrm>
           <a:prstGeom prst="rect">
@@ -5578,7 +7704,7 @@
         </p:nvSpPr>
         <p:spPr>
           <a:xfrm>
-            <a:off x="3816762" y="4906829"/>
+            <a:off x="5228953" y="4430823"/>
             <a:ext cx="1258358" cy="430212"/>
           </a:xfrm>
           <a:prstGeom prst="rect">
@@ -5627,7 +7753,7 @@
         </p:nvSpPr>
         <p:spPr>
           <a:xfrm>
-            <a:off x="4045362" y="2262501"/>
+            <a:off x="6593433" y="1858803"/>
             <a:ext cx="1258358" cy="430212"/>
           </a:xfrm>
           <a:prstGeom prst="rect">
@@ -5676,7 +7802,7 @@
         </p:nvSpPr>
         <p:spPr>
           <a:xfrm>
-            <a:off x="4045362" y="3826341"/>
+            <a:off x="6593433" y="3398031"/>
             <a:ext cx="1258358" cy="430212"/>
           </a:xfrm>
           <a:prstGeom prst="rect">
@@ -5725,7 +7851,7 @@
         </p:nvSpPr>
         <p:spPr>
           <a:xfrm>
-            <a:off x="4045362" y="4366585"/>
+            <a:off x="6593433" y="3938275"/>
             <a:ext cx="1258358" cy="430212"/>
           </a:xfrm>
           <a:prstGeom prst="rect">
@@ -5774,7 +7900,7 @@
         </p:nvSpPr>
         <p:spPr>
           <a:xfrm>
-            <a:off x="4339482" y="2763169"/>
+            <a:off x="6887553" y="2359471"/>
             <a:ext cx="1258358" cy="430212"/>
           </a:xfrm>
           <a:prstGeom prst="rect">
@@ -5823,7 +7949,7 @@
         </p:nvSpPr>
         <p:spPr>
           <a:xfrm>
-            <a:off x="4339482" y="3268495"/>
+            <a:off x="6887553" y="2864797"/>
             <a:ext cx="1258358" cy="430212"/>
           </a:xfrm>
           <a:prstGeom prst="rect">
@@ -5872,7 +7998,7 @@
         </p:nvSpPr>
         <p:spPr>
           <a:xfrm>
-            <a:off x="4045362" y="5447073"/>
+            <a:off x="6622420" y="4575966"/>
             <a:ext cx="1258358" cy="430212"/>
           </a:xfrm>
           <a:prstGeom prst="rect">
@@ -5921,7 +8047,7 @@
         </p:nvSpPr>
         <p:spPr>
           <a:xfrm>
-            <a:off x="4045362" y="5987317"/>
+            <a:off x="6622420" y="5116210"/>
             <a:ext cx="1258358" cy="430212"/>
           </a:xfrm>
           <a:prstGeom prst="rect">
@@ -5970,7 +8096,7 @@
         </p:nvSpPr>
         <p:spPr>
           <a:xfrm>
-            <a:off x="4045362" y="6519684"/>
+            <a:off x="6622420" y="5648577"/>
             <a:ext cx="1258358" cy="430212"/>
           </a:xfrm>
           <a:prstGeom prst="rect">
@@ -6005,10 +8131,1046 @@
           </a:p>
         </p:txBody>
       </p:sp>
+      <p:sp>
+        <p:nvSpPr>
+          <p:cNvPr id="18" name="직사각형 17">
+            <a:extLst>
+              <a:ext uri="{FF2B5EF4-FFF2-40B4-BE49-F238E27FC236}">
+                <a16:creationId xmlns:a16="http://schemas.microsoft.com/office/drawing/2014/main" id="{98446340-2EF9-44C2-8415-DE7D1CC50010}"/>
+              </a:ext>
+            </a:extLst>
+          </p:cNvPr>
+          <p:cNvSpPr/>
+          <p:nvPr/>
+        </p:nvSpPr>
+        <p:spPr>
+          <a:xfrm>
+            <a:off x="979591" y="2245600"/>
+            <a:ext cx="1258358" cy="430212"/>
+          </a:xfrm>
+          <a:prstGeom prst="rect">
+            <a:avLst/>
+          </a:prstGeom>
+        </p:spPr>
+        <p:style>
+          <a:lnRef idx="2">
+            <a:schemeClr val="accent1">
+              <a:shade val="50000"/>
+            </a:schemeClr>
+          </a:lnRef>
+          <a:fillRef idx="1">
+            <a:schemeClr val="accent1"/>
+          </a:fillRef>
+          <a:effectRef idx="0">
+            <a:schemeClr val="accent1"/>
+          </a:effectRef>
+          <a:fontRef idx="minor">
+            <a:schemeClr val="lt1"/>
+          </a:fontRef>
+        </p:style>
+        <p:txBody>
+          <a:bodyPr rtlCol="0" anchor="ctr"/>
+          <a:lstStyle/>
+          <a:p>
+            <a:pPr algn="ctr"/>
+            <a:r>
+              <a:rPr lang="ko-KR" altLang="en-US" sz="1200" dirty="0"/>
+              <a:t>행동력</a:t>
+            </a:r>
+            <a:endParaRPr lang="en-US" altLang="ko-KR" sz="1200" dirty="0"/>
+          </a:p>
+          <a:p>
+            <a:pPr algn="ctr"/>
+            <a:r>
+              <a:rPr lang="ko-KR" altLang="en-US" sz="1200" dirty="0"/>
+              <a:t>증가 시스템</a:t>
+            </a:r>
+          </a:p>
+        </p:txBody>
+      </p:sp>
+      <p:sp>
+        <p:nvSpPr>
+          <p:cNvPr id="19" name="직사각형 18">
+            <a:extLst>
+              <a:ext uri="{FF2B5EF4-FFF2-40B4-BE49-F238E27FC236}">
+                <a16:creationId xmlns:a16="http://schemas.microsoft.com/office/drawing/2014/main" id="{14F07792-DE00-4C93-B6C6-FAF9258ECF53}"/>
+              </a:ext>
+            </a:extLst>
+          </p:cNvPr>
+          <p:cNvSpPr/>
+          <p:nvPr/>
+        </p:nvSpPr>
+        <p:spPr>
+          <a:xfrm>
+            <a:off x="3239133" y="2479520"/>
+            <a:ext cx="1258358" cy="430212"/>
+          </a:xfrm>
+          <a:prstGeom prst="rect">
+            <a:avLst/>
+          </a:prstGeom>
+        </p:spPr>
+        <p:style>
+          <a:lnRef idx="2">
+            <a:schemeClr val="accent1">
+              <a:shade val="50000"/>
+            </a:schemeClr>
+          </a:lnRef>
+          <a:fillRef idx="1">
+            <a:schemeClr val="accent1"/>
+          </a:fillRef>
+          <a:effectRef idx="0">
+            <a:schemeClr val="accent1"/>
+          </a:effectRef>
+          <a:fontRef idx="minor">
+            <a:schemeClr val="lt1"/>
+          </a:fontRef>
+        </p:style>
+        <p:txBody>
+          <a:bodyPr rtlCol="0" anchor="ctr"/>
+          <a:lstStyle/>
+          <a:p>
+            <a:pPr algn="ctr"/>
+            <a:r>
+              <a:rPr lang="ko-KR" altLang="en-US" sz="1200" dirty="0"/>
+              <a:t>턴 제한 시간 시스템</a:t>
+            </a:r>
+          </a:p>
+        </p:txBody>
+      </p:sp>
     </p:spTree>
     <p:extLst>
       <p:ext uri="{BB962C8B-B14F-4D97-AF65-F5344CB8AC3E}">
         <p14:creationId xmlns:p14="http://schemas.microsoft.com/office/powerpoint/2010/main" val="361688364"/>
+      </p:ext>
+    </p:extLst>
+  </p:cSld>
+  <p:clrMapOvr>
+    <a:masterClrMapping/>
+  </p:clrMapOvr>
+</p:sld>
+</file>
+
+<file path=ppt/slides/slide8.xml><?xml version="1.0" encoding="utf-8"?>
+<p:sld xmlns:a="http://schemas.openxmlformats.org/drawingml/2006/main" xmlns:r="http://schemas.openxmlformats.org/officeDocument/2006/relationships" xmlns:p="http://schemas.openxmlformats.org/presentationml/2006/main">
+  <p:cSld>
+    <p:spTree>
+      <p:nvGrpSpPr>
+        <p:cNvPr id="1" name="">
+          <a:extLst>
+            <a:ext uri="{FF2B5EF4-FFF2-40B4-BE49-F238E27FC236}">
+              <a16:creationId xmlns:a16="http://schemas.microsoft.com/office/drawing/2014/main" id="{D21DAEA7-79E3-502E-509C-DF5DDCA8B6BC}"/>
+            </a:ext>
+          </a:extLst>
+        </p:cNvPr>
+        <p:cNvGrpSpPr/>
+        <p:nvPr/>
+      </p:nvGrpSpPr>
+      <p:grpSpPr>
+        <a:xfrm>
+          <a:off x="0" y="0"/>
+          <a:ext cx="0" cy="0"/>
+          <a:chOff x="0" y="0"/>
+          <a:chExt cx="0" cy="0"/>
+        </a:xfrm>
+      </p:grpSpPr>
+      <p:sp>
+        <p:nvSpPr>
+          <p:cNvPr id="4" name="제목 1">
+            <a:extLst>
+              <a:ext uri="{FF2B5EF4-FFF2-40B4-BE49-F238E27FC236}">
+                <a16:creationId xmlns:a16="http://schemas.microsoft.com/office/drawing/2014/main" id="{636482B7-5B29-4FB0-B905-DE64440A7328}"/>
+              </a:ext>
+            </a:extLst>
+          </p:cNvPr>
+          <p:cNvSpPr txBox="1">
+            <a:spLocks/>
+          </p:cNvSpPr>
+          <p:nvPr/>
+        </p:nvSpPr>
+        <p:spPr>
+          <a:xfrm>
+            <a:off x="695324" y="387600"/>
+            <a:ext cx="10801351" cy="628400"/>
+          </a:xfrm>
+          <a:prstGeom prst="rect">
+            <a:avLst/>
+          </a:prstGeom>
+        </p:spPr>
+        <p:txBody>
+          <a:bodyPr vert="horz" lIns="91440" tIns="45720" rIns="91440" bIns="45720" rtlCol="0" anchor="ctr">
+            <a:normAutofit/>
+          </a:bodyPr>
+          <a:lstStyle>
+            <a:lvl1pPr algn="ctr" defTabSz="914400" rtl="0" eaLnBrk="1" latinLnBrk="1" hangingPunct="1">
+              <a:lnSpc>
+                <a:spcPct val="90000"/>
+              </a:lnSpc>
+              <a:spcBef>
+                <a:spcPct val="0"/>
+              </a:spcBef>
+              <a:buNone/>
+              <a:defRPr sz="6000" kern="1200">
+                <a:solidFill>
+                  <a:schemeClr val="tx1"/>
+                </a:solidFill>
+                <a:latin typeface="+mj-lt"/>
+                <a:ea typeface="+mj-ea"/>
+                <a:cs typeface="+mj-cs"/>
+              </a:defRPr>
+            </a:lvl1pPr>
+          </a:lstStyle>
+          <a:p>
+            <a:pPr algn="l">
+              <a:lnSpc>
+                <a:spcPct val="100000"/>
+              </a:lnSpc>
+            </a:pPr>
+            <a:r>
+              <a:rPr lang="ko-KR" altLang="en-US" sz="3200" dirty="0"/>
+              <a:t>플레이어 턴</a:t>
+            </a:r>
+            <a:r>
+              <a:rPr lang="en-US" altLang="ko-KR" sz="3200" dirty="0"/>
+              <a:t>–</a:t>
+            </a:r>
+            <a:r>
+              <a:rPr lang="en-US" altLang="ko-KR" sz="2800" dirty="0"/>
+              <a:t> </a:t>
+            </a:r>
+            <a:r>
+              <a:rPr lang="ko-KR" altLang="en-US" sz="2400" dirty="0"/>
+              <a:t>행동력</a:t>
+            </a:r>
+            <a:r>
+              <a:rPr lang="en-US" altLang="ko-KR" sz="2400" dirty="0"/>
+              <a:t>(MP)</a:t>
+            </a:r>
+            <a:r>
+              <a:rPr lang="ko-KR" altLang="en-US" sz="2400" dirty="0"/>
+              <a:t> 시스템</a:t>
+            </a:r>
+            <a:endParaRPr lang="en-US" altLang="ko-KR" sz="3200" dirty="0"/>
+          </a:p>
+        </p:txBody>
+      </p:sp>
+      <p:graphicFrame>
+        <p:nvGraphicFramePr>
+          <p:cNvPr id="18" name="표 17">
+            <a:extLst>
+              <a:ext uri="{FF2B5EF4-FFF2-40B4-BE49-F238E27FC236}">
+                <a16:creationId xmlns:a16="http://schemas.microsoft.com/office/drawing/2014/main" id="{F64BB153-38B9-4099-B10D-B1D00AAA2FD5}"/>
+              </a:ext>
+            </a:extLst>
+          </p:cNvPr>
+          <p:cNvGraphicFramePr>
+            <a:graphicFrameLocks noGrp="1"/>
+          </p:cNvGraphicFramePr>
+          <p:nvPr>
+            <p:extLst>
+              <p:ext uri="{D42A27DB-BD31-4B8C-83A1-F6EECF244321}">
+                <p14:modId xmlns:p14="http://schemas.microsoft.com/office/powerpoint/2010/main" val="1582485939"/>
+              </p:ext>
+            </p:extLst>
+          </p:nvPr>
+        </p:nvGraphicFramePr>
+        <p:xfrm>
+          <a:off x="1055528" y="4957128"/>
+          <a:ext cx="10080943" cy="1280160"/>
+        </p:xfrm>
+        <a:graphic>
+          <a:graphicData uri="http://schemas.openxmlformats.org/drawingml/2006/table">
+            <a:tbl>
+              <a:tblPr firstRow="1" bandRow="1">
+                <a:tableStyleId>{5C22544A-7EE6-4342-B048-85BDC9FD1C3A}</a:tableStyleId>
+              </a:tblPr>
+              <a:tblGrid>
+                <a:gridCol w="10080943">
+                  <a:extLst>
+                    <a:ext uri="{9D8B030D-6E8A-4147-A177-3AD203B41FA5}">
+                      <a16:colId xmlns:a16="http://schemas.microsoft.com/office/drawing/2014/main" val="2619519810"/>
+                    </a:ext>
+                  </a:extLst>
+                </a:gridCol>
+              </a:tblGrid>
+              <a:tr h="0">
+                <a:tc>
+                  <a:txBody>
+                    <a:bodyPr/>
+                    <a:lstStyle/>
+                    <a:p>
+                      <a:pPr latinLnBrk="1"/>
+                      <a:r>
+                        <a:rPr lang="ko-KR" altLang="en-US" sz="1400" b="0" dirty="0">
+                          <a:solidFill>
+                            <a:schemeClr val="tx1"/>
+                          </a:solidFill>
+                        </a:rPr>
+                        <a:t>플레이어의 행동</a:t>
+                      </a:r>
+                      <a:r>
+                        <a:rPr lang="en-US" altLang="ko-KR" sz="1400" b="0" dirty="0">
+                          <a:solidFill>
+                            <a:schemeClr val="tx1"/>
+                          </a:solidFill>
+                        </a:rPr>
+                        <a:t>(</a:t>
+                      </a:r>
+                      <a:r>
+                        <a:rPr lang="ko-KR" altLang="en-US" sz="1400" b="0" dirty="0">
+                          <a:solidFill>
+                            <a:schemeClr val="tx1"/>
+                          </a:solidFill>
+                        </a:rPr>
+                        <a:t>카드 사용</a:t>
+                      </a:r>
+                      <a:r>
+                        <a:rPr lang="en-US" altLang="ko-KR" sz="1400" b="0" dirty="0">
+                          <a:solidFill>
+                            <a:schemeClr val="tx1"/>
+                          </a:solidFill>
+                        </a:rPr>
+                        <a:t>, </a:t>
+                      </a:r>
+                      <a:r>
+                        <a:rPr lang="ko-KR" altLang="en-US" sz="1400" b="0" dirty="0">
+                          <a:solidFill>
+                            <a:schemeClr val="tx1"/>
+                          </a:solidFill>
+                        </a:rPr>
+                        <a:t>기물 명령 등</a:t>
+                      </a:r>
+                      <a:r>
+                        <a:rPr lang="en-US" altLang="ko-KR" sz="1400" b="0" dirty="0">
+                          <a:solidFill>
+                            <a:schemeClr val="tx1"/>
+                          </a:solidFill>
+                        </a:rPr>
+                        <a:t>)</a:t>
+                      </a:r>
+                      <a:r>
+                        <a:rPr lang="ko-KR" altLang="en-US" sz="1400" b="0" dirty="0">
+                          <a:solidFill>
+                            <a:schemeClr val="tx1"/>
+                          </a:solidFill>
+                        </a:rPr>
+                        <a:t>에</a:t>
+                      </a:r>
+                      <a:r>
+                        <a:rPr lang="en-US" altLang="ko-KR" sz="1400" b="0" dirty="0">
+                          <a:solidFill>
+                            <a:schemeClr val="tx1"/>
+                          </a:solidFill>
+                        </a:rPr>
+                        <a:t> </a:t>
+                      </a:r>
+                      <a:r>
+                        <a:rPr lang="ko-KR" altLang="en-US" sz="1400" b="0" dirty="0">
+                          <a:solidFill>
+                            <a:schemeClr val="tx1"/>
+                          </a:solidFill>
+                        </a:rPr>
+                        <a:t>자원이 필요하게 하는 시스템이다</a:t>
+                      </a:r>
+                      <a:r>
+                        <a:rPr lang="en-US" altLang="ko-KR" sz="1400" b="0" dirty="0">
+                          <a:solidFill>
+                            <a:schemeClr val="tx1"/>
+                          </a:solidFill>
+                        </a:rPr>
+                        <a:t>.</a:t>
+                      </a:r>
+                      <a:endParaRPr lang="ko-KR" altLang="en-US" sz="1400" b="0" dirty="0">
+                        <a:solidFill>
+                          <a:schemeClr val="tx1"/>
+                        </a:solidFill>
+                      </a:endParaRPr>
+                    </a:p>
+                  </a:txBody>
+                  <a:tcPr>
+                    <a:lnL w="12700" cmpd="sng">
+                      <a:noFill/>
+                    </a:lnL>
+                    <a:lnR w="12700" cmpd="sng">
+                      <a:noFill/>
+                    </a:lnR>
+                    <a:lnT w="12700" cap="flat" cmpd="sng" algn="ctr">
+                      <a:noFill/>
+                      <a:prstDash val="solid"/>
+                      <a:round/>
+                      <a:headEnd type="none" w="med" len="med"/>
+                      <a:tailEnd type="none" w="med" len="med"/>
+                    </a:lnT>
+                    <a:lnB w="12700" cap="flat" cmpd="sng" algn="ctr">
+                      <a:solidFill>
+                        <a:schemeClr val="tx1"/>
+                      </a:solidFill>
+                      <a:prstDash val="solid"/>
+                      <a:round/>
+                      <a:headEnd type="none" w="med" len="med"/>
+                      <a:tailEnd type="none" w="med" len="med"/>
+                    </a:lnB>
+                    <a:lnTlToBr w="12700" cmpd="sng">
+                      <a:noFill/>
+                      <a:prstDash val="solid"/>
+                    </a:lnTlToBr>
+                    <a:lnBlToTr w="12700" cmpd="sng">
+                      <a:noFill/>
+                      <a:prstDash val="solid"/>
+                    </a:lnBlToTr>
+                    <a:noFill/>
+                  </a:tcPr>
+                </a:tc>
+                <a:extLst>
+                  <a:ext uri="{0D108BD9-81ED-4DB2-BD59-A6C34878D82A}">
+                    <a16:rowId xmlns:a16="http://schemas.microsoft.com/office/drawing/2014/main" val="1453759622"/>
+                  </a:ext>
+                </a:extLst>
+              </a:tr>
+              <a:tr h="0">
+                <a:tc>
+                  <a:txBody>
+                    <a:bodyPr/>
+                    <a:lstStyle/>
+                    <a:p>
+                      <a:pPr marL="0" marR="0" lvl="0" indent="0" algn="l" defTabSz="914400" rtl="0" eaLnBrk="1" fontAlgn="auto" latinLnBrk="1" hangingPunct="1">
+                        <a:lnSpc>
+                          <a:spcPct val="100000"/>
+                        </a:lnSpc>
+                        <a:spcBef>
+                          <a:spcPts val="0"/>
+                        </a:spcBef>
+                        <a:spcAft>
+                          <a:spcPts val="0"/>
+                        </a:spcAft>
+                        <a:buClrTx/>
+                        <a:buSzTx/>
+                        <a:buFontTx/>
+                        <a:buNone/>
+                        <a:tabLst/>
+                        <a:defRPr/>
+                      </a:pPr>
+                      <a:endParaRPr lang="en-US" altLang="ko-KR" sz="1400" b="1" dirty="0">
+                        <a:solidFill>
+                          <a:schemeClr val="tx1"/>
+                        </a:solidFill>
+                      </a:endParaRPr>
+                    </a:p>
+                    <a:p>
+                      <a:pPr marL="0" marR="0" lvl="0" indent="0" algn="l" defTabSz="914400" rtl="0" eaLnBrk="1" fontAlgn="auto" latinLnBrk="1" hangingPunct="1">
+                        <a:lnSpc>
+                          <a:spcPct val="100000"/>
+                        </a:lnSpc>
+                        <a:spcBef>
+                          <a:spcPts val="0"/>
+                        </a:spcBef>
+                        <a:spcAft>
+                          <a:spcPts val="0"/>
+                        </a:spcAft>
+                        <a:buClrTx/>
+                        <a:buSzTx/>
+                        <a:buFontTx/>
+                        <a:buNone/>
+                        <a:tabLst/>
+                        <a:defRPr/>
+                      </a:pPr>
+                      <a:r>
+                        <a:rPr lang="ko-KR" altLang="en-US" sz="1400" b="1" dirty="0">
+                          <a:solidFill>
+                            <a:schemeClr val="tx1"/>
+                          </a:solidFill>
+                        </a:rPr>
+                        <a:t>기획 의도</a:t>
+                      </a:r>
+                      <a:endParaRPr lang="en-US" altLang="ko-KR" sz="1400" b="1" dirty="0">
+                        <a:solidFill>
+                          <a:schemeClr val="tx1"/>
+                        </a:solidFill>
+                      </a:endParaRPr>
+                    </a:p>
+                  </a:txBody>
+                  <a:tcPr anchor="ctr">
+                    <a:lnL w="12700" cmpd="sng">
+                      <a:noFill/>
+                    </a:lnL>
+                    <a:lnR w="12700" cmpd="sng">
+                      <a:noFill/>
+                    </a:lnR>
+                    <a:lnT w="12700" cap="flat" cmpd="sng" algn="ctr">
+                      <a:solidFill>
+                        <a:schemeClr val="tx1"/>
+                      </a:solidFill>
+                      <a:prstDash val="solid"/>
+                      <a:round/>
+                      <a:headEnd type="none" w="med" len="med"/>
+                      <a:tailEnd type="none" w="med" len="med"/>
+                    </a:lnT>
+                    <a:lnB w="12700" cap="flat" cmpd="sng" algn="ctr">
+                      <a:noFill/>
+                      <a:prstDash val="solid"/>
+                      <a:round/>
+                      <a:headEnd type="none" w="med" len="med"/>
+                      <a:tailEnd type="none" w="med" len="med"/>
+                    </a:lnB>
+                    <a:lnTlToBr w="12700" cmpd="sng">
+                      <a:noFill/>
+                      <a:prstDash val="solid"/>
+                    </a:lnTlToBr>
+                    <a:lnBlToTr w="12700" cmpd="sng">
+                      <a:noFill/>
+                      <a:prstDash val="solid"/>
+                    </a:lnBlToTr>
+                    <a:noFill/>
+                  </a:tcPr>
+                </a:tc>
+                <a:extLst>
+                  <a:ext uri="{0D108BD9-81ED-4DB2-BD59-A6C34878D82A}">
+                    <a16:rowId xmlns:a16="http://schemas.microsoft.com/office/drawing/2014/main" val="824188820"/>
+                  </a:ext>
+                </a:extLst>
+              </a:tr>
+              <a:tr h="0">
+                <a:tc>
+                  <a:txBody>
+                    <a:bodyPr/>
+                    <a:lstStyle/>
+                    <a:p>
+                      <a:pPr latinLnBrk="1"/>
+                      <a:r>
+                        <a:rPr lang="ko-KR" altLang="en-US" sz="1200" b="0" dirty="0">
+                          <a:solidFill>
+                            <a:schemeClr val="tx1"/>
+                          </a:solidFill>
+                        </a:rPr>
+                        <a:t>플레이어의 모든 행동에 행동력이 필요하며</a:t>
+                      </a:r>
+                      <a:r>
+                        <a:rPr lang="en-US" altLang="ko-KR" sz="1200" b="0" dirty="0">
+                          <a:solidFill>
+                            <a:schemeClr val="tx1"/>
+                          </a:solidFill>
+                        </a:rPr>
+                        <a:t>, </a:t>
+                      </a:r>
+                      <a:r>
+                        <a:rPr lang="ko-KR" altLang="en-US" sz="1200" b="0" dirty="0">
+                          <a:solidFill>
+                            <a:schemeClr val="tx1"/>
+                          </a:solidFill>
+                        </a:rPr>
+                        <a:t>행동력이 순차적으로 상승하여 전투의 흐림이 서서히 증가하게 기획하였다</a:t>
+                      </a:r>
+                      <a:r>
+                        <a:rPr lang="en-US" altLang="ko-KR" sz="1200" b="0" dirty="0">
+                          <a:solidFill>
+                            <a:schemeClr val="tx1"/>
+                          </a:solidFill>
+                        </a:rPr>
+                        <a:t>.</a:t>
+                      </a:r>
+                    </a:p>
+                    <a:p>
+                      <a:pPr latinLnBrk="1"/>
+                      <a:r>
+                        <a:rPr lang="ko-KR" altLang="en-US" sz="1200" b="0" dirty="0">
+                          <a:solidFill>
+                            <a:schemeClr val="tx1"/>
+                          </a:solidFill>
+                        </a:rPr>
+                        <a:t>또한</a:t>
+                      </a:r>
+                      <a:r>
+                        <a:rPr lang="en-US" altLang="ko-KR" sz="1200" b="0" dirty="0">
+                          <a:solidFill>
+                            <a:schemeClr val="tx1"/>
+                          </a:solidFill>
+                        </a:rPr>
+                        <a:t>, </a:t>
+                      </a:r>
+                      <a:r>
+                        <a:rPr lang="ko-KR" altLang="en-US" sz="1200" b="0" dirty="0">
+                          <a:solidFill>
+                            <a:schemeClr val="tx1"/>
+                          </a:solidFill>
+                        </a:rPr>
+                        <a:t>게임 후반 플레이어가 과도한 행동력으로 인하여 전투가 한순간에 끝나는 것을 방지하기 위하여 행동력의 제한하였다</a:t>
+                      </a:r>
+                      <a:r>
+                        <a:rPr lang="en-US" altLang="ko-KR" sz="1200" b="0" dirty="0">
+                          <a:solidFill>
+                            <a:schemeClr val="tx1"/>
+                          </a:solidFill>
+                        </a:rPr>
+                        <a:t>.</a:t>
+                      </a:r>
+                    </a:p>
+                  </a:txBody>
+                  <a:tcPr anchor="ctr">
+                    <a:lnL w="12700" cmpd="sng">
+                      <a:noFill/>
+                    </a:lnL>
+                    <a:lnR w="12700" cmpd="sng">
+                      <a:noFill/>
+                    </a:lnR>
+                    <a:lnT w="12700" cap="flat" cmpd="sng" algn="ctr">
+                      <a:noFill/>
+                      <a:prstDash val="solid"/>
+                      <a:round/>
+                      <a:headEnd type="none" w="med" len="med"/>
+                      <a:tailEnd type="none" w="med" len="med"/>
+                    </a:lnT>
+                    <a:lnB w="12700" cap="flat" cmpd="sng" algn="ctr">
+                      <a:noFill/>
+                      <a:prstDash val="solid"/>
+                      <a:round/>
+                      <a:headEnd type="none" w="med" len="med"/>
+                      <a:tailEnd type="none" w="med" len="med"/>
+                    </a:lnB>
+                    <a:lnTlToBr w="12700" cmpd="sng">
+                      <a:noFill/>
+                      <a:prstDash val="solid"/>
+                    </a:lnTlToBr>
+                    <a:lnBlToTr w="12700" cmpd="sng">
+                      <a:noFill/>
+                      <a:prstDash val="solid"/>
+                    </a:lnBlToTr>
+                    <a:noFill/>
+                  </a:tcPr>
+                </a:tc>
+                <a:extLst>
+                  <a:ext uri="{0D108BD9-81ED-4DB2-BD59-A6C34878D82A}">
+                    <a16:rowId xmlns:a16="http://schemas.microsoft.com/office/drawing/2014/main" val="2690906204"/>
+                  </a:ext>
+                </a:extLst>
+              </a:tr>
+            </a:tbl>
+          </a:graphicData>
+        </a:graphic>
+      </p:graphicFrame>
+    </p:spTree>
+    <p:extLst>
+      <p:ext uri="{BB962C8B-B14F-4D97-AF65-F5344CB8AC3E}">
+        <p14:creationId xmlns:p14="http://schemas.microsoft.com/office/powerpoint/2010/main" val="1018223298"/>
+      </p:ext>
+    </p:extLst>
+  </p:cSld>
+  <p:clrMapOvr>
+    <a:masterClrMapping/>
+  </p:clrMapOvr>
+</p:sld>
+</file>
+
+<file path=ppt/slides/slide9.xml><?xml version="1.0" encoding="utf-8"?>
+<p:sld xmlns:a="http://schemas.openxmlformats.org/drawingml/2006/main" xmlns:r="http://schemas.openxmlformats.org/officeDocument/2006/relationships" xmlns:p="http://schemas.openxmlformats.org/presentationml/2006/main">
+  <p:cSld>
+    <p:spTree>
+      <p:nvGrpSpPr>
+        <p:cNvPr id="1" name="">
+          <a:extLst>
+            <a:ext uri="{FF2B5EF4-FFF2-40B4-BE49-F238E27FC236}">
+              <a16:creationId xmlns:a16="http://schemas.microsoft.com/office/drawing/2014/main" id="{D21DAEA7-79E3-502E-509C-DF5DDCA8B6BC}"/>
+            </a:ext>
+          </a:extLst>
+        </p:cNvPr>
+        <p:cNvGrpSpPr/>
+        <p:nvPr/>
+      </p:nvGrpSpPr>
+      <p:grpSpPr>
+        <a:xfrm>
+          <a:off x="0" y="0"/>
+          <a:ext cx="0" cy="0"/>
+          <a:chOff x="0" y="0"/>
+          <a:chExt cx="0" cy="0"/>
+        </a:xfrm>
+      </p:grpSpPr>
+      <p:sp>
+        <p:nvSpPr>
+          <p:cNvPr id="4" name="제목 1">
+            <a:extLst>
+              <a:ext uri="{FF2B5EF4-FFF2-40B4-BE49-F238E27FC236}">
+                <a16:creationId xmlns:a16="http://schemas.microsoft.com/office/drawing/2014/main" id="{636482B7-5B29-4FB0-B905-DE64440A7328}"/>
+              </a:ext>
+            </a:extLst>
+          </p:cNvPr>
+          <p:cNvSpPr txBox="1">
+            <a:spLocks/>
+          </p:cNvSpPr>
+          <p:nvPr/>
+        </p:nvSpPr>
+        <p:spPr>
+          <a:xfrm>
+            <a:off x="695324" y="387600"/>
+            <a:ext cx="10801351" cy="628400"/>
+          </a:xfrm>
+          <a:prstGeom prst="rect">
+            <a:avLst/>
+          </a:prstGeom>
+        </p:spPr>
+        <p:txBody>
+          <a:bodyPr vert="horz" lIns="91440" tIns="45720" rIns="91440" bIns="45720" rtlCol="0" anchor="ctr">
+            <a:normAutofit/>
+          </a:bodyPr>
+          <a:lstStyle>
+            <a:lvl1pPr algn="ctr" defTabSz="914400" rtl="0" eaLnBrk="1" latinLnBrk="1" hangingPunct="1">
+              <a:lnSpc>
+                <a:spcPct val="90000"/>
+              </a:lnSpc>
+              <a:spcBef>
+                <a:spcPct val="0"/>
+              </a:spcBef>
+              <a:buNone/>
+              <a:defRPr sz="6000" kern="1200">
+                <a:solidFill>
+                  <a:schemeClr val="tx1"/>
+                </a:solidFill>
+                <a:latin typeface="+mj-lt"/>
+                <a:ea typeface="+mj-ea"/>
+                <a:cs typeface="+mj-cs"/>
+              </a:defRPr>
+            </a:lvl1pPr>
+          </a:lstStyle>
+          <a:p>
+            <a:pPr algn="l">
+              <a:lnSpc>
+                <a:spcPct val="100000"/>
+              </a:lnSpc>
+            </a:pPr>
+            <a:r>
+              <a:rPr lang="ko-KR" altLang="en-US" sz="3200" dirty="0"/>
+              <a:t>플레이어 턴</a:t>
+            </a:r>
+            <a:r>
+              <a:rPr lang="en-US" altLang="ko-KR" sz="3200" dirty="0"/>
+              <a:t>–</a:t>
+            </a:r>
+            <a:r>
+              <a:rPr lang="en-US" altLang="ko-KR" sz="2800" dirty="0"/>
+              <a:t> </a:t>
+            </a:r>
+            <a:r>
+              <a:rPr lang="ko-KR" altLang="en-US" sz="2400" dirty="0"/>
+              <a:t>기물 소환 시스템</a:t>
+            </a:r>
+            <a:endParaRPr lang="en-US" altLang="ko-KR" sz="3200" dirty="0"/>
+          </a:p>
+        </p:txBody>
+      </p:sp>
+      <p:graphicFrame>
+        <p:nvGraphicFramePr>
+          <p:cNvPr id="18" name="표 17">
+            <a:extLst>
+              <a:ext uri="{FF2B5EF4-FFF2-40B4-BE49-F238E27FC236}">
+                <a16:creationId xmlns:a16="http://schemas.microsoft.com/office/drawing/2014/main" id="{F64BB153-38B9-4099-B10D-B1D00AAA2FD5}"/>
+              </a:ext>
+            </a:extLst>
+          </p:cNvPr>
+          <p:cNvGraphicFramePr>
+            <a:graphicFrameLocks noGrp="1"/>
+          </p:cNvGraphicFramePr>
+          <p:nvPr>
+            <p:extLst>
+              <p:ext uri="{D42A27DB-BD31-4B8C-83A1-F6EECF244321}">
+                <p14:modId xmlns:p14="http://schemas.microsoft.com/office/powerpoint/2010/main" val="3718663982"/>
+              </p:ext>
+            </p:extLst>
+          </p:nvPr>
+        </p:nvGraphicFramePr>
+        <p:xfrm>
+          <a:off x="1055528" y="4957128"/>
+          <a:ext cx="10080943" cy="1280160"/>
+        </p:xfrm>
+        <a:graphic>
+          <a:graphicData uri="http://schemas.openxmlformats.org/drawingml/2006/table">
+            <a:tbl>
+              <a:tblPr firstRow="1" bandRow="1">
+                <a:tableStyleId>{5C22544A-7EE6-4342-B048-85BDC9FD1C3A}</a:tableStyleId>
+              </a:tblPr>
+              <a:tblGrid>
+                <a:gridCol w="10080943">
+                  <a:extLst>
+                    <a:ext uri="{9D8B030D-6E8A-4147-A177-3AD203B41FA5}">
+                      <a16:colId xmlns:a16="http://schemas.microsoft.com/office/drawing/2014/main" val="2619519810"/>
+                    </a:ext>
+                  </a:extLst>
+                </a:gridCol>
+              </a:tblGrid>
+              <a:tr h="0">
+                <a:tc>
+                  <a:txBody>
+                    <a:bodyPr/>
+                    <a:lstStyle/>
+                    <a:p>
+                      <a:pPr latinLnBrk="1"/>
+                      <a:r>
+                        <a:rPr lang="ko-KR" altLang="en-US" sz="1400" b="0" dirty="0">
+                          <a:solidFill>
+                            <a:schemeClr val="tx1"/>
+                          </a:solidFill>
+                        </a:rPr>
+                        <a:t>플레이어가 손패에 기물 카드를 필드에 소환하는 시스템이다</a:t>
+                      </a:r>
+                      <a:r>
+                        <a:rPr lang="en-US" altLang="ko-KR" sz="1400" b="0" dirty="0">
+                          <a:solidFill>
+                            <a:schemeClr val="tx1"/>
+                          </a:solidFill>
+                        </a:rPr>
+                        <a:t>.</a:t>
+                      </a:r>
+                      <a:endParaRPr lang="ko-KR" altLang="en-US" sz="1400" b="0" dirty="0">
+                        <a:solidFill>
+                          <a:schemeClr val="tx1"/>
+                        </a:solidFill>
+                      </a:endParaRPr>
+                    </a:p>
+                  </a:txBody>
+                  <a:tcPr>
+                    <a:lnL w="12700" cmpd="sng">
+                      <a:noFill/>
+                    </a:lnL>
+                    <a:lnR w="12700" cmpd="sng">
+                      <a:noFill/>
+                    </a:lnR>
+                    <a:lnT w="12700" cap="flat" cmpd="sng" algn="ctr">
+                      <a:noFill/>
+                      <a:prstDash val="solid"/>
+                      <a:round/>
+                      <a:headEnd type="none" w="med" len="med"/>
+                      <a:tailEnd type="none" w="med" len="med"/>
+                    </a:lnT>
+                    <a:lnB w="12700" cap="flat" cmpd="sng" algn="ctr">
+                      <a:solidFill>
+                        <a:schemeClr val="tx1"/>
+                      </a:solidFill>
+                      <a:prstDash val="solid"/>
+                      <a:round/>
+                      <a:headEnd type="none" w="med" len="med"/>
+                      <a:tailEnd type="none" w="med" len="med"/>
+                    </a:lnB>
+                    <a:lnTlToBr w="12700" cmpd="sng">
+                      <a:noFill/>
+                      <a:prstDash val="solid"/>
+                    </a:lnTlToBr>
+                    <a:lnBlToTr w="12700" cmpd="sng">
+                      <a:noFill/>
+                      <a:prstDash val="solid"/>
+                    </a:lnBlToTr>
+                    <a:noFill/>
+                  </a:tcPr>
+                </a:tc>
+                <a:extLst>
+                  <a:ext uri="{0D108BD9-81ED-4DB2-BD59-A6C34878D82A}">
+                    <a16:rowId xmlns:a16="http://schemas.microsoft.com/office/drawing/2014/main" val="1453759622"/>
+                  </a:ext>
+                </a:extLst>
+              </a:tr>
+              <a:tr h="0">
+                <a:tc>
+                  <a:txBody>
+                    <a:bodyPr/>
+                    <a:lstStyle/>
+                    <a:p>
+                      <a:pPr marL="0" marR="0" lvl="0" indent="0" algn="l" defTabSz="914400" rtl="0" eaLnBrk="1" fontAlgn="auto" latinLnBrk="1" hangingPunct="1">
+                        <a:lnSpc>
+                          <a:spcPct val="100000"/>
+                        </a:lnSpc>
+                        <a:spcBef>
+                          <a:spcPts val="0"/>
+                        </a:spcBef>
+                        <a:spcAft>
+                          <a:spcPts val="0"/>
+                        </a:spcAft>
+                        <a:buClrTx/>
+                        <a:buSzTx/>
+                        <a:buFontTx/>
+                        <a:buNone/>
+                        <a:tabLst/>
+                        <a:defRPr/>
+                      </a:pPr>
+                      <a:endParaRPr lang="en-US" altLang="ko-KR" sz="1400" b="1" dirty="0">
+                        <a:solidFill>
+                          <a:schemeClr val="tx1"/>
+                        </a:solidFill>
+                      </a:endParaRPr>
+                    </a:p>
+                    <a:p>
+                      <a:pPr marL="0" marR="0" lvl="0" indent="0" algn="l" defTabSz="914400" rtl="0" eaLnBrk="1" fontAlgn="auto" latinLnBrk="1" hangingPunct="1">
+                        <a:lnSpc>
+                          <a:spcPct val="100000"/>
+                        </a:lnSpc>
+                        <a:spcBef>
+                          <a:spcPts val="0"/>
+                        </a:spcBef>
+                        <a:spcAft>
+                          <a:spcPts val="0"/>
+                        </a:spcAft>
+                        <a:buClrTx/>
+                        <a:buSzTx/>
+                        <a:buFontTx/>
+                        <a:buNone/>
+                        <a:tabLst/>
+                        <a:defRPr/>
+                      </a:pPr>
+                      <a:r>
+                        <a:rPr lang="ko-KR" altLang="en-US" sz="1400" b="1" dirty="0">
+                          <a:solidFill>
+                            <a:schemeClr val="tx1"/>
+                          </a:solidFill>
+                        </a:rPr>
+                        <a:t>기획 의도</a:t>
+                      </a:r>
+                      <a:endParaRPr lang="en-US" altLang="ko-KR" sz="1400" b="1" dirty="0">
+                        <a:solidFill>
+                          <a:schemeClr val="tx1"/>
+                        </a:solidFill>
+                      </a:endParaRPr>
+                    </a:p>
+                  </a:txBody>
+                  <a:tcPr anchor="ctr">
+                    <a:lnL w="12700" cmpd="sng">
+                      <a:noFill/>
+                    </a:lnL>
+                    <a:lnR w="12700" cmpd="sng">
+                      <a:noFill/>
+                    </a:lnR>
+                    <a:lnT w="12700" cap="flat" cmpd="sng" algn="ctr">
+                      <a:solidFill>
+                        <a:schemeClr val="tx1"/>
+                      </a:solidFill>
+                      <a:prstDash val="solid"/>
+                      <a:round/>
+                      <a:headEnd type="none" w="med" len="med"/>
+                      <a:tailEnd type="none" w="med" len="med"/>
+                    </a:lnT>
+                    <a:lnB w="12700" cap="flat" cmpd="sng" algn="ctr">
+                      <a:noFill/>
+                      <a:prstDash val="solid"/>
+                      <a:round/>
+                      <a:headEnd type="none" w="med" len="med"/>
+                      <a:tailEnd type="none" w="med" len="med"/>
+                    </a:lnB>
+                    <a:lnTlToBr w="12700" cmpd="sng">
+                      <a:noFill/>
+                      <a:prstDash val="solid"/>
+                    </a:lnTlToBr>
+                    <a:lnBlToTr w="12700" cmpd="sng">
+                      <a:noFill/>
+                      <a:prstDash val="solid"/>
+                    </a:lnBlToTr>
+                    <a:noFill/>
+                  </a:tcPr>
+                </a:tc>
+                <a:extLst>
+                  <a:ext uri="{0D108BD9-81ED-4DB2-BD59-A6C34878D82A}">
+                    <a16:rowId xmlns:a16="http://schemas.microsoft.com/office/drawing/2014/main" val="824188820"/>
+                  </a:ext>
+                </a:extLst>
+              </a:tr>
+              <a:tr h="0">
+                <a:tc>
+                  <a:txBody>
+                    <a:bodyPr/>
+                    <a:lstStyle/>
+                    <a:p>
+                      <a:pPr latinLnBrk="1"/>
+                      <a:r>
+                        <a:rPr lang="ko-KR" altLang="en-US" sz="1200" b="0" dirty="0">
+                          <a:solidFill>
+                            <a:schemeClr val="tx1"/>
+                          </a:solidFill>
+                        </a:rPr>
+                        <a:t>기물의 클래스에 따라서 소환할 수 있는 숫자의 제한을 두어 필드에 과도하게 많은 숫자의 기물이 존재하는 상황을 방지할 수 있게 기획하였다</a:t>
+                      </a:r>
+                      <a:r>
+                        <a:rPr lang="en-US" altLang="ko-KR" sz="1200" b="0" dirty="0">
+                          <a:solidFill>
+                            <a:schemeClr val="tx1"/>
+                          </a:solidFill>
+                        </a:rPr>
+                        <a:t>.</a:t>
+                      </a:r>
+                    </a:p>
+                    <a:p>
+                      <a:pPr latinLnBrk="1"/>
+                      <a:r>
+                        <a:rPr lang="ko-KR" altLang="en-US" sz="1200" b="0" dirty="0">
+                          <a:solidFill>
+                            <a:schemeClr val="tx1"/>
+                          </a:solidFill>
+                        </a:rPr>
+                        <a:t>또한</a:t>
+                      </a:r>
+                      <a:r>
+                        <a:rPr lang="en-US" altLang="ko-KR" sz="1200" b="0" dirty="0">
+                          <a:solidFill>
+                            <a:schemeClr val="tx1"/>
+                          </a:solidFill>
+                        </a:rPr>
+                        <a:t>, </a:t>
+                      </a:r>
+                      <a:r>
+                        <a:rPr lang="ko-KR" altLang="en-US" sz="1200" b="0" dirty="0">
+                          <a:solidFill>
+                            <a:schemeClr val="tx1"/>
+                          </a:solidFill>
+                        </a:rPr>
+                        <a:t>기물을 소할 수 있는 장소를 제한 하여 플레이어가 기물을 적진에 소환하여 기습하는 상황을 방지할 수 있게 기획하였다</a:t>
+                      </a:r>
+                      <a:r>
+                        <a:rPr lang="en-US" altLang="ko-KR" sz="1200" b="0" dirty="0">
+                          <a:solidFill>
+                            <a:schemeClr val="tx1"/>
+                          </a:solidFill>
+                        </a:rPr>
+                        <a:t>.</a:t>
+                      </a:r>
+                    </a:p>
+                  </a:txBody>
+                  <a:tcPr anchor="ctr">
+                    <a:lnL w="12700" cmpd="sng">
+                      <a:noFill/>
+                    </a:lnL>
+                    <a:lnR w="12700" cmpd="sng">
+                      <a:noFill/>
+                    </a:lnR>
+                    <a:lnT w="12700" cap="flat" cmpd="sng" algn="ctr">
+                      <a:noFill/>
+                      <a:prstDash val="solid"/>
+                      <a:round/>
+                      <a:headEnd type="none" w="med" len="med"/>
+                      <a:tailEnd type="none" w="med" len="med"/>
+                    </a:lnT>
+                    <a:lnB w="12700" cap="flat" cmpd="sng" algn="ctr">
+                      <a:noFill/>
+                      <a:prstDash val="solid"/>
+                      <a:round/>
+                      <a:headEnd type="none" w="med" len="med"/>
+                      <a:tailEnd type="none" w="med" len="med"/>
+                    </a:lnB>
+                    <a:lnTlToBr w="12700" cmpd="sng">
+                      <a:noFill/>
+                      <a:prstDash val="solid"/>
+                    </a:lnTlToBr>
+                    <a:lnBlToTr w="12700" cmpd="sng">
+                      <a:noFill/>
+                      <a:prstDash val="solid"/>
+                    </a:lnBlToTr>
+                    <a:noFill/>
+                  </a:tcPr>
+                </a:tc>
+                <a:extLst>
+                  <a:ext uri="{0D108BD9-81ED-4DB2-BD59-A6C34878D82A}">
+                    <a16:rowId xmlns:a16="http://schemas.microsoft.com/office/drawing/2014/main" val="2690906204"/>
+                  </a:ext>
+                </a:extLst>
+              </a:tr>
+            </a:tbl>
+          </a:graphicData>
+        </a:graphic>
+      </p:graphicFrame>
+    </p:spTree>
+    <p:extLst>
+      <p:ext uri="{BB962C8B-B14F-4D97-AF65-F5344CB8AC3E}">
+        <p14:creationId xmlns:p14="http://schemas.microsoft.com/office/powerpoint/2010/main" val="1615701792"/>
       </p:ext>
     </p:extLst>
   </p:cSld>

--- a/기획/체스/체스 전투 시스템 기획서.pptx
+++ b/기획/체스/체스 전투 시스템 기획서.pptx
@@ -5,23 +5,26 @@
     <p:sldMasterId id="2147484370" r:id="rId1"/>
   </p:sldMasterIdLst>
   <p:notesMasterIdLst>
-    <p:notesMasterId r:id="rId13"/>
+    <p:notesMasterId r:id="rId16"/>
   </p:notesMasterIdLst>
   <p:handoutMasterIdLst>
-    <p:handoutMasterId r:id="rId14"/>
+    <p:handoutMasterId r:id="rId17"/>
   </p:handoutMasterIdLst>
   <p:sldIdLst>
     <p:sldId id="256" r:id="rId2"/>
     <p:sldId id="386" r:id="rId3"/>
     <p:sldId id="390" r:id="rId4"/>
-    <p:sldId id="392" r:id="rId5"/>
-    <p:sldId id="393" r:id="rId6"/>
-    <p:sldId id="394" r:id="rId7"/>
-    <p:sldId id="389" r:id="rId8"/>
-    <p:sldId id="395" r:id="rId9"/>
-    <p:sldId id="396" r:id="rId10"/>
-    <p:sldId id="398" r:id="rId11"/>
-    <p:sldId id="399" r:id="rId12"/>
+    <p:sldId id="402" r:id="rId5"/>
+    <p:sldId id="392" r:id="rId6"/>
+    <p:sldId id="393" r:id="rId7"/>
+    <p:sldId id="394" r:id="rId8"/>
+    <p:sldId id="389" r:id="rId9"/>
+    <p:sldId id="395" r:id="rId10"/>
+    <p:sldId id="403" r:id="rId11"/>
+    <p:sldId id="400" r:id="rId12"/>
+    <p:sldId id="396" r:id="rId13"/>
+    <p:sldId id="398" r:id="rId14"/>
+    <p:sldId id="399" r:id="rId15"/>
   </p:sldIdLst>
   <p:sldSz cx="12192000" cy="6858000"/>
   <p:notesSz cx="6858000" cy="9144000"/>
@@ -317,7 +320,7 @@
           <a:p>
             <a:fld id="{4E9214C1-2863-45BA-A7C5-D5EA3C3D4C30}" type="datetimeFigureOut">
               <a:rPr lang="ko-KR" altLang="en-US" smtClean="0"/>
-              <a:t>2025-03-05</a:t>
+              <a:t>2025-03-06</a:t>
             </a:fld>
             <a:endParaRPr lang="ko-KR" altLang="en-US"/>
           </a:p>
@@ -482,7 +485,7 @@
           <a:p>
             <a:fld id="{8F563C85-90F6-445D-9B5B-8ABB00FB3043}" type="datetimeFigureOut">
               <a:rPr lang="ko-KR" altLang="en-US" smtClean="0"/>
-              <a:t>2025-03-05</a:t>
+              <a:t>2025-03-06</a:t>
             </a:fld>
             <a:endParaRPr lang="ko-KR" altLang="en-US"/>
           </a:p>
@@ -973,7 +976,7 @@
             </a:pPr>
             <a:fld id="{B9320F77-B9A0-41C5-862A-B4B631284C64}" type="datetime1">
               <a:rPr lang="en-GB" altLang="en-US"/>
-              <a:t>05/03/2025</a:t>
+              <a:t>06/03/2025</a:t>
             </a:fld>
             <a:endParaRPr lang="ko-KR" altLang="en-US"/>
           </a:p>
@@ -1173,7 +1176,7 @@
             </a:pPr>
             <a:fld id="{B9320F77-B9A0-41C5-862A-B4B631284C64}" type="datetime1">
               <a:rPr lang="en-GB" altLang="en-US"/>
-              <a:t>05/03/2025</a:t>
+              <a:t>06/03/2025</a:t>
             </a:fld>
             <a:endParaRPr lang="ko-KR" altLang="en-US"/>
           </a:p>
@@ -1373,7 +1376,7 @@
             </a:pPr>
             <a:fld id="{B9320F77-B9A0-41C5-862A-B4B631284C64}" type="datetime1">
               <a:rPr lang="en-GB" altLang="en-US"/>
-              <a:t>05/03/2025</a:t>
+              <a:t>06/03/2025</a:t>
             </a:fld>
             <a:endParaRPr lang="ko-KR" altLang="en-US"/>
           </a:p>
@@ -1573,7 +1576,7 @@
             </a:pPr>
             <a:fld id="{B9320F77-B9A0-41C5-862A-B4B631284C64}" type="datetime1">
               <a:rPr lang="en-GB" altLang="en-US"/>
-              <a:t>05/03/2025</a:t>
+              <a:t>06/03/2025</a:t>
             </a:fld>
             <a:endParaRPr lang="ko-KR" altLang="en-US"/>
           </a:p>
@@ -1839,7 +1842,7 @@
             </a:pPr>
             <a:fld id="{B9320F77-B9A0-41C5-862A-B4B631284C64}" type="datetime1">
               <a:rPr lang="en-GB" altLang="en-US"/>
-              <a:t>05/03/2025</a:t>
+              <a:t>06/03/2025</a:t>
             </a:fld>
             <a:endParaRPr lang="ko-KR" altLang="en-US"/>
           </a:p>
@@ -2095,7 +2098,7 @@
             </a:pPr>
             <a:fld id="{B9320F77-B9A0-41C5-862A-B4B631284C64}" type="datetime1">
               <a:rPr lang="en-GB" altLang="en-US"/>
-              <a:t>05/03/2025</a:t>
+              <a:t>06/03/2025</a:t>
             </a:fld>
             <a:endParaRPr lang="ko-KR" altLang="en-US"/>
           </a:p>
@@ -2481,7 +2484,7 @@
             </a:pPr>
             <a:fld id="{B9320F77-B9A0-41C5-862A-B4B631284C64}" type="datetime1">
               <a:rPr lang="en-GB" altLang="en-US"/>
-              <a:t>05/03/2025</a:t>
+              <a:t>06/03/2025</a:t>
             </a:fld>
             <a:endParaRPr lang="ko-KR" altLang="en-US"/>
           </a:p>
@@ -2625,7 +2628,7 @@
             </a:pPr>
             <a:fld id="{B9320F77-B9A0-41C5-862A-B4B631284C64}" type="datetime1">
               <a:rPr lang="en-GB" altLang="en-US"/>
-              <a:t>05/03/2025</a:t>
+              <a:t>06/03/2025</a:t>
             </a:fld>
             <a:endParaRPr lang="ko-KR" altLang="en-US"/>
           </a:p>
@@ -2742,7 +2745,7 @@
             </a:pPr>
             <a:fld id="{B9320F77-B9A0-41C5-862A-B4B631284C64}" type="datetime1">
               <a:rPr lang="en-GB" altLang="en-US"/>
-              <a:t>05/03/2025</a:t>
+              <a:t>06/03/2025</a:t>
             </a:fld>
             <a:endParaRPr lang="ko-KR" altLang="en-US"/>
           </a:p>
@@ -3039,7 +3042,7 @@
             </a:pPr>
             <a:fld id="{B9320F77-B9A0-41C5-862A-B4B631284C64}" type="datetime1">
               <a:rPr lang="en-GB" altLang="en-US"/>
-              <a:t>05/03/2025</a:t>
+              <a:t>06/03/2025</a:t>
             </a:fld>
             <a:endParaRPr lang="ko-KR" altLang="en-US"/>
           </a:p>
@@ -3313,7 +3316,7 @@
             </a:pPr>
             <a:fld id="{B9320F77-B9A0-41C5-862A-B4B631284C64}" type="datetime1">
               <a:rPr lang="en-GB" altLang="en-US"/>
-              <a:t>05/03/2025</a:t>
+              <a:t>06/03/2025</a:t>
             </a:fld>
             <a:endParaRPr lang="ko-KR" altLang="en-US"/>
           </a:p>
@@ -3543,7 +3546,7 @@
             </a:pPr>
             <a:fld id="{B9320F77-B9A0-41C5-862A-B4B631284C64}" type="datetime1">
               <a:rPr lang="en-GB" altLang="en-US"/>
-              <a:t>05/03/2025</a:t>
+              <a:t>06/03/2025</a:t>
             </a:fld>
             <a:endParaRPr lang="ko-KR" altLang="en-US"/>
           </a:p>
@@ -4121,8 +4124,12 @@
               <a:t> </a:t>
             </a:r>
             <a:r>
+              <a:rPr lang="ko-KR" altLang="en-US" sz="2400" dirty="0" err="1"/>
+              <a:t>멀리건</a:t>
+            </a:r>
+            <a:r>
               <a:rPr lang="ko-KR" altLang="en-US" sz="2400" dirty="0"/>
-              <a:t>기물 프로모션 소환 시스템</a:t>
+              <a:t> 시스템</a:t>
             </a:r>
             <a:endParaRPr lang="en-US" altLang="ko-KR" sz="3200" dirty="0"/>
           </a:p>
@@ -4140,17 +4147,11 @@
           <p:cNvGraphicFramePr>
             <a:graphicFrameLocks noGrp="1"/>
           </p:cNvGraphicFramePr>
-          <p:nvPr>
-            <p:extLst>
-              <p:ext uri="{D42A27DB-BD31-4B8C-83A1-F6EECF244321}">
-                <p14:modId xmlns:p14="http://schemas.microsoft.com/office/powerpoint/2010/main" val="856964786"/>
-              </p:ext>
-            </p:extLst>
-          </p:nvPr>
+          <p:nvPr/>
         </p:nvGraphicFramePr>
         <p:xfrm>
-          <a:off x="1055528" y="4957128"/>
-          <a:ext cx="10080943" cy="1280160"/>
+          <a:off x="1055528" y="4774248"/>
+          <a:ext cx="10080943" cy="1463040"/>
         </p:xfrm>
         <a:graphic>
           <a:graphicData uri="http://schemas.openxmlformats.org/drawingml/2006/table">
@@ -4180,7 +4181,7 @@
                             <a:schemeClr val="tx1"/>
                           </a:solidFill>
                         </a:rPr>
-                        <a:t>플레이어가 필드에 기물을 소모하여 손패에 기물 카드를 필드에 프로모션 소환하는 시스템이다</a:t>
+                        <a:t>전투 시작 시 첫 손패 카드를 다시 뽑을 수 있는 시스템이다</a:t>
                       </a:r>
                       <a:r>
                         <a:rPr lang="en-US" altLang="ko-KR" sz="1400" b="0" dirty="0">
@@ -4352,7 +4353,55 @@
                             <a:schemeClr val="tx1"/>
                           </a:solidFill>
                         </a:rPr>
-                        <a:t>일반 기물보다 높은 능력치나 효과를 보유한 기물 카드를 소환할 경우 행동력을 제외한 추가적인 자원이 필요하게 하여 강력한 기물을 소환할 경우 그것에 맞는 대가가 필요하게 기획하였다</a:t>
+                        <a:t>전략 카드 게임에서 첫 손패에 잡힌 카드에 따라서 승패와 즉결되는 되기도 할 정도로 중요한 요소이다</a:t>
+                      </a:r>
+                      <a:r>
+                        <a:rPr lang="en-US" altLang="ko-KR" sz="1200" b="0" dirty="0">
+                          <a:solidFill>
+                            <a:schemeClr val="tx1"/>
+                          </a:solidFill>
+                        </a:rPr>
+                        <a:t>. </a:t>
+                      </a:r>
+                      <a:r>
+                        <a:rPr lang="ko-KR" altLang="en-US" sz="1200" b="0" dirty="0">
+                          <a:solidFill>
+                            <a:schemeClr val="tx1"/>
+                          </a:solidFill>
+                        </a:rPr>
+                        <a:t>하지만 첫 손패에 잡히는 카드는 순전히 운에 따라서 결정되며</a:t>
+                      </a:r>
+                      <a:r>
+                        <a:rPr lang="en-US" altLang="ko-KR" sz="1200" b="0" dirty="0">
+                          <a:solidFill>
+                            <a:schemeClr val="tx1"/>
+                          </a:solidFill>
+                        </a:rPr>
+                        <a:t>,</a:t>
+                      </a:r>
+                      <a:r>
+                        <a:rPr lang="ko-KR" altLang="en-US" sz="1200" b="0" dirty="0">
+                          <a:solidFill>
+                            <a:schemeClr val="tx1"/>
+                          </a:solidFill>
+                        </a:rPr>
+                        <a:t> 첫 손패에 카드로 인하여 전투에서 패배할 경우는 플레이어에게 불쾌한 경험이다</a:t>
+                      </a:r>
+                      <a:r>
+                        <a:rPr lang="en-US" altLang="ko-KR" sz="1200" b="0" dirty="0">
+                          <a:solidFill>
+                            <a:schemeClr val="tx1"/>
+                          </a:solidFill>
+                        </a:rPr>
+                        <a:t>. </a:t>
+                      </a:r>
+                      <a:r>
+                        <a:rPr lang="ko-KR" altLang="en-US" sz="1200" b="0" dirty="0">
+                          <a:solidFill>
+                            <a:schemeClr val="tx1"/>
+                          </a:solidFill>
+                        </a:rPr>
+                        <a:t>그렇기에 첫 손패에 카드에서 원하는 카드를 골라 덱에 넣고 다시 뽑을 수 있는 해당 시스템을 채용하였다</a:t>
                       </a:r>
                       <a:r>
                         <a:rPr lang="en-US" altLang="ko-KR" sz="1200" b="0" dirty="0">
@@ -4409,7 +4458,7 @@
     </p:spTree>
     <p:extLst>
       <p:ext uri="{BB962C8B-B14F-4D97-AF65-F5344CB8AC3E}">
-        <p14:creationId xmlns:p14="http://schemas.microsoft.com/office/powerpoint/2010/main" val="1504579489"/>
+        <p14:creationId xmlns:p14="http://schemas.microsoft.com/office/powerpoint/2010/main" val="1479503600"/>
       </p:ext>
     </p:extLst>
   </p:cSld>
@@ -4508,7 +4557,7 @@
             </a:r>
             <a:r>
               <a:rPr lang="ko-KR" altLang="en-US" sz="2400" dirty="0"/>
-              <a:t>스킬 시스템</a:t>
+              <a:t>미니 맵 시스템</a:t>
             </a:r>
             <a:endParaRPr lang="en-US" altLang="ko-KR" sz="3200" dirty="0"/>
           </a:p>
@@ -4529,14 +4578,14 @@
           <p:nvPr>
             <p:extLst>
               <p:ext uri="{D42A27DB-BD31-4B8C-83A1-F6EECF244321}">
-                <p14:modId xmlns:p14="http://schemas.microsoft.com/office/powerpoint/2010/main" val="2947694394"/>
+                <p14:modId xmlns:p14="http://schemas.microsoft.com/office/powerpoint/2010/main" val="3791478119"/>
               </p:ext>
             </p:extLst>
           </p:nvPr>
         </p:nvGraphicFramePr>
         <p:xfrm>
-          <a:off x="1055528" y="4778377"/>
-          <a:ext cx="10080943" cy="1463040"/>
+          <a:off x="1055528" y="4957128"/>
+          <a:ext cx="10080943" cy="1280160"/>
         </p:xfrm>
         <a:graphic>
           <a:graphicData uri="http://schemas.openxmlformats.org/drawingml/2006/table">
@@ -4566,7 +4615,7 @@
                             <a:schemeClr val="tx1"/>
                           </a:solidFill>
                         </a:rPr>
-                        <a:t>스킬 덱에 스킬 카드를 필드에 기물이 사용하는 시스템이다</a:t>
+                        <a:t>필드에 위치한 기물을 작은 화면에 정리하여 표기하는 시스템이다</a:t>
                       </a:r>
                       <a:r>
                         <a:rPr lang="en-US" altLang="ko-KR" sz="1400" b="0" dirty="0">
@@ -4733,12 +4782,20 @@
                     <a:p>
                       <a:pPr latinLnBrk="1"/>
                       <a:r>
+                        <a:rPr lang="en-US" altLang="ko-KR" sz="1200" b="0" dirty="0">
+                          <a:solidFill>
+                            <a:schemeClr val="tx1"/>
+                          </a:solidFill>
+                        </a:rPr>
+                        <a:t>8 × 12</a:t>
+                      </a:r>
+                      <a:r>
                         <a:rPr lang="ko-KR" altLang="en-US" sz="1200" b="0" dirty="0">
                           <a:solidFill>
                             <a:schemeClr val="tx1"/>
                           </a:solidFill>
                         </a:rPr>
-                        <a:t>손패에 존재해야 사용 가능한 카드와 달리 스킬을 사용할 기물이 필드에 존재할 경우 스킬 덱에서 스킬 카드를 사용하여 필드에 소환되어 있는 기물이 해당 스킬을 사용할 수 있는 전략적인 요소로 사용할 수 있게 기획하였다</a:t>
+                        <a:t>라는 큰 필드는 가지는 해당 게임의 특징상 필드를 한번에 보여줄 경우 플레이어가 필드 상황을 파악하기 힘들기 때문에 필드에 기물 위치 정보를 정리하여 표기하는 해당 시스템을 기획하였다</a:t>
                       </a:r>
                       <a:r>
                         <a:rPr lang="en-US" altLang="ko-KR" sz="1200" b="0" dirty="0">
@@ -4749,6 +4806,373 @@
                         <a:t>.</a:t>
                       </a:r>
                     </a:p>
+                  </a:txBody>
+                  <a:tcPr anchor="ctr">
+                    <a:lnL w="12700" cmpd="sng">
+                      <a:noFill/>
+                    </a:lnL>
+                    <a:lnR w="12700" cmpd="sng">
+                      <a:noFill/>
+                    </a:lnR>
+                    <a:lnT w="12700" cap="flat" cmpd="sng" algn="ctr">
+                      <a:noFill/>
+                      <a:prstDash val="solid"/>
+                      <a:round/>
+                      <a:headEnd type="none" w="med" len="med"/>
+                      <a:tailEnd type="none" w="med" len="med"/>
+                    </a:lnT>
+                    <a:lnB w="12700" cap="flat" cmpd="sng" algn="ctr">
+                      <a:noFill/>
+                      <a:prstDash val="solid"/>
+                      <a:round/>
+                      <a:headEnd type="none" w="med" len="med"/>
+                      <a:tailEnd type="none" w="med" len="med"/>
+                    </a:lnB>
+                    <a:lnTlToBr w="12700" cmpd="sng">
+                      <a:noFill/>
+                      <a:prstDash val="solid"/>
+                    </a:lnTlToBr>
+                    <a:lnBlToTr w="12700" cmpd="sng">
+                      <a:noFill/>
+                      <a:prstDash val="solid"/>
+                    </a:lnBlToTr>
+                    <a:noFill/>
+                  </a:tcPr>
+                </a:tc>
+                <a:extLst>
+                  <a:ext uri="{0D108BD9-81ED-4DB2-BD59-A6C34878D82A}">
+                    <a16:rowId xmlns:a16="http://schemas.microsoft.com/office/drawing/2014/main" val="2690906204"/>
+                  </a:ext>
+                </a:extLst>
+              </a:tr>
+            </a:tbl>
+          </a:graphicData>
+        </a:graphic>
+      </p:graphicFrame>
+    </p:spTree>
+    <p:extLst>
+      <p:ext uri="{BB962C8B-B14F-4D97-AF65-F5344CB8AC3E}">
+        <p14:creationId xmlns:p14="http://schemas.microsoft.com/office/powerpoint/2010/main" val="3791676437"/>
+      </p:ext>
+    </p:extLst>
+  </p:cSld>
+  <p:clrMapOvr>
+    <a:masterClrMapping/>
+  </p:clrMapOvr>
+</p:sld>
+</file>
+
+<file path=ppt/slides/slide12.xml><?xml version="1.0" encoding="utf-8"?>
+<p:sld xmlns:a="http://schemas.openxmlformats.org/drawingml/2006/main" xmlns:r="http://schemas.openxmlformats.org/officeDocument/2006/relationships" xmlns:p="http://schemas.openxmlformats.org/presentationml/2006/main">
+  <p:cSld>
+    <p:spTree>
+      <p:nvGrpSpPr>
+        <p:cNvPr id="1" name="">
+          <a:extLst>
+            <a:ext uri="{FF2B5EF4-FFF2-40B4-BE49-F238E27FC236}">
+              <a16:creationId xmlns:a16="http://schemas.microsoft.com/office/drawing/2014/main" id="{D21DAEA7-79E3-502E-509C-DF5DDCA8B6BC}"/>
+            </a:ext>
+          </a:extLst>
+        </p:cNvPr>
+        <p:cNvGrpSpPr/>
+        <p:nvPr/>
+      </p:nvGrpSpPr>
+      <p:grpSpPr>
+        <a:xfrm>
+          <a:off x="0" y="0"/>
+          <a:ext cx="0" cy="0"/>
+          <a:chOff x="0" y="0"/>
+          <a:chExt cx="0" cy="0"/>
+        </a:xfrm>
+      </p:grpSpPr>
+      <p:sp>
+        <p:nvSpPr>
+          <p:cNvPr id="4" name="제목 1">
+            <a:extLst>
+              <a:ext uri="{FF2B5EF4-FFF2-40B4-BE49-F238E27FC236}">
+                <a16:creationId xmlns:a16="http://schemas.microsoft.com/office/drawing/2014/main" id="{636482B7-5B29-4FB0-B905-DE64440A7328}"/>
+              </a:ext>
+            </a:extLst>
+          </p:cNvPr>
+          <p:cNvSpPr txBox="1">
+            <a:spLocks/>
+          </p:cNvSpPr>
+          <p:nvPr/>
+        </p:nvSpPr>
+        <p:spPr>
+          <a:xfrm>
+            <a:off x="695324" y="387600"/>
+            <a:ext cx="10801351" cy="628400"/>
+          </a:xfrm>
+          <a:prstGeom prst="rect">
+            <a:avLst/>
+          </a:prstGeom>
+        </p:spPr>
+        <p:txBody>
+          <a:bodyPr vert="horz" lIns="91440" tIns="45720" rIns="91440" bIns="45720" rtlCol="0" anchor="ctr">
+            <a:normAutofit/>
+          </a:bodyPr>
+          <a:lstStyle>
+            <a:lvl1pPr algn="ctr" defTabSz="914400" rtl="0" eaLnBrk="1" latinLnBrk="1" hangingPunct="1">
+              <a:lnSpc>
+                <a:spcPct val="90000"/>
+              </a:lnSpc>
+              <a:spcBef>
+                <a:spcPct val="0"/>
+              </a:spcBef>
+              <a:buNone/>
+              <a:defRPr sz="6000" kern="1200">
+                <a:solidFill>
+                  <a:schemeClr val="tx1"/>
+                </a:solidFill>
+                <a:latin typeface="+mj-lt"/>
+                <a:ea typeface="+mj-ea"/>
+                <a:cs typeface="+mj-cs"/>
+              </a:defRPr>
+            </a:lvl1pPr>
+          </a:lstStyle>
+          <a:p>
+            <a:pPr algn="l">
+              <a:lnSpc>
+                <a:spcPct val="100000"/>
+              </a:lnSpc>
+            </a:pPr>
+            <a:r>
+              <a:rPr lang="ko-KR" altLang="en-US" sz="3200" dirty="0"/>
+              <a:t>플레이어 턴</a:t>
+            </a:r>
+            <a:r>
+              <a:rPr lang="en-US" altLang="ko-KR" sz="3200" dirty="0"/>
+              <a:t>–</a:t>
+            </a:r>
+            <a:r>
+              <a:rPr lang="en-US" altLang="ko-KR" sz="2800" dirty="0"/>
+              <a:t> </a:t>
+            </a:r>
+            <a:r>
+              <a:rPr lang="ko-KR" altLang="en-US" sz="2400" dirty="0"/>
+              <a:t>턴 시간 제한 시스템</a:t>
+            </a:r>
+            <a:endParaRPr lang="en-US" altLang="ko-KR" sz="3200" dirty="0"/>
+          </a:p>
+        </p:txBody>
+      </p:sp>
+      <p:graphicFrame>
+        <p:nvGraphicFramePr>
+          <p:cNvPr id="18" name="표 17">
+            <a:extLst>
+              <a:ext uri="{FF2B5EF4-FFF2-40B4-BE49-F238E27FC236}">
+                <a16:creationId xmlns:a16="http://schemas.microsoft.com/office/drawing/2014/main" id="{F64BB153-38B9-4099-B10D-B1D00AAA2FD5}"/>
+              </a:ext>
+            </a:extLst>
+          </p:cNvPr>
+          <p:cNvGraphicFramePr>
+            <a:graphicFrameLocks noGrp="1"/>
+          </p:cNvGraphicFramePr>
+          <p:nvPr>
+            <p:extLst>
+              <p:ext uri="{D42A27DB-BD31-4B8C-83A1-F6EECF244321}">
+                <p14:modId xmlns:p14="http://schemas.microsoft.com/office/powerpoint/2010/main" val="267809242"/>
+              </p:ext>
+            </p:extLst>
+          </p:nvPr>
+        </p:nvGraphicFramePr>
+        <p:xfrm>
+          <a:off x="1055528" y="5140008"/>
+          <a:ext cx="10080943" cy="1097280"/>
+        </p:xfrm>
+        <a:graphic>
+          <a:graphicData uri="http://schemas.openxmlformats.org/drawingml/2006/table">
+            <a:tbl>
+              <a:tblPr firstRow="1" bandRow="1">
+                <a:tableStyleId>{5C22544A-7EE6-4342-B048-85BDC9FD1C3A}</a:tableStyleId>
+              </a:tblPr>
+              <a:tblGrid>
+                <a:gridCol w="10080943">
+                  <a:extLst>
+                    <a:ext uri="{9D8B030D-6E8A-4147-A177-3AD203B41FA5}">
+                      <a16:colId xmlns:a16="http://schemas.microsoft.com/office/drawing/2014/main" val="2619519810"/>
+                    </a:ext>
+                  </a:extLst>
+                </a:gridCol>
+              </a:tblGrid>
+              <a:tr h="0">
+                <a:tc>
+                  <a:txBody>
+                    <a:bodyPr/>
+                    <a:lstStyle/>
+                    <a:p>
+                      <a:pPr latinLnBrk="1"/>
+                      <a:r>
+                        <a:rPr lang="ko-KR" altLang="en-US" sz="1400" b="0" dirty="0">
+                          <a:solidFill>
+                            <a:schemeClr val="tx1"/>
+                          </a:solidFill>
+                        </a:rPr>
+                        <a:t>턴을 진행할 수 있는 시간을 제한하는 시스템이다</a:t>
+                      </a:r>
+                      <a:r>
+                        <a:rPr lang="en-US" altLang="ko-KR" sz="1400" b="0" dirty="0">
+                          <a:solidFill>
+                            <a:schemeClr val="tx1"/>
+                          </a:solidFill>
+                        </a:rPr>
+                        <a:t>.</a:t>
+                      </a:r>
+                      <a:endParaRPr lang="ko-KR" altLang="en-US" sz="1400" b="0" dirty="0">
+                        <a:solidFill>
+                          <a:schemeClr val="tx1"/>
+                        </a:solidFill>
+                      </a:endParaRPr>
+                    </a:p>
+                  </a:txBody>
+                  <a:tcPr>
+                    <a:lnL w="12700" cmpd="sng">
+                      <a:noFill/>
+                    </a:lnL>
+                    <a:lnR w="12700" cmpd="sng">
+                      <a:noFill/>
+                    </a:lnR>
+                    <a:lnT w="12700" cap="flat" cmpd="sng" algn="ctr">
+                      <a:noFill/>
+                      <a:prstDash val="solid"/>
+                      <a:round/>
+                      <a:headEnd type="none" w="med" len="med"/>
+                      <a:tailEnd type="none" w="med" len="med"/>
+                    </a:lnT>
+                    <a:lnB w="12700" cap="flat" cmpd="sng" algn="ctr">
+                      <a:solidFill>
+                        <a:schemeClr val="tx1"/>
+                      </a:solidFill>
+                      <a:prstDash val="solid"/>
+                      <a:round/>
+                      <a:headEnd type="none" w="med" len="med"/>
+                      <a:tailEnd type="none" w="med" len="med"/>
+                    </a:lnB>
+                    <a:lnTlToBr w="12700" cmpd="sng">
+                      <a:noFill/>
+                      <a:prstDash val="solid"/>
+                    </a:lnTlToBr>
+                    <a:lnBlToTr w="12700" cmpd="sng">
+                      <a:noFill/>
+                      <a:prstDash val="solid"/>
+                    </a:lnBlToTr>
+                    <a:noFill/>
+                  </a:tcPr>
+                </a:tc>
+                <a:extLst>
+                  <a:ext uri="{0D108BD9-81ED-4DB2-BD59-A6C34878D82A}">
+                    <a16:rowId xmlns:a16="http://schemas.microsoft.com/office/drawing/2014/main" val="1453759622"/>
+                  </a:ext>
+                </a:extLst>
+              </a:tr>
+              <a:tr h="0">
+                <a:tc>
+                  <a:txBody>
+                    <a:bodyPr/>
+                    <a:lstStyle/>
+                    <a:p>
+                      <a:pPr marL="0" marR="0" lvl="0" indent="0" algn="l" defTabSz="914400" rtl="0" eaLnBrk="1" fontAlgn="auto" latinLnBrk="1" hangingPunct="1">
+                        <a:lnSpc>
+                          <a:spcPct val="100000"/>
+                        </a:lnSpc>
+                        <a:spcBef>
+                          <a:spcPts val="0"/>
+                        </a:spcBef>
+                        <a:spcAft>
+                          <a:spcPts val="0"/>
+                        </a:spcAft>
+                        <a:buClrTx/>
+                        <a:buSzTx/>
+                        <a:buFontTx/>
+                        <a:buNone/>
+                        <a:tabLst/>
+                        <a:defRPr/>
+                      </a:pPr>
+                      <a:endParaRPr lang="en-US" altLang="ko-KR" sz="1400" b="1" dirty="0">
+                        <a:solidFill>
+                          <a:schemeClr val="tx1"/>
+                        </a:solidFill>
+                      </a:endParaRPr>
+                    </a:p>
+                    <a:p>
+                      <a:pPr marL="0" marR="0" lvl="0" indent="0" algn="l" defTabSz="914400" rtl="0" eaLnBrk="1" fontAlgn="auto" latinLnBrk="1" hangingPunct="1">
+                        <a:lnSpc>
+                          <a:spcPct val="100000"/>
+                        </a:lnSpc>
+                        <a:spcBef>
+                          <a:spcPts val="0"/>
+                        </a:spcBef>
+                        <a:spcAft>
+                          <a:spcPts val="0"/>
+                        </a:spcAft>
+                        <a:buClrTx/>
+                        <a:buSzTx/>
+                        <a:buFontTx/>
+                        <a:buNone/>
+                        <a:tabLst/>
+                        <a:defRPr/>
+                      </a:pPr>
+                      <a:r>
+                        <a:rPr lang="ko-KR" altLang="en-US" sz="1400" b="1" dirty="0">
+                          <a:solidFill>
+                            <a:schemeClr val="tx1"/>
+                          </a:solidFill>
+                        </a:rPr>
+                        <a:t>기획 의도</a:t>
+                      </a:r>
+                      <a:endParaRPr lang="en-US" altLang="ko-KR" sz="1400" b="1" dirty="0">
+                        <a:solidFill>
+                          <a:schemeClr val="tx1"/>
+                        </a:solidFill>
+                      </a:endParaRPr>
+                    </a:p>
+                  </a:txBody>
+                  <a:tcPr anchor="ctr">
+                    <a:lnL w="12700" cmpd="sng">
+                      <a:noFill/>
+                    </a:lnL>
+                    <a:lnR w="12700" cmpd="sng">
+                      <a:noFill/>
+                    </a:lnR>
+                    <a:lnT w="12700" cap="flat" cmpd="sng" algn="ctr">
+                      <a:solidFill>
+                        <a:schemeClr val="tx1"/>
+                      </a:solidFill>
+                      <a:prstDash val="solid"/>
+                      <a:round/>
+                      <a:headEnd type="none" w="med" len="med"/>
+                      <a:tailEnd type="none" w="med" len="med"/>
+                    </a:lnT>
+                    <a:lnB w="12700" cap="flat" cmpd="sng" algn="ctr">
+                      <a:noFill/>
+                      <a:prstDash val="solid"/>
+                      <a:round/>
+                      <a:headEnd type="none" w="med" len="med"/>
+                      <a:tailEnd type="none" w="med" len="med"/>
+                    </a:lnB>
+                    <a:lnTlToBr w="12700" cmpd="sng">
+                      <a:noFill/>
+                      <a:prstDash val="solid"/>
+                    </a:lnTlToBr>
+                    <a:lnBlToTr w="12700" cmpd="sng">
+                      <a:noFill/>
+                      <a:prstDash val="solid"/>
+                    </a:lnBlToTr>
+                    <a:noFill/>
+                  </a:tcPr>
+                </a:tc>
+                <a:extLst>
+                  <a:ext uri="{0D108BD9-81ED-4DB2-BD59-A6C34878D82A}">
+                    <a16:rowId xmlns:a16="http://schemas.microsoft.com/office/drawing/2014/main" val="824188820"/>
+                  </a:ext>
+                </a:extLst>
+              </a:tr>
+              <a:tr h="0">
+                <a:tc>
+                  <a:txBody>
+                    <a:bodyPr/>
+                    <a:lstStyle/>
                     <a:p>
                       <a:pPr latinLnBrk="1"/>
                       <a:r>
@@ -4757,23 +5181,7 @@
                             <a:schemeClr val="tx1"/>
                           </a:solidFill>
                         </a:rPr>
-                        <a:t>또한</a:t>
-                      </a:r>
-                      <a:r>
-                        <a:rPr lang="en-US" altLang="ko-KR" sz="1200" b="0" dirty="0">
-                          <a:solidFill>
-                            <a:schemeClr val="tx1"/>
-                          </a:solidFill>
-                        </a:rPr>
-                        <a:t>, </a:t>
-                      </a:r>
-                      <a:r>
-                        <a:rPr lang="ko-KR" altLang="en-US" sz="1200" b="0" dirty="0">
-                          <a:solidFill>
-                            <a:schemeClr val="tx1"/>
-                          </a:solidFill>
-                        </a:rPr>
-                        <a:t>기물이 보유하기 너무 강력하거나 복잡한 효과를 스킬 카드로 분리하여 플레이어가 카드 효과를 이해하기 쉽게 하였다</a:t>
+                        <a:t>플레이어 턴을 진행할 때 시간적인 제한을 걸어 전투가 극단적으로 늘어지는 경우와 악의적으로 전투를 지연시키는 상황을 방지하게 기획하였다</a:t>
                       </a:r>
                       <a:r>
                         <a:rPr lang="en-US" altLang="ko-KR" sz="1200" b="0" dirty="0">
@@ -4783,19 +5191,794 @@
                         </a:rPr>
                         <a:t>.</a:t>
                       </a:r>
+                    </a:p>
+                  </a:txBody>
+                  <a:tcPr anchor="ctr">
+                    <a:lnL w="12700" cmpd="sng">
+                      <a:noFill/>
+                    </a:lnL>
+                    <a:lnR w="12700" cmpd="sng">
+                      <a:noFill/>
+                    </a:lnR>
+                    <a:lnT w="12700" cap="flat" cmpd="sng" algn="ctr">
+                      <a:noFill/>
+                      <a:prstDash val="solid"/>
+                      <a:round/>
+                      <a:headEnd type="none" w="med" len="med"/>
+                      <a:tailEnd type="none" w="med" len="med"/>
+                    </a:lnT>
+                    <a:lnB w="12700" cap="flat" cmpd="sng" algn="ctr">
+                      <a:noFill/>
+                      <a:prstDash val="solid"/>
+                      <a:round/>
+                      <a:headEnd type="none" w="med" len="med"/>
+                      <a:tailEnd type="none" w="med" len="med"/>
+                    </a:lnB>
+                    <a:lnTlToBr w="12700" cmpd="sng">
+                      <a:noFill/>
+                      <a:prstDash val="solid"/>
+                    </a:lnTlToBr>
+                    <a:lnBlToTr w="12700" cmpd="sng">
+                      <a:noFill/>
+                      <a:prstDash val="solid"/>
+                    </a:lnBlToTr>
+                    <a:noFill/>
+                  </a:tcPr>
+                </a:tc>
+                <a:extLst>
+                  <a:ext uri="{0D108BD9-81ED-4DB2-BD59-A6C34878D82A}">
+                    <a16:rowId xmlns:a16="http://schemas.microsoft.com/office/drawing/2014/main" val="2690906204"/>
+                  </a:ext>
+                </a:extLst>
+              </a:tr>
+            </a:tbl>
+          </a:graphicData>
+        </a:graphic>
+      </p:graphicFrame>
+    </p:spTree>
+    <p:extLst>
+      <p:ext uri="{BB962C8B-B14F-4D97-AF65-F5344CB8AC3E}">
+        <p14:creationId xmlns:p14="http://schemas.microsoft.com/office/powerpoint/2010/main" val="1615701792"/>
+      </p:ext>
+    </p:extLst>
+  </p:cSld>
+  <p:clrMapOvr>
+    <a:masterClrMapping/>
+  </p:clrMapOvr>
+</p:sld>
+</file>
+
+<file path=ppt/slides/slide13.xml><?xml version="1.0" encoding="utf-8"?>
+<p:sld xmlns:a="http://schemas.openxmlformats.org/drawingml/2006/main" xmlns:r="http://schemas.openxmlformats.org/officeDocument/2006/relationships" xmlns:p="http://schemas.openxmlformats.org/presentationml/2006/main">
+  <p:cSld>
+    <p:spTree>
+      <p:nvGrpSpPr>
+        <p:cNvPr id="1" name="">
+          <a:extLst>
+            <a:ext uri="{FF2B5EF4-FFF2-40B4-BE49-F238E27FC236}">
+              <a16:creationId xmlns:a16="http://schemas.microsoft.com/office/drawing/2014/main" id="{D21DAEA7-79E3-502E-509C-DF5DDCA8B6BC}"/>
+            </a:ext>
+          </a:extLst>
+        </p:cNvPr>
+        <p:cNvGrpSpPr/>
+        <p:nvPr/>
+      </p:nvGrpSpPr>
+      <p:grpSpPr>
+        <a:xfrm>
+          <a:off x="0" y="0"/>
+          <a:ext cx="0" cy="0"/>
+          <a:chOff x="0" y="0"/>
+          <a:chExt cx="0" cy="0"/>
+        </a:xfrm>
+      </p:grpSpPr>
+      <p:sp>
+        <p:nvSpPr>
+          <p:cNvPr id="4" name="제목 1">
+            <a:extLst>
+              <a:ext uri="{FF2B5EF4-FFF2-40B4-BE49-F238E27FC236}">
+                <a16:creationId xmlns:a16="http://schemas.microsoft.com/office/drawing/2014/main" id="{636482B7-5B29-4FB0-B905-DE64440A7328}"/>
+              </a:ext>
+            </a:extLst>
+          </p:cNvPr>
+          <p:cNvSpPr txBox="1">
+            <a:spLocks/>
+          </p:cNvSpPr>
+          <p:nvPr/>
+        </p:nvSpPr>
+        <p:spPr>
+          <a:xfrm>
+            <a:off x="695324" y="387600"/>
+            <a:ext cx="10801351" cy="628400"/>
+          </a:xfrm>
+          <a:prstGeom prst="rect">
+            <a:avLst/>
+          </a:prstGeom>
+        </p:spPr>
+        <p:txBody>
+          <a:bodyPr vert="horz" lIns="91440" tIns="45720" rIns="91440" bIns="45720" rtlCol="0" anchor="ctr">
+            <a:normAutofit/>
+          </a:bodyPr>
+          <a:lstStyle>
+            <a:lvl1pPr algn="ctr" defTabSz="914400" rtl="0" eaLnBrk="1" latinLnBrk="1" hangingPunct="1">
+              <a:lnSpc>
+                <a:spcPct val="90000"/>
+              </a:lnSpc>
+              <a:spcBef>
+                <a:spcPct val="0"/>
+              </a:spcBef>
+              <a:buNone/>
+              <a:defRPr sz="6000" kern="1200">
+                <a:solidFill>
+                  <a:schemeClr val="tx1"/>
+                </a:solidFill>
+                <a:latin typeface="+mj-lt"/>
+                <a:ea typeface="+mj-ea"/>
+                <a:cs typeface="+mj-cs"/>
+              </a:defRPr>
+            </a:lvl1pPr>
+          </a:lstStyle>
+          <a:p>
+            <a:pPr algn="l">
+              <a:lnSpc>
+                <a:spcPct val="100000"/>
+              </a:lnSpc>
+            </a:pPr>
+            <a:r>
+              <a:rPr lang="ko-KR" altLang="en-US" sz="3200" dirty="0"/>
+              <a:t>플레이어 턴</a:t>
+            </a:r>
+            <a:r>
+              <a:rPr lang="en-US" altLang="ko-KR" sz="3200" dirty="0"/>
+              <a:t>–</a:t>
+            </a:r>
+            <a:r>
+              <a:rPr lang="en-US" altLang="ko-KR" sz="2800" dirty="0"/>
+              <a:t> </a:t>
+            </a:r>
+            <a:r>
+              <a:rPr lang="ko-KR" altLang="en-US" sz="2400" dirty="0"/>
+              <a:t>손패 숫자 제한 시스템</a:t>
+            </a:r>
+            <a:endParaRPr lang="en-US" altLang="ko-KR" sz="3200" dirty="0"/>
+          </a:p>
+        </p:txBody>
+      </p:sp>
+      <p:graphicFrame>
+        <p:nvGraphicFramePr>
+          <p:cNvPr id="18" name="표 17">
+            <a:extLst>
+              <a:ext uri="{FF2B5EF4-FFF2-40B4-BE49-F238E27FC236}">
+                <a16:creationId xmlns:a16="http://schemas.microsoft.com/office/drawing/2014/main" id="{F64BB153-38B9-4099-B10D-B1D00AAA2FD5}"/>
+              </a:ext>
+            </a:extLst>
+          </p:cNvPr>
+          <p:cNvGraphicFramePr>
+            <a:graphicFrameLocks noGrp="1"/>
+          </p:cNvGraphicFramePr>
+          <p:nvPr>
+            <p:extLst>
+              <p:ext uri="{D42A27DB-BD31-4B8C-83A1-F6EECF244321}">
+                <p14:modId xmlns:p14="http://schemas.microsoft.com/office/powerpoint/2010/main" val="3046395141"/>
+              </p:ext>
+            </p:extLst>
+          </p:nvPr>
+        </p:nvGraphicFramePr>
+        <p:xfrm>
+          <a:off x="1055528" y="4774248"/>
+          <a:ext cx="10080943" cy="1463040"/>
+        </p:xfrm>
+        <a:graphic>
+          <a:graphicData uri="http://schemas.openxmlformats.org/drawingml/2006/table">
+            <a:tbl>
+              <a:tblPr firstRow="1" bandRow="1">
+                <a:tableStyleId>{5C22544A-7EE6-4342-B048-85BDC9FD1C3A}</a:tableStyleId>
+              </a:tblPr>
+              <a:tblGrid>
+                <a:gridCol w="10080943">
+                  <a:extLst>
+                    <a:ext uri="{9D8B030D-6E8A-4147-A177-3AD203B41FA5}">
+                      <a16:colId xmlns:a16="http://schemas.microsoft.com/office/drawing/2014/main" val="2619519810"/>
+                    </a:ext>
+                  </a:extLst>
+                </a:gridCol>
+              </a:tblGrid>
+              <a:tr h="0">
+                <a:tc>
+                  <a:txBody>
+                    <a:bodyPr/>
+                    <a:lstStyle/>
+                    <a:p>
+                      <a:pPr latinLnBrk="1"/>
+                      <a:r>
+                        <a:rPr lang="ko-KR" altLang="en-US" sz="1400" b="0" dirty="0">
+                          <a:solidFill>
+                            <a:schemeClr val="tx1"/>
+                          </a:solidFill>
+                        </a:rPr>
+                        <a:t>턴 종료 시 손패 숫자 제한을 초과한 카드를 버리게 하는 시스템이다</a:t>
+                      </a:r>
+                      <a:r>
+                        <a:rPr lang="en-US" altLang="ko-KR" sz="1400" b="0" dirty="0">
+                          <a:solidFill>
+                            <a:schemeClr val="tx1"/>
+                          </a:solidFill>
+                        </a:rPr>
+                        <a:t>.</a:t>
+                      </a:r>
+                      <a:endParaRPr lang="ko-KR" altLang="en-US" sz="1400" b="0" dirty="0">
+                        <a:solidFill>
+                          <a:schemeClr val="tx1"/>
+                        </a:solidFill>
+                      </a:endParaRPr>
+                    </a:p>
+                  </a:txBody>
+                  <a:tcPr>
+                    <a:lnL w="12700" cmpd="sng">
+                      <a:noFill/>
+                    </a:lnL>
+                    <a:lnR w="12700" cmpd="sng">
+                      <a:noFill/>
+                    </a:lnR>
+                    <a:lnT w="12700" cap="flat" cmpd="sng" algn="ctr">
+                      <a:noFill/>
+                      <a:prstDash val="solid"/>
+                      <a:round/>
+                      <a:headEnd type="none" w="med" len="med"/>
+                      <a:tailEnd type="none" w="med" len="med"/>
+                    </a:lnT>
+                    <a:lnB w="12700" cap="flat" cmpd="sng" algn="ctr">
+                      <a:solidFill>
+                        <a:schemeClr val="tx1"/>
+                      </a:solidFill>
+                      <a:prstDash val="solid"/>
+                      <a:round/>
+                      <a:headEnd type="none" w="med" len="med"/>
+                      <a:tailEnd type="none" w="med" len="med"/>
+                    </a:lnB>
+                    <a:lnTlToBr w="12700" cmpd="sng">
+                      <a:noFill/>
+                      <a:prstDash val="solid"/>
+                    </a:lnTlToBr>
+                    <a:lnBlToTr w="12700" cmpd="sng">
+                      <a:noFill/>
+                      <a:prstDash val="solid"/>
+                    </a:lnBlToTr>
+                    <a:noFill/>
+                  </a:tcPr>
+                </a:tc>
+                <a:extLst>
+                  <a:ext uri="{0D108BD9-81ED-4DB2-BD59-A6C34878D82A}">
+                    <a16:rowId xmlns:a16="http://schemas.microsoft.com/office/drawing/2014/main" val="1453759622"/>
+                  </a:ext>
+                </a:extLst>
+              </a:tr>
+              <a:tr h="0">
+                <a:tc>
+                  <a:txBody>
+                    <a:bodyPr/>
+                    <a:lstStyle/>
+                    <a:p>
+                      <a:pPr marL="0" marR="0" lvl="0" indent="0" algn="l" defTabSz="914400" rtl="0" eaLnBrk="1" fontAlgn="auto" latinLnBrk="1" hangingPunct="1">
+                        <a:lnSpc>
+                          <a:spcPct val="100000"/>
+                        </a:lnSpc>
+                        <a:spcBef>
+                          <a:spcPts val="0"/>
+                        </a:spcBef>
+                        <a:spcAft>
+                          <a:spcPts val="0"/>
+                        </a:spcAft>
+                        <a:buClrTx/>
+                        <a:buSzTx/>
+                        <a:buFontTx/>
+                        <a:buNone/>
+                        <a:tabLst/>
+                        <a:defRPr/>
+                      </a:pPr>
+                      <a:endParaRPr lang="en-US" altLang="ko-KR" sz="1400" b="1" dirty="0">
+                        <a:solidFill>
+                          <a:schemeClr val="tx1"/>
+                        </a:solidFill>
+                      </a:endParaRPr>
+                    </a:p>
+                    <a:p>
+                      <a:pPr marL="0" marR="0" lvl="0" indent="0" algn="l" defTabSz="914400" rtl="0" eaLnBrk="1" fontAlgn="auto" latinLnBrk="1" hangingPunct="1">
+                        <a:lnSpc>
+                          <a:spcPct val="100000"/>
+                        </a:lnSpc>
+                        <a:spcBef>
+                          <a:spcPts val="0"/>
+                        </a:spcBef>
+                        <a:spcAft>
+                          <a:spcPts val="0"/>
+                        </a:spcAft>
+                        <a:buClrTx/>
+                        <a:buSzTx/>
+                        <a:buFontTx/>
+                        <a:buNone/>
+                        <a:tabLst/>
+                        <a:defRPr/>
+                      </a:pPr>
+                      <a:r>
+                        <a:rPr lang="ko-KR" altLang="en-US" sz="1400" b="1" dirty="0">
+                          <a:solidFill>
+                            <a:schemeClr val="tx1"/>
+                          </a:solidFill>
+                        </a:rPr>
+                        <a:t>기획 의도</a:t>
+                      </a:r>
+                      <a:endParaRPr lang="en-US" altLang="ko-KR" sz="1400" b="1" dirty="0">
+                        <a:solidFill>
+                          <a:schemeClr val="tx1"/>
+                        </a:solidFill>
+                      </a:endParaRPr>
+                    </a:p>
+                  </a:txBody>
+                  <a:tcPr anchor="ctr">
+                    <a:lnL w="12700" cmpd="sng">
+                      <a:noFill/>
+                    </a:lnL>
+                    <a:lnR w="12700" cmpd="sng">
+                      <a:noFill/>
+                    </a:lnR>
+                    <a:lnT w="12700" cap="flat" cmpd="sng" algn="ctr">
+                      <a:solidFill>
+                        <a:schemeClr val="tx1"/>
+                      </a:solidFill>
+                      <a:prstDash val="solid"/>
+                      <a:round/>
+                      <a:headEnd type="none" w="med" len="med"/>
+                      <a:tailEnd type="none" w="med" len="med"/>
+                    </a:lnT>
+                    <a:lnB w="12700" cap="flat" cmpd="sng" algn="ctr">
+                      <a:noFill/>
+                      <a:prstDash val="solid"/>
+                      <a:round/>
+                      <a:headEnd type="none" w="med" len="med"/>
+                      <a:tailEnd type="none" w="med" len="med"/>
+                    </a:lnB>
+                    <a:lnTlToBr w="12700" cmpd="sng">
+                      <a:noFill/>
+                      <a:prstDash val="solid"/>
+                    </a:lnTlToBr>
+                    <a:lnBlToTr w="12700" cmpd="sng">
+                      <a:noFill/>
+                      <a:prstDash val="solid"/>
+                    </a:lnBlToTr>
+                    <a:noFill/>
+                  </a:tcPr>
+                </a:tc>
+                <a:extLst>
+                  <a:ext uri="{0D108BD9-81ED-4DB2-BD59-A6C34878D82A}">
+                    <a16:rowId xmlns:a16="http://schemas.microsoft.com/office/drawing/2014/main" val="824188820"/>
+                  </a:ext>
+                </a:extLst>
+              </a:tr>
+              <a:tr h="0">
+                <a:tc>
+                  <a:txBody>
+                    <a:bodyPr/>
+                    <a:lstStyle/>
+                    <a:p>
+                      <a:pPr latinLnBrk="1"/>
                       <a:r>
                         <a:rPr lang="ko-KR" altLang="en-US" sz="1200" b="0" dirty="0">
                           <a:solidFill>
                             <a:schemeClr val="tx1"/>
                           </a:solidFill>
                         </a:rPr>
-                        <a:t> </a:t>
+                        <a:t>전략 카드 게임에서 손패에 들고 있는 카드의 숫자는 전략의 숫자와 다양성에 직결되며 양측의 필드 상황이 비슷할 경우 일반적으로 손패에 카드 숫자가 많은 플레이어가 절대적인 우위를 가진다</a:t>
                       </a:r>
-                      <a:endParaRPr lang="en-US" altLang="ko-KR" sz="1200" b="0" dirty="0">
+                      <a:r>
+                        <a:rPr lang="en-US" altLang="ko-KR" sz="1200" b="0" dirty="0">
+                          <a:solidFill>
+                            <a:schemeClr val="tx1"/>
+                          </a:solidFill>
+                        </a:rPr>
+                        <a:t>. </a:t>
+                      </a:r>
+                      <a:r>
+                        <a:rPr lang="ko-KR" altLang="en-US" sz="1200" b="0" dirty="0">
+                          <a:solidFill>
+                            <a:schemeClr val="tx1"/>
+                          </a:solidFill>
+                        </a:rPr>
+                        <a:t>하지만 손패에 과도한 숫자의 카드를 보유할 수 있게 될 경우 전략의 방향성이 손패 카드를 확보하는 쪽으로 과도하게 치우쳐질 것을 방지하기 위하여 턴 종료 시 초과하는 만큼의 카드를 버리는 해당 시스템을 기획하였다</a:t>
+                      </a:r>
+                      <a:r>
+                        <a:rPr lang="en-US" altLang="ko-KR" sz="1200" b="0" dirty="0">
+                          <a:solidFill>
+                            <a:schemeClr val="tx1"/>
+                          </a:solidFill>
+                        </a:rPr>
+                        <a:t>.</a:t>
+                      </a:r>
+                    </a:p>
+                  </a:txBody>
+                  <a:tcPr anchor="ctr">
+                    <a:lnL w="12700" cmpd="sng">
+                      <a:noFill/>
+                    </a:lnL>
+                    <a:lnR w="12700" cmpd="sng">
+                      <a:noFill/>
+                    </a:lnR>
+                    <a:lnT w="12700" cap="flat" cmpd="sng" algn="ctr">
+                      <a:noFill/>
+                      <a:prstDash val="solid"/>
+                      <a:round/>
+                      <a:headEnd type="none" w="med" len="med"/>
+                      <a:tailEnd type="none" w="med" len="med"/>
+                    </a:lnT>
+                    <a:lnB w="12700" cap="flat" cmpd="sng" algn="ctr">
+                      <a:noFill/>
+                      <a:prstDash val="solid"/>
+                      <a:round/>
+                      <a:headEnd type="none" w="med" len="med"/>
+                      <a:tailEnd type="none" w="med" len="med"/>
+                    </a:lnB>
+                    <a:lnTlToBr w="12700" cmpd="sng">
+                      <a:noFill/>
+                      <a:prstDash val="solid"/>
+                    </a:lnTlToBr>
+                    <a:lnBlToTr w="12700" cmpd="sng">
+                      <a:noFill/>
+                      <a:prstDash val="solid"/>
+                    </a:lnBlToTr>
+                    <a:noFill/>
+                  </a:tcPr>
+                </a:tc>
+                <a:extLst>
+                  <a:ext uri="{0D108BD9-81ED-4DB2-BD59-A6C34878D82A}">
+                    <a16:rowId xmlns:a16="http://schemas.microsoft.com/office/drawing/2014/main" val="2690906204"/>
+                  </a:ext>
+                </a:extLst>
+              </a:tr>
+            </a:tbl>
+          </a:graphicData>
+        </a:graphic>
+      </p:graphicFrame>
+    </p:spTree>
+    <p:extLst>
+      <p:ext uri="{BB962C8B-B14F-4D97-AF65-F5344CB8AC3E}">
+        <p14:creationId xmlns:p14="http://schemas.microsoft.com/office/powerpoint/2010/main" val="1504579489"/>
+      </p:ext>
+    </p:extLst>
+  </p:cSld>
+  <p:clrMapOvr>
+    <a:masterClrMapping/>
+  </p:clrMapOvr>
+</p:sld>
+</file>
+
+<file path=ppt/slides/slide14.xml><?xml version="1.0" encoding="utf-8"?>
+<p:sld xmlns:a="http://schemas.openxmlformats.org/drawingml/2006/main" xmlns:r="http://schemas.openxmlformats.org/officeDocument/2006/relationships" xmlns:p="http://schemas.openxmlformats.org/presentationml/2006/main">
+  <p:cSld>
+    <p:spTree>
+      <p:nvGrpSpPr>
+        <p:cNvPr id="1" name="">
+          <a:extLst>
+            <a:ext uri="{FF2B5EF4-FFF2-40B4-BE49-F238E27FC236}">
+              <a16:creationId xmlns:a16="http://schemas.microsoft.com/office/drawing/2014/main" id="{D21DAEA7-79E3-502E-509C-DF5DDCA8B6BC}"/>
+            </a:ext>
+          </a:extLst>
+        </p:cNvPr>
+        <p:cNvGrpSpPr/>
+        <p:nvPr/>
+      </p:nvGrpSpPr>
+      <p:grpSpPr>
+        <a:xfrm>
+          <a:off x="0" y="0"/>
+          <a:ext cx="0" cy="0"/>
+          <a:chOff x="0" y="0"/>
+          <a:chExt cx="0" cy="0"/>
+        </a:xfrm>
+      </p:grpSpPr>
+      <p:sp>
+        <p:nvSpPr>
+          <p:cNvPr id="4" name="제목 1">
+            <a:extLst>
+              <a:ext uri="{FF2B5EF4-FFF2-40B4-BE49-F238E27FC236}">
+                <a16:creationId xmlns:a16="http://schemas.microsoft.com/office/drawing/2014/main" id="{636482B7-5B29-4FB0-B905-DE64440A7328}"/>
+              </a:ext>
+            </a:extLst>
+          </p:cNvPr>
+          <p:cNvSpPr txBox="1">
+            <a:spLocks/>
+          </p:cNvSpPr>
+          <p:nvPr/>
+        </p:nvSpPr>
+        <p:spPr>
+          <a:xfrm>
+            <a:off x="695324" y="387600"/>
+            <a:ext cx="10801351" cy="628400"/>
+          </a:xfrm>
+          <a:prstGeom prst="rect">
+            <a:avLst/>
+          </a:prstGeom>
+        </p:spPr>
+        <p:txBody>
+          <a:bodyPr vert="horz" lIns="91440" tIns="45720" rIns="91440" bIns="45720" rtlCol="0" anchor="ctr">
+            <a:normAutofit/>
+          </a:bodyPr>
+          <a:lstStyle>
+            <a:lvl1pPr algn="ctr" defTabSz="914400" rtl="0" eaLnBrk="1" latinLnBrk="1" hangingPunct="1">
+              <a:lnSpc>
+                <a:spcPct val="90000"/>
+              </a:lnSpc>
+              <a:spcBef>
+                <a:spcPct val="0"/>
+              </a:spcBef>
+              <a:buNone/>
+              <a:defRPr sz="6000" kern="1200">
+                <a:solidFill>
+                  <a:schemeClr val="tx1"/>
+                </a:solidFill>
+                <a:latin typeface="+mj-lt"/>
+                <a:ea typeface="+mj-ea"/>
+                <a:cs typeface="+mj-cs"/>
+              </a:defRPr>
+            </a:lvl1pPr>
+          </a:lstStyle>
+          <a:p>
+            <a:pPr algn="l">
+              <a:lnSpc>
+                <a:spcPct val="100000"/>
+              </a:lnSpc>
+            </a:pPr>
+            <a:r>
+              <a:rPr lang="ko-KR" altLang="en-US" sz="3200" dirty="0"/>
+              <a:t>플레이어 턴</a:t>
+            </a:r>
+            <a:r>
+              <a:rPr lang="en-US" altLang="ko-KR" sz="3200" dirty="0"/>
+              <a:t>–</a:t>
+            </a:r>
+            <a:r>
+              <a:rPr lang="en-US" altLang="ko-KR" sz="2800" dirty="0"/>
+              <a:t> </a:t>
+            </a:r>
+            <a:r>
+              <a:rPr lang="ko-KR" altLang="en-US" sz="2400" dirty="0"/>
+              <a:t>카드 설명 시스템</a:t>
+            </a:r>
+            <a:endParaRPr lang="en-US" altLang="ko-KR" sz="3200" dirty="0"/>
+          </a:p>
+        </p:txBody>
+      </p:sp>
+      <p:graphicFrame>
+        <p:nvGraphicFramePr>
+          <p:cNvPr id="18" name="표 17">
+            <a:extLst>
+              <a:ext uri="{FF2B5EF4-FFF2-40B4-BE49-F238E27FC236}">
+                <a16:creationId xmlns:a16="http://schemas.microsoft.com/office/drawing/2014/main" id="{F64BB153-38B9-4099-B10D-B1D00AAA2FD5}"/>
+              </a:ext>
+            </a:extLst>
+          </p:cNvPr>
+          <p:cNvGraphicFramePr>
+            <a:graphicFrameLocks noGrp="1"/>
+          </p:cNvGraphicFramePr>
+          <p:nvPr>
+            <p:extLst>
+              <p:ext uri="{D42A27DB-BD31-4B8C-83A1-F6EECF244321}">
+                <p14:modId xmlns:p14="http://schemas.microsoft.com/office/powerpoint/2010/main" val="401067390"/>
+              </p:ext>
+            </p:extLst>
+          </p:nvPr>
+        </p:nvGraphicFramePr>
+        <p:xfrm>
+          <a:off x="1055528" y="4960305"/>
+          <a:ext cx="10080943" cy="1280160"/>
+        </p:xfrm>
+        <a:graphic>
+          <a:graphicData uri="http://schemas.openxmlformats.org/drawingml/2006/table">
+            <a:tbl>
+              <a:tblPr firstRow="1" bandRow="1">
+                <a:tableStyleId>{5C22544A-7EE6-4342-B048-85BDC9FD1C3A}</a:tableStyleId>
+              </a:tblPr>
+              <a:tblGrid>
+                <a:gridCol w="10080943">
+                  <a:extLst>
+                    <a:ext uri="{9D8B030D-6E8A-4147-A177-3AD203B41FA5}">
+                      <a16:colId xmlns:a16="http://schemas.microsoft.com/office/drawing/2014/main" val="2619519810"/>
+                    </a:ext>
+                  </a:extLst>
+                </a:gridCol>
+              </a:tblGrid>
+              <a:tr h="0">
+                <a:tc>
+                  <a:txBody>
+                    <a:bodyPr/>
+                    <a:lstStyle/>
+                    <a:p>
+                      <a:pPr latinLnBrk="1"/>
+                      <a:r>
+                        <a:rPr lang="ko-KR" altLang="en-US" sz="1400" b="0" dirty="0">
+                          <a:solidFill>
+                            <a:schemeClr val="tx1"/>
+                          </a:solidFill>
+                        </a:rPr>
+                        <a:t>전투 중 카드 정보를 파악할 수 있는 시스템이다</a:t>
+                      </a:r>
+                      <a:r>
+                        <a:rPr lang="en-US" altLang="ko-KR" sz="1400" b="0" dirty="0">
+                          <a:solidFill>
+                            <a:schemeClr val="tx1"/>
+                          </a:solidFill>
+                        </a:rPr>
+                        <a:t>.</a:t>
+                      </a:r>
+                      <a:endParaRPr lang="ko-KR" altLang="en-US" sz="1400" b="0" dirty="0">
                         <a:solidFill>
                           <a:schemeClr val="tx1"/>
                         </a:solidFill>
                       </a:endParaRPr>
+                    </a:p>
+                  </a:txBody>
+                  <a:tcPr>
+                    <a:lnL w="12700" cmpd="sng">
+                      <a:noFill/>
+                    </a:lnL>
+                    <a:lnR w="12700" cmpd="sng">
+                      <a:noFill/>
+                    </a:lnR>
+                    <a:lnT w="12700" cap="flat" cmpd="sng" algn="ctr">
+                      <a:noFill/>
+                      <a:prstDash val="solid"/>
+                      <a:round/>
+                      <a:headEnd type="none" w="med" len="med"/>
+                      <a:tailEnd type="none" w="med" len="med"/>
+                    </a:lnT>
+                    <a:lnB w="12700" cap="flat" cmpd="sng" algn="ctr">
+                      <a:solidFill>
+                        <a:schemeClr val="tx1"/>
+                      </a:solidFill>
+                      <a:prstDash val="solid"/>
+                      <a:round/>
+                      <a:headEnd type="none" w="med" len="med"/>
+                      <a:tailEnd type="none" w="med" len="med"/>
+                    </a:lnB>
+                    <a:lnTlToBr w="12700" cmpd="sng">
+                      <a:noFill/>
+                      <a:prstDash val="solid"/>
+                    </a:lnTlToBr>
+                    <a:lnBlToTr w="12700" cmpd="sng">
+                      <a:noFill/>
+                      <a:prstDash val="solid"/>
+                    </a:lnBlToTr>
+                    <a:noFill/>
+                  </a:tcPr>
+                </a:tc>
+                <a:extLst>
+                  <a:ext uri="{0D108BD9-81ED-4DB2-BD59-A6C34878D82A}">
+                    <a16:rowId xmlns:a16="http://schemas.microsoft.com/office/drawing/2014/main" val="1453759622"/>
+                  </a:ext>
+                </a:extLst>
+              </a:tr>
+              <a:tr h="0">
+                <a:tc>
+                  <a:txBody>
+                    <a:bodyPr/>
+                    <a:lstStyle/>
+                    <a:p>
+                      <a:pPr marL="0" marR="0" lvl="0" indent="0" algn="l" defTabSz="914400" rtl="0" eaLnBrk="1" fontAlgn="auto" latinLnBrk="1" hangingPunct="1">
+                        <a:lnSpc>
+                          <a:spcPct val="100000"/>
+                        </a:lnSpc>
+                        <a:spcBef>
+                          <a:spcPts val="0"/>
+                        </a:spcBef>
+                        <a:spcAft>
+                          <a:spcPts val="0"/>
+                        </a:spcAft>
+                        <a:buClrTx/>
+                        <a:buSzTx/>
+                        <a:buFontTx/>
+                        <a:buNone/>
+                        <a:tabLst/>
+                        <a:defRPr/>
+                      </a:pPr>
+                      <a:endParaRPr lang="en-US" altLang="ko-KR" sz="1400" b="1" dirty="0">
+                        <a:solidFill>
+                          <a:schemeClr val="tx1"/>
+                        </a:solidFill>
+                      </a:endParaRPr>
+                    </a:p>
+                    <a:p>
+                      <a:pPr marL="0" marR="0" lvl="0" indent="0" algn="l" defTabSz="914400" rtl="0" eaLnBrk="1" fontAlgn="auto" latinLnBrk="1" hangingPunct="1">
+                        <a:lnSpc>
+                          <a:spcPct val="100000"/>
+                        </a:lnSpc>
+                        <a:spcBef>
+                          <a:spcPts val="0"/>
+                        </a:spcBef>
+                        <a:spcAft>
+                          <a:spcPts val="0"/>
+                        </a:spcAft>
+                        <a:buClrTx/>
+                        <a:buSzTx/>
+                        <a:buFontTx/>
+                        <a:buNone/>
+                        <a:tabLst/>
+                        <a:defRPr/>
+                      </a:pPr>
+                      <a:r>
+                        <a:rPr lang="ko-KR" altLang="en-US" sz="1400" b="1" dirty="0">
+                          <a:solidFill>
+                            <a:schemeClr val="tx1"/>
+                          </a:solidFill>
+                        </a:rPr>
+                        <a:t>기획 의도</a:t>
+                      </a:r>
+                      <a:endParaRPr lang="en-US" altLang="ko-KR" sz="1400" b="1" dirty="0">
+                        <a:solidFill>
+                          <a:schemeClr val="tx1"/>
+                        </a:solidFill>
+                      </a:endParaRPr>
+                    </a:p>
+                  </a:txBody>
+                  <a:tcPr anchor="ctr">
+                    <a:lnL w="12700" cmpd="sng">
+                      <a:noFill/>
+                    </a:lnL>
+                    <a:lnR w="12700" cmpd="sng">
+                      <a:noFill/>
+                    </a:lnR>
+                    <a:lnT w="12700" cap="flat" cmpd="sng" algn="ctr">
+                      <a:solidFill>
+                        <a:schemeClr val="tx1"/>
+                      </a:solidFill>
+                      <a:prstDash val="solid"/>
+                      <a:round/>
+                      <a:headEnd type="none" w="med" len="med"/>
+                      <a:tailEnd type="none" w="med" len="med"/>
+                    </a:lnT>
+                    <a:lnB w="12700" cap="flat" cmpd="sng" algn="ctr">
+                      <a:noFill/>
+                      <a:prstDash val="solid"/>
+                      <a:round/>
+                      <a:headEnd type="none" w="med" len="med"/>
+                      <a:tailEnd type="none" w="med" len="med"/>
+                    </a:lnB>
+                    <a:lnTlToBr w="12700" cmpd="sng">
+                      <a:noFill/>
+                      <a:prstDash val="solid"/>
+                    </a:lnTlToBr>
+                    <a:lnBlToTr w="12700" cmpd="sng">
+                      <a:noFill/>
+                      <a:prstDash val="solid"/>
+                    </a:lnBlToTr>
+                    <a:noFill/>
+                  </a:tcPr>
+                </a:tc>
+                <a:extLst>
+                  <a:ext uri="{0D108BD9-81ED-4DB2-BD59-A6C34878D82A}">
+                    <a16:rowId xmlns:a16="http://schemas.microsoft.com/office/drawing/2014/main" val="824188820"/>
+                  </a:ext>
+                </a:extLst>
+              </a:tr>
+              <a:tr h="0">
+                <a:tc>
+                  <a:txBody>
+                    <a:bodyPr/>
+                    <a:lstStyle/>
+                    <a:p>
+                      <a:pPr latinLnBrk="1"/>
+                      <a:r>
+                        <a:rPr lang="ko-KR" altLang="en-US" sz="1200" b="0" dirty="0">
+                          <a:solidFill>
+                            <a:schemeClr val="tx1"/>
+                          </a:solidFill>
+                        </a:rPr>
+                        <a:t>전투 중 카드의 정보를 파악하기에는 크기가 작아 힘들고 플레이어가 모든 카드를 정확하게 파악하는 것은 또한 힘들기 때문에 전투 중 클릭하거나 마우스를 오버하는 것으로 해당 카드의 정보를 정리하여 설명하는 해당 시스템을 기획하였다</a:t>
+                      </a:r>
+                      <a:r>
+                        <a:rPr lang="en-US" altLang="ko-KR" sz="1200" b="0" dirty="0">
+                          <a:solidFill>
+                            <a:schemeClr val="tx1"/>
+                          </a:solidFill>
+                        </a:rPr>
+                        <a:t>.</a:t>
+                      </a:r>
                     </a:p>
                   </a:txBody>
                   <a:tcPr anchor="ctr">
@@ -5451,518 +6634,82 @@
             </a:pPr>
             <a:r>
               <a:rPr lang="ko-KR" altLang="en-US" sz="3200" dirty="0"/>
-              <a:t>전투 전체 알고리즘</a:t>
+              <a:t>전투 화면 구현도</a:t>
             </a:r>
             <a:endParaRPr lang="en-US" altLang="ko-KR" sz="2400" dirty="0"/>
           </a:p>
         </p:txBody>
       </p:sp>
-      <p:sp>
-        <p:nvSpPr>
-          <p:cNvPr id="8" name="직사각형 7">
+      <p:pic>
+        <p:nvPicPr>
+          <p:cNvPr id="3" name="그림 2">
             <a:extLst>
               <a:ext uri="{FF2B5EF4-FFF2-40B4-BE49-F238E27FC236}">
-                <a16:creationId xmlns:a16="http://schemas.microsoft.com/office/drawing/2014/main" id="{ED466D24-47EB-4EE1-83E7-366A0934116A}"/>
+                <a16:creationId xmlns:a16="http://schemas.microsoft.com/office/drawing/2014/main" id="{158FD340-A804-4BDD-9A12-004681AA9957}"/>
               </a:ext>
             </a:extLst>
           </p:cNvPr>
-          <p:cNvSpPr/>
+          <p:cNvPicPr>
+            <a:picLocks noChangeAspect="1"/>
+          </p:cNvPicPr>
           <p:nvPr/>
-        </p:nvSpPr>
-        <p:spPr>
-          <a:xfrm>
-            <a:off x="2908089" y="1949754"/>
-            <a:ext cx="1258358" cy="430212"/>
+        </p:nvPicPr>
+        <p:blipFill rotWithShape="1">
+          <a:blip r:embed="rId2" cstate="print">
+            <a:extLst>
+              <a:ext uri="{28A0092B-C50C-407E-A947-70E740481C1C}">
+                <a14:useLocalDpi xmlns:a14="http://schemas.microsoft.com/office/drawing/2010/main" val="0"/>
+              </a:ext>
+            </a:extLst>
+          </a:blip>
+          <a:srcRect l="9723" t="9431" r="9721" b="5814"/>
+          <a:stretch/>
+        </p:blipFill>
+        <p:spPr>
+          <a:xfrm>
+            <a:off x="909925" y="1458132"/>
+            <a:ext cx="4817535" cy="2724400"/>
           </a:xfrm>
           <a:prstGeom prst="rect">
             <a:avLst/>
           </a:prstGeom>
         </p:spPr>
-        <p:style>
-          <a:lnRef idx="2">
-            <a:schemeClr val="accent1">
-              <a:shade val="50000"/>
-            </a:schemeClr>
-          </a:lnRef>
-          <a:fillRef idx="1">
-            <a:schemeClr val="accent1"/>
-          </a:fillRef>
-          <a:effectRef idx="0">
-            <a:schemeClr val="accent1"/>
-          </a:effectRef>
-          <a:fontRef idx="minor">
-            <a:schemeClr val="lt1"/>
-          </a:fontRef>
-        </p:style>
-        <p:txBody>
-          <a:bodyPr rtlCol="0" anchor="ctr"/>
-          <a:lstStyle/>
-          <a:p>
-            <a:pPr algn="ctr"/>
-            <a:r>
-              <a:rPr lang="ko-KR" altLang="en-US" sz="1200" dirty="0"/>
-              <a:t>코인 토스</a:t>
-            </a:r>
-            <a:endParaRPr lang="en-US" altLang="ko-KR" sz="1200" dirty="0"/>
-          </a:p>
-          <a:p>
-            <a:pPr algn="ctr"/>
-            <a:r>
-              <a:rPr lang="ko-KR" altLang="en-US" sz="1200" dirty="0"/>
-              <a:t>시스템</a:t>
-            </a:r>
-          </a:p>
-        </p:txBody>
-      </p:sp>
-      <p:sp>
-        <p:nvSpPr>
-          <p:cNvPr id="9" name="직사각형 8">
+      </p:pic>
+      <p:pic>
+        <p:nvPicPr>
+          <p:cNvPr id="6" name="그림 5">
             <a:extLst>
               <a:ext uri="{FF2B5EF4-FFF2-40B4-BE49-F238E27FC236}">
-                <a16:creationId xmlns:a16="http://schemas.microsoft.com/office/drawing/2014/main" id="{5C204D70-AABC-4C42-A3AD-7E32DFC8C0D7}"/>
+                <a16:creationId xmlns:a16="http://schemas.microsoft.com/office/drawing/2014/main" id="{B571BDD2-801E-47B7-964A-80954ECBBBF3}"/>
               </a:ext>
             </a:extLst>
           </p:cNvPr>
-          <p:cNvSpPr/>
+          <p:cNvPicPr>
+            <a:picLocks noChangeAspect="1"/>
+          </p:cNvPicPr>
           <p:nvPr/>
-        </p:nvSpPr>
-        <p:spPr>
-          <a:xfrm>
-            <a:off x="2706581" y="1426369"/>
-            <a:ext cx="1258358" cy="430212"/>
+        </p:nvPicPr>
+        <p:blipFill rotWithShape="1">
+          <a:blip r:embed="rId3" cstate="print">
+            <a:extLst>
+              <a:ext uri="{28A0092B-C50C-407E-A947-70E740481C1C}">
+                <a14:useLocalDpi xmlns:a14="http://schemas.microsoft.com/office/drawing/2010/main" val="0"/>
+              </a:ext>
+            </a:extLst>
+          </a:blip>
+          <a:srcRect l="9722" t="9431" r="9931" b="5814"/>
+          <a:stretch/>
+        </p:blipFill>
+        <p:spPr>
+          <a:xfrm>
+            <a:off x="6476999" y="1458133"/>
+            <a:ext cx="4805076" cy="2724399"/>
           </a:xfrm>
           <a:prstGeom prst="rect">
             <a:avLst/>
           </a:prstGeom>
         </p:spPr>
-        <p:style>
-          <a:lnRef idx="2">
-            <a:schemeClr val="accent1">
-              <a:shade val="50000"/>
-            </a:schemeClr>
-          </a:lnRef>
-          <a:fillRef idx="1">
-            <a:schemeClr val="accent1"/>
-          </a:fillRef>
-          <a:effectRef idx="0">
-            <a:schemeClr val="accent1"/>
-          </a:effectRef>
-          <a:fontRef idx="minor">
-            <a:schemeClr val="lt1"/>
-          </a:fontRef>
-        </p:style>
-        <p:txBody>
-          <a:bodyPr rtlCol="0" anchor="ctr"/>
-          <a:lstStyle/>
-          <a:p>
-            <a:pPr algn="ctr"/>
-            <a:r>
-              <a:rPr lang="ko-KR" altLang="en-US" sz="1200" dirty="0"/>
-              <a:t>전투 준비</a:t>
-            </a:r>
-          </a:p>
-        </p:txBody>
-      </p:sp>
-      <p:sp>
-        <p:nvSpPr>
-          <p:cNvPr id="10" name="직사각형 9">
-            <a:extLst>
-              <a:ext uri="{FF2B5EF4-FFF2-40B4-BE49-F238E27FC236}">
-                <a16:creationId xmlns:a16="http://schemas.microsoft.com/office/drawing/2014/main" id="{071F2FDC-8552-4BD0-BB6C-69AB3AC13C40}"/>
-              </a:ext>
-            </a:extLst>
-          </p:cNvPr>
-          <p:cNvSpPr/>
-          <p:nvPr/>
-        </p:nvSpPr>
-        <p:spPr>
-          <a:xfrm>
-            <a:off x="7887124" y="1426369"/>
-            <a:ext cx="1258358" cy="430212"/>
-          </a:xfrm>
-          <a:prstGeom prst="rect">
-            <a:avLst/>
-          </a:prstGeom>
-        </p:spPr>
-        <p:style>
-          <a:lnRef idx="2">
-            <a:schemeClr val="accent1">
-              <a:shade val="50000"/>
-            </a:schemeClr>
-          </a:lnRef>
-          <a:fillRef idx="1">
-            <a:schemeClr val="accent1"/>
-          </a:fillRef>
-          <a:effectRef idx="0">
-            <a:schemeClr val="accent1"/>
-          </a:effectRef>
-          <a:fontRef idx="minor">
-            <a:schemeClr val="lt1"/>
-          </a:fontRef>
-        </p:style>
-        <p:txBody>
-          <a:bodyPr rtlCol="0" anchor="ctr"/>
-          <a:lstStyle/>
-          <a:p>
-            <a:pPr algn="ctr"/>
-            <a:r>
-              <a:rPr lang="ko-KR" altLang="en-US" sz="1200" dirty="0"/>
-              <a:t>전투 시작</a:t>
-            </a:r>
-          </a:p>
-        </p:txBody>
-      </p:sp>
-      <p:sp>
-        <p:nvSpPr>
-          <p:cNvPr id="16" name="직사각형 15">
-            <a:extLst>
-              <a:ext uri="{FF2B5EF4-FFF2-40B4-BE49-F238E27FC236}">
-                <a16:creationId xmlns:a16="http://schemas.microsoft.com/office/drawing/2014/main" id="{88EF567A-EAEC-4716-9651-E3D5581BCD45}"/>
-              </a:ext>
-            </a:extLst>
-          </p:cNvPr>
-          <p:cNvSpPr/>
-          <p:nvPr/>
-        </p:nvSpPr>
-        <p:spPr>
-          <a:xfrm>
-            <a:off x="4960726" y="1949754"/>
-            <a:ext cx="1258358" cy="430212"/>
-          </a:xfrm>
-          <a:prstGeom prst="rect">
-            <a:avLst/>
-          </a:prstGeom>
-        </p:spPr>
-        <p:style>
-          <a:lnRef idx="2">
-            <a:schemeClr val="accent1">
-              <a:shade val="50000"/>
-            </a:schemeClr>
-          </a:lnRef>
-          <a:fillRef idx="1">
-            <a:schemeClr val="accent1"/>
-          </a:fillRef>
-          <a:effectRef idx="0">
-            <a:schemeClr val="accent1"/>
-          </a:effectRef>
-          <a:fontRef idx="minor">
-            <a:schemeClr val="lt1"/>
-          </a:fontRef>
-        </p:style>
-        <p:txBody>
-          <a:bodyPr rtlCol="0" anchor="ctr"/>
-          <a:lstStyle/>
-          <a:p>
-            <a:pPr algn="ctr"/>
-            <a:r>
-              <a:rPr lang="ko-KR" altLang="en-US" sz="1200" dirty="0"/>
-              <a:t>시작 기물</a:t>
-            </a:r>
-            <a:endParaRPr lang="en-US" altLang="ko-KR" sz="1200" dirty="0"/>
-          </a:p>
-          <a:p>
-            <a:pPr algn="ctr"/>
-            <a:r>
-              <a:rPr lang="ko-KR" altLang="en-US" sz="1200" dirty="0"/>
-              <a:t>배치 시스템</a:t>
-            </a:r>
-          </a:p>
-        </p:txBody>
-      </p:sp>
-      <p:sp>
-        <p:nvSpPr>
-          <p:cNvPr id="17" name="직사각형 16">
-            <a:extLst>
-              <a:ext uri="{FF2B5EF4-FFF2-40B4-BE49-F238E27FC236}">
-                <a16:creationId xmlns:a16="http://schemas.microsoft.com/office/drawing/2014/main" id="{7A5F502F-29CB-4932-824B-0B64458ECA94}"/>
-              </a:ext>
-            </a:extLst>
-          </p:cNvPr>
-          <p:cNvSpPr/>
-          <p:nvPr/>
-        </p:nvSpPr>
-        <p:spPr>
-          <a:xfrm>
-            <a:off x="5141171" y="2427101"/>
-            <a:ext cx="1258358" cy="430212"/>
-          </a:xfrm>
-          <a:prstGeom prst="rect">
-            <a:avLst/>
-          </a:prstGeom>
-        </p:spPr>
-        <p:style>
-          <a:lnRef idx="2">
-            <a:schemeClr val="accent1">
-              <a:shade val="50000"/>
-            </a:schemeClr>
-          </a:lnRef>
-          <a:fillRef idx="1">
-            <a:schemeClr val="accent1"/>
-          </a:fillRef>
-          <a:effectRef idx="0">
-            <a:schemeClr val="accent1"/>
-          </a:effectRef>
-          <a:fontRef idx="minor">
-            <a:schemeClr val="lt1"/>
-          </a:fontRef>
-        </p:style>
-        <p:txBody>
-          <a:bodyPr rtlCol="0" anchor="ctr"/>
-          <a:lstStyle/>
-          <a:p>
-            <a:pPr algn="ctr"/>
-            <a:r>
-              <a:rPr lang="ko-KR" altLang="en-US" sz="1200" dirty="0"/>
-              <a:t>선호 부대</a:t>
-            </a:r>
-          </a:p>
-        </p:txBody>
-      </p:sp>
-      <p:sp>
-        <p:nvSpPr>
-          <p:cNvPr id="21" name="직사각형 20">
-            <a:extLst>
-              <a:ext uri="{FF2B5EF4-FFF2-40B4-BE49-F238E27FC236}">
-                <a16:creationId xmlns:a16="http://schemas.microsoft.com/office/drawing/2014/main" id="{9EB4082B-75A0-43E9-A1E4-00A9A648778C}"/>
-              </a:ext>
-            </a:extLst>
-          </p:cNvPr>
-          <p:cNvSpPr/>
-          <p:nvPr/>
-        </p:nvSpPr>
-        <p:spPr>
-          <a:xfrm>
-            <a:off x="5022638" y="3514874"/>
-            <a:ext cx="1258358" cy="430212"/>
-          </a:xfrm>
-          <a:prstGeom prst="rect">
-            <a:avLst/>
-          </a:prstGeom>
-        </p:spPr>
-        <p:style>
-          <a:lnRef idx="2">
-            <a:schemeClr val="accent1">
-              <a:shade val="50000"/>
-            </a:schemeClr>
-          </a:lnRef>
-          <a:fillRef idx="1">
-            <a:schemeClr val="accent1"/>
-          </a:fillRef>
-          <a:effectRef idx="0">
-            <a:schemeClr val="accent1"/>
-          </a:effectRef>
-          <a:fontRef idx="minor">
-            <a:schemeClr val="lt1"/>
-          </a:fontRef>
-        </p:style>
-        <p:txBody>
-          <a:bodyPr rtlCol="0" anchor="ctr"/>
-          <a:lstStyle/>
-          <a:p>
-            <a:pPr algn="ctr"/>
-            <a:r>
-              <a:rPr lang="ko-KR" altLang="en-US" sz="1200" dirty="0"/>
-              <a:t>수동 선택 및 배치</a:t>
-            </a:r>
-          </a:p>
-        </p:txBody>
-      </p:sp>
-      <p:sp>
-        <p:nvSpPr>
-          <p:cNvPr id="13" name="직사각형 12">
-            <a:extLst>
-              <a:ext uri="{FF2B5EF4-FFF2-40B4-BE49-F238E27FC236}">
-                <a16:creationId xmlns:a16="http://schemas.microsoft.com/office/drawing/2014/main" id="{50675259-0BA2-475F-8435-FF49B7702A4B}"/>
-              </a:ext>
-            </a:extLst>
-          </p:cNvPr>
-          <p:cNvSpPr/>
-          <p:nvPr/>
-        </p:nvSpPr>
-        <p:spPr>
-          <a:xfrm>
-            <a:off x="793643" y="1426369"/>
-            <a:ext cx="1258358" cy="430212"/>
-          </a:xfrm>
-          <a:prstGeom prst="rect">
-            <a:avLst/>
-          </a:prstGeom>
-        </p:spPr>
-        <p:style>
-          <a:lnRef idx="2">
-            <a:schemeClr val="accent1">
-              <a:shade val="50000"/>
-            </a:schemeClr>
-          </a:lnRef>
-          <a:fillRef idx="1">
-            <a:schemeClr val="accent1"/>
-          </a:fillRef>
-          <a:effectRef idx="0">
-            <a:schemeClr val="accent1"/>
-          </a:effectRef>
-          <a:fontRef idx="minor">
-            <a:schemeClr val="lt1"/>
-          </a:fontRef>
-        </p:style>
-        <p:txBody>
-          <a:bodyPr rtlCol="0" anchor="ctr"/>
-          <a:lstStyle/>
-          <a:p>
-            <a:pPr algn="ctr"/>
-            <a:r>
-              <a:rPr lang="ko-KR" altLang="en-US" sz="1200" dirty="0"/>
-              <a:t>매칭 완료</a:t>
-            </a:r>
-          </a:p>
-        </p:txBody>
-      </p:sp>
-      <p:sp>
-        <p:nvSpPr>
-          <p:cNvPr id="14" name="직사각형 13">
-            <a:extLst>
-              <a:ext uri="{FF2B5EF4-FFF2-40B4-BE49-F238E27FC236}">
-                <a16:creationId xmlns:a16="http://schemas.microsoft.com/office/drawing/2014/main" id="{198F5B80-0C46-4035-B4E4-DE789F8CE973}"/>
-              </a:ext>
-            </a:extLst>
-          </p:cNvPr>
-          <p:cNvSpPr/>
-          <p:nvPr/>
-        </p:nvSpPr>
-        <p:spPr>
-          <a:xfrm>
-            <a:off x="3043556" y="2427101"/>
-            <a:ext cx="1258358" cy="430212"/>
-          </a:xfrm>
-          <a:prstGeom prst="rect">
-            <a:avLst/>
-          </a:prstGeom>
-        </p:spPr>
-        <p:style>
-          <a:lnRef idx="2">
-            <a:schemeClr val="accent1">
-              <a:shade val="50000"/>
-            </a:schemeClr>
-          </a:lnRef>
-          <a:fillRef idx="1">
-            <a:schemeClr val="accent1"/>
-          </a:fillRef>
-          <a:effectRef idx="0">
-            <a:schemeClr val="accent1"/>
-          </a:effectRef>
-          <a:fontRef idx="minor">
-            <a:schemeClr val="lt1"/>
-          </a:fontRef>
-        </p:style>
-        <p:txBody>
-          <a:bodyPr rtlCol="0" anchor="ctr"/>
-          <a:lstStyle/>
-          <a:p>
-            <a:pPr algn="ctr"/>
-            <a:r>
-              <a:rPr lang="ko-KR" altLang="en-US" sz="1200" dirty="0"/>
-              <a:t>토스 결과</a:t>
-            </a:r>
-          </a:p>
-        </p:txBody>
-      </p:sp>
-      <p:sp>
-        <p:nvSpPr>
-          <p:cNvPr id="15" name="직사각형 14">
-            <a:extLst>
-              <a:ext uri="{FF2B5EF4-FFF2-40B4-BE49-F238E27FC236}">
-                <a16:creationId xmlns:a16="http://schemas.microsoft.com/office/drawing/2014/main" id="{D5BC5333-5266-4A6D-A22D-251B57C9B072}"/>
-              </a:ext>
-            </a:extLst>
-          </p:cNvPr>
-          <p:cNvSpPr/>
-          <p:nvPr/>
-        </p:nvSpPr>
-        <p:spPr>
-          <a:xfrm>
-            <a:off x="3043556" y="2912915"/>
-            <a:ext cx="1258358" cy="430212"/>
-          </a:xfrm>
-          <a:prstGeom prst="rect">
-            <a:avLst/>
-          </a:prstGeom>
-        </p:spPr>
-        <p:style>
-          <a:lnRef idx="2">
-            <a:schemeClr val="accent1">
-              <a:shade val="50000"/>
-            </a:schemeClr>
-          </a:lnRef>
-          <a:fillRef idx="1">
-            <a:schemeClr val="accent1"/>
-          </a:fillRef>
-          <a:effectRef idx="0">
-            <a:schemeClr val="accent1"/>
-          </a:effectRef>
-          <a:fontRef idx="minor">
-            <a:schemeClr val="lt1"/>
-          </a:fontRef>
-        </p:style>
-        <p:txBody>
-          <a:bodyPr rtlCol="0" anchor="ctr"/>
-          <a:lstStyle/>
-          <a:p>
-            <a:pPr algn="ctr"/>
-            <a:r>
-              <a:rPr lang="ko-KR" altLang="en-US" sz="1200" dirty="0"/>
-              <a:t>선후공 선택</a:t>
-            </a:r>
-          </a:p>
-        </p:txBody>
-      </p:sp>
-      <p:sp>
-        <p:nvSpPr>
-          <p:cNvPr id="18" name="직사각형 17">
-            <a:extLst>
-              <a:ext uri="{FF2B5EF4-FFF2-40B4-BE49-F238E27FC236}">
-                <a16:creationId xmlns:a16="http://schemas.microsoft.com/office/drawing/2014/main" id="{57E33300-B49B-4D59-90AD-108F75D8DAEC}"/>
-              </a:ext>
-            </a:extLst>
-          </p:cNvPr>
-          <p:cNvSpPr/>
-          <p:nvPr/>
-        </p:nvSpPr>
-        <p:spPr>
-          <a:xfrm>
-            <a:off x="5141171" y="2912915"/>
-            <a:ext cx="1258358" cy="430212"/>
-          </a:xfrm>
-          <a:prstGeom prst="rect">
-            <a:avLst/>
-          </a:prstGeom>
-        </p:spPr>
-        <p:style>
-          <a:lnRef idx="2">
-            <a:schemeClr val="accent1">
-              <a:shade val="50000"/>
-            </a:schemeClr>
-          </a:lnRef>
-          <a:fillRef idx="1">
-            <a:schemeClr val="accent1"/>
-          </a:fillRef>
-          <a:effectRef idx="0">
-            <a:schemeClr val="accent1"/>
-          </a:effectRef>
-          <a:fontRef idx="minor">
-            <a:schemeClr val="lt1"/>
-          </a:fontRef>
-        </p:style>
-        <p:txBody>
-          <a:bodyPr rtlCol="0" anchor="ctr"/>
-          <a:lstStyle/>
-          <a:p>
-            <a:pPr algn="ctr"/>
-            <a:r>
-              <a:rPr lang="ko-KR" altLang="en-US" sz="1200" dirty="0"/>
-              <a:t>선호 배치</a:t>
-            </a:r>
-          </a:p>
-        </p:txBody>
-      </p:sp>
+      </p:pic>
     </p:spTree>
     <p:extLst>
       <p:ext uri="{BB962C8B-B14F-4D97-AF65-F5344CB8AC3E}">
@@ -6053,6 +6800,608 @@
             </a:pPr>
             <a:r>
               <a:rPr lang="ko-KR" altLang="en-US" sz="3200" dirty="0"/>
+              <a:t>전투 전체 알고리즘</a:t>
+            </a:r>
+            <a:endParaRPr lang="en-US" altLang="ko-KR" sz="2400" dirty="0"/>
+          </a:p>
+        </p:txBody>
+      </p:sp>
+      <p:sp>
+        <p:nvSpPr>
+          <p:cNvPr id="8" name="직사각형 7">
+            <a:extLst>
+              <a:ext uri="{FF2B5EF4-FFF2-40B4-BE49-F238E27FC236}">
+                <a16:creationId xmlns:a16="http://schemas.microsoft.com/office/drawing/2014/main" id="{ED466D24-47EB-4EE1-83E7-366A0934116A}"/>
+              </a:ext>
+            </a:extLst>
+          </p:cNvPr>
+          <p:cNvSpPr/>
+          <p:nvPr/>
+        </p:nvSpPr>
+        <p:spPr>
+          <a:xfrm>
+            <a:off x="2908089" y="1949754"/>
+            <a:ext cx="1258358" cy="430212"/>
+          </a:xfrm>
+          <a:prstGeom prst="rect">
+            <a:avLst/>
+          </a:prstGeom>
+        </p:spPr>
+        <p:style>
+          <a:lnRef idx="2">
+            <a:schemeClr val="accent1">
+              <a:shade val="50000"/>
+            </a:schemeClr>
+          </a:lnRef>
+          <a:fillRef idx="1">
+            <a:schemeClr val="accent1"/>
+          </a:fillRef>
+          <a:effectRef idx="0">
+            <a:schemeClr val="accent1"/>
+          </a:effectRef>
+          <a:fontRef idx="minor">
+            <a:schemeClr val="lt1"/>
+          </a:fontRef>
+        </p:style>
+        <p:txBody>
+          <a:bodyPr rtlCol="0" anchor="ctr"/>
+          <a:lstStyle/>
+          <a:p>
+            <a:pPr algn="ctr"/>
+            <a:r>
+              <a:rPr lang="ko-KR" altLang="en-US" sz="1200" dirty="0"/>
+              <a:t>코인 토스</a:t>
+            </a:r>
+            <a:endParaRPr lang="en-US" altLang="ko-KR" sz="1200" dirty="0"/>
+          </a:p>
+          <a:p>
+            <a:pPr algn="ctr"/>
+            <a:r>
+              <a:rPr lang="ko-KR" altLang="en-US" sz="1200" dirty="0"/>
+              <a:t>시스템</a:t>
+            </a:r>
+          </a:p>
+        </p:txBody>
+      </p:sp>
+      <p:sp>
+        <p:nvSpPr>
+          <p:cNvPr id="9" name="직사각형 8">
+            <a:extLst>
+              <a:ext uri="{FF2B5EF4-FFF2-40B4-BE49-F238E27FC236}">
+                <a16:creationId xmlns:a16="http://schemas.microsoft.com/office/drawing/2014/main" id="{5C204D70-AABC-4C42-A3AD-7E32DFC8C0D7}"/>
+              </a:ext>
+            </a:extLst>
+          </p:cNvPr>
+          <p:cNvSpPr/>
+          <p:nvPr/>
+        </p:nvSpPr>
+        <p:spPr>
+          <a:xfrm>
+            <a:off x="2706581" y="1426369"/>
+            <a:ext cx="1258358" cy="430212"/>
+          </a:xfrm>
+          <a:prstGeom prst="rect">
+            <a:avLst/>
+          </a:prstGeom>
+        </p:spPr>
+        <p:style>
+          <a:lnRef idx="2">
+            <a:schemeClr val="accent1">
+              <a:shade val="50000"/>
+            </a:schemeClr>
+          </a:lnRef>
+          <a:fillRef idx="1">
+            <a:schemeClr val="accent1"/>
+          </a:fillRef>
+          <a:effectRef idx="0">
+            <a:schemeClr val="accent1"/>
+          </a:effectRef>
+          <a:fontRef idx="minor">
+            <a:schemeClr val="lt1"/>
+          </a:fontRef>
+        </p:style>
+        <p:txBody>
+          <a:bodyPr rtlCol="0" anchor="ctr"/>
+          <a:lstStyle/>
+          <a:p>
+            <a:pPr algn="ctr"/>
+            <a:r>
+              <a:rPr lang="ko-KR" altLang="en-US" sz="1200" dirty="0"/>
+              <a:t>전투 준비</a:t>
+            </a:r>
+          </a:p>
+        </p:txBody>
+      </p:sp>
+      <p:sp>
+        <p:nvSpPr>
+          <p:cNvPr id="10" name="직사각형 9">
+            <a:extLst>
+              <a:ext uri="{FF2B5EF4-FFF2-40B4-BE49-F238E27FC236}">
+                <a16:creationId xmlns:a16="http://schemas.microsoft.com/office/drawing/2014/main" id="{071F2FDC-8552-4BD0-BB6C-69AB3AC13C40}"/>
+              </a:ext>
+            </a:extLst>
+          </p:cNvPr>
+          <p:cNvSpPr/>
+          <p:nvPr/>
+        </p:nvSpPr>
+        <p:spPr>
+          <a:xfrm>
+            <a:off x="7023523" y="1426369"/>
+            <a:ext cx="1258358" cy="430212"/>
+          </a:xfrm>
+          <a:prstGeom prst="rect">
+            <a:avLst/>
+          </a:prstGeom>
+        </p:spPr>
+        <p:style>
+          <a:lnRef idx="2">
+            <a:schemeClr val="accent1">
+              <a:shade val="50000"/>
+            </a:schemeClr>
+          </a:lnRef>
+          <a:fillRef idx="1">
+            <a:schemeClr val="accent1"/>
+          </a:fillRef>
+          <a:effectRef idx="0">
+            <a:schemeClr val="accent1"/>
+          </a:effectRef>
+          <a:fontRef idx="minor">
+            <a:schemeClr val="lt1"/>
+          </a:fontRef>
+        </p:style>
+        <p:txBody>
+          <a:bodyPr rtlCol="0" anchor="ctr"/>
+          <a:lstStyle/>
+          <a:p>
+            <a:pPr algn="ctr"/>
+            <a:r>
+              <a:rPr lang="ko-KR" altLang="en-US" sz="1200" dirty="0"/>
+              <a:t>전투 시작</a:t>
+            </a:r>
+          </a:p>
+        </p:txBody>
+      </p:sp>
+      <p:sp>
+        <p:nvSpPr>
+          <p:cNvPr id="16" name="직사각형 15">
+            <a:extLst>
+              <a:ext uri="{FF2B5EF4-FFF2-40B4-BE49-F238E27FC236}">
+                <a16:creationId xmlns:a16="http://schemas.microsoft.com/office/drawing/2014/main" id="{88EF567A-EAEC-4716-9651-E3D5581BCD45}"/>
+              </a:ext>
+            </a:extLst>
+          </p:cNvPr>
+          <p:cNvSpPr/>
+          <p:nvPr/>
+        </p:nvSpPr>
+        <p:spPr>
+          <a:xfrm>
+            <a:off x="4960726" y="1949754"/>
+            <a:ext cx="1258358" cy="430212"/>
+          </a:xfrm>
+          <a:prstGeom prst="rect">
+            <a:avLst/>
+          </a:prstGeom>
+        </p:spPr>
+        <p:style>
+          <a:lnRef idx="2">
+            <a:schemeClr val="accent1">
+              <a:shade val="50000"/>
+            </a:schemeClr>
+          </a:lnRef>
+          <a:fillRef idx="1">
+            <a:schemeClr val="accent1"/>
+          </a:fillRef>
+          <a:effectRef idx="0">
+            <a:schemeClr val="accent1"/>
+          </a:effectRef>
+          <a:fontRef idx="minor">
+            <a:schemeClr val="lt1"/>
+          </a:fontRef>
+        </p:style>
+        <p:txBody>
+          <a:bodyPr rtlCol="0" anchor="ctr"/>
+          <a:lstStyle/>
+          <a:p>
+            <a:pPr algn="ctr"/>
+            <a:r>
+              <a:rPr lang="ko-KR" altLang="en-US" sz="1200" dirty="0"/>
+              <a:t>시작 기물</a:t>
+            </a:r>
+            <a:endParaRPr lang="en-US" altLang="ko-KR" sz="1200" dirty="0"/>
+          </a:p>
+          <a:p>
+            <a:pPr algn="ctr"/>
+            <a:r>
+              <a:rPr lang="ko-KR" altLang="en-US" sz="1200" dirty="0"/>
+              <a:t>배치 시스템</a:t>
+            </a:r>
+          </a:p>
+        </p:txBody>
+      </p:sp>
+      <p:sp>
+        <p:nvSpPr>
+          <p:cNvPr id="17" name="직사각형 16">
+            <a:extLst>
+              <a:ext uri="{FF2B5EF4-FFF2-40B4-BE49-F238E27FC236}">
+                <a16:creationId xmlns:a16="http://schemas.microsoft.com/office/drawing/2014/main" id="{7A5F502F-29CB-4932-824B-0B64458ECA94}"/>
+              </a:ext>
+            </a:extLst>
+          </p:cNvPr>
+          <p:cNvSpPr/>
+          <p:nvPr/>
+        </p:nvSpPr>
+        <p:spPr>
+          <a:xfrm>
+            <a:off x="5141171" y="2427101"/>
+            <a:ext cx="1258358" cy="430212"/>
+          </a:xfrm>
+          <a:prstGeom prst="rect">
+            <a:avLst/>
+          </a:prstGeom>
+        </p:spPr>
+        <p:style>
+          <a:lnRef idx="2">
+            <a:schemeClr val="accent1">
+              <a:shade val="50000"/>
+            </a:schemeClr>
+          </a:lnRef>
+          <a:fillRef idx="1">
+            <a:schemeClr val="accent1"/>
+          </a:fillRef>
+          <a:effectRef idx="0">
+            <a:schemeClr val="accent1"/>
+          </a:effectRef>
+          <a:fontRef idx="minor">
+            <a:schemeClr val="lt1"/>
+          </a:fontRef>
+        </p:style>
+        <p:txBody>
+          <a:bodyPr rtlCol="0" anchor="ctr"/>
+          <a:lstStyle/>
+          <a:p>
+            <a:pPr algn="ctr"/>
+            <a:r>
+              <a:rPr lang="ko-KR" altLang="en-US" sz="1200" dirty="0"/>
+              <a:t>선호 부대</a:t>
+            </a:r>
+          </a:p>
+        </p:txBody>
+      </p:sp>
+      <p:sp>
+        <p:nvSpPr>
+          <p:cNvPr id="21" name="직사각형 20">
+            <a:extLst>
+              <a:ext uri="{FF2B5EF4-FFF2-40B4-BE49-F238E27FC236}">
+                <a16:creationId xmlns:a16="http://schemas.microsoft.com/office/drawing/2014/main" id="{9EB4082B-75A0-43E9-A1E4-00A9A648778C}"/>
+              </a:ext>
+            </a:extLst>
+          </p:cNvPr>
+          <p:cNvSpPr/>
+          <p:nvPr/>
+        </p:nvSpPr>
+        <p:spPr>
+          <a:xfrm>
+            <a:off x="5022638" y="3514874"/>
+            <a:ext cx="1258358" cy="430212"/>
+          </a:xfrm>
+          <a:prstGeom prst="rect">
+            <a:avLst/>
+          </a:prstGeom>
+        </p:spPr>
+        <p:style>
+          <a:lnRef idx="2">
+            <a:schemeClr val="accent1">
+              <a:shade val="50000"/>
+            </a:schemeClr>
+          </a:lnRef>
+          <a:fillRef idx="1">
+            <a:schemeClr val="accent1"/>
+          </a:fillRef>
+          <a:effectRef idx="0">
+            <a:schemeClr val="accent1"/>
+          </a:effectRef>
+          <a:fontRef idx="minor">
+            <a:schemeClr val="lt1"/>
+          </a:fontRef>
+        </p:style>
+        <p:txBody>
+          <a:bodyPr rtlCol="0" anchor="ctr"/>
+          <a:lstStyle/>
+          <a:p>
+            <a:pPr algn="ctr"/>
+            <a:r>
+              <a:rPr lang="ko-KR" altLang="en-US" sz="1200" dirty="0"/>
+              <a:t>수동 선택 및 배치</a:t>
+            </a:r>
+          </a:p>
+        </p:txBody>
+      </p:sp>
+      <p:sp>
+        <p:nvSpPr>
+          <p:cNvPr id="13" name="직사각형 12">
+            <a:extLst>
+              <a:ext uri="{FF2B5EF4-FFF2-40B4-BE49-F238E27FC236}">
+                <a16:creationId xmlns:a16="http://schemas.microsoft.com/office/drawing/2014/main" id="{50675259-0BA2-475F-8435-FF49B7702A4B}"/>
+              </a:ext>
+            </a:extLst>
+          </p:cNvPr>
+          <p:cNvSpPr/>
+          <p:nvPr/>
+        </p:nvSpPr>
+        <p:spPr>
+          <a:xfrm>
+            <a:off x="793643" y="1426369"/>
+            <a:ext cx="1258358" cy="430212"/>
+          </a:xfrm>
+          <a:prstGeom prst="rect">
+            <a:avLst/>
+          </a:prstGeom>
+        </p:spPr>
+        <p:style>
+          <a:lnRef idx="2">
+            <a:schemeClr val="accent1">
+              <a:shade val="50000"/>
+            </a:schemeClr>
+          </a:lnRef>
+          <a:fillRef idx="1">
+            <a:schemeClr val="accent1"/>
+          </a:fillRef>
+          <a:effectRef idx="0">
+            <a:schemeClr val="accent1"/>
+          </a:effectRef>
+          <a:fontRef idx="minor">
+            <a:schemeClr val="lt1"/>
+          </a:fontRef>
+        </p:style>
+        <p:txBody>
+          <a:bodyPr rtlCol="0" anchor="ctr"/>
+          <a:lstStyle/>
+          <a:p>
+            <a:pPr algn="ctr"/>
+            <a:r>
+              <a:rPr lang="ko-KR" altLang="en-US" sz="1200" dirty="0"/>
+              <a:t>매칭 완료</a:t>
+            </a:r>
+          </a:p>
+        </p:txBody>
+      </p:sp>
+      <p:sp>
+        <p:nvSpPr>
+          <p:cNvPr id="14" name="직사각형 13">
+            <a:extLst>
+              <a:ext uri="{FF2B5EF4-FFF2-40B4-BE49-F238E27FC236}">
+                <a16:creationId xmlns:a16="http://schemas.microsoft.com/office/drawing/2014/main" id="{198F5B80-0C46-4035-B4E4-DE789F8CE973}"/>
+              </a:ext>
+            </a:extLst>
+          </p:cNvPr>
+          <p:cNvSpPr/>
+          <p:nvPr/>
+        </p:nvSpPr>
+        <p:spPr>
+          <a:xfrm>
+            <a:off x="3043556" y="2427101"/>
+            <a:ext cx="1258358" cy="430212"/>
+          </a:xfrm>
+          <a:prstGeom prst="rect">
+            <a:avLst/>
+          </a:prstGeom>
+        </p:spPr>
+        <p:style>
+          <a:lnRef idx="2">
+            <a:schemeClr val="accent1">
+              <a:shade val="50000"/>
+            </a:schemeClr>
+          </a:lnRef>
+          <a:fillRef idx="1">
+            <a:schemeClr val="accent1"/>
+          </a:fillRef>
+          <a:effectRef idx="0">
+            <a:schemeClr val="accent1"/>
+          </a:effectRef>
+          <a:fontRef idx="minor">
+            <a:schemeClr val="lt1"/>
+          </a:fontRef>
+        </p:style>
+        <p:txBody>
+          <a:bodyPr rtlCol="0" anchor="ctr"/>
+          <a:lstStyle/>
+          <a:p>
+            <a:pPr algn="ctr"/>
+            <a:r>
+              <a:rPr lang="ko-KR" altLang="en-US" sz="1200" dirty="0"/>
+              <a:t>토스 결과</a:t>
+            </a:r>
+          </a:p>
+        </p:txBody>
+      </p:sp>
+      <p:sp>
+        <p:nvSpPr>
+          <p:cNvPr id="15" name="직사각형 14">
+            <a:extLst>
+              <a:ext uri="{FF2B5EF4-FFF2-40B4-BE49-F238E27FC236}">
+                <a16:creationId xmlns:a16="http://schemas.microsoft.com/office/drawing/2014/main" id="{D5BC5333-5266-4A6D-A22D-251B57C9B072}"/>
+              </a:ext>
+            </a:extLst>
+          </p:cNvPr>
+          <p:cNvSpPr/>
+          <p:nvPr/>
+        </p:nvSpPr>
+        <p:spPr>
+          <a:xfrm>
+            <a:off x="3043556" y="2912915"/>
+            <a:ext cx="1258358" cy="430212"/>
+          </a:xfrm>
+          <a:prstGeom prst="rect">
+            <a:avLst/>
+          </a:prstGeom>
+        </p:spPr>
+        <p:style>
+          <a:lnRef idx="2">
+            <a:schemeClr val="accent1">
+              <a:shade val="50000"/>
+            </a:schemeClr>
+          </a:lnRef>
+          <a:fillRef idx="1">
+            <a:schemeClr val="accent1"/>
+          </a:fillRef>
+          <a:effectRef idx="0">
+            <a:schemeClr val="accent1"/>
+          </a:effectRef>
+          <a:fontRef idx="minor">
+            <a:schemeClr val="lt1"/>
+          </a:fontRef>
+        </p:style>
+        <p:txBody>
+          <a:bodyPr rtlCol="0" anchor="ctr"/>
+          <a:lstStyle/>
+          <a:p>
+            <a:pPr algn="ctr"/>
+            <a:r>
+              <a:rPr lang="ko-KR" altLang="en-US" sz="1200" dirty="0"/>
+              <a:t>선후공 선택</a:t>
+            </a:r>
+          </a:p>
+        </p:txBody>
+      </p:sp>
+      <p:sp>
+        <p:nvSpPr>
+          <p:cNvPr id="18" name="직사각형 17">
+            <a:extLst>
+              <a:ext uri="{FF2B5EF4-FFF2-40B4-BE49-F238E27FC236}">
+                <a16:creationId xmlns:a16="http://schemas.microsoft.com/office/drawing/2014/main" id="{57E33300-B49B-4D59-90AD-108F75D8DAEC}"/>
+              </a:ext>
+            </a:extLst>
+          </p:cNvPr>
+          <p:cNvSpPr/>
+          <p:nvPr/>
+        </p:nvSpPr>
+        <p:spPr>
+          <a:xfrm>
+            <a:off x="5141171" y="2912915"/>
+            <a:ext cx="1258358" cy="430212"/>
+          </a:xfrm>
+          <a:prstGeom prst="rect">
+            <a:avLst/>
+          </a:prstGeom>
+        </p:spPr>
+        <p:style>
+          <a:lnRef idx="2">
+            <a:schemeClr val="accent1">
+              <a:shade val="50000"/>
+            </a:schemeClr>
+          </a:lnRef>
+          <a:fillRef idx="1">
+            <a:schemeClr val="accent1"/>
+          </a:fillRef>
+          <a:effectRef idx="0">
+            <a:schemeClr val="accent1"/>
+          </a:effectRef>
+          <a:fontRef idx="minor">
+            <a:schemeClr val="lt1"/>
+          </a:fontRef>
+        </p:style>
+        <p:txBody>
+          <a:bodyPr rtlCol="0" anchor="ctr"/>
+          <a:lstStyle/>
+          <a:p>
+            <a:pPr algn="ctr"/>
+            <a:r>
+              <a:rPr lang="ko-KR" altLang="en-US" sz="1200" dirty="0"/>
+              <a:t>선호 배치</a:t>
+            </a:r>
+          </a:p>
+        </p:txBody>
+      </p:sp>
+    </p:spTree>
+    <p:extLst>
+      <p:ext uri="{BB962C8B-B14F-4D97-AF65-F5344CB8AC3E}">
+        <p14:creationId xmlns:p14="http://schemas.microsoft.com/office/powerpoint/2010/main" val="1919879818"/>
+      </p:ext>
+    </p:extLst>
+  </p:cSld>
+  <p:clrMapOvr>
+    <a:masterClrMapping/>
+  </p:clrMapOvr>
+</p:sld>
+</file>
+
+<file path=ppt/slides/slide5.xml><?xml version="1.0" encoding="utf-8"?>
+<p:sld xmlns:a="http://schemas.openxmlformats.org/drawingml/2006/main" xmlns:r="http://schemas.openxmlformats.org/officeDocument/2006/relationships" xmlns:p="http://schemas.openxmlformats.org/presentationml/2006/main">
+  <p:cSld>
+    <p:spTree>
+      <p:nvGrpSpPr>
+        <p:cNvPr id="1" name="">
+          <a:extLst>
+            <a:ext uri="{FF2B5EF4-FFF2-40B4-BE49-F238E27FC236}">
+              <a16:creationId xmlns:a16="http://schemas.microsoft.com/office/drawing/2014/main" id="{D21DAEA7-79E3-502E-509C-DF5DDCA8B6BC}"/>
+            </a:ext>
+          </a:extLst>
+        </p:cNvPr>
+        <p:cNvGrpSpPr/>
+        <p:nvPr/>
+      </p:nvGrpSpPr>
+      <p:grpSpPr>
+        <a:xfrm>
+          <a:off x="0" y="0"/>
+          <a:ext cx="0" cy="0"/>
+          <a:chOff x="0" y="0"/>
+          <a:chExt cx="0" cy="0"/>
+        </a:xfrm>
+      </p:grpSpPr>
+      <p:sp>
+        <p:nvSpPr>
+          <p:cNvPr id="4" name="제목 1">
+            <a:extLst>
+              <a:ext uri="{FF2B5EF4-FFF2-40B4-BE49-F238E27FC236}">
+                <a16:creationId xmlns:a16="http://schemas.microsoft.com/office/drawing/2014/main" id="{636482B7-5B29-4FB0-B905-DE64440A7328}"/>
+              </a:ext>
+            </a:extLst>
+          </p:cNvPr>
+          <p:cNvSpPr txBox="1">
+            <a:spLocks/>
+          </p:cNvSpPr>
+          <p:nvPr/>
+        </p:nvSpPr>
+        <p:spPr>
+          <a:xfrm>
+            <a:off x="695324" y="387600"/>
+            <a:ext cx="10801351" cy="628400"/>
+          </a:xfrm>
+          <a:prstGeom prst="rect">
+            <a:avLst/>
+          </a:prstGeom>
+        </p:spPr>
+        <p:txBody>
+          <a:bodyPr vert="horz" lIns="91440" tIns="45720" rIns="91440" bIns="45720" rtlCol="0" anchor="ctr">
+            <a:normAutofit/>
+          </a:bodyPr>
+          <a:lstStyle>
+            <a:lvl1pPr algn="ctr" defTabSz="914400" rtl="0" eaLnBrk="1" latinLnBrk="1" hangingPunct="1">
+              <a:lnSpc>
+                <a:spcPct val="90000"/>
+              </a:lnSpc>
+              <a:spcBef>
+                <a:spcPct val="0"/>
+              </a:spcBef>
+              <a:buNone/>
+              <a:defRPr sz="6000" kern="1200">
+                <a:solidFill>
+                  <a:schemeClr val="tx1"/>
+                </a:solidFill>
+                <a:latin typeface="+mj-lt"/>
+                <a:ea typeface="+mj-ea"/>
+                <a:cs typeface="+mj-cs"/>
+              </a:defRPr>
+            </a:lvl1pPr>
+          </a:lstStyle>
+          <a:p>
+            <a:pPr algn="l">
+              <a:lnSpc>
+                <a:spcPct val="100000"/>
+              </a:lnSpc>
+            </a:pPr>
+            <a:r>
+              <a:rPr lang="ko-KR" altLang="en-US" sz="3200" dirty="0"/>
               <a:t>전투 돌입 단계 </a:t>
             </a:r>
             <a:r>
@@ -6086,14 +7435,14 @@
           <p:nvPr>
             <p:extLst>
               <p:ext uri="{D42A27DB-BD31-4B8C-83A1-F6EECF244321}">
-                <p14:modId xmlns:p14="http://schemas.microsoft.com/office/powerpoint/2010/main" val="4075058402"/>
+                <p14:modId xmlns:p14="http://schemas.microsoft.com/office/powerpoint/2010/main" val="2990875124"/>
               </p:ext>
             </p:extLst>
           </p:nvPr>
         </p:nvGraphicFramePr>
         <p:xfrm>
-          <a:off x="1055528" y="4957128"/>
-          <a:ext cx="10080943" cy="1280160"/>
+          <a:off x="1055528" y="4774248"/>
+          <a:ext cx="10080943" cy="1463040"/>
         </p:xfrm>
         <a:graphic>
           <a:graphicData uri="http://schemas.openxmlformats.org/drawingml/2006/table">
@@ -6330,7 +7679,7 @@
                             <a:schemeClr val="tx1"/>
                           </a:solidFill>
                         </a:rPr>
-                        <a:t>그렇기에 가장 공정할 수 있는 </a:t>
+                        <a:t>각 </a:t>
                       </a:r>
                       <a:r>
                         <a:rPr lang="en-US" altLang="ko-KR" sz="1200" b="0" dirty="0">
@@ -6346,7 +7695,7 @@
                             <a:schemeClr val="tx1"/>
                           </a:solidFill>
                         </a:rPr>
-                        <a:t>의 확률로 플레이어를 선택되고</a:t>
+                        <a:t>의 확률로 승패가 결정되는 동전 던지기로 양측 플레이어에게 공평한 기회를 주고</a:t>
                       </a:r>
                       <a:r>
                         <a:rPr lang="en-US" altLang="ko-KR" sz="1200" b="0" dirty="0">
@@ -6354,7 +7703,7 @@
                             <a:schemeClr val="tx1"/>
                           </a:solidFill>
                         </a:rPr>
-                        <a:t>,</a:t>
+                        <a:t>, </a:t>
                       </a:r>
                       <a:r>
                         <a:rPr lang="ko-KR" altLang="en-US" sz="1200" b="0" dirty="0">
@@ -6362,7 +7711,39 @@
                             <a:schemeClr val="tx1"/>
                           </a:solidFill>
                         </a:rPr>
-                        <a:t> 선택된 플레이어가 선공과 후공을 선택하게 기획하였다</a:t>
+                        <a:t>플레이어별로 선공</a:t>
+                      </a:r>
+                      <a:r>
+                        <a:rPr lang="en-US" altLang="ko-KR" sz="1200" b="0" dirty="0">
+                          <a:solidFill>
+                            <a:schemeClr val="tx1"/>
+                          </a:solidFill>
+                        </a:rPr>
+                        <a:t>/</a:t>
+                      </a:r>
+                      <a:r>
+                        <a:rPr lang="ko-KR" altLang="en-US" sz="1200" b="0" dirty="0">
+                          <a:solidFill>
+                            <a:schemeClr val="tx1"/>
+                          </a:solidFill>
+                        </a:rPr>
+                        <a:t>후공 중에 선호하는 순서가 다를 수 있기에 동전 던지기에서 승리한 플레이어에게 선공</a:t>
+                      </a:r>
+                      <a:r>
+                        <a:rPr lang="en-US" altLang="ko-KR" sz="1200" b="0" dirty="0">
+                          <a:solidFill>
+                            <a:schemeClr val="tx1"/>
+                          </a:solidFill>
+                        </a:rPr>
+                        <a:t>/</a:t>
+                      </a:r>
+                      <a:r>
+                        <a:rPr lang="ko-KR" altLang="en-US" sz="1200" b="0" dirty="0">
+                          <a:solidFill>
+                            <a:schemeClr val="tx1"/>
+                          </a:solidFill>
+                        </a:rPr>
+                        <a:t>후공을 선택할 기회를 주게 해당 시스템을 채용하였다</a:t>
                       </a:r>
                       <a:r>
                         <a:rPr lang="en-US" altLang="ko-KR" sz="1200" b="0" dirty="0">
@@ -6416,6 +7797,41 @@
           </a:graphicData>
         </a:graphic>
       </p:graphicFrame>
+      <p:pic>
+        <p:nvPicPr>
+          <p:cNvPr id="6" name="그림 5">
+            <a:extLst>
+              <a:ext uri="{FF2B5EF4-FFF2-40B4-BE49-F238E27FC236}">
+                <a16:creationId xmlns:a16="http://schemas.microsoft.com/office/drawing/2014/main" id="{ED6DCE90-D6EE-409E-89A9-C7C95DFD36C6}"/>
+              </a:ext>
+            </a:extLst>
+          </p:cNvPr>
+          <p:cNvPicPr>
+            <a:picLocks noChangeAspect="1"/>
+          </p:cNvPicPr>
+          <p:nvPr/>
+        </p:nvPicPr>
+        <p:blipFill rotWithShape="1">
+          <a:blip r:embed="rId2" cstate="print">
+            <a:extLst>
+              <a:ext uri="{28A0092B-C50C-407E-A947-70E740481C1C}">
+                <a14:useLocalDpi xmlns:a14="http://schemas.microsoft.com/office/drawing/2010/main" val="0"/>
+              </a:ext>
+            </a:extLst>
+          </a:blip>
+          <a:srcRect l="77819" t="24416" r="9931" b="13386"/>
+          <a:stretch/>
+        </p:blipFill>
+        <p:spPr>
+          <a:xfrm>
+            <a:off x="6375399" y="2083751"/>
+            <a:ext cx="732609" cy="1999299"/>
+          </a:xfrm>
+          <a:prstGeom prst="rect">
+            <a:avLst/>
+          </a:prstGeom>
+        </p:spPr>
+      </p:pic>
     </p:spTree>
     <p:extLst>
       <p:ext uri="{BB962C8B-B14F-4D97-AF65-F5344CB8AC3E}">
@@ -6429,7 +7845,7 @@
 </p:sld>
 </file>
 
-<file path=ppt/slides/slide5.xml><?xml version="1.0" encoding="utf-8"?>
+<file path=ppt/slides/slide6.xml><?xml version="1.0" encoding="utf-8"?>
 <p:sld xmlns:a="http://schemas.openxmlformats.org/drawingml/2006/main" xmlns:r="http://schemas.openxmlformats.org/officeDocument/2006/relationships" xmlns:p="http://schemas.openxmlformats.org/presentationml/2006/main">
   <p:cSld>
     <p:spTree>
@@ -6518,7 +7934,7 @@
             </a:r>
             <a:r>
               <a:rPr lang="ko-KR" altLang="en-US" sz="2400" dirty="0"/>
-              <a:t>시작 기물 배치 시스템</a:t>
+              <a:t>시작 기물 시스템</a:t>
             </a:r>
             <a:endParaRPr lang="en-US" altLang="ko-KR" sz="3200" dirty="0"/>
           </a:p>
@@ -6539,14 +7955,14 @@
           <p:nvPr>
             <p:extLst>
               <p:ext uri="{D42A27DB-BD31-4B8C-83A1-F6EECF244321}">
-                <p14:modId xmlns:p14="http://schemas.microsoft.com/office/powerpoint/2010/main" val="2100401766"/>
+                <p14:modId xmlns:p14="http://schemas.microsoft.com/office/powerpoint/2010/main" val="4036506859"/>
               </p:ext>
             </p:extLst>
           </p:nvPr>
         </p:nvGraphicFramePr>
         <p:xfrm>
-          <a:off x="1055528" y="4769910"/>
-          <a:ext cx="10080943" cy="1463040"/>
+          <a:off x="1055528" y="4225608"/>
+          <a:ext cx="10080943" cy="2011680"/>
         </p:xfrm>
         <a:graphic>
           <a:graphicData uri="http://schemas.openxmlformats.org/drawingml/2006/table">
@@ -6576,7 +7992,7 @@
                             <a:schemeClr val="tx1"/>
                           </a:solidFill>
                         </a:rPr>
-                        <a:t>전투 시작 전에 기물을 배치하는 시스템이다</a:t>
+                        <a:t>전투 시작 전에 기물을 필드에 배치하고 전투를 시작하는 시스템이다</a:t>
                       </a:r>
                       <a:r>
                         <a:rPr lang="en-US" altLang="ko-KR" sz="1400" b="0" dirty="0">
@@ -6748,7 +8164,71 @@
                             <a:schemeClr val="tx1"/>
                           </a:solidFill>
                         </a:rPr>
-                        <a:t>기존의 전략 카드 게임과 비교했을 때 기물이 적을 공격하는 과정이 길고 복잡한 해당 게임의 특징상 전투 한번에 소모되는 시간이 과도하게 길어져 게임이 지루해 지거나 피로를 느끼는 상황을 방지하기 위해서 전투 초반에 기물을 소환하는 과정에서 소모되는 시간을 단축시킬 해당 시스템을 기획하였다</a:t>
+                        <a:t>체스</a:t>
+                      </a:r>
+                      <a:r>
+                        <a:rPr lang="en-US" altLang="ko-KR" sz="1200" b="0" dirty="0">
+                          <a:solidFill>
+                            <a:schemeClr val="tx1"/>
+                          </a:solidFill>
+                        </a:rPr>
+                        <a:t>, </a:t>
+                      </a:r>
+                      <a:r>
+                        <a:rPr lang="ko-KR" altLang="en-US" sz="1200" b="0" dirty="0">
+                          <a:solidFill>
+                            <a:schemeClr val="tx1"/>
+                          </a:solidFill>
+                        </a:rPr>
+                        <a:t>장기와 같은 추상전략게임 장르는 게임 시작 시 모든 기물이 필드에 배치된 상태로 시작하게 되고 공격과 이동이 동일 시 되어 턴당 한번의 조작으로도 게임의 속도가 적절하게 조절된다</a:t>
+                      </a:r>
+                      <a:r>
+                        <a:rPr lang="en-US" altLang="ko-KR" sz="1200" b="0" dirty="0">
+                          <a:solidFill>
+                            <a:schemeClr val="tx1"/>
+                          </a:solidFill>
+                        </a:rPr>
+                        <a:t>. </a:t>
+                      </a:r>
+                      <a:r>
+                        <a:rPr lang="ko-KR" altLang="en-US" sz="1200" b="0" dirty="0">
+                          <a:solidFill>
+                            <a:schemeClr val="tx1"/>
+                          </a:solidFill>
+                        </a:rPr>
+                        <a:t>하지만 직접 기물을 소환하는 해당 게임에 경우에는 기물을 소환하고 이동 시키고 공격하는 모든 행동이 별개의 조작이기에 전투의 초반에 기물을 소환하는데 시간을 많이 소비하게 되며</a:t>
+                      </a:r>
+                      <a:r>
+                        <a:rPr lang="en-US" altLang="ko-KR" sz="1200" b="0" dirty="0">
+                          <a:solidFill>
+                            <a:schemeClr val="tx1"/>
+                          </a:solidFill>
+                        </a:rPr>
+                        <a:t>, </a:t>
+                      </a:r>
+                      <a:r>
+                        <a:rPr lang="ko-KR" altLang="en-US" sz="1200" b="0" dirty="0">
+                          <a:solidFill>
+                            <a:schemeClr val="tx1"/>
+                          </a:solidFill>
+                        </a:rPr>
+                        <a:t>이러한 상황은 전투 시간이 불필요하게 길어지고 전투의 초반 부분을 지루하게 한다</a:t>
+                      </a:r>
+                      <a:r>
+                        <a:rPr lang="en-US" altLang="ko-KR" sz="1200" b="0" dirty="0">
+                          <a:solidFill>
+                            <a:schemeClr val="tx1"/>
+                          </a:solidFill>
+                        </a:rPr>
+                        <a:t>. </a:t>
+                      </a:r>
+                      <a:r>
+                        <a:rPr lang="ko-KR" altLang="en-US" sz="1200" b="0" dirty="0">
+                          <a:solidFill>
+                            <a:schemeClr val="tx1"/>
+                          </a:solidFill>
+                        </a:rPr>
+                        <a:t>그렇기에 전투 초반에 기물을 소환하여 배치하는 과정을 생략하고 전투 초반의 흐름을 빠르게 하여 플레이어가 전투 초반에 느낄 수 있는 지루함을 감소 시키고 전투에 소비되는 시간을 단축하여 플레이어가 전투에서 받을 프로감을 줄이고 게임의 전체적인 플레이 시간을 늘리기 위하여 해당 시스템을 기획하였다</a:t>
                       </a:r>
                       <a:r>
                         <a:rPr lang="en-US" altLang="ko-KR" sz="1200" b="0" dirty="0">
@@ -6815,7 +8295,7 @@
 </p:sld>
 </file>
 
-<file path=ppt/slides/slide6.xml><?xml version="1.0" encoding="utf-8"?>
+<file path=ppt/slides/slide7.xml><?xml version="1.0" encoding="utf-8"?>
 <p:sld xmlns:a="http://schemas.openxmlformats.org/drawingml/2006/main" xmlns:r="http://schemas.openxmlformats.org/officeDocument/2006/relationships" xmlns:p="http://schemas.openxmlformats.org/presentationml/2006/main">
   <p:cSld>
     <p:spTree>
@@ -6904,17 +8384,9 @@
             </a:r>
             <a:r>
               <a:rPr lang="ko-KR" altLang="en-US" sz="2400" dirty="0"/>
-              <a:t>시작</a:t>
-            </a:r>
-            <a:r>
-              <a:rPr lang="ko-KR" altLang="en-US" sz="2800" dirty="0"/>
-              <a:t> </a:t>
-            </a:r>
-            <a:r>
-              <a:rPr lang="ko-KR" altLang="en-US" sz="2400" dirty="0"/>
-              <a:t>부대 및 배치 시스템</a:t>
-            </a:r>
-            <a:endParaRPr lang="en-US" altLang="ko-KR" sz="3200" dirty="0"/>
+              <a:t>기물 부대 시스템</a:t>
+            </a:r>
+            <a:endParaRPr lang="en-US" altLang="ko-KR" sz="2400" dirty="0"/>
           </a:p>
         </p:txBody>
       </p:sp>
@@ -6933,14 +8405,14 @@
           <p:nvPr>
             <p:extLst>
               <p:ext uri="{D42A27DB-BD31-4B8C-83A1-F6EECF244321}">
-                <p14:modId xmlns:p14="http://schemas.microsoft.com/office/powerpoint/2010/main" val="2978028931"/>
+                <p14:modId xmlns:p14="http://schemas.microsoft.com/office/powerpoint/2010/main" val="495910107"/>
               </p:ext>
             </p:extLst>
           </p:nvPr>
         </p:nvGraphicFramePr>
         <p:xfrm>
-          <a:off x="1055528" y="4777425"/>
-          <a:ext cx="10080943" cy="1463040"/>
+          <a:off x="1055528" y="4591368"/>
+          <a:ext cx="10080943" cy="1645920"/>
         </p:xfrm>
         <a:graphic>
           <a:graphicData uri="http://schemas.openxmlformats.org/drawingml/2006/table">
@@ -6970,7 +8442,7 @@
                             <a:schemeClr val="tx1"/>
                           </a:solidFill>
                         </a:rPr>
-                        <a:t>전투 시작 전에 초기 배치할 기물과 배치를 미리 설정하는 시스템이다</a:t>
+                        <a:t>시작 기물을 사전에 지정하고 배치하는 시스템이다</a:t>
                       </a:r>
                       <a:r>
                         <a:rPr lang="en-US" altLang="ko-KR" sz="1400" b="0" dirty="0">
@@ -7142,7 +8614,7 @@
                             <a:schemeClr val="tx1"/>
                           </a:solidFill>
                         </a:rPr>
-                        <a:t>시작 기물 배치는 전투에 소모되는 시간을 단축하기 위하여 기획된 시스템이지만 오히려 시작 기물을 선택하고 배치하는 과정에서 소모되는 시간으로 전투에 소모되는 시간이 늘어나는 것을 방지하기 위하여 전투 시작 전에 배치할 기물의 종류와 배치할 위치를 설정하는 시스템이다</a:t>
+                        <a:t>시작 기물 시스템은 전투에 소모되는 시간을 적절하게 조절하여 플레이어가 전투 한번에 느끼는 피로감을 줄이기 위하여 기획되었지만 전투 시작 전 시작 기물을 선택하고 필드에 배치하는 과정에서 많은 시간을 소비하게 된다</a:t>
                       </a:r>
                       <a:r>
                         <a:rPr lang="en-US" altLang="ko-KR" sz="1200" b="0" dirty="0">
@@ -7150,11 +8622,24 @@
                             <a:schemeClr val="tx1"/>
                           </a:solidFill>
                         </a:rPr>
-                        <a:t>.</a:t>
+                        <a:t>. </a:t>
                       </a:r>
-                    </a:p>
-                    <a:p>
-                      <a:pPr latinLnBrk="1"/>
+                      <a:r>
+                        <a:rPr lang="ko-KR" altLang="en-US" sz="1200" b="0" dirty="0">
+                          <a:solidFill>
+                            <a:schemeClr val="tx1"/>
+                          </a:solidFill>
+                        </a:rPr>
+                        <a:t>그렇기에 해당 과정을 소모되는 시간을 감소 시키기 위하여 사전에 시작 기물로 지정할 부대와 배치를 설정할 수 있게 기획하였다</a:t>
+                      </a:r>
+                      <a:r>
+                        <a:rPr lang="en-US" altLang="ko-KR" sz="1200" b="0" dirty="0">
+                          <a:solidFill>
+                            <a:schemeClr val="tx1"/>
+                          </a:solidFill>
+                        </a:rPr>
+                        <a:t>. </a:t>
+                      </a:r>
                       <a:r>
                         <a:rPr lang="ko-KR" altLang="en-US" sz="1200" b="0" dirty="0">
                           <a:solidFill>
@@ -7177,7 +8662,7 @@
                             <a:schemeClr val="tx1"/>
                           </a:solidFill>
                         </a:rPr>
-                        <a:t>선호 설정된 부대</a:t>
+                        <a:t>다수의 부대와 배치를 설정하고 각 부대와 배치를 선호 부대</a:t>
                       </a:r>
                       <a:r>
                         <a:rPr lang="en-US" altLang="ko-KR" sz="1200" b="0" dirty="0">
@@ -7185,7 +8670,7 @@
                             <a:schemeClr val="tx1"/>
                           </a:solidFill>
                         </a:rPr>
-                        <a:t>(</a:t>
+                        <a:t>/</a:t>
                       </a:r>
                       <a:r>
                         <a:rPr lang="ko-KR" altLang="en-US" sz="1200" b="0" dirty="0">
@@ -7193,23 +8678,7 @@
                             <a:schemeClr val="tx1"/>
                           </a:solidFill>
                         </a:rPr>
-                        <a:t>기물 프리셋</a:t>
-                      </a:r>
-                      <a:r>
-                        <a:rPr lang="en-US" altLang="ko-KR" sz="1200" b="0" dirty="0">
-                          <a:solidFill>
-                            <a:schemeClr val="tx1"/>
-                          </a:solidFill>
-                        </a:rPr>
-                        <a:t>)</a:t>
-                      </a:r>
-                      <a:r>
-                        <a:rPr lang="ko-KR" altLang="en-US" sz="1200" b="0" dirty="0">
-                          <a:solidFill>
-                            <a:schemeClr val="tx1"/>
-                          </a:solidFill>
-                        </a:rPr>
-                        <a:t>과 배치를 전투 시작 시 기본 값으로 설정하게 하여 소모되는 시간을 더욱 감소할 수 있게 하였다</a:t>
+                        <a:t>배치 설정하여 전투 시 선호 설정된 부대와 배치를 기본으로 선택되게 하였다</a:t>
                       </a:r>
                       <a:r>
                         <a:rPr lang="en-US" altLang="ko-KR" sz="1200" b="0" dirty="0">
@@ -7267,980 +8736,6 @@
     <p:extLst>
       <p:ext uri="{BB962C8B-B14F-4D97-AF65-F5344CB8AC3E}">
         <p14:creationId xmlns:p14="http://schemas.microsoft.com/office/powerpoint/2010/main" val="374291264"/>
-      </p:ext>
-    </p:extLst>
-  </p:cSld>
-  <p:clrMapOvr>
-    <a:masterClrMapping/>
-  </p:clrMapOvr>
-</p:sld>
-</file>
-
-<file path=ppt/slides/slide7.xml><?xml version="1.0" encoding="utf-8"?>
-<p:sld xmlns:a="http://schemas.openxmlformats.org/drawingml/2006/main" xmlns:r="http://schemas.openxmlformats.org/officeDocument/2006/relationships" xmlns:p="http://schemas.openxmlformats.org/presentationml/2006/main">
-  <p:cSld>
-    <p:spTree>
-      <p:nvGrpSpPr>
-        <p:cNvPr id="1" name="">
-          <a:extLst>
-            <a:ext uri="{FF2B5EF4-FFF2-40B4-BE49-F238E27FC236}">
-              <a16:creationId xmlns:a16="http://schemas.microsoft.com/office/drawing/2014/main" id="{D21DAEA7-79E3-502E-509C-DF5DDCA8B6BC}"/>
-            </a:ext>
-          </a:extLst>
-        </p:cNvPr>
-        <p:cNvGrpSpPr/>
-        <p:nvPr/>
-      </p:nvGrpSpPr>
-      <p:grpSpPr>
-        <a:xfrm>
-          <a:off x="0" y="0"/>
-          <a:ext cx="0" cy="0"/>
-          <a:chOff x="0" y="0"/>
-          <a:chExt cx="0" cy="0"/>
-        </a:xfrm>
-      </p:grpSpPr>
-      <p:sp>
-        <p:nvSpPr>
-          <p:cNvPr id="4" name="제목 1">
-            <a:extLst>
-              <a:ext uri="{FF2B5EF4-FFF2-40B4-BE49-F238E27FC236}">
-                <a16:creationId xmlns:a16="http://schemas.microsoft.com/office/drawing/2014/main" id="{636482B7-5B29-4FB0-B905-DE64440A7328}"/>
-              </a:ext>
-            </a:extLst>
-          </p:cNvPr>
-          <p:cNvSpPr txBox="1">
-            <a:spLocks/>
-          </p:cNvSpPr>
-          <p:nvPr/>
-        </p:nvSpPr>
-        <p:spPr>
-          <a:xfrm>
-            <a:off x="695324" y="387600"/>
-            <a:ext cx="10801351" cy="628400"/>
-          </a:xfrm>
-          <a:prstGeom prst="rect">
-            <a:avLst/>
-          </a:prstGeom>
-        </p:spPr>
-        <p:txBody>
-          <a:bodyPr vert="horz" lIns="91440" tIns="45720" rIns="91440" bIns="45720" rtlCol="0" anchor="ctr">
-            <a:normAutofit/>
-          </a:bodyPr>
-          <a:lstStyle>
-            <a:lvl1pPr algn="ctr" defTabSz="914400" rtl="0" eaLnBrk="1" latinLnBrk="1" hangingPunct="1">
-              <a:lnSpc>
-                <a:spcPct val="90000"/>
-              </a:lnSpc>
-              <a:spcBef>
-                <a:spcPct val="0"/>
-              </a:spcBef>
-              <a:buNone/>
-              <a:defRPr sz="6000" kern="1200">
-                <a:solidFill>
-                  <a:schemeClr val="tx1"/>
-                </a:solidFill>
-                <a:latin typeface="+mj-lt"/>
-                <a:ea typeface="+mj-ea"/>
-                <a:cs typeface="+mj-cs"/>
-              </a:defRPr>
-            </a:lvl1pPr>
-          </a:lstStyle>
-          <a:p>
-            <a:pPr algn="l">
-              <a:lnSpc>
-                <a:spcPct val="100000"/>
-              </a:lnSpc>
-            </a:pPr>
-            <a:r>
-              <a:rPr lang="ko-KR" altLang="en-US" sz="3200" dirty="0"/>
-              <a:t>플레이어턴 알고리즘</a:t>
-            </a:r>
-            <a:endParaRPr lang="en-US" altLang="ko-KR" sz="2400" dirty="0"/>
-          </a:p>
-        </p:txBody>
-      </p:sp>
-      <p:sp>
-        <p:nvSpPr>
-          <p:cNvPr id="11" name="직사각형 10">
-            <a:extLst>
-              <a:ext uri="{FF2B5EF4-FFF2-40B4-BE49-F238E27FC236}">
-                <a16:creationId xmlns:a16="http://schemas.microsoft.com/office/drawing/2014/main" id="{0267DAC0-4E84-4E03-907D-3474183DA076}"/>
-              </a:ext>
-            </a:extLst>
-          </p:cNvPr>
-          <p:cNvSpPr/>
-          <p:nvPr/>
-        </p:nvSpPr>
-        <p:spPr>
-          <a:xfrm>
-            <a:off x="2308714" y="1640207"/>
-            <a:ext cx="1258358" cy="430212"/>
-          </a:xfrm>
-          <a:prstGeom prst="rect">
-            <a:avLst/>
-          </a:prstGeom>
-        </p:spPr>
-        <p:style>
-          <a:lnRef idx="2">
-            <a:schemeClr val="accent1">
-              <a:shade val="50000"/>
-            </a:schemeClr>
-          </a:lnRef>
-          <a:fillRef idx="1">
-            <a:schemeClr val="accent1"/>
-          </a:fillRef>
-          <a:effectRef idx="0">
-            <a:schemeClr val="accent1"/>
-          </a:effectRef>
-          <a:fontRef idx="minor">
-            <a:schemeClr val="lt1"/>
-          </a:fontRef>
-        </p:style>
-        <p:txBody>
-          <a:bodyPr rtlCol="0" anchor="ctr"/>
-          <a:lstStyle/>
-          <a:p>
-            <a:pPr algn="ctr"/>
-            <a:r>
-              <a:rPr lang="ko-KR" altLang="en-US" sz="1200" dirty="0"/>
-              <a:t>카드 드로우</a:t>
-            </a:r>
-            <a:endParaRPr lang="en-US" altLang="ko-KR" sz="1200" dirty="0"/>
-          </a:p>
-          <a:p>
-            <a:pPr algn="ctr"/>
-            <a:r>
-              <a:rPr lang="ko-KR" altLang="en-US" sz="1200" dirty="0"/>
-              <a:t>시스템</a:t>
-            </a:r>
-          </a:p>
-        </p:txBody>
-      </p:sp>
-      <p:sp>
-        <p:nvSpPr>
-          <p:cNvPr id="12" name="직사각형 11">
-            <a:extLst>
-              <a:ext uri="{FF2B5EF4-FFF2-40B4-BE49-F238E27FC236}">
-                <a16:creationId xmlns:a16="http://schemas.microsoft.com/office/drawing/2014/main" id="{EC565BD6-DD91-49F3-B801-519FDD205CBB}"/>
-              </a:ext>
-            </a:extLst>
-          </p:cNvPr>
-          <p:cNvSpPr/>
-          <p:nvPr/>
-        </p:nvSpPr>
-        <p:spPr>
-          <a:xfrm>
-            <a:off x="695324" y="1286674"/>
-            <a:ext cx="1258358" cy="430212"/>
-          </a:xfrm>
-          <a:prstGeom prst="rect">
-            <a:avLst/>
-          </a:prstGeom>
-        </p:spPr>
-        <p:style>
-          <a:lnRef idx="2">
-            <a:schemeClr val="accent1">
-              <a:shade val="50000"/>
-            </a:schemeClr>
-          </a:lnRef>
-          <a:fillRef idx="1">
-            <a:schemeClr val="accent1"/>
-          </a:fillRef>
-          <a:effectRef idx="0">
-            <a:schemeClr val="accent1"/>
-          </a:effectRef>
-          <a:fontRef idx="minor">
-            <a:schemeClr val="lt1"/>
-          </a:fontRef>
-        </p:style>
-        <p:txBody>
-          <a:bodyPr rtlCol="0" anchor="ctr"/>
-          <a:lstStyle/>
-          <a:p>
-            <a:pPr algn="ctr"/>
-            <a:r>
-              <a:rPr lang="ko-KR" altLang="en-US" sz="1200" dirty="0"/>
-              <a:t>턴 시작</a:t>
-            </a:r>
-          </a:p>
-        </p:txBody>
-      </p:sp>
-      <p:sp>
-        <p:nvSpPr>
-          <p:cNvPr id="13" name="직사각형 12">
-            <a:extLst>
-              <a:ext uri="{FF2B5EF4-FFF2-40B4-BE49-F238E27FC236}">
-                <a16:creationId xmlns:a16="http://schemas.microsoft.com/office/drawing/2014/main" id="{237C6D51-E838-4FA4-95C7-94BA1DA08667}"/>
-              </a:ext>
-            </a:extLst>
-          </p:cNvPr>
-          <p:cNvSpPr/>
-          <p:nvPr/>
-        </p:nvSpPr>
-        <p:spPr>
-          <a:xfrm>
-            <a:off x="852591" y="1754193"/>
-            <a:ext cx="1258358" cy="430212"/>
-          </a:xfrm>
-          <a:prstGeom prst="rect">
-            <a:avLst/>
-          </a:prstGeom>
-        </p:spPr>
-        <p:style>
-          <a:lnRef idx="2">
-            <a:schemeClr val="accent1">
-              <a:shade val="50000"/>
-            </a:schemeClr>
-          </a:lnRef>
-          <a:fillRef idx="1">
-            <a:schemeClr val="accent1"/>
-          </a:fillRef>
-          <a:effectRef idx="0">
-            <a:schemeClr val="accent1"/>
-          </a:effectRef>
-          <a:fontRef idx="minor">
-            <a:schemeClr val="lt1"/>
-          </a:fontRef>
-        </p:style>
-        <p:txBody>
-          <a:bodyPr rtlCol="0" anchor="ctr"/>
-          <a:lstStyle/>
-          <a:p>
-            <a:pPr algn="ctr"/>
-            <a:r>
-              <a:rPr lang="ko-KR" altLang="en-US" sz="1200" dirty="0"/>
-              <a:t>행동력</a:t>
-            </a:r>
-            <a:endParaRPr lang="en-US" altLang="ko-KR" sz="1200" dirty="0"/>
-          </a:p>
-          <a:p>
-            <a:pPr algn="ctr"/>
-            <a:r>
-              <a:rPr lang="ko-KR" altLang="en-US" sz="1200" dirty="0"/>
-              <a:t>시스템</a:t>
-            </a:r>
-          </a:p>
-        </p:txBody>
-      </p:sp>
-      <p:sp>
-        <p:nvSpPr>
-          <p:cNvPr id="14" name="직사각형 13">
-            <a:extLst>
-              <a:ext uri="{FF2B5EF4-FFF2-40B4-BE49-F238E27FC236}">
-                <a16:creationId xmlns:a16="http://schemas.microsoft.com/office/drawing/2014/main" id="{4DA5805F-E930-4D33-8FCB-4922BF0DF221}"/>
-              </a:ext>
-            </a:extLst>
-          </p:cNvPr>
-          <p:cNvSpPr/>
-          <p:nvPr/>
-        </p:nvSpPr>
-        <p:spPr>
-          <a:xfrm>
-            <a:off x="4678466" y="1256507"/>
-            <a:ext cx="1258358" cy="430212"/>
-          </a:xfrm>
-          <a:prstGeom prst="rect">
-            <a:avLst/>
-          </a:prstGeom>
-        </p:spPr>
-        <p:style>
-          <a:lnRef idx="2">
-            <a:schemeClr val="accent1">
-              <a:shade val="50000"/>
-            </a:schemeClr>
-          </a:lnRef>
-          <a:fillRef idx="1">
-            <a:schemeClr val="accent1"/>
-          </a:fillRef>
-          <a:effectRef idx="0">
-            <a:schemeClr val="accent1"/>
-          </a:effectRef>
-          <a:fontRef idx="minor">
-            <a:schemeClr val="lt1"/>
-          </a:fontRef>
-        </p:style>
-        <p:txBody>
-          <a:bodyPr rtlCol="0" anchor="ctr"/>
-          <a:lstStyle/>
-          <a:p>
-            <a:pPr algn="ctr"/>
-            <a:r>
-              <a:rPr lang="ko-KR" altLang="en-US" sz="1200" dirty="0"/>
-              <a:t>플레이어</a:t>
-            </a:r>
-            <a:endParaRPr lang="en-US" altLang="ko-KR" sz="1200" dirty="0"/>
-          </a:p>
-          <a:p>
-            <a:pPr algn="ctr"/>
-            <a:r>
-              <a:rPr lang="ko-KR" altLang="en-US" sz="1200" dirty="0"/>
-              <a:t>행동</a:t>
-            </a:r>
-            <a:r>
-              <a:rPr lang="en-US" altLang="ko-KR" sz="1200" dirty="0"/>
-              <a:t>(MP </a:t>
-            </a:r>
-            <a:r>
-              <a:rPr lang="ko-KR" altLang="en-US" sz="1200" dirty="0"/>
-              <a:t>소모</a:t>
-            </a:r>
-            <a:r>
-              <a:rPr lang="en-US" altLang="ko-KR" sz="1200" dirty="0"/>
-              <a:t>)</a:t>
-            </a:r>
-            <a:endParaRPr lang="ko-KR" altLang="en-US" sz="1200" dirty="0"/>
-          </a:p>
-        </p:txBody>
-      </p:sp>
-      <p:sp>
-        <p:nvSpPr>
-          <p:cNvPr id="15" name="직사각형 14">
-            <a:extLst>
-              <a:ext uri="{FF2B5EF4-FFF2-40B4-BE49-F238E27FC236}">
-                <a16:creationId xmlns:a16="http://schemas.microsoft.com/office/drawing/2014/main" id="{817102BE-B8F4-4F62-BE77-FBB4DE17F42D}"/>
-              </a:ext>
-            </a:extLst>
-          </p:cNvPr>
-          <p:cNvSpPr/>
-          <p:nvPr/>
-        </p:nvSpPr>
-        <p:spPr>
-          <a:xfrm>
-            <a:off x="8761941" y="1286674"/>
-            <a:ext cx="1258358" cy="430212"/>
-          </a:xfrm>
-          <a:prstGeom prst="rect">
-            <a:avLst/>
-          </a:prstGeom>
-        </p:spPr>
-        <p:style>
-          <a:lnRef idx="2">
-            <a:schemeClr val="accent1">
-              <a:shade val="50000"/>
-            </a:schemeClr>
-          </a:lnRef>
-          <a:fillRef idx="1">
-            <a:schemeClr val="accent1"/>
-          </a:fillRef>
-          <a:effectRef idx="0">
-            <a:schemeClr val="accent1"/>
-          </a:effectRef>
-          <a:fontRef idx="minor">
-            <a:schemeClr val="lt1"/>
-          </a:fontRef>
-        </p:style>
-        <p:txBody>
-          <a:bodyPr rtlCol="0" anchor="ctr"/>
-          <a:lstStyle/>
-          <a:p>
-            <a:pPr algn="ctr"/>
-            <a:r>
-              <a:rPr lang="ko-KR" altLang="en-US" sz="1200" dirty="0"/>
-              <a:t>턴 종료</a:t>
-            </a:r>
-          </a:p>
-        </p:txBody>
-      </p:sp>
-      <p:sp>
-        <p:nvSpPr>
-          <p:cNvPr id="24" name="직사각형 23">
-            <a:extLst>
-              <a:ext uri="{FF2B5EF4-FFF2-40B4-BE49-F238E27FC236}">
-                <a16:creationId xmlns:a16="http://schemas.microsoft.com/office/drawing/2014/main" id="{374E6CB4-8913-45D6-AA2C-3A86688DDB30}"/>
-              </a:ext>
-            </a:extLst>
-          </p:cNvPr>
-          <p:cNvSpPr/>
-          <p:nvPr/>
-        </p:nvSpPr>
-        <p:spPr>
-          <a:xfrm>
-            <a:off x="5228953" y="1754193"/>
-            <a:ext cx="1258358" cy="430212"/>
-          </a:xfrm>
-          <a:prstGeom prst="rect">
-            <a:avLst/>
-          </a:prstGeom>
-        </p:spPr>
-        <p:style>
-          <a:lnRef idx="2">
-            <a:schemeClr val="accent1">
-              <a:shade val="50000"/>
-            </a:schemeClr>
-          </a:lnRef>
-          <a:fillRef idx="1">
-            <a:schemeClr val="accent1"/>
-          </a:fillRef>
-          <a:effectRef idx="0">
-            <a:schemeClr val="accent1"/>
-          </a:effectRef>
-          <a:fontRef idx="minor">
-            <a:schemeClr val="lt1"/>
-          </a:fontRef>
-        </p:style>
-        <p:txBody>
-          <a:bodyPr rtlCol="0" anchor="ctr"/>
-          <a:lstStyle/>
-          <a:p>
-            <a:pPr algn="ctr"/>
-            <a:r>
-              <a:rPr lang="ko-KR" altLang="en-US" sz="1200" dirty="0"/>
-              <a:t>카드 사용</a:t>
-            </a:r>
-          </a:p>
-        </p:txBody>
-      </p:sp>
-      <p:sp>
-        <p:nvSpPr>
-          <p:cNvPr id="25" name="직사각형 24">
-            <a:extLst>
-              <a:ext uri="{FF2B5EF4-FFF2-40B4-BE49-F238E27FC236}">
-                <a16:creationId xmlns:a16="http://schemas.microsoft.com/office/drawing/2014/main" id="{111A5A1A-E26F-4F0D-ADF6-FE8B152CA382}"/>
-              </a:ext>
-            </a:extLst>
-          </p:cNvPr>
-          <p:cNvSpPr/>
-          <p:nvPr/>
-        </p:nvSpPr>
-        <p:spPr>
-          <a:xfrm>
-            <a:off x="5228953" y="4430823"/>
-            <a:ext cx="1258358" cy="430212"/>
-          </a:xfrm>
-          <a:prstGeom prst="rect">
-            <a:avLst/>
-          </a:prstGeom>
-        </p:spPr>
-        <p:style>
-          <a:lnRef idx="2">
-            <a:schemeClr val="accent1">
-              <a:shade val="50000"/>
-            </a:schemeClr>
-          </a:lnRef>
-          <a:fillRef idx="1">
-            <a:schemeClr val="accent1"/>
-          </a:fillRef>
-          <a:effectRef idx="0">
-            <a:schemeClr val="accent1"/>
-          </a:effectRef>
-          <a:fontRef idx="minor">
-            <a:schemeClr val="lt1"/>
-          </a:fontRef>
-        </p:style>
-        <p:txBody>
-          <a:bodyPr rtlCol="0" anchor="ctr"/>
-          <a:lstStyle/>
-          <a:p>
-            <a:pPr algn="ctr"/>
-            <a:r>
-              <a:rPr lang="ko-KR" altLang="en-US" sz="1200" dirty="0"/>
-              <a:t>기물 행동 명령</a:t>
-            </a:r>
-          </a:p>
-        </p:txBody>
-      </p:sp>
-      <p:sp>
-        <p:nvSpPr>
-          <p:cNvPr id="26" name="직사각형 25">
-            <a:extLst>
-              <a:ext uri="{FF2B5EF4-FFF2-40B4-BE49-F238E27FC236}">
-                <a16:creationId xmlns:a16="http://schemas.microsoft.com/office/drawing/2014/main" id="{D29BC228-8077-4ACC-BCC3-C20F5E27B4FC}"/>
-              </a:ext>
-            </a:extLst>
-          </p:cNvPr>
-          <p:cNvSpPr/>
-          <p:nvPr/>
-        </p:nvSpPr>
-        <p:spPr>
-          <a:xfrm>
-            <a:off x="6593433" y="1858803"/>
-            <a:ext cx="1258358" cy="430212"/>
-          </a:xfrm>
-          <a:prstGeom prst="rect">
-            <a:avLst/>
-          </a:prstGeom>
-        </p:spPr>
-        <p:style>
-          <a:lnRef idx="2">
-            <a:schemeClr val="accent1">
-              <a:shade val="50000"/>
-            </a:schemeClr>
-          </a:lnRef>
-          <a:fillRef idx="1">
-            <a:schemeClr val="accent1"/>
-          </a:fillRef>
-          <a:effectRef idx="0">
-            <a:schemeClr val="accent1"/>
-          </a:effectRef>
-          <a:fontRef idx="minor">
-            <a:schemeClr val="lt1"/>
-          </a:fontRef>
-        </p:style>
-        <p:txBody>
-          <a:bodyPr rtlCol="0" anchor="ctr"/>
-          <a:lstStyle/>
-          <a:p>
-            <a:pPr algn="ctr"/>
-            <a:r>
-              <a:rPr lang="ko-KR" altLang="en-US" sz="1200" dirty="0"/>
-              <a:t>기물 소환</a:t>
-            </a:r>
-          </a:p>
-        </p:txBody>
-      </p:sp>
-      <p:sp>
-        <p:nvSpPr>
-          <p:cNvPr id="27" name="직사각형 26">
-            <a:extLst>
-              <a:ext uri="{FF2B5EF4-FFF2-40B4-BE49-F238E27FC236}">
-                <a16:creationId xmlns:a16="http://schemas.microsoft.com/office/drawing/2014/main" id="{EF5959D7-9A11-452A-A044-2DF67F7CB95C}"/>
-              </a:ext>
-            </a:extLst>
-          </p:cNvPr>
-          <p:cNvSpPr/>
-          <p:nvPr/>
-        </p:nvSpPr>
-        <p:spPr>
-          <a:xfrm>
-            <a:off x="6593433" y="3398031"/>
-            <a:ext cx="1258358" cy="430212"/>
-          </a:xfrm>
-          <a:prstGeom prst="rect">
-            <a:avLst/>
-          </a:prstGeom>
-        </p:spPr>
-        <p:style>
-          <a:lnRef idx="2">
-            <a:schemeClr val="accent1">
-              <a:shade val="50000"/>
-            </a:schemeClr>
-          </a:lnRef>
-          <a:fillRef idx="1">
-            <a:schemeClr val="accent1"/>
-          </a:fillRef>
-          <a:effectRef idx="0">
-            <a:schemeClr val="accent1"/>
-          </a:effectRef>
-          <a:fontRef idx="minor">
-            <a:schemeClr val="lt1"/>
-          </a:fontRef>
-        </p:style>
-        <p:txBody>
-          <a:bodyPr rtlCol="0" anchor="ctr"/>
-          <a:lstStyle/>
-          <a:p>
-            <a:pPr algn="ctr"/>
-            <a:r>
-              <a:rPr lang="ko-KR" altLang="en-US" sz="1200" dirty="0"/>
-              <a:t>스킬 사용 명령</a:t>
-            </a:r>
-          </a:p>
-        </p:txBody>
-      </p:sp>
-      <p:sp>
-        <p:nvSpPr>
-          <p:cNvPr id="28" name="직사각형 27">
-            <a:extLst>
-              <a:ext uri="{FF2B5EF4-FFF2-40B4-BE49-F238E27FC236}">
-                <a16:creationId xmlns:a16="http://schemas.microsoft.com/office/drawing/2014/main" id="{A2C162A9-C6CD-4F7C-8A80-33FEBDFB45E6}"/>
-              </a:ext>
-            </a:extLst>
-          </p:cNvPr>
-          <p:cNvSpPr/>
-          <p:nvPr/>
-        </p:nvSpPr>
-        <p:spPr>
-          <a:xfrm>
-            <a:off x="6593433" y="3938275"/>
-            <a:ext cx="1258358" cy="430212"/>
-          </a:xfrm>
-          <a:prstGeom prst="rect">
-            <a:avLst/>
-          </a:prstGeom>
-        </p:spPr>
-        <p:style>
-          <a:lnRef idx="2">
-            <a:schemeClr val="accent1">
-              <a:shade val="50000"/>
-            </a:schemeClr>
-          </a:lnRef>
-          <a:fillRef idx="1">
-            <a:schemeClr val="accent1"/>
-          </a:fillRef>
-          <a:effectRef idx="0">
-            <a:schemeClr val="accent1"/>
-          </a:effectRef>
-          <a:fontRef idx="minor">
-            <a:schemeClr val="lt1"/>
-          </a:fontRef>
-        </p:style>
-        <p:txBody>
-          <a:bodyPr rtlCol="0" anchor="ctr"/>
-          <a:lstStyle/>
-          <a:p>
-            <a:pPr algn="ctr"/>
-            <a:r>
-              <a:rPr lang="ko-KR" altLang="en-US" sz="1200" dirty="0"/>
-              <a:t>이벤트 발동</a:t>
-            </a:r>
-          </a:p>
-        </p:txBody>
-      </p:sp>
-      <p:sp>
-        <p:nvSpPr>
-          <p:cNvPr id="29" name="직사각형 28">
-            <a:extLst>
-              <a:ext uri="{FF2B5EF4-FFF2-40B4-BE49-F238E27FC236}">
-                <a16:creationId xmlns:a16="http://schemas.microsoft.com/office/drawing/2014/main" id="{9BA9DAC6-9668-4A6D-B461-296C61F9E499}"/>
-              </a:ext>
-            </a:extLst>
-          </p:cNvPr>
-          <p:cNvSpPr/>
-          <p:nvPr/>
-        </p:nvSpPr>
-        <p:spPr>
-          <a:xfrm>
-            <a:off x="6887553" y="2359471"/>
-            <a:ext cx="1258358" cy="430212"/>
-          </a:xfrm>
-          <a:prstGeom prst="rect">
-            <a:avLst/>
-          </a:prstGeom>
-        </p:spPr>
-        <p:style>
-          <a:lnRef idx="2">
-            <a:schemeClr val="accent1">
-              <a:shade val="50000"/>
-            </a:schemeClr>
-          </a:lnRef>
-          <a:fillRef idx="1">
-            <a:schemeClr val="accent1"/>
-          </a:fillRef>
-          <a:effectRef idx="0">
-            <a:schemeClr val="accent1"/>
-          </a:effectRef>
-          <a:fontRef idx="minor">
-            <a:schemeClr val="lt1"/>
-          </a:fontRef>
-        </p:style>
-        <p:txBody>
-          <a:bodyPr rtlCol="0" anchor="ctr"/>
-          <a:lstStyle/>
-          <a:p>
-            <a:pPr algn="ctr"/>
-            <a:r>
-              <a:rPr lang="ko-KR" altLang="en-US" sz="1200" dirty="0"/>
-              <a:t>일반 소환</a:t>
-            </a:r>
-          </a:p>
-        </p:txBody>
-      </p:sp>
-      <p:sp>
-        <p:nvSpPr>
-          <p:cNvPr id="30" name="직사각형 29">
-            <a:extLst>
-              <a:ext uri="{FF2B5EF4-FFF2-40B4-BE49-F238E27FC236}">
-                <a16:creationId xmlns:a16="http://schemas.microsoft.com/office/drawing/2014/main" id="{A3A346BC-DEE6-4F1A-B958-15E2F48BFEC5}"/>
-              </a:ext>
-            </a:extLst>
-          </p:cNvPr>
-          <p:cNvSpPr/>
-          <p:nvPr/>
-        </p:nvSpPr>
-        <p:spPr>
-          <a:xfrm>
-            <a:off x="6887553" y="2864797"/>
-            <a:ext cx="1258358" cy="430212"/>
-          </a:xfrm>
-          <a:prstGeom prst="rect">
-            <a:avLst/>
-          </a:prstGeom>
-        </p:spPr>
-        <p:style>
-          <a:lnRef idx="2">
-            <a:schemeClr val="accent1">
-              <a:shade val="50000"/>
-            </a:schemeClr>
-          </a:lnRef>
-          <a:fillRef idx="1">
-            <a:schemeClr val="accent1"/>
-          </a:fillRef>
-          <a:effectRef idx="0">
-            <a:schemeClr val="accent1"/>
-          </a:effectRef>
-          <a:fontRef idx="minor">
-            <a:schemeClr val="lt1"/>
-          </a:fontRef>
-        </p:style>
-        <p:txBody>
-          <a:bodyPr rtlCol="0" anchor="ctr"/>
-          <a:lstStyle/>
-          <a:p>
-            <a:pPr algn="ctr"/>
-            <a:r>
-              <a:rPr lang="ko-KR" altLang="en-US" sz="1200" dirty="0"/>
-              <a:t>프로모션 소환</a:t>
-            </a:r>
-          </a:p>
-        </p:txBody>
-      </p:sp>
-      <p:sp>
-        <p:nvSpPr>
-          <p:cNvPr id="31" name="직사각형 30">
-            <a:extLst>
-              <a:ext uri="{FF2B5EF4-FFF2-40B4-BE49-F238E27FC236}">
-                <a16:creationId xmlns:a16="http://schemas.microsoft.com/office/drawing/2014/main" id="{083A375E-EAD1-40A2-A6EB-1A08164D047C}"/>
-              </a:ext>
-            </a:extLst>
-          </p:cNvPr>
-          <p:cNvSpPr/>
-          <p:nvPr/>
-        </p:nvSpPr>
-        <p:spPr>
-          <a:xfrm>
-            <a:off x="6622420" y="4575966"/>
-            <a:ext cx="1258358" cy="430212"/>
-          </a:xfrm>
-          <a:prstGeom prst="rect">
-            <a:avLst/>
-          </a:prstGeom>
-        </p:spPr>
-        <p:style>
-          <a:lnRef idx="2">
-            <a:schemeClr val="accent1">
-              <a:shade val="50000"/>
-            </a:schemeClr>
-          </a:lnRef>
-          <a:fillRef idx="1">
-            <a:schemeClr val="accent1"/>
-          </a:fillRef>
-          <a:effectRef idx="0">
-            <a:schemeClr val="accent1"/>
-          </a:effectRef>
-          <a:fontRef idx="minor">
-            <a:schemeClr val="lt1"/>
-          </a:fontRef>
-        </p:style>
-        <p:txBody>
-          <a:bodyPr rtlCol="0" anchor="ctr"/>
-          <a:lstStyle/>
-          <a:p>
-            <a:pPr algn="ctr"/>
-            <a:r>
-              <a:rPr lang="ko-KR" altLang="en-US" sz="1200" dirty="0"/>
-              <a:t>이동 명령</a:t>
-            </a:r>
-          </a:p>
-        </p:txBody>
-      </p:sp>
-      <p:sp>
-        <p:nvSpPr>
-          <p:cNvPr id="32" name="직사각형 31">
-            <a:extLst>
-              <a:ext uri="{FF2B5EF4-FFF2-40B4-BE49-F238E27FC236}">
-                <a16:creationId xmlns:a16="http://schemas.microsoft.com/office/drawing/2014/main" id="{08183475-4D02-47D6-B8EF-C9ABC2DCAC5D}"/>
-              </a:ext>
-            </a:extLst>
-          </p:cNvPr>
-          <p:cNvSpPr/>
-          <p:nvPr/>
-        </p:nvSpPr>
-        <p:spPr>
-          <a:xfrm>
-            <a:off x="6622420" y="5116210"/>
-            <a:ext cx="1258358" cy="430212"/>
-          </a:xfrm>
-          <a:prstGeom prst="rect">
-            <a:avLst/>
-          </a:prstGeom>
-        </p:spPr>
-        <p:style>
-          <a:lnRef idx="2">
-            <a:schemeClr val="accent1">
-              <a:shade val="50000"/>
-            </a:schemeClr>
-          </a:lnRef>
-          <a:fillRef idx="1">
-            <a:schemeClr val="accent1"/>
-          </a:fillRef>
-          <a:effectRef idx="0">
-            <a:schemeClr val="accent1"/>
-          </a:effectRef>
-          <a:fontRef idx="minor">
-            <a:schemeClr val="lt1"/>
-          </a:fontRef>
-        </p:style>
-        <p:txBody>
-          <a:bodyPr rtlCol="0" anchor="ctr"/>
-          <a:lstStyle/>
-          <a:p>
-            <a:pPr algn="ctr"/>
-            <a:r>
-              <a:rPr lang="ko-KR" altLang="en-US" sz="1200" dirty="0"/>
-              <a:t>공격 명령</a:t>
-            </a:r>
-          </a:p>
-        </p:txBody>
-      </p:sp>
-      <p:sp>
-        <p:nvSpPr>
-          <p:cNvPr id="33" name="직사각형 32">
-            <a:extLst>
-              <a:ext uri="{FF2B5EF4-FFF2-40B4-BE49-F238E27FC236}">
-                <a16:creationId xmlns:a16="http://schemas.microsoft.com/office/drawing/2014/main" id="{8B14922C-D3B2-467D-8406-75A81DDF0DB2}"/>
-              </a:ext>
-            </a:extLst>
-          </p:cNvPr>
-          <p:cNvSpPr/>
-          <p:nvPr/>
-        </p:nvSpPr>
-        <p:spPr>
-          <a:xfrm>
-            <a:off x="6622420" y="5648577"/>
-            <a:ext cx="1258358" cy="430212"/>
-          </a:xfrm>
-          <a:prstGeom prst="rect">
-            <a:avLst/>
-          </a:prstGeom>
-        </p:spPr>
-        <p:style>
-          <a:lnRef idx="2">
-            <a:schemeClr val="accent1">
-              <a:shade val="50000"/>
-            </a:schemeClr>
-          </a:lnRef>
-          <a:fillRef idx="1">
-            <a:schemeClr val="accent1"/>
-          </a:fillRef>
-          <a:effectRef idx="0">
-            <a:schemeClr val="accent1"/>
-          </a:effectRef>
-          <a:fontRef idx="minor">
-            <a:schemeClr val="lt1"/>
-          </a:fontRef>
-        </p:style>
-        <p:txBody>
-          <a:bodyPr rtlCol="0" anchor="ctr"/>
-          <a:lstStyle/>
-          <a:p>
-            <a:pPr algn="ctr"/>
-            <a:r>
-              <a:rPr lang="ko-KR" altLang="en-US" sz="1200" dirty="0"/>
-              <a:t>스킬 사용 명령</a:t>
-            </a:r>
-          </a:p>
-        </p:txBody>
-      </p:sp>
-      <p:sp>
-        <p:nvSpPr>
-          <p:cNvPr id="18" name="직사각형 17">
-            <a:extLst>
-              <a:ext uri="{FF2B5EF4-FFF2-40B4-BE49-F238E27FC236}">
-                <a16:creationId xmlns:a16="http://schemas.microsoft.com/office/drawing/2014/main" id="{98446340-2EF9-44C2-8415-DE7D1CC50010}"/>
-              </a:ext>
-            </a:extLst>
-          </p:cNvPr>
-          <p:cNvSpPr/>
-          <p:nvPr/>
-        </p:nvSpPr>
-        <p:spPr>
-          <a:xfrm>
-            <a:off x="979591" y="2245600"/>
-            <a:ext cx="1258358" cy="430212"/>
-          </a:xfrm>
-          <a:prstGeom prst="rect">
-            <a:avLst/>
-          </a:prstGeom>
-        </p:spPr>
-        <p:style>
-          <a:lnRef idx="2">
-            <a:schemeClr val="accent1">
-              <a:shade val="50000"/>
-            </a:schemeClr>
-          </a:lnRef>
-          <a:fillRef idx="1">
-            <a:schemeClr val="accent1"/>
-          </a:fillRef>
-          <a:effectRef idx="0">
-            <a:schemeClr val="accent1"/>
-          </a:effectRef>
-          <a:fontRef idx="minor">
-            <a:schemeClr val="lt1"/>
-          </a:fontRef>
-        </p:style>
-        <p:txBody>
-          <a:bodyPr rtlCol="0" anchor="ctr"/>
-          <a:lstStyle/>
-          <a:p>
-            <a:pPr algn="ctr"/>
-            <a:r>
-              <a:rPr lang="ko-KR" altLang="en-US" sz="1200" dirty="0"/>
-              <a:t>행동력</a:t>
-            </a:r>
-            <a:endParaRPr lang="en-US" altLang="ko-KR" sz="1200" dirty="0"/>
-          </a:p>
-          <a:p>
-            <a:pPr algn="ctr"/>
-            <a:r>
-              <a:rPr lang="ko-KR" altLang="en-US" sz="1200" dirty="0"/>
-              <a:t>증가 시스템</a:t>
-            </a:r>
-          </a:p>
-        </p:txBody>
-      </p:sp>
-      <p:sp>
-        <p:nvSpPr>
-          <p:cNvPr id="19" name="직사각형 18">
-            <a:extLst>
-              <a:ext uri="{FF2B5EF4-FFF2-40B4-BE49-F238E27FC236}">
-                <a16:creationId xmlns:a16="http://schemas.microsoft.com/office/drawing/2014/main" id="{14F07792-DE00-4C93-B6C6-FAF9258ECF53}"/>
-              </a:ext>
-            </a:extLst>
-          </p:cNvPr>
-          <p:cNvSpPr/>
-          <p:nvPr/>
-        </p:nvSpPr>
-        <p:spPr>
-          <a:xfrm>
-            <a:off x="3239133" y="2479520"/>
-            <a:ext cx="1258358" cy="430212"/>
-          </a:xfrm>
-          <a:prstGeom prst="rect">
-            <a:avLst/>
-          </a:prstGeom>
-        </p:spPr>
-        <p:style>
-          <a:lnRef idx="2">
-            <a:schemeClr val="accent1">
-              <a:shade val="50000"/>
-            </a:schemeClr>
-          </a:lnRef>
-          <a:fillRef idx="1">
-            <a:schemeClr val="accent1"/>
-          </a:fillRef>
-          <a:effectRef idx="0">
-            <a:schemeClr val="accent1"/>
-          </a:effectRef>
-          <a:fontRef idx="minor">
-            <a:schemeClr val="lt1"/>
-          </a:fontRef>
-        </p:style>
-        <p:txBody>
-          <a:bodyPr rtlCol="0" anchor="ctr"/>
-          <a:lstStyle/>
-          <a:p>
-            <a:pPr algn="ctr"/>
-            <a:r>
-              <a:rPr lang="ko-KR" altLang="en-US" sz="1200" dirty="0"/>
-              <a:t>턴 제한 시간 시스템</a:t>
-            </a:r>
-          </a:p>
-        </p:txBody>
-      </p:sp>
-    </p:spTree>
-    <p:extLst>
-      <p:ext uri="{BB962C8B-B14F-4D97-AF65-F5344CB8AC3E}">
-        <p14:creationId xmlns:p14="http://schemas.microsoft.com/office/powerpoint/2010/main" val="361688364"/>
       </p:ext>
     </p:extLst>
   </p:cSld>
@@ -8327,6 +8822,1079 @@
             </a:pPr>
             <a:r>
               <a:rPr lang="ko-KR" altLang="en-US" sz="3200" dirty="0"/>
+              <a:t>플레이어턴 알고리즘</a:t>
+            </a:r>
+            <a:endParaRPr lang="en-US" altLang="ko-KR" sz="2400" dirty="0"/>
+          </a:p>
+        </p:txBody>
+      </p:sp>
+      <p:sp>
+        <p:nvSpPr>
+          <p:cNvPr id="11" name="직사각형 10">
+            <a:extLst>
+              <a:ext uri="{FF2B5EF4-FFF2-40B4-BE49-F238E27FC236}">
+                <a16:creationId xmlns:a16="http://schemas.microsoft.com/office/drawing/2014/main" id="{0267DAC0-4E84-4E03-907D-3474183DA076}"/>
+              </a:ext>
+            </a:extLst>
+          </p:cNvPr>
+          <p:cNvSpPr/>
+          <p:nvPr/>
+        </p:nvSpPr>
+        <p:spPr>
+          <a:xfrm>
+            <a:off x="5060813" y="1702543"/>
+            <a:ext cx="1258358" cy="430212"/>
+          </a:xfrm>
+          <a:prstGeom prst="rect">
+            <a:avLst/>
+          </a:prstGeom>
+        </p:spPr>
+        <p:style>
+          <a:lnRef idx="2">
+            <a:schemeClr val="accent1">
+              <a:shade val="50000"/>
+            </a:schemeClr>
+          </a:lnRef>
+          <a:fillRef idx="1">
+            <a:schemeClr val="accent1"/>
+          </a:fillRef>
+          <a:effectRef idx="0">
+            <a:schemeClr val="accent1"/>
+          </a:effectRef>
+          <a:fontRef idx="minor">
+            <a:schemeClr val="lt1"/>
+          </a:fontRef>
+        </p:style>
+        <p:txBody>
+          <a:bodyPr rtlCol="0" anchor="ctr"/>
+          <a:lstStyle/>
+          <a:p>
+            <a:pPr algn="ctr"/>
+            <a:r>
+              <a:rPr lang="ko-KR" altLang="en-US" sz="1200" dirty="0"/>
+              <a:t>카드 드로우</a:t>
+            </a:r>
+            <a:endParaRPr lang="en-US" altLang="ko-KR" sz="1200" dirty="0"/>
+          </a:p>
+          <a:p>
+            <a:pPr algn="ctr"/>
+            <a:r>
+              <a:rPr lang="ko-KR" altLang="en-US" sz="1200" dirty="0"/>
+              <a:t>시스템</a:t>
+            </a:r>
+          </a:p>
+        </p:txBody>
+      </p:sp>
+      <p:sp>
+        <p:nvSpPr>
+          <p:cNvPr id="12" name="직사각형 11">
+            <a:extLst>
+              <a:ext uri="{FF2B5EF4-FFF2-40B4-BE49-F238E27FC236}">
+                <a16:creationId xmlns:a16="http://schemas.microsoft.com/office/drawing/2014/main" id="{EC565BD6-DD91-49F3-B801-519FDD205CBB}"/>
+              </a:ext>
+            </a:extLst>
+          </p:cNvPr>
+          <p:cNvSpPr/>
+          <p:nvPr/>
+        </p:nvSpPr>
+        <p:spPr>
+          <a:xfrm>
+            <a:off x="3447423" y="1349010"/>
+            <a:ext cx="1258358" cy="430212"/>
+          </a:xfrm>
+          <a:prstGeom prst="rect">
+            <a:avLst/>
+          </a:prstGeom>
+        </p:spPr>
+        <p:style>
+          <a:lnRef idx="2">
+            <a:schemeClr val="accent1">
+              <a:shade val="50000"/>
+            </a:schemeClr>
+          </a:lnRef>
+          <a:fillRef idx="1">
+            <a:schemeClr val="accent1"/>
+          </a:fillRef>
+          <a:effectRef idx="0">
+            <a:schemeClr val="accent1"/>
+          </a:effectRef>
+          <a:fontRef idx="minor">
+            <a:schemeClr val="lt1"/>
+          </a:fontRef>
+        </p:style>
+        <p:txBody>
+          <a:bodyPr rtlCol="0" anchor="ctr"/>
+          <a:lstStyle/>
+          <a:p>
+            <a:pPr algn="ctr"/>
+            <a:r>
+              <a:rPr lang="ko-KR" altLang="en-US" sz="1200" dirty="0"/>
+              <a:t>턴 시작</a:t>
+            </a:r>
+          </a:p>
+        </p:txBody>
+      </p:sp>
+      <p:sp>
+        <p:nvSpPr>
+          <p:cNvPr id="13" name="직사각형 12">
+            <a:extLst>
+              <a:ext uri="{FF2B5EF4-FFF2-40B4-BE49-F238E27FC236}">
+                <a16:creationId xmlns:a16="http://schemas.microsoft.com/office/drawing/2014/main" id="{237C6D51-E838-4FA4-95C7-94BA1DA08667}"/>
+              </a:ext>
+            </a:extLst>
+          </p:cNvPr>
+          <p:cNvSpPr/>
+          <p:nvPr/>
+        </p:nvSpPr>
+        <p:spPr>
+          <a:xfrm>
+            <a:off x="3604690" y="1816529"/>
+            <a:ext cx="1258358" cy="430212"/>
+          </a:xfrm>
+          <a:prstGeom prst="rect">
+            <a:avLst/>
+          </a:prstGeom>
+        </p:spPr>
+        <p:style>
+          <a:lnRef idx="2">
+            <a:schemeClr val="accent1">
+              <a:shade val="50000"/>
+            </a:schemeClr>
+          </a:lnRef>
+          <a:fillRef idx="1">
+            <a:schemeClr val="accent1"/>
+          </a:fillRef>
+          <a:effectRef idx="0">
+            <a:schemeClr val="accent1"/>
+          </a:effectRef>
+          <a:fontRef idx="minor">
+            <a:schemeClr val="lt1"/>
+          </a:fontRef>
+        </p:style>
+        <p:txBody>
+          <a:bodyPr rtlCol="0" anchor="ctr"/>
+          <a:lstStyle/>
+          <a:p>
+            <a:pPr algn="ctr"/>
+            <a:r>
+              <a:rPr lang="ko-KR" altLang="en-US" sz="1200" dirty="0"/>
+              <a:t>행동력</a:t>
+            </a:r>
+            <a:endParaRPr lang="en-US" altLang="ko-KR" sz="1200" dirty="0"/>
+          </a:p>
+          <a:p>
+            <a:pPr algn="ctr"/>
+            <a:r>
+              <a:rPr lang="ko-KR" altLang="en-US" sz="1200" dirty="0"/>
+              <a:t>시스템</a:t>
+            </a:r>
+          </a:p>
+        </p:txBody>
+      </p:sp>
+      <p:sp>
+        <p:nvSpPr>
+          <p:cNvPr id="14" name="직사각형 13">
+            <a:extLst>
+              <a:ext uri="{FF2B5EF4-FFF2-40B4-BE49-F238E27FC236}">
+                <a16:creationId xmlns:a16="http://schemas.microsoft.com/office/drawing/2014/main" id="{4DA5805F-E930-4D33-8FCB-4922BF0DF221}"/>
+              </a:ext>
+            </a:extLst>
+          </p:cNvPr>
+          <p:cNvSpPr/>
+          <p:nvPr/>
+        </p:nvSpPr>
+        <p:spPr>
+          <a:xfrm>
+            <a:off x="6666442" y="1318843"/>
+            <a:ext cx="1258358" cy="430212"/>
+          </a:xfrm>
+          <a:prstGeom prst="rect">
+            <a:avLst/>
+          </a:prstGeom>
+        </p:spPr>
+        <p:style>
+          <a:lnRef idx="2">
+            <a:schemeClr val="accent1">
+              <a:shade val="50000"/>
+            </a:schemeClr>
+          </a:lnRef>
+          <a:fillRef idx="1">
+            <a:schemeClr val="accent1"/>
+          </a:fillRef>
+          <a:effectRef idx="0">
+            <a:schemeClr val="accent1"/>
+          </a:effectRef>
+          <a:fontRef idx="minor">
+            <a:schemeClr val="lt1"/>
+          </a:fontRef>
+        </p:style>
+        <p:txBody>
+          <a:bodyPr rtlCol="0" anchor="ctr"/>
+          <a:lstStyle/>
+          <a:p>
+            <a:pPr algn="ctr"/>
+            <a:r>
+              <a:rPr lang="ko-KR" altLang="en-US" sz="1200" dirty="0"/>
+              <a:t>플레이어</a:t>
+            </a:r>
+            <a:endParaRPr lang="en-US" altLang="ko-KR" sz="1200" dirty="0"/>
+          </a:p>
+          <a:p>
+            <a:pPr algn="ctr"/>
+            <a:r>
+              <a:rPr lang="ko-KR" altLang="en-US" sz="1200" dirty="0"/>
+              <a:t>행동</a:t>
+            </a:r>
+            <a:r>
+              <a:rPr lang="en-US" altLang="ko-KR" sz="1200" dirty="0"/>
+              <a:t>(MP </a:t>
+            </a:r>
+            <a:r>
+              <a:rPr lang="ko-KR" altLang="en-US" sz="1200" dirty="0"/>
+              <a:t>소모</a:t>
+            </a:r>
+            <a:r>
+              <a:rPr lang="en-US" altLang="ko-KR" sz="1200" dirty="0"/>
+              <a:t>)</a:t>
+            </a:r>
+            <a:endParaRPr lang="ko-KR" altLang="en-US" sz="1200" dirty="0"/>
+          </a:p>
+        </p:txBody>
+      </p:sp>
+      <p:sp>
+        <p:nvSpPr>
+          <p:cNvPr id="15" name="직사각형 14">
+            <a:extLst>
+              <a:ext uri="{FF2B5EF4-FFF2-40B4-BE49-F238E27FC236}">
+                <a16:creationId xmlns:a16="http://schemas.microsoft.com/office/drawing/2014/main" id="{817102BE-B8F4-4F62-BE77-FBB4DE17F42D}"/>
+              </a:ext>
+            </a:extLst>
+          </p:cNvPr>
+          <p:cNvSpPr/>
+          <p:nvPr/>
+        </p:nvSpPr>
+        <p:spPr>
+          <a:xfrm>
+            <a:off x="10038717" y="1349010"/>
+            <a:ext cx="1258358" cy="430212"/>
+          </a:xfrm>
+          <a:prstGeom prst="rect">
+            <a:avLst/>
+          </a:prstGeom>
+        </p:spPr>
+        <p:style>
+          <a:lnRef idx="2">
+            <a:schemeClr val="accent1">
+              <a:shade val="50000"/>
+            </a:schemeClr>
+          </a:lnRef>
+          <a:fillRef idx="1">
+            <a:schemeClr val="accent1"/>
+          </a:fillRef>
+          <a:effectRef idx="0">
+            <a:schemeClr val="accent1"/>
+          </a:effectRef>
+          <a:fontRef idx="minor">
+            <a:schemeClr val="lt1"/>
+          </a:fontRef>
+        </p:style>
+        <p:txBody>
+          <a:bodyPr rtlCol="0" anchor="ctr"/>
+          <a:lstStyle/>
+          <a:p>
+            <a:pPr algn="ctr"/>
+            <a:r>
+              <a:rPr lang="ko-KR" altLang="en-US" sz="1200" dirty="0"/>
+              <a:t>턴 종료</a:t>
+            </a:r>
+          </a:p>
+        </p:txBody>
+      </p:sp>
+      <p:sp>
+        <p:nvSpPr>
+          <p:cNvPr id="24" name="직사각형 23">
+            <a:extLst>
+              <a:ext uri="{FF2B5EF4-FFF2-40B4-BE49-F238E27FC236}">
+                <a16:creationId xmlns:a16="http://schemas.microsoft.com/office/drawing/2014/main" id="{374E6CB4-8913-45D6-AA2C-3A86688DDB30}"/>
+              </a:ext>
+            </a:extLst>
+          </p:cNvPr>
+          <p:cNvSpPr/>
+          <p:nvPr/>
+        </p:nvSpPr>
+        <p:spPr>
+          <a:xfrm>
+            <a:off x="7216929" y="1816529"/>
+            <a:ext cx="1258358" cy="430212"/>
+          </a:xfrm>
+          <a:prstGeom prst="rect">
+            <a:avLst/>
+          </a:prstGeom>
+        </p:spPr>
+        <p:style>
+          <a:lnRef idx="2">
+            <a:schemeClr val="accent1">
+              <a:shade val="50000"/>
+            </a:schemeClr>
+          </a:lnRef>
+          <a:fillRef idx="1">
+            <a:schemeClr val="accent1"/>
+          </a:fillRef>
+          <a:effectRef idx="0">
+            <a:schemeClr val="accent1"/>
+          </a:effectRef>
+          <a:fontRef idx="minor">
+            <a:schemeClr val="lt1"/>
+          </a:fontRef>
+        </p:style>
+        <p:txBody>
+          <a:bodyPr rtlCol="0" anchor="ctr"/>
+          <a:lstStyle/>
+          <a:p>
+            <a:pPr algn="ctr"/>
+            <a:r>
+              <a:rPr lang="ko-KR" altLang="en-US" sz="1200" dirty="0"/>
+              <a:t>카드 사용</a:t>
+            </a:r>
+          </a:p>
+        </p:txBody>
+      </p:sp>
+      <p:sp>
+        <p:nvSpPr>
+          <p:cNvPr id="25" name="직사각형 24">
+            <a:extLst>
+              <a:ext uri="{FF2B5EF4-FFF2-40B4-BE49-F238E27FC236}">
+                <a16:creationId xmlns:a16="http://schemas.microsoft.com/office/drawing/2014/main" id="{111A5A1A-E26F-4F0D-ADF6-FE8B152CA382}"/>
+              </a:ext>
+            </a:extLst>
+          </p:cNvPr>
+          <p:cNvSpPr/>
+          <p:nvPr/>
+        </p:nvSpPr>
+        <p:spPr>
+          <a:xfrm>
+            <a:off x="7216929" y="4493159"/>
+            <a:ext cx="1258358" cy="430212"/>
+          </a:xfrm>
+          <a:prstGeom prst="rect">
+            <a:avLst/>
+          </a:prstGeom>
+        </p:spPr>
+        <p:style>
+          <a:lnRef idx="2">
+            <a:schemeClr val="accent1">
+              <a:shade val="50000"/>
+            </a:schemeClr>
+          </a:lnRef>
+          <a:fillRef idx="1">
+            <a:schemeClr val="accent1"/>
+          </a:fillRef>
+          <a:effectRef idx="0">
+            <a:schemeClr val="accent1"/>
+          </a:effectRef>
+          <a:fontRef idx="minor">
+            <a:schemeClr val="lt1"/>
+          </a:fontRef>
+        </p:style>
+        <p:txBody>
+          <a:bodyPr rtlCol="0" anchor="ctr"/>
+          <a:lstStyle/>
+          <a:p>
+            <a:pPr algn="ctr"/>
+            <a:r>
+              <a:rPr lang="ko-KR" altLang="en-US" sz="1200" dirty="0"/>
+              <a:t>기물 행동 명령</a:t>
+            </a:r>
+          </a:p>
+        </p:txBody>
+      </p:sp>
+      <p:sp>
+        <p:nvSpPr>
+          <p:cNvPr id="26" name="직사각형 25">
+            <a:extLst>
+              <a:ext uri="{FF2B5EF4-FFF2-40B4-BE49-F238E27FC236}">
+                <a16:creationId xmlns:a16="http://schemas.microsoft.com/office/drawing/2014/main" id="{D29BC228-8077-4ACC-BCC3-C20F5E27B4FC}"/>
+              </a:ext>
+            </a:extLst>
+          </p:cNvPr>
+          <p:cNvSpPr/>
+          <p:nvPr/>
+        </p:nvSpPr>
+        <p:spPr>
+          <a:xfrm>
+            <a:off x="8581409" y="1921139"/>
+            <a:ext cx="1258358" cy="430212"/>
+          </a:xfrm>
+          <a:prstGeom prst="rect">
+            <a:avLst/>
+          </a:prstGeom>
+        </p:spPr>
+        <p:style>
+          <a:lnRef idx="2">
+            <a:schemeClr val="accent1">
+              <a:shade val="50000"/>
+            </a:schemeClr>
+          </a:lnRef>
+          <a:fillRef idx="1">
+            <a:schemeClr val="accent1"/>
+          </a:fillRef>
+          <a:effectRef idx="0">
+            <a:schemeClr val="accent1"/>
+          </a:effectRef>
+          <a:fontRef idx="minor">
+            <a:schemeClr val="lt1"/>
+          </a:fontRef>
+        </p:style>
+        <p:txBody>
+          <a:bodyPr rtlCol="0" anchor="ctr"/>
+          <a:lstStyle/>
+          <a:p>
+            <a:pPr algn="ctr"/>
+            <a:r>
+              <a:rPr lang="ko-KR" altLang="en-US" sz="1200" dirty="0"/>
+              <a:t>기물 소환</a:t>
+            </a:r>
+          </a:p>
+        </p:txBody>
+      </p:sp>
+      <p:sp>
+        <p:nvSpPr>
+          <p:cNvPr id="27" name="직사각형 26">
+            <a:extLst>
+              <a:ext uri="{FF2B5EF4-FFF2-40B4-BE49-F238E27FC236}">
+                <a16:creationId xmlns:a16="http://schemas.microsoft.com/office/drawing/2014/main" id="{EF5959D7-9A11-452A-A044-2DF67F7CB95C}"/>
+              </a:ext>
+            </a:extLst>
+          </p:cNvPr>
+          <p:cNvSpPr/>
+          <p:nvPr/>
+        </p:nvSpPr>
+        <p:spPr>
+          <a:xfrm>
+            <a:off x="8581409" y="3460367"/>
+            <a:ext cx="1258358" cy="430212"/>
+          </a:xfrm>
+          <a:prstGeom prst="rect">
+            <a:avLst/>
+          </a:prstGeom>
+        </p:spPr>
+        <p:style>
+          <a:lnRef idx="2">
+            <a:schemeClr val="accent1">
+              <a:shade val="50000"/>
+            </a:schemeClr>
+          </a:lnRef>
+          <a:fillRef idx="1">
+            <a:schemeClr val="accent1"/>
+          </a:fillRef>
+          <a:effectRef idx="0">
+            <a:schemeClr val="accent1"/>
+          </a:effectRef>
+          <a:fontRef idx="minor">
+            <a:schemeClr val="lt1"/>
+          </a:fontRef>
+        </p:style>
+        <p:txBody>
+          <a:bodyPr rtlCol="0" anchor="ctr"/>
+          <a:lstStyle/>
+          <a:p>
+            <a:pPr algn="ctr"/>
+            <a:r>
+              <a:rPr lang="ko-KR" altLang="en-US" sz="1200" dirty="0"/>
+              <a:t>스킬 사용 명령</a:t>
+            </a:r>
+          </a:p>
+        </p:txBody>
+      </p:sp>
+      <p:sp>
+        <p:nvSpPr>
+          <p:cNvPr id="28" name="직사각형 27">
+            <a:extLst>
+              <a:ext uri="{FF2B5EF4-FFF2-40B4-BE49-F238E27FC236}">
+                <a16:creationId xmlns:a16="http://schemas.microsoft.com/office/drawing/2014/main" id="{A2C162A9-C6CD-4F7C-8A80-33FEBDFB45E6}"/>
+              </a:ext>
+            </a:extLst>
+          </p:cNvPr>
+          <p:cNvSpPr/>
+          <p:nvPr/>
+        </p:nvSpPr>
+        <p:spPr>
+          <a:xfrm>
+            <a:off x="8581409" y="4000611"/>
+            <a:ext cx="1258358" cy="430212"/>
+          </a:xfrm>
+          <a:prstGeom prst="rect">
+            <a:avLst/>
+          </a:prstGeom>
+        </p:spPr>
+        <p:style>
+          <a:lnRef idx="2">
+            <a:schemeClr val="accent1">
+              <a:shade val="50000"/>
+            </a:schemeClr>
+          </a:lnRef>
+          <a:fillRef idx="1">
+            <a:schemeClr val="accent1"/>
+          </a:fillRef>
+          <a:effectRef idx="0">
+            <a:schemeClr val="accent1"/>
+          </a:effectRef>
+          <a:fontRef idx="minor">
+            <a:schemeClr val="lt1"/>
+          </a:fontRef>
+        </p:style>
+        <p:txBody>
+          <a:bodyPr rtlCol="0" anchor="ctr"/>
+          <a:lstStyle/>
+          <a:p>
+            <a:pPr algn="ctr"/>
+            <a:r>
+              <a:rPr lang="ko-KR" altLang="en-US" sz="1200" dirty="0"/>
+              <a:t>이벤트 발동</a:t>
+            </a:r>
+          </a:p>
+        </p:txBody>
+      </p:sp>
+      <p:sp>
+        <p:nvSpPr>
+          <p:cNvPr id="29" name="직사각형 28">
+            <a:extLst>
+              <a:ext uri="{FF2B5EF4-FFF2-40B4-BE49-F238E27FC236}">
+                <a16:creationId xmlns:a16="http://schemas.microsoft.com/office/drawing/2014/main" id="{9BA9DAC6-9668-4A6D-B461-296C61F9E499}"/>
+              </a:ext>
+            </a:extLst>
+          </p:cNvPr>
+          <p:cNvSpPr/>
+          <p:nvPr/>
+        </p:nvSpPr>
+        <p:spPr>
+          <a:xfrm>
+            <a:off x="8875529" y="2421807"/>
+            <a:ext cx="1258358" cy="430212"/>
+          </a:xfrm>
+          <a:prstGeom prst="rect">
+            <a:avLst/>
+          </a:prstGeom>
+        </p:spPr>
+        <p:style>
+          <a:lnRef idx="2">
+            <a:schemeClr val="accent1">
+              <a:shade val="50000"/>
+            </a:schemeClr>
+          </a:lnRef>
+          <a:fillRef idx="1">
+            <a:schemeClr val="accent1"/>
+          </a:fillRef>
+          <a:effectRef idx="0">
+            <a:schemeClr val="accent1"/>
+          </a:effectRef>
+          <a:fontRef idx="minor">
+            <a:schemeClr val="lt1"/>
+          </a:fontRef>
+        </p:style>
+        <p:txBody>
+          <a:bodyPr rtlCol="0" anchor="ctr"/>
+          <a:lstStyle/>
+          <a:p>
+            <a:pPr algn="ctr"/>
+            <a:r>
+              <a:rPr lang="ko-KR" altLang="en-US" sz="1200" dirty="0"/>
+              <a:t>일반 소환</a:t>
+            </a:r>
+          </a:p>
+        </p:txBody>
+      </p:sp>
+      <p:sp>
+        <p:nvSpPr>
+          <p:cNvPr id="30" name="직사각형 29">
+            <a:extLst>
+              <a:ext uri="{FF2B5EF4-FFF2-40B4-BE49-F238E27FC236}">
+                <a16:creationId xmlns:a16="http://schemas.microsoft.com/office/drawing/2014/main" id="{A3A346BC-DEE6-4F1A-B958-15E2F48BFEC5}"/>
+              </a:ext>
+            </a:extLst>
+          </p:cNvPr>
+          <p:cNvSpPr/>
+          <p:nvPr/>
+        </p:nvSpPr>
+        <p:spPr>
+          <a:xfrm>
+            <a:off x="8875529" y="2927133"/>
+            <a:ext cx="1258358" cy="430212"/>
+          </a:xfrm>
+          <a:prstGeom prst="rect">
+            <a:avLst/>
+          </a:prstGeom>
+        </p:spPr>
+        <p:style>
+          <a:lnRef idx="2">
+            <a:schemeClr val="accent1">
+              <a:shade val="50000"/>
+            </a:schemeClr>
+          </a:lnRef>
+          <a:fillRef idx="1">
+            <a:schemeClr val="accent1"/>
+          </a:fillRef>
+          <a:effectRef idx="0">
+            <a:schemeClr val="accent1"/>
+          </a:effectRef>
+          <a:fontRef idx="minor">
+            <a:schemeClr val="lt1"/>
+          </a:fontRef>
+        </p:style>
+        <p:txBody>
+          <a:bodyPr rtlCol="0" anchor="ctr"/>
+          <a:lstStyle/>
+          <a:p>
+            <a:pPr algn="ctr"/>
+            <a:r>
+              <a:rPr lang="ko-KR" altLang="en-US" sz="1200" dirty="0"/>
+              <a:t>프로모션 소환</a:t>
+            </a:r>
+          </a:p>
+        </p:txBody>
+      </p:sp>
+      <p:sp>
+        <p:nvSpPr>
+          <p:cNvPr id="31" name="직사각형 30">
+            <a:extLst>
+              <a:ext uri="{FF2B5EF4-FFF2-40B4-BE49-F238E27FC236}">
+                <a16:creationId xmlns:a16="http://schemas.microsoft.com/office/drawing/2014/main" id="{083A375E-EAD1-40A2-A6EB-1A08164D047C}"/>
+              </a:ext>
+            </a:extLst>
+          </p:cNvPr>
+          <p:cNvSpPr/>
+          <p:nvPr/>
+        </p:nvSpPr>
+        <p:spPr>
+          <a:xfrm>
+            <a:off x="8610396" y="4638302"/>
+            <a:ext cx="1258358" cy="430212"/>
+          </a:xfrm>
+          <a:prstGeom prst="rect">
+            <a:avLst/>
+          </a:prstGeom>
+        </p:spPr>
+        <p:style>
+          <a:lnRef idx="2">
+            <a:schemeClr val="accent1">
+              <a:shade val="50000"/>
+            </a:schemeClr>
+          </a:lnRef>
+          <a:fillRef idx="1">
+            <a:schemeClr val="accent1"/>
+          </a:fillRef>
+          <a:effectRef idx="0">
+            <a:schemeClr val="accent1"/>
+          </a:effectRef>
+          <a:fontRef idx="minor">
+            <a:schemeClr val="lt1"/>
+          </a:fontRef>
+        </p:style>
+        <p:txBody>
+          <a:bodyPr rtlCol="0" anchor="ctr"/>
+          <a:lstStyle/>
+          <a:p>
+            <a:pPr algn="ctr"/>
+            <a:r>
+              <a:rPr lang="ko-KR" altLang="en-US" sz="1200" dirty="0"/>
+              <a:t>이동 명령</a:t>
+            </a:r>
+          </a:p>
+        </p:txBody>
+      </p:sp>
+      <p:sp>
+        <p:nvSpPr>
+          <p:cNvPr id="32" name="직사각형 31">
+            <a:extLst>
+              <a:ext uri="{FF2B5EF4-FFF2-40B4-BE49-F238E27FC236}">
+                <a16:creationId xmlns:a16="http://schemas.microsoft.com/office/drawing/2014/main" id="{08183475-4D02-47D6-B8EF-C9ABC2DCAC5D}"/>
+              </a:ext>
+            </a:extLst>
+          </p:cNvPr>
+          <p:cNvSpPr/>
+          <p:nvPr/>
+        </p:nvSpPr>
+        <p:spPr>
+          <a:xfrm>
+            <a:off x="8610396" y="5178546"/>
+            <a:ext cx="1258358" cy="430212"/>
+          </a:xfrm>
+          <a:prstGeom prst="rect">
+            <a:avLst/>
+          </a:prstGeom>
+        </p:spPr>
+        <p:style>
+          <a:lnRef idx="2">
+            <a:schemeClr val="accent1">
+              <a:shade val="50000"/>
+            </a:schemeClr>
+          </a:lnRef>
+          <a:fillRef idx="1">
+            <a:schemeClr val="accent1"/>
+          </a:fillRef>
+          <a:effectRef idx="0">
+            <a:schemeClr val="accent1"/>
+          </a:effectRef>
+          <a:fontRef idx="minor">
+            <a:schemeClr val="lt1"/>
+          </a:fontRef>
+        </p:style>
+        <p:txBody>
+          <a:bodyPr rtlCol="0" anchor="ctr"/>
+          <a:lstStyle/>
+          <a:p>
+            <a:pPr algn="ctr"/>
+            <a:r>
+              <a:rPr lang="ko-KR" altLang="en-US" sz="1200" dirty="0"/>
+              <a:t>공격 명령</a:t>
+            </a:r>
+          </a:p>
+        </p:txBody>
+      </p:sp>
+      <p:sp>
+        <p:nvSpPr>
+          <p:cNvPr id="33" name="직사각형 32">
+            <a:extLst>
+              <a:ext uri="{FF2B5EF4-FFF2-40B4-BE49-F238E27FC236}">
+                <a16:creationId xmlns:a16="http://schemas.microsoft.com/office/drawing/2014/main" id="{8B14922C-D3B2-467D-8406-75A81DDF0DB2}"/>
+              </a:ext>
+            </a:extLst>
+          </p:cNvPr>
+          <p:cNvSpPr/>
+          <p:nvPr/>
+        </p:nvSpPr>
+        <p:spPr>
+          <a:xfrm>
+            <a:off x="8610396" y="5710913"/>
+            <a:ext cx="1258358" cy="430212"/>
+          </a:xfrm>
+          <a:prstGeom prst="rect">
+            <a:avLst/>
+          </a:prstGeom>
+        </p:spPr>
+        <p:style>
+          <a:lnRef idx="2">
+            <a:schemeClr val="accent1">
+              <a:shade val="50000"/>
+            </a:schemeClr>
+          </a:lnRef>
+          <a:fillRef idx="1">
+            <a:schemeClr val="accent1"/>
+          </a:fillRef>
+          <a:effectRef idx="0">
+            <a:schemeClr val="accent1"/>
+          </a:effectRef>
+          <a:fontRef idx="minor">
+            <a:schemeClr val="lt1"/>
+          </a:fontRef>
+        </p:style>
+        <p:txBody>
+          <a:bodyPr rtlCol="0" anchor="ctr"/>
+          <a:lstStyle/>
+          <a:p>
+            <a:pPr algn="ctr"/>
+            <a:r>
+              <a:rPr lang="ko-KR" altLang="en-US" sz="1200" dirty="0"/>
+              <a:t>스킬 사용 명령</a:t>
+            </a:r>
+          </a:p>
+        </p:txBody>
+      </p:sp>
+      <p:sp>
+        <p:nvSpPr>
+          <p:cNvPr id="18" name="직사각형 17">
+            <a:extLst>
+              <a:ext uri="{FF2B5EF4-FFF2-40B4-BE49-F238E27FC236}">
+                <a16:creationId xmlns:a16="http://schemas.microsoft.com/office/drawing/2014/main" id="{98446340-2EF9-44C2-8415-DE7D1CC50010}"/>
+              </a:ext>
+            </a:extLst>
+          </p:cNvPr>
+          <p:cNvSpPr/>
+          <p:nvPr/>
+        </p:nvSpPr>
+        <p:spPr>
+          <a:xfrm>
+            <a:off x="3731690" y="2307936"/>
+            <a:ext cx="1258358" cy="430212"/>
+          </a:xfrm>
+          <a:prstGeom prst="rect">
+            <a:avLst/>
+          </a:prstGeom>
+        </p:spPr>
+        <p:style>
+          <a:lnRef idx="2">
+            <a:schemeClr val="accent1">
+              <a:shade val="50000"/>
+            </a:schemeClr>
+          </a:lnRef>
+          <a:fillRef idx="1">
+            <a:schemeClr val="accent1"/>
+          </a:fillRef>
+          <a:effectRef idx="0">
+            <a:schemeClr val="accent1"/>
+          </a:effectRef>
+          <a:fontRef idx="minor">
+            <a:schemeClr val="lt1"/>
+          </a:fontRef>
+        </p:style>
+        <p:txBody>
+          <a:bodyPr rtlCol="0" anchor="ctr"/>
+          <a:lstStyle/>
+          <a:p>
+            <a:pPr algn="ctr"/>
+            <a:r>
+              <a:rPr lang="ko-KR" altLang="en-US" sz="1200" dirty="0"/>
+              <a:t>행동력</a:t>
+            </a:r>
+            <a:endParaRPr lang="en-US" altLang="ko-KR" sz="1200" dirty="0"/>
+          </a:p>
+          <a:p>
+            <a:pPr algn="ctr"/>
+            <a:r>
+              <a:rPr lang="ko-KR" altLang="en-US" sz="1200" dirty="0"/>
+              <a:t>증가 시스템</a:t>
+            </a:r>
+          </a:p>
+        </p:txBody>
+      </p:sp>
+      <p:sp>
+        <p:nvSpPr>
+          <p:cNvPr id="19" name="직사각형 18">
+            <a:extLst>
+              <a:ext uri="{FF2B5EF4-FFF2-40B4-BE49-F238E27FC236}">
+                <a16:creationId xmlns:a16="http://schemas.microsoft.com/office/drawing/2014/main" id="{14F07792-DE00-4C93-B6C6-FAF9258ECF53}"/>
+              </a:ext>
+            </a:extLst>
+          </p:cNvPr>
+          <p:cNvSpPr/>
+          <p:nvPr/>
+        </p:nvSpPr>
+        <p:spPr>
+          <a:xfrm>
+            <a:off x="5580770" y="2272039"/>
+            <a:ext cx="1258358" cy="430212"/>
+          </a:xfrm>
+          <a:prstGeom prst="rect">
+            <a:avLst/>
+          </a:prstGeom>
+        </p:spPr>
+        <p:style>
+          <a:lnRef idx="2">
+            <a:schemeClr val="accent1">
+              <a:shade val="50000"/>
+            </a:schemeClr>
+          </a:lnRef>
+          <a:fillRef idx="1">
+            <a:schemeClr val="accent1"/>
+          </a:fillRef>
+          <a:effectRef idx="0">
+            <a:schemeClr val="accent1"/>
+          </a:effectRef>
+          <a:fontRef idx="minor">
+            <a:schemeClr val="lt1"/>
+          </a:fontRef>
+        </p:style>
+        <p:txBody>
+          <a:bodyPr rtlCol="0" anchor="ctr"/>
+          <a:lstStyle/>
+          <a:p>
+            <a:pPr algn="ctr"/>
+            <a:r>
+              <a:rPr lang="ko-KR" altLang="en-US" sz="1200" dirty="0"/>
+              <a:t>턴 제한 시간 시스템</a:t>
+            </a:r>
+          </a:p>
+        </p:txBody>
+      </p:sp>
+      <p:sp>
+        <p:nvSpPr>
+          <p:cNvPr id="20" name="직사각형 19">
+            <a:extLst>
+              <a:ext uri="{FF2B5EF4-FFF2-40B4-BE49-F238E27FC236}">
+                <a16:creationId xmlns:a16="http://schemas.microsoft.com/office/drawing/2014/main" id="{969E2814-6D95-4A0E-A5F7-06A4A1461E4B}"/>
+              </a:ext>
+            </a:extLst>
+          </p:cNvPr>
+          <p:cNvSpPr/>
+          <p:nvPr/>
+        </p:nvSpPr>
+        <p:spPr>
+          <a:xfrm>
+            <a:off x="718852" y="1282760"/>
+            <a:ext cx="1258358" cy="430212"/>
+          </a:xfrm>
+          <a:prstGeom prst="rect">
+            <a:avLst/>
+          </a:prstGeom>
+        </p:spPr>
+        <p:style>
+          <a:lnRef idx="2">
+            <a:schemeClr val="accent1">
+              <a:shade val="50000"/>
+            </a:schemeClr>
+          </a:lnRef>
+          <a:fillRef idx="1">
+            <a:schemeClr val="accent1"/>
+          </a:fillRef>
+          <a:effectRef idx="0">
+            <a:schemeClr val="accent1"/>
+          </a:effectRef>
+          <a:fontRef idx="minor">
+            <a:schemeClr val="lt1"/>
+          </a:fontRef>
+        </p:style>
+        <p:txBody>
+          <a:bodyPr rtlCol="0" anchor="ctr"/>
+          <a:lstStyle/>
+          <a:p>
+            <a:pPr algn="ctr"/>
+            <a:r>
+              <a:rPr lang="ko-KR" altLang="en-US" sz="1200" dirty="0"/>
+              <a:t>전투 시작</a:t>
+            </a:r>
+          </a:p>
+        </p:txBody>
+      </p:sp>
+      <p:sp>
+        <p:nvSpPr>
+          <p:cNvPr id="21" name="직사각형 20">
+            <a:extLst>
+              <a:ext uri="{FF2B5EF4-FFF2-40B4-BE49-F238E27FC236}">
+                <a16:creationId xmlns:a16="http://schemas.microsoft.com/office/drawing/2014/main" id="{ACF63A43-963C-4213-A0C8-FA3400F0C6EA}"/>
+              </a:ext>
+            </a:extLst>
+          </p:cNvPr>
+          <p:cNvSpPr/>
+          <p:nvPr/>
+        </p:nvSpPr>
+        <p:spPr>
+          <a:xfrm>
+            <a:off x="2047828" y="1318843"/>
+            <a:ext cx="1258358" cy="430212"/>
+          </a:xfrm>
+          <a:prstGeom prst="rect">
+            <a:avLst/>
+          </a:prstGeom>
+        </p:spPr>
+        <p:style>
+          <a:lnRef idx="2">
+            <a:schemeClr val="accent1">
+              <a:shade val="50000"/>
+            </a:schemeClr>
+          </a:lnRef>
+          <a:fillRef idx="1">
+            <a:schemeClr val="accent1"/>
+          </a:fillRef>
+          <a:effectRef idx="0">
+            <a:schemeClr val="accent1"/>
+          </a:effectRef>
+          <a:fontRef idx="minor">
+            <a:schemeClr val="lt1"/>
+          </a:fontRef>
+        </p:style>
+        <p:txBody>
+          <a:bodyPr rtlCol="0" anchor="ctr"/>
+          <a:lstStyle/>
+          <a:p>
+            <a:pPr algn="ctr"/>
+            <a:r>
+              <a:rPr lang="ko-KR" altLang="en-US" sz="1200" dirty="0" err="1"/>
+              <a:t>멀리건</a:t>
+            </a:r>
+            <a:endParaRPr lang="en-US" altLang="ko-KR" sz="1200" dirty="0"/>
+          </a:p>
+        </p:txBody>
+      </p:sp>
+    </p:spTree>
+    <p:extLst>
+      <p:ext uri="{BB962C8B-B14F-4D97-AF65-F5344CB8AC3E}">
+        <p14:creationId xmlns:p14="http://schemas.microsoft.com/office/powerpoint/2010/main" val="361688364"/>
+      </p:ext>
+    </p:extLst>
+  </p:cSld>
+  <p:clrMapOvr>
+    <a:masterClrMapping/>
+  </p:clrMapOvr>
+</p:sld>
+</file>
+
+<file path=ppt/slides/slide9.xml><?xml version="1.0" encoding="utf-8"?>
+<p:sld xmlns:a="http://schemas.openxmlformats.org/drawingml/2006/main" xmlns:r="http://schemas.openxmlformats.org/officeDocument/2006/relationships" xmlns:p="http://schemas.openxmlformats.org/presentationml/2006/main">
+  <p:cSld>
+    <p:spTree>
+      <p:nvGrpSpPr>
+        <p:cNvPr id="1" name="">
+          <a:extLst>
+            <a:ext uri="{FF2B5EF4-FFF2-40B4-BE49-F238E27FC236}">
+              <a16:creationId xmlns:a16="http://schemas.microsoft.com/office/drawing/2014/main" id="{D21DAEA7-79E3-502E-509C-DF5DDCA8B6BC}"/>
+            </a:ext>
+          </a:extLst>
+        </p:cNvPr>
+        <p:cNvGrpSpPr/>
+        <p:nvPr/>
+      </p:nvGrpSpPr>
+      <p:grpSpPr>
+        <a:xfrm>
+          <a:off x="0" y="0"/>
+          <a:ext cx="0" cy="0"/>
+          <a:chOff x="0" y="0"/>
+          <a:chExt cx="0" cy="0"/>
+        </a:xfrm>
+      </p:grpSpPr>
+      <p:sp>
+        <p:nvSpPr>
+          <p:cNvPr id="4" name="제목 1">
+            <a:extLst>
+              <a:ext uri="{FF2B5EF4-FFF2-40B4-BE49-F238E27FC236}">
+                <a16:creationId xmlns:a16="http://schemas.microsoft.com/office/drawing/2014/main" id="{636482B7-5B29-4FB0-B905-DE64440A7328}"/>
+              </a:ext>
+            </a:extLst>
+          </p:cNvPr>
+          <p:cNvSpPr txBox="1">
+            <a:spLocks/>
+          </p:cNvSpPr>
+          <p:nvPr/>
+        </p:nvSpPr>
+        <p:spPr>
+          <a:xfrm>
+            <a:off x="695324" y="387600"/>
+            <a:ext cx="10801351" cy="628400"/>
+          </a:xfrm>
+          <a:prstGeom prst="rect">
+            <a:avLst/>
+          </a:prstGeom>
+        </p:spPr>
+        <p:txBody>
+          <a:bodyPr vert="horz" lIns="91440" tIns="45720" rIns="91440" bIns="45720" rtlCol="0" anchor="ctr">
+            <a:normAutofit/>
+          </a:bodyPr>
+          <a:lstStyle>
+            <a:lvl1pPr algn="ctr" defTabSz="914400" rtl="0" eaLnBrk="1" latinLnBrk="1" hangingPunct="1">
+              <a:lnSpc>
+                <a:spcPct val="90000"/>
+              </a:lnSpc>
+              <a:spcBef>
+                <a:spcPct val="0"/>
+              </a:spcBef>
+              <a:buNone/>
+              <a:defRPr sz="6000" kern="1200">
+                <a:solidFill>
+                  <a:schemeClr val="tx1"/>
+                </a:solidFill>
+                <a:latin typeface="+mj-lt"/>
+                <a:ea typeface="+mj-ea"/>
+                <a:cs typeface="+mj-cs"/>
+              </a:defRPr>
+            </a:lvl1pPr>
+          </a:lstStyle>
+          <a:p>
+            <a:pPr algn="l">
+              <a:lnSpc>
+                <a:spcPct val="100000"/>
+              </a:lnSpc>
+            </a:pPr>
+            <a:r>
+              <a:rPr lang="ko-KR" altLang="en-US" sz="3200" dirty="0"/>
               <a:t>플레이어 턴</a:t>
             </a:r>
             <a:r>
@@ -8368,14 +9936,14 @@
           <p:nvPr>
             <p:extLst>
               <p:ext uri="{D42A27DB-BD31-4B8C-83A1-F6EECF244321}">
-                <p14:modId xmlns:p14="http://schemas.microsoft.com/office/powerpoint/2010/main" val="1582485939"/>
+                <p14:modId xmlns:p14="http://schemas.microsoft.com/office/powerpoint/2010/main" val="2495981016"/>
               </p:ext>
             </p:extLst>
           </p:nvPr>
         </p:nvGraphicFramePr>
         <p:xfrm>
-          <a:off x="1055528" y="4957128"/>
-          <a:ext cx="10080943" cy="1280160"/>
+          <a:off x="1055528" y="4774248"/>
+          <a:ext cx="10080943" cy="1463040"/>
         </p:xfrm>
         <a:graphic>
           <a:graphicData uri="http://schemas.openxmlformats.org/drawingml/2006/table">
@@ -8405,71 +9973,7 @@
                             <a:schemeClr val="tx1"/>
                           </a:solidFill>
                         </a:rPr>
-                        <a:t>플레이어의 행동</a:t>
-                      </a:r>
-                      <a:r>
-                        <a:rPr lang="en-US" altLang="ko-KR" sz="1400" b="0" dirty="0">
-                          <a:solidFill>
-                            <a:schemeClr val="tx1"/>
-                          </a:solidFill>
-                        </a:rPr>
-                        <a:t>(</a:t>
-                      </a:r>
-                      <a:r>
-                        <a:rPr lang="ko-KR" altLang="en-US" sz="1400" b="0" dirty="0">
-                          <a:solidFill>
-                            <a:schemeClr val="tx1"/>
-                          </a:solidFill>
-                        </a:rPr>
-                        <a:t>카드 사용</a:t>
-                      </a:r>
-                      <a:r>
-                        <a:rPr lang="en-US" altLang="ko-KR" sz="1400" b="0" dirty="0">
-                          <a:solidFill>
-                            <a:schemeClr val="tx1"/>
-                          </a:solidFill>
-                        </a:rPr>
-                        <a:t>, </a:t>
-                      </a:r>
-                      <a:r>
-                        <a:rPr lang="ko-KR" altLang="en-US" sz="1400" b="0" dirty="0">
-                          <a:solidFill>
-                            <a:schemeClr val="tx1"/>
-                          </a:solidFill>
-                        </a:rPr>
-                        <a:t>기물 명령 등</a:t>
-                      </a:r>
-                      <a:r>
-                        <a:rPr lang="en-US" altLang="ko-KR" sz="1400" b="0" dirty="0">
-                          <a:solidFill>
-                            <a:schemeClr val="tx1"/>
-                          </a:solidFill>
-                        </a:rPr>
-                        <a:t>)</a:t>
-                      </a:r>
-                      <a:r>
-                        <a:rPr lang="ko-KR" altLang="en-US" sz="1400" b="0" dirty="0">
-                          <a:solidFill>
-                            <a:schemeClr val="tx1"/>
-                          </a:solidFill>
-                        </a:rPr>
-                        <a:t>에</a:t>
-                      </a:r>
-                      <a:r>
-                        <a:rPr lang="en-US" altLang="ko-KR" sz="1400" b="0" dirty="0">
-                          <a:solidFill>
-                            <a:schemeClr val="tx1"/>
-                          </a:solidFill>
-                        </a:rPr>
-                        <a:t> </a:t>
-                      </a:r>
-                      <a:r>
-                        <a:rPr lang="ko-KR" altLang="en-US" sz="1400" b="0" dirty="0">
-                          <a:solidFill>
-                            <a:schemeClr val="tx1"/>
-                          </a:solidFill>
-                        </a:rPr>
-                        <a:t>자원이 필요하게 하는 시스템이다</a:t>
+                        <a:t>전투 시작 시 첫 손패 카드를 다시 뽑을 수 있는 시스템이다</a:t>
                       </a:r>
                       <a:r>
                         <a:rPr lang="en-US" altLang="ko-KR" sz="1400" b="0" dirty="0">
@@ -8641,7 +10145,7 @@
                             <a:schemeClr val="tx1"/>
                           </a:solidFill>
                         </a:rPr>
-                        <a:t>플레이어의 모든 행동에 행동력이 필요하며</a:t>
+                        <a:t>전략 카드 게임에서 첫 손패에 잡힌 카드에 따라서 승패와 즉결되는 되기도 할 정도로 중요한 요소이다</a:t>
                       </a:r>
                       <a:r>
                         <a:rPr lang="en-US" altLang="ko-KR" sz="1200" b="0" dirty="0">
@@ -8649,7 +10153,7 @@
                             <a:schemeClr val="tx1"/>
                           </a:solidFill>
                         </a:rPr>
-                        <a:t>, </a:t>
+                        <a:t>. </a:t>
                       </a:r>
                       <a:r>
                         <a:rPr lang="ko-KR" altLang="en-US" sz="1200" b="0" dirty="0">
@@ -8657,7 +10161,7 @@
                             <a:schemeClr val="tx1"/>
                           </a:solidFill>
                         </a:rPr>
-                        <a:t>행동력이 순차적으로 상승하여 전투의 흐림이 서서히 증가하게 기획하였다</a:t>
+                        <a:t>하지만 첫 손패에 잡히는 카드는 순전히 운에 따라서 결정되며</a:t>
                       </a:r>
                       <a:r>
                         <a:rPr lang="en-US" altLang="ko-KR" sz="1200" b="0" dirty="0">
@@ -8665,18 +10169,15 @@
                             <a:schemeClr val="tx1"/>
                           </a:solidFill>
                         </a:rPr>
-                        <a:t>.</a:t>
+                        <a:t>,</a:t>
                       </a:r>
-                    </a:p>
-                    <a:p>
-                      <a:pPr latinLnBrk="1"/>
                       <a:r>
                         <a:rPr lang="ko-KR" altLang="en-US" sz="1200" b="0" dirty="0">
                           <a:solidFill>
                             <a:schemeClr val="tx1"/>
                           </a:solidFill>
                         </a:rPr>
-                        <a:t>또한</a:t>
+                        <a:t> 첫 손패에 카드로 인하여 전투에서 패배할 경우는 플레이어에게 불쾌한 경험이다</a:t>
                       </a:r>
                       <a:r>
                         <a:rPr lang="en-US" altLang="ko-KR" sz="1200" b="0" dirty="0">
@@ -8684,7 +10185,7 @@
                             <a:schemeClr val="tx1"/>
                           </a:solidFill>
                         </a:rPr>
-                        <a:t>, </a:t>
+                        <a:t>. </a:t>
                       </a:r>
                       <a:r>
                         <a:rPr lang="ko-KR" altLang="en-US" sz="1200" b="0" dirty="0">
@@ -8692,7 +10193,7 @@
                             <a:schemeClr val="tx1"/>
                           </a:solidFill>
                         </a:rPr>
-                        <a:t>게임 후반 플레이어가 과도한 행동력으로 인하여 전투가 한순간에 끝나는 것을 방지하기 위하여 행동력의 제한하였다</a:t>
+                        <a:t>그렇기에 첫 손패에 카드에서 원하는 카드를 골라 덱에 넣고 다시 뽑을 수 있는 해당 시스템을 채용하였다</a:t>
                       </a:r>
                       <a:r>
                         <a:rPr lang="en-US" altLang="ko-KR" sz="1200" b="0" dirty="0">
@@ -8750,427 +10251,6 @@
     <p:extLst>
       <p:ext uri="{BB962C8B-B14F-4D97-AF65-F5344CB8AC3E}">
         <p14:creationId xmlns:p14="http://schemas.microsoft.com/office/powerpoint/2010/main" val="1018223298"/>
-      </p:ext>
-    </p:extLst>
-  </p:cSld>
-  <p:clrMapOvr>
-    <a:masterClrMapping/>
-  </p:clrMapOvr>
-</p:sld>
-</file>
-
-<file path=ppt/slides/slide9.xml><?xml version="1.0" encoding="utf-8"?>
-<p:sld xmlns:a="http://schemas.openxmlformats.org/drawingml/2006/main" xmlns:r="http://schemas.openxmlformats.org/officeDocument/2006/relationships" xmlns:p="http://schemas.openxmlformats.org/presentationml/2006/main">
-  <p:cSld>
-    <p:spTree>
-      <p:nvGrpSpPr>
-        <p:cNvPr id="1" name="">
-          <a:extLst>
-            <a:ext uri="{FF2B5EF4-FFF2-40B4-BE49-F238E27FC236}">
-              <a16:creationId xmlns:a16="http://schemas.microsoft.com/office/drawing/2014/main" id="{D21DAEA7-79E3-502E-509C-DF5DDCA8B6BC}"/>
-            </a:ext>
-          </a:extLst>
-        </p:cNvPr>
-        <p:cNvGrpSpPr/>
-        <p:nvPr/>
-      </p:nvGrpSpPr>
-      <p:grpSpPr>
-        <a:xfrm>
-          <a:off x="0" y="0"/>
-          <a:ext cx="0" cy="0"/>
-          <a:chOff x="0" y="0"/>
-          <a:chExt cx="0" cy="0"/>
-        </a:xfrm>
-      </p:grpSpPr>
-      <p:sp>
-        <p:nvSpPr>
-          <p:cNvPr id="4" name="제목 1">
-            <a:extLst>
-              <a:ext uri="{FF2B5EF4-FFF2-40B4-BE49-F238E27FC236}">
-                <a16:creationId xmlns:a16="http://schemas.microsoft.com/office/drawing/2014/main" id="{636482B7-5B29-4FB0-B905-DE64440A7328}"/>
-              </a:ext>
-            </a:extLst>
-          </p:cNvPr>
-          <p:cNvSpPr txBox="1">
-            <a:spLocks/>
-          </p:cNvSpPr>
-          <p:nvPr/>
-        </p:nvSpPr>
-        <p:spPr>
-          <a:xfrm>
-            <a:off x="695324" y="387600"/>
-            <a:ext cx="10801351" cy="628400"/>
-          </a:xfrm>
-          <a:prstGeom prst="rect">
-            <a:avLst/>
-          </a:prstGeom>
-        </p:spPr>
-        <p:txBody>
-          <a:bodyPr vert="horz" lIns="91440" tIns="45720" rIns="91440" bIns="45720" rtlCol="0" anchor="ctr">
-            <a:normAutofit/>
-          </a:bodyPr>
-          <a:lstStyle>
-            <a:lvl1pPr algn="ctr" defTabSz="914400" rtl="0" eaLnBrk="1" latinLnBrk="1" hangingPunct="1">
-              <a:lnSpc>
-                <a:spcPct val="90000"/>
-              </a:lnSpc>
-              <a:spcBef>
-                <a:spcPct val="0"/>
-              </a:spcBef>
-              <a:buNone/>
-              <a:defRPr sz="6000" kern="1200">
-                <a:solidFill>
-                  <a:schemeClr val="tx1"/>
-                </a:solidFill>
-                <a:latin typeface="+mj-lt"/>
-                <a:ea typeface="+mj-ea"/>
-                <a:cs typeface="+mj-cs"/>
-              </a:defRPr>
-            </a:lvl1pPr>
-          </a:lstStyle>
-          <a:p>
-            <a:pPr algn="l">
-              <a:lnSpc>
-                <a:spcPct val="100000"/>
-              </a:lnSpc>
-            </a:pPr>
-            <a:r>
-              <a:rPr lang="ko-KR" altLang="en-US" sz="3200" dirty="0"/>
-              <a:t>플레이어 턴</a:t>
-            </a:r>
-            <a:r>
-              <a:rPr lang="en-US" altLang="ko-KR" sz="3200" dirty="0"/>
-              <a:t>–</a:t>
-            </a:r>
-            <a:r>
-              <a:rPr lang="en-US" altLang="ko-KR" sz="2800" dirty="0"/>
-              <a:t> </a:t>
-            </a:r>
-            <a:r>
-              <a:rPr lang="ko-KR" altLang="en-US" sz="2400" dirty="0"/>
-              <a:t>기물 소환 시스템</a:t>
-            </a:r>
-            <a:endParaRPr lang="en-US" altLang="ko-KR" sz="3200" dirty="0"/>
-          </a:p>
-        </p:txBody>
-      </p:sp>
-      <p:graphicFrame>
-        <p:nvGraphicFramePr>
-          <p:cNvPr id="18" name="표 17">
-            <a:extLst>
-              <a:ext uri="{FF2B5EF4-FFF2-40B4-BE49-F238E27FC236}">
-                <a16:creationId xmlns:a16="http://schemas.microsoft.com/office/drawing/2014/main" id="{F64BB153-38B9-4099-B10D-B1D00AAA2FD5}"/>
-              </a:ext>
-            </a:extLst>
-          </p:cNvPr>
-          <p:cNvGraphicFramePr>
-            <a:graphicFrameLocks noGrp="1"/>
-          </p:cNvGraphicFramePr>
-          <p:nvPr>
-            <p:extLst>
-              <p:ext uri="{D42A27DB-BD31-4B8C-83A1-F6EECF244321}">
-                <p14:modId xmlns:p14="http://schemas.microsoft.com/office/powerpoint/2010/main" val="3718663982"/>
-              </p:ext>
-            </p:extLst>
-          </p:nvPr>
-        </p:nvGraphicFramePr>
-        <p:xfrm>
-          <a:off x="1055528" y="4957128"/>
-          <a:ext cx="10080943" cy="1280160"/>
-        </p:xfrm>
-        <a:graphic>
-          <a:graphicData uri="http://schemas.openxmlformats.org/drawingml/2006/table">
-            <a:tbl>
-              <a:tblPr firstRow="1" bandRow="1">
-                <a:tableStyleId>{5C22544A-7EE6-4342-B048-85BDC9FD1C3A}</a:tableStyleId>
-              </a:tblPr>
-              <a:tblGrid>
-                <a:gridCol w="10080943">
-                  <a:extLst>
-                    <a:ext uri="{9D8B030D-6E8A-4147-A177-3AD203B41FA5}">
-                      <a16:colId xmlns:a16="http://schemas.microsoft.com/office/drawing/2014/main" val="2619519810"/>
-                    </a:ext>
-                  </a:extLst>
-                </a:gridCol>
-              </a:tblGrid>
-              <a:tr h="0">
-                <a:tc>
-                  <a:txBody>
-                    <a:bodyPr/>
-                    <a:lstStyle/>
-                    <a:p>
-                      <a:pPr latinLnBrk="1"/>
-                      <a:r>
-                        <a:rPr lang="ko-KR" altLang="en-US" sz="1400" b="0" dirty="0">
-                          <a:solidFill>
-                            <a:schemeClr val="tx1"/>
-                          </a:solidFill>
-                        </a:rPr>
-                        <a:t>플레이어가 손패에 기물 카드를 필드에 소환하는 시스템이다</a:t>
-                      </a:r>
-                      <a:r>
-                        <a:rPr lang="en-US" altLang="ko-KR" sz="1400" b="0" dirty="0">
-                          <a:solidFill>
-                            <a:schemeClr val="tx1"/>
-                          </a:solidFill>
-                        </a:rPr>
-                        <a:t>.</a:t>
-                      </a:r>
-                      <a:endParaRPr lang="ko-KR" altLang="en-US" sz="1400" b="0" dirty="0">
-                        <a:solidFill>
-                          <a:schemeClr val="tx1"/>
-                        </a:solidFill>
-                      </a:endParaRPr>
-                    </a:p>
-                  </a:txBody>
-                  <a:tcPr>
-                    <a:lnL w="12700" cmpd="sng">
-                      <a:noFill/>
-                    </a:lnL>
-                    <a:lnR w="12700" cmpd="sng">
-                      <a:noFill/>
-                    </a:lnR>
-                    <a:lnT w="12700" cap="flat" cmpd="sng" algn="ctr">
-                      <a:noFill/>
-                      <a:prstDash val="solid"/>
-                      <a:round/>
-                      <a:headEnd type="none" w="med" len="med"/>
-                      <a:tailEnd type="none" w="med" len="med"/>
-                    </a:lnT>
-                    <a:lnB w="12700" cap="flat" cmpd="sng" algn="ctr">
-                      <a:solidFill>
-                        <a:schemeClr val="tx1"/>
-                      </a:solidFill>
-                      <a:prstDash val="solid"/>
-                      <a:round/>
-                      <a:headEnd type="none" w="med" len="med"/>
-                      <a:tailEnd type="none" w="med" len="med"/>
-                    </a:lnB>
-                    <a:lnTlToBr w="12700" cmpd="sng">
-                      <a:noFill/>
-                      <a:prstDash val="solid"/>
-                    </a:lnTlToBr>
-                    <a:lnBlToTr w="12700" cmpd="sng">
-                      <a:noFill/>
-                      <a:prstDash val="solid"/>
-                    </a:lnBlToTr>
-                    <a:noFill/>
-                  </a:tcPr>
-                </a:tc>
-                <a:extLst>
-                  <a:ext uri="{0D108BD9-81ED-4DB2-BD59-A6C34878D82A}">
-                    <a16:rowId xmlns:a16="http://schemas.microsoft.com/office/drawing/2014/main" val="1453759622"/>
-                  </a:ext>
-                </a:extLst>
-              </a:tr>
-              <a:tr h="0">
-                <a:tc>
-                  <a:txBody>
-                    <a:bodyPr/>
-                    <a:lstStyle/>
-                    <a:p>
-                      <a:pPr marL="0" marR="0" lvl="0" indent="0" algn="l" defTabSz="914400" rtl="0" eaLnBrk="1" fontAlgn="auto" latinLnBrk="1" hangingPunct="1">
-                        <a:lnSpc>
-                          <a:spcPct val="100000"/>
-                        </a:lnSpc>
-                        <a:spcBef>
-                          <a:spcPts val="0"/>
-                        </a:spcBef>
-                        <a:spcAft>
-                          <a:spcPts val="0"/>
-                        </a:spcAft>
-                        <a:buClrTx/>
-                        <a:buSzTx/>
-                        <a:buFontTx/>
-                        <a:buNone/>
-                        <a:tabLst/>
-                        <a:defRPr/>
-                      </a:pPr>
-                      <a:endParaRPr lang="en-US" altLang="ko-KR" sz="1400" b="1" dirty="0">
-                        <a:solidFill>
-                          <a:schemeClr val="tx1"/>
-                        </a:solidFill>
-                      </a:endParaRPr>
-                    </a:p>
-                    <a:p>
-                      <a:pPr marL="0" marR="0" lvl="0" indent="0" algn="l" defTabSz="914400" rtl="0" eaLnBrk="1" fontAlgn="auto" latinLnBrk="1" hangingPunct="1">
-                        <a:lnSpc>
-                          <a:spcPct val="100000"/>
-                        </a:lnSpc>
-                        <a:spcBef>
-                          <a:spcPts val="0"/>
-                        </a:spcBef>
-                        <a:spcAft>
-                          <a:spcPts val="0"/>
-                        </a:spcAft>
-                        <a:buClrTx/>
-                        <a:buSzTx/>
-                        <a:buFontTx/>
-                        <a:buNone/>
-                        <a:tabLst/>
-                        <a:defRPr/>
-                      </a:pPr>
-                      <a:r>
-                        <a:rPr lang="ko-KR" altLang="en-US" sz="1400" b="1" dirty="0">
-                          <a:solidFill>
-                            <a:schemeClr val="tx1"/>
-                          </a:solidFill>
-                        </a:rPr>
-                        <a:t>기획 의도</a:t>
-                      </a:r>
-                      <a:endParaRPr lang="en-US" altLang="ko-KR" sz="1400" b="1" dirty="0">
-                        <a:solidFill>
-                          <a:schemeClr val="tx1"/>
-                        </a:solidFill>
-                      </a:endParaRPr>
-                    </a:p>
-                  </a:txBody>
-                  <a:tcPr anchor="ctr">
-                    <a:lnL w="12700" cmpd="sng">
-                      <a:noFill/>
-                    </a:lnL>
-                    <a:lnR w="12700" cmpd="sng">
-                      <a:noFill/>
-                    </a:lnR>
-                    <a:lnT w="12700" cap="flat" cmpd="sng" algn="ctr">
-                      <a:solidFill>
-                        <a:schemeClr val="tx1"/>
-                      </a:solidFill>
-                      <a:prstDash val="solid"/>
-                      <a:round/>
-                      <a:headEnd type="none" w="med" len="med"/>
-                      <a:tailEnd type="none" w="med" len="med"/>
-                    </a:lnT>
-                    <a:lnB w="12700" cap="flat" cmpd="sng" algn="ctr">
-                      <a:noFill/>
-                      <a:prstDash val="solid"/>
-                      <a:round/>
-                      <a:headEnd type="none" w="med" len="med"/>
-                      <a:tailEnd type="none" w="med" len="med"/>
-                    </a:lnB>
-                    <a:lnTlToBr w="12700" cmpd="sng">
-                      <a:noFill/>
-                      <a:prstDash val="solid"/>
-                    </a:lnTlToBr>
-                    <a:lnBlToTr w="12700" cmpd="sng">
-                      <a:noFill/>
-                      <a:prstDash val="solid"/>
-                    </a:lnBlToTr>
-                    <a:noFill/>
-                  </a:tcPr>
-                </a:tc>
-                <a:extLst>
-                  <a:ext uri="{0D108BD9-81ED-4DB2-BD59-A6C34878D82A}">
-                    <a16:rowId xmlns:a16="http://schemas.microsoft.com/office/drawing/2014/main" val="824188820"/>
-                  </a:ext>
-                </a:extLst>
-              </a:tr>
-              <a:tr h="0">
-                <a:tc>
-                  <a:txBody>
-                    <a:bodyPr/>
-                    <a:lstStyle/>
-                    <a:p>
-                      <a:pPr latinLnBrk="1"/>
-                      <a:r>
-                        <a:rPr lang="ko-KR" altLang="en-US" sz="1200" b="0" dirty="0">
-                          <a:solidFill>
-                            <a:schemeClr val="tx1"/>
-                          </a:solidFill>
-                        </a:rPr>
-                        <a:t>기물의 클래스에 따라서 소환할 수 있는 숫자의 제한을 두어 필드에 과도하게 많은 숫자의 기물이 존재하는 상황을 방지할 수 있게 기획하였다</a:t>
-                      </a:r>
-                      <a:r>
-                        <a:rPr lang="en-US" altLang="ko-KR" sz="1200" b="0" dirty="0">
-                          <a:solidFill>
-                            <a:schemeClr val="tx1"/>
-                          </a:solidFill>
-                        </a:rPr>
-                        <a:t>.</a:t>
-                      </a:r>
-                    </a:p>
-                    <a:p>
-                      <a:pPr latinLnBrk="1"/>
-                      <a:r>
-                        <a:rPr lang="ko-KR" altLang="en-US" sz="1200" b="0" dirty="0">
-                          <a:solidFill>
-                            <a:schemeClr val="tx1"/>
-                          </a:solidFill>
-                        </a:rPr>
-                        <a:t>또한</a:t>
-                      </a:r>
-                      <a:r>
-                        <a:rPr lang="en-US" altLang="ko-KR" sz="1200" b="0" dirty="0">
-                          <a:solidFill>
-                            <a:schemeClr val="tx1"/>
-                          </a:solidFill>
-                        </a:rPr>
-                        <a:t>, </a:t>
-                      </a:r>
-                      <a:r>
-                        <a:rPr lang="ko-KR" altLang="en-US" sz="1200" b="0" dirty="0">
-                          <a:solidFill>
-                            <a:schemeClr val="tx1"/>
-                          </a:solidFill>
-                        </a:rPr>
-                        <a:t>기물을 소할 수 있는 장소를 제한 하여 플레이어가 기물을 적진에 소환하여 기습하는 상황을 방지할 수 있게 기획하였다</a:t>
-                      </a:r>
-                      <a:r>
-                        <a:rPr lang="en-US" altLang="ko-KR" sz="1200" b="0" dirty="0">
-                          <a:solidFill>
-                            <a:schemeClr val="tx1"/>
-                          </a:solidFill>
-                        </a:rPr>
-                        <a:t>.</a:t>
-                      </a:r>
-                    </a:p>
-                  </a:txBody>
-                  <a:tcPr anchor="ctr">
-                    <a:lnL w="12700" cmpd="sng">
-                      <a:noFill/>
-                    </a:lnL>
-                    <a:lnR w="12700" cmpd="sng">
-                      <a:noFill/>
-                    </a:lnR>
-                    <a:lnT w="12700" cap="flat" cmpd="sng" algn="ctr">
-                      <a:noFill/>
-                      <a:prstDash val="solid"/>
-                      <a:round/>
-                      <a:headEnd type="none" w="med" len="med"/>
-                      <a:tailEnd type="none" w="med" len="med"/>
-                    </a:lnT>
-                    <a:lnB w="12700" cap="flat" cmpd="sng" algn="ctr">
-                      <a:noFill/>
-                      <a:prstDash val="solid"/>
-                      <a:round/>
-                      <a:headEnd type="none" w="med" len="med"/>
-                      <a:tailEnd type="none" w="med" len="med"/>
-                    </a:lnB>
-                    <a:lnTlToBr w="12700" cmpd="sng">
-                      <a:noFill/>
-                      <a:prstDash val="solid"/>
-                    </a:lnTlToBr>
-                    <a:lnBlToTr w="12700" cmpd="sng">
-                      <a:noFill/>
-                      <a:prstDash val="solid"/>
-                    </a:lnBlToTr>
-                    <a:noFill/>
-                  </a:tcPr>
-                </a:tc>
-                <a:extLst>
-                  <a:ext uri="{0D108BD9-81ED-4DB2-BD59-A6C34878D82A}">
-                    <a16:rowId xmlns:a16="http://schemas.microsoft.com/office/drawing/2014/main" val="2690906204"/>
-                  </a:ext>
-                </a:extLst>
-              </a:tr>
-            </a:tbl>
-          </a:graphicData>
-        </a:graphic>
-      </p:graphicFrame>
-    </p:spTree>
-    <p:extLst>
-      <p:ext uri="{BB962C8B-B14F-4D97-AF65-F5344CB8AC3E}">
-        <p14:creationId xmlns:p14="http://schemas.microsoft.com/office/powerpoint/2010/main" val="1615701792"/>
       </p:ext>
     </p:extLst>
   </p:cSld>

--- a/기획/체스/체스 전투 시스템 기획서.pptx
+++ b/기획/체스/체스 전투 시스템 기획서.pptx
@@ -320,7 +320,7 @@
           <a:p>
             <a:fld id="{4E9214C1-2863-45BA-A7C5-D5EA3C3D4C30}" type="datetimeFigureOut">
               <a:rPr lang="ko-KR" altLang="en-US" smtClean="0"/>
-              <a:t>2025-03-06</a:t>
+              <a:t>2025-03-07</a:t>
             </a:fld>
             <a:endParaRPr lang="ko-KR" altLang="en-US"/>
           </a:p>
@@ -485,7 +485,7 @@
           <a:p>
             <a:fld id="{8F563C85-90F6-445D-9B5B-8ABB00FB3043}" type="datetimeFigureOut">
               <a:rPr lang="ko-KR" altLang="en-US" smtClean="0"/>
-              <a:t>2025-03-06</a:t>
+              <a:t>2025-03-07</a:t>
             </a:fld>
             <a:endParaRPr lang="ko-KR" altLang="en-US"/>
           </a:p>
@@ -976,7 +976,7 @@
             </a:pPr>
             <a:fld id="{B9320F77-B9A0-41C5-862A-B4B631284C64}" type="datetime1">
               <a:rPr lang="en-GB" altLang="en-US"/>
-              <a:t>06/03/2025</a:t>
+              <a:t>07/03/2025</a:t>
             </a:fld>
             <a:endParaRPr lang="ko-KR" altLang="en-US"/>
           </a:p>
@@ -1176,7 +1176,7 @@
             </a:pPr>
             <a:fld id="{B9320F77-B9A0-41C5-862A-B4B631284C64}" type="datetime1">
               <a:rPr lang="en-GB" altLang="en-US"/>
-              <a:t>06/03/2025</a:t>
+              <a:t>07/03/2025</a:t>
             </a:fld>
             <a:endParaRPr lang="ko-KR" altLang="en-US"/>
           </a:p>
@@ -1376,7 +1376,7 @@
             </a:pPr>
             <a:fld id="{B9320F77-B9A0-41C5-862A-B4B631284C64}" type="datetime1">
               <a:rPr lang="en-GB" altLang="en-US"/>
-              <a:t>06/03/2025</a:t>
+              <a:t>07/03/2025</a:t>
             </a:fld>
             <a:endParaRPr lang="ko-KR" altLang="en-US"/>
           </a:p>
@@ -1576,7 +1576,7 @@
             </a:pPr>
             <a:fld id="{B9320F77-B9A0-41C5-862A-B4B631284C64}" type="datetime1">
               <a:rPr lang="en-GB" altLang="en-US"/>
-              <a:t>06/03/2025</a:t>
+              <a:t>07/03/2025</a:t>
             </a:fld>
             <a:endParaRPr lang="ko-KR" altLang="en-US"/>
           </a:p>
@@ -1842,7 +1842,7 @@
             </a:pPr>
             <a:fld id="{B9320F77-B9A0-41C5-862A-B4B631284C64}" type="datetime1">
               <a:rPr lang="en-GB" altLang="en-US"/>
-              <a:t>06/03/2025</a:t>
+              <a:t>07/03/2025</a:t>
             </a:fld>
             <a:endParaRPr lang="ko-KR" altLang="en-US"/>
           </a:p>
@@ -2098,7 +2098,7 @@
             </a:pPr>
             <a:fld id="{B9320F77-B9A0-41C5-862A-B4B631284C64}" type="datetime1">
               <a:rPr lang="en-GB" altLang="en-US"/>
-              <a:t>06/03/2025</a:t>
+              <a:t>07/03/2025</a:t>
             </a:fld>
             <a:endParaRPr lang="ko-KR" altLang="en-US"/>
           </a:p>
@@ -2484,7 +2484,7 @@
             </a:pPr>
             <a:fld id="{B9320F77-B9A0-41C5-862A-B4B631284C64}" type="datetime1">
               <a:rPr lang="en-GB" altLang="en-US"/>
-              <a:t>06/03/2025</a:t>
+              <a:t>07/03/2025</a:t>
             </a:fld>
             <a:endParaRPr lang="ko-KR" altLang="en-US"/>
           </a:p>
@@ -2628,7 +2628,7 @@
             </a:pPr>
             <a:fld id="{B9320F77-B9A0-41C5-862A-B4B631284C64}" type="datetime1">
               <a:rPr lang="en-GB" altLang="en-US"/>
-              <a:t>06/03/2025</a:t>
+              <a:t>07/03/2025</a:t>
             </a:fld>
             <a:endParaRPr lang="ko-KR" altLang="en-US"/>
           </a:p>
@@ -2745,7 +2745,7 @@
             </a:pPr>
             <a:fld id="{B9320F77-B9A0-41C5-862A-B4B631284C64}" type="datetime1">
               <a:rPr lang="en-GB" altLang="en-US"/>
-              <a:t>06/03/2025</a:t>
+              <a:t>07/03/2025</a:t>
             </a:fld>
             <a:endParaRPr lang="ko-KR" altLang="en-US"/>
           </a:p>
@@ -3042,7 +3042,7 @@
             </a:pPr>
             <a:fld id="{B9320F77-B9A0-41C5-862A-B4B631284C64}" type="datetime1">
               <a:rPr lang="en-GB" altLang="en-US"/>
-              <a:t>06/03/2025</a:t>
+              <a:t>07/03/2025</a:t>
             </a:fld>
             <a:endParaRPr lang="ko-KR" altLang="en-US"/>
           </a:p>
@@ -3316,7 +3316,7 @@
             </a:pPr>
             <a:fld id="{B9320F77-B9A0-41C5-862A-B4B631284C64}" type="datetime1">
               <a:rPr lang="en-GB" altLang="en-US"/>
-              <a:t>06/03/2025</a:t>
+              <a:t>07/03/2025</a:t>
             </a:fld>
             <a:endParaRPr lang="ko-KR" altLang="en-US"/>
           </a:p>
@@ -3546,7 +3546,7 @@
             </a:pPr>
             <a:fld id="{B9320F77-B9A0-41C5-862A-B4B631284C64}" type="datetime1">
               <a:rPr lang="en-GB" altLang="en-US"/>
-              <a:t>06/03/2025</a:t>
+              <a:t>07/03/2025</a:t>
             </a:fld>
             <a:endParaRPr lang="ko-KR" altLang="en-US"/>
           </a:p>
@@ -4578,7 +4578,7 @@
           <p:nvPr>
             <p:extLst>
               <p:ext uri="{D42A27DB-BD31-4B8C-83A1-F6EECF244321}">
-                <p14:modId xmlns:p14="http://schemas.microsoft.com/office/powerpoint/2010/main" val="3791478119"/>
+                <p14:modId xmlns:p14="http://schemas.microsoft.com/office/powerpoint/2010/main" val="1377621446"/>
               </p:ext>
             </p:extLst>
           </p:nvPr>
@@ -4795,7 +4795,7 @@
                             <a:schemeClr val="tx1"/>
                           </a:solidFill>
                         </a:rPr>
-                        <a:t>라는 큰 필드는 가지는 해당 게임의 특징상 필드를 한번에 보여줄 경우 플레이어가 필드 상황을 파악하기 힘들기 때문에 필드에 기물 위치 정보를 정리하여 표기하는 해당 시스템을 기획하였다</a:t>
+                        <a:t>라는 큰 필드는 가지는 해당 게임의 특징상 필드를 한번에 보여줄 경우 플레이어가 필드 상황을 파악하기 힘들기 때문에 필드에 기물 위치 정보를 정리하여 표기하는      해당 시스템을 기획하였다</a:t>
                       </a:r>
                       <a:r>
                         <a:rPr lang="en-US" altLang="ko-KR" sz="1200" b="0" dirty="0">
@@ -4849,6 +4849,336 @@
           </a:graphicData>
         </a:graphic>
       </p:graphicFrame>
+      <p:pic>
+        <p:nvPicPr>
+          <p:cNvPr id="3" name="그림 2">
+            <a:extLst>
+              <a:ext uri="{FF2B5EF4-FFF2-40B4-BE49-F238E27FC236}">
+                <a16:creationId xmlns:a16="http://schemas.microsoft.com/office/drawing/2014/main" id="{150E8E64-6302-4403-B565-04ED0F86CE53}"/>
+              </a:ext>
+            </a:extLst>
+          </p:cNvPr>
+          <p:cNvPicPr>
+            <a:picLocks noChangeAspect="1"/>
+          </p:cNvPicPr>
+          <p:nvPr/>
+        </p:nvPicPr>
+        <p:blipFill>
+          <a:blip r:embed="rId2">
+            <a:extLst>
+              <a:ext uri="{28A0092B-C50C-407E-A947-70E740481C1C}">
+                <a14:useLocalDpi xmlns:a14="http://schemas.microsoft.com/office/drawing/2010/main" val="0"/>
+              </a:ext>
+            </a:extLst>
+          </a:blip>
+          <a:stretch>
+            <a:fillRect/>
+          </a:stretch>
+        </p:blipFill>
+        <p:spPr>
+          <a:xfrm>
+            <a:off x="1143291" y="1395860"/>
+            <a:ext cx="4026845" cy="1749885"/>
+          </a:xfrm>
+          <a:prstGeom prst="rect">
+            <a:avLst/>
+          </a:prstGeom>
+        </p:spPr>
+      </p:pic>
+      <p:sp>
+        <p:nvSpPr>
+          <p:cNvPr id="5" name="TextBox 4">
+            <a:extLst>
+              <a:ext uri="{FF2B5EF4-FFF2-40B4-BE49-F238E27FC236}">
+                <a16:creationId xmlns:a16="http://schemas.microsoft.com/office/drawing/2014/main" id="{2387B132-F7CE-4ADC-96A7-FA5C3FBD084D}"/>
+              </a:ext>
+            </a:extLst>
+          </p:cNvPr>
+          <p:cNvSpPr txBox="1"/>
+          <p:nvPr/>
+        </p:nvSpPr>
+        <p:spPr>
+          <a:xfrm>
+            <a:off x="4363822" y="3304461"/>
+            <a:ext cx="1411485" cy="249077"/>
+          </a:xfrm>
+          <a:prstGeom prst="rect">
+            <a:avLst/>
+          </a:prstGeom>
+          <a:noFill/>
+        </p:spPr>
+        <p:txBody>
+          <a:bodyPr wrap="square" rtlCol="0">
+            <a:spAutoFit/>
+          </a:bodyPr>
+          <a:lstStyle/>
+          <a:p>
+            <a:r>
+              <a:rPr lang="ko-KR" altLang="en-US" sz="1400" dirty="0"/>
+              <a:t>필드 전체 상태</a:t>
+            </a:r>
+          </a:p>
+        </p:txBody>
+      </p:sp>
+      <p:sp>
+        <p:nvSpPr>
+          <p:cNvPr id="7" name="TextBox 6">
+            <a:extLst>
+              <a:ext uri="{FF2B5EF4-FFF2-40B4-BE49-F238E27FC236}">
+                <a16:creationId xmlns:a16="http://schemas.microsoft.com/office/drawing/2014/main" id="{46A9ABFD-99EE-4821-96B8-5A5F0FC72501}"/>
+              </a:ext>
+            </a:extLst>
+          </p:cNvPr>
+          <p:cNvSpPr txBox="1"/>
+          <p:nvPr/>
+        </p:nvSpPr>
+        <p:spPr>
+          <a:xfrm>
+            <a:off x="1143291" y="3776780"/>
+            <a:ext cx="1607608" cy="523220"/>
+          </a:xfrm>
+          <a:prstGeom prst="rect">
+            <a:avLst/>
+          </a:prstGeom>
+          <a:noFill/>
+        </p:spPr>
+        <p:txBody>
+          <a:bodyPr wrap="square" rtlCol="0">
+            <a:spAutoFit/>
+          </a:bodyPr>
+          <a:lstStyle/>
+          <a:p>
+            <a:r>
+              <a:rPr lang="ko-KR" altLang="en-US" sz="1400" dirty="0"/>
+              <a:t>현재 화면에 표기</a:t>
+            </a:r>
+            <a:endParaRPr lang="en-US" altLang="ko-KR" sz="1400" dirty="0"/>
+          </a:p>
+          <a:p>
+            <a:r>
+              <a:rPr lang="ko-KR" altLang="en-US" sz="1400" dirty="0"/>
+              <a:t>중인 필드 범위</a:t>
+            </a:r>
+          </a:p>
+        </p:txBody>
+      </p:sp>
+      <p:cxnSp>
+        <p:nvCxnSpPr>
+          <p:cNvPr id="8" name="연결선: 꺾임 7">
+            <a:extLst>
+              <a:ext uri="{FF2B5EF4-FFF2-40B4-BE49-F238E27FC236}">
+                <a16:creationId xmlns:a16="http://schemas.microsoft.com/office/drawing/2014/main" id="{B47D1C79-A328-49B2-A855-D41F8E3E204C}"/>
+              </a:ext>
+            </a:extLst>
+          </p:cNvPr>
+          <p:cNvCxnSpPr>
+            <a:cxnSpLocks/>
+            <a:stCxn id="5" idx="1"/>
+          </p:cNvCxnSpPr>
+          <p:nvPr/>
+        </p:nvCxnSpPr>
+        <p:spPr>
+          <a:xfrm rot="10800000">
+            <a:off x="4148666" y="2419590"/>
+            <a:ext cx="215156" cy="1009410"/>
+          </a:xfrm>
+          <a:prstGeom prst="bentConnector2">
+            <a:avLst/>
+          </a:prstGeom>
+          <a:ln w="28575">
+            <a:solidFill>
+              <a:srgbClr val="C00000"/>
+            </a:solidFill>
+          </a:ln>
+        </p:spPr>
+        <p:style>
+          <a:lnRef idx="1">
+            <a:schemeClr val="accent1"/>
+          </a:lnRef>
+          <a:fillRef idx="0">
+            <a:schemeClr val="accent1"/>
+          </a:fillRef>
+          <a:effectRef idx="0">
+            <a:schemeClr val="accent1"/>
+          </a:effectRef>
+          <a:fontRef idx="minor">
+            <a:schemeClr val="tx1"/>
+          </a:fontRef>
+        </p:style>
+      </p:cxnSp>
+      <p:cxnSp>
+        <p:nvCxnSpPr>
+          <p:cNvPr id="10" name="연결선: 꺾임 9">
+            <a:extLst>
+              <a:ext uri="{FF2B5EF4-FFF2-40B4-BE49-F238E27FC236}">
+                <a16:creationId xmlns:a16="http://schemas.microsoft.com/office/drawing/2014/main" id="{D4E8FFA5-1B40-435E-A570-46A019DAECC3}"/>
+              </a:ext>
+            </a:extLst>
+          </p:cNvPr>
+          <p:cNvCxnSpPr>
+            <a:cxnSpLocks/>
+            <a:stCxn id="7" idx="0"/>
+          </p:cNvCxnSpPr>
+          <p:nvPr/>
+        </p:nvCxnSpPr>
+        <p:spPr>
+          <a:xfrm rot="5400000" flipH="1" flipV="1">
+            <a:off x="1877899" y="3074864"/>
+            <a:ext cx="771113" cy="632721"/>
+          </a:xfrm>
+          <a:prstGeom prst="bentConnector3">
+            <a:avLst>
+              <a:gd name="adj1" fmla="val 50000"/>
+            </a:avLst>
+          </a:prstGeom>
+          <a:ln w="28575">
+            <a:solidFill>
+              <a:srgbClr val="C00000"/>
+            </a:solidFill>
+          </a:ln>
+        </p:spPr>
+        <p:style>
+          <a:lnRef idx="1">
+            <a:schemeClr val="accent1"/>
+          </a:lnRef>
+          <a:fillRef idx="0">
+            <a:schemeClr val="accent1"/>
+          </a:fillRef>
+          <a:effectRef idx="0">
+            <a:schemeClr val="accent1"/>
+          </a:effectRef>
+          <a:fontRef idx="minor">
+            <a:schemeClr val="tx1"/>
+          </a:fontRef>
+        </p:style>
+      </p:cxnSp>
+      <p:pic>
+        <p:nvPicPr>
+          <p:cNvPr id="14" name="그림 13">
+            <a:extLst>
+              <a:ext uri="{FF2B5EF4-FFF2-40B4-BE49-F238E27FC236}">
+                <a16:creationId xmlns:a16="http://schemas.microsoft.com/office/drawing/2014/main" id="{736643E4-4D37-4C81-BDA4-7AB5CCD171E2}"/>
+              </a:ext>
+            </a:extLst>
+          </p:cNvPr>
+          <p:cNvPicPr>
+            <a:picLocks noChangeAspect="1"/>
+          </p:cNvPicPr>
+          <p:nvPr/>
+        </p:nvPicPr>
+        <p:blipFill>
+          <a:blip r:embed="rId3" cstate="print">
+            <a:extLst>
+              <a:ext uri="{28A0092B-C50C-407E-A947-70E740481C1C}">
+                <a14:useLocalDpi xmlns:a14="http://schemas.microsoft.com/office/drawing/2010/main" val="0"/>
+              </a:ext>
+            </a:extLst>
+          </a:blip>
+          <a:stretch>
+            <a:fillRect/>
+          </a:stretch>
+        </p:blipFill>
+        <p:spPr>
+          <a:xfrm>
+            <a:off x="6632409" y="1673128"/>
+            <a:ext cx="3835400" cy="2139450"/>
+          </a:xfrm>
+          <a:prstGeom prst="rect">
+            <a:avLst/>
+          </a:prstGeom>
+          <a:ln>
+            <a:solidFill>
+              <a:schemeClr val="tx1"/>
+            </a:solidFill>
+          </a:ln>
+        </p:spPr>
+      </p:pic>
+      <p:sp>
+        <p:nvSpPr>
+          <p:cNvPr id="23" name="TextBox 22">
+            <a:extLst>
+              <a:ext uri="{FF2B5EF4-FFF2-40B4-BE49-F238E27FC236}">
+                <a16:creationId xmlns:a16="http://schemas.microsoft.com/office/drawing/2014/main" id="{85B77476-60C7-41BF-9908-A76E4470397C}"/>
+              </a:ext>
+            </a:extLst>
+          </p:cNvPr>
+          <p:cNvSpPr txBox="1"/>
+          <p:nvPr/>
+        </p:nvSpPr>
+        <p:spPr>
+          <a:xfrm>
+            <a:off x="7612314" y="3820857"/>
+            <a:ext cx="1875590" cy="307777"/>
+          </a:xfrm>
+          <a:prstGeom prst="rect">
+            <a:avLst/>
+          </a:prstGeom>
+          <a:noFill/>
+        </p:spPr>
+        <p:txBody>
+          <a:bodyPr wrap="square" rtlCol="0">
+            <a:spAutoFit/>
+          </a:bodyPr>
+          <a:lstStyle/>
+          <a:p>
+            <a:pPr algn="ctr"/>
+            <a:r>
+              <a:rPr lang="ko-KR" altLang="en-US" sz="1400"/>
+              <a:t>실제 표기되는 화면</a:t>
+            </a:r>
+            <a:endParaRPr lang="ko-KR" altLang="en-US" sz="1400" dirty="0"/>
+          </a:p>
+        </p:txBody>
+      </p:sp>
+      <p:sp>
+        <p:nvSpPr>
+          <p:cNvPr id="2" name="직사각형 1">
+            <a:extLst>
+              <a:ext uri="{FF2B5EF4-FFF2-40B4-BE49-F238E27FC236}">
+                <a16:creationId xmlns:a16="http://schemas.microsoft.com/office/drawing/2014/main" id="{371D9A4E-A5CE-4DF6-AE05-907C7C495D3F}"/>
+              </a:ext>
+            </a:extLst>
+          </p:cNvPr>
+          <p:cNvSpPr/>
+          <p:nvPr/>
+        </p:nvSpPr>
+        <p:spPr>
+          <a:xfrm>
+            <a:off x="1938628" y="6237288"/>
+            <a:ext cx="2125133" cy="545238"/>
+          </a:xfrm>
+          <a:prstGeom prst="rect">
+            <a:avLst/>
+          </a:prstGeom>
+        </p:spPr>
+        <p:style>
+          <a:lnRef idx="2">
+            <a:schemeClr val="accent1">
+              <a:shade val="50000"/>
+            </a:schemeClr>
+          </a:lnRef>
+          <a:fillRef idx="1">
+            <a:schemeClr val="accent1"/>
+          </a:fillRef>
+          <a:effectRef idx="0">
+            <a:schemeClr val="accent1"/>
+          </a:effectRef>
+          <a:fontRef idx="minor">
+            <a:schemeClr val="lt1"/>
+          </a:fontRef>
+        </p:style>
+        <p:txBody>
+          <a:bodyPr rtlCol="0" anchor="ctr"/>
+          <a:lstStyle/>
+          <a:p>
+            <a:pPr algn="ctr"/>
+            <a:r>
+              <a:rPr lang="ko-KR" altLang="en-US"/>
+              <a:t>내용 추가</a:t>
+            </a:r>
+          </a:p>
+        </p:txBody>
+      </p:sp>
     </p:spTree>
     <p:extLst>
       <p:ext uri="{BB962C8B-B14F-4D97-AF65-F5344CB8AC3E}">
@@ -5235,6 +5565,301 @@
           </a:graphicData>
         </a:graphic>
       </p:graphicFrame>
+      <p:pic>
+        <p:nvPicPr>
+          <p:cNvPr id="8" name="그림 7">
+            <a:extLst>
+              <a:ext uri="{FF2B5EF4-FFF2-40B4-BE49-F238E27FC236}">
+                <a16:creationId xmlns:a16="http://schemas.microsoft.com/office/drawing/2014/main" id="{2EF5F88B-BCDE-4389-AB4F-751CB0878F4A}"/>
+              </a:ext>
+            </a:extLst>
+          </p:cNvPr>
+          <p:cNvPicPr>
+            <a:picLocks noChangeAspect="1"/>
+          </p:cNvPicPr>
+          <p:nvPr/>
+        </p:nvPicPr>
+        <p:blipFill rotWithShape="1">
+          <a:blip r:embed="rId2">
+            <a:extLst>
+              <a:ext uri="{28A0092B-C50C-407E-A947-70E740481C1C}">
+                <a14:useLocalDpi xmlns:a14="http://schemas.microsoft.com/office/drawing/2010/main" val="0"/>
+              </a:ext>
+            </a:extLst>
+          </a:blip>
+          <a:srcRect l="23585" t="10082" r="25373" b="7068"/>
+          <a:stretch/>
+        </p:blipFill>
+        <p:spPr>
+          <a:xfrm>
+            <a:off x="5048002" y="1337192"/>
+            <a:ext cx="2095993" cy="3107266"/>
+          </a:xfrm>
+          <a:prstGeom prst="rect">
+            <a:avLst/>
+          </a:prstGeom>
+        </p:spPr>
+      </p:pic>
+      <p:sp>
+        <p:nvSpPr>
+          <p:cNvPr id="9" name="TextBox 8">
+            <a:extLst>
+              <a:ext uri="{FF2B5EF4-FFF2-40B4-BE49-F238E27FC236}">
+                <a16:creationId xmlns:a16="http://schemas.microsoft.com/office/drawing/2014/main" id="{5DA3503E-53B1-4291-90D7-4CB12D9F6AE0}"/>
+              </a:ext>
+            </a:extLst>
+          </p:cNvPr>
+          <p:cNvSpPr txBox="1"/>
+          <p:nvPr/>
+        </p:nvSpPr>
+        <p:spPr>
+          <a:xfrm>
+            <a:off x="2092321" y="1352784"/>
+            <a:ext cx="2346081" cy="523220"/>
+          </a:xfrm>
+          <a:prstGeom prst="rect">
+            <a:avLst/>
+          </a:prstGeom>
+          <a:noFill/>
+        </p:spPr>
+        <p:txBody>
+          <a:bodyPr wrap="square" rtlCol="0">
+            <a:spAutoFit/>
+          </a:bodyPr>
+          <a:lstStyle/>
+          <a:p>
+            <a:r>
+              <a:rPr lang="ko-KR" altLang="en-US" sz="1400" dirty="0"/>
+              <a:t>현재 턴 플레이어에 따라</a:t>
+            </a:r>
+            <a:endParaRPr lang="en-US" altLang="ko-KR" sz="1400" dirty="0"/>
+          </a:p>
+          <a:p>
+            <a:r>
+              <a:rPr lang="ko-KR" altLang="en-US" sz="1400" dirty="0"/>
+              <a:t>변하는 텍스트와 테두리 색</a:t>
+            </a:r>
+          </a:p>
+        </p:txBody>
+      </p:sp>
+      <p:sp>
+        <p:nvSpPr>
+          <p:cNvPr id="11" name="TextBox 10">
+            <a:extLst>
+              <a:ext uri="{FF2B5EF4-FFF2-40B4-BE49-F238E27FC236}">
+                <a16:creationId xmlns:a16="http://schemas.microsoft.com/office/drawing/2014/main" id="{E90C06D1-87DF-4067-A95A-8572D4316CF2}"/>
+              </a:ext>
+            </a:extLst>
+          </p:cNvPr>
+          <p:cNvSpPr txBox="1"/>
+          <p:nvPr/>
+        </p:nvSpPr>
+        <p:spPr>
+          <a:xfrm>
+            <a:off x="7497640" y="4182848"/>
+            <a:ext cx="1381002" cy="523220"/>
+          </a:xfrm>
+          <a:prstGeom prst="rect">
+            <a:avLst/>
+          </a:prstGeom>
+          <a:noFill/>
+        </p:spPr>
+        <p:txBody>
+          <a:bodyPr wrap="square" rtlCol="0">
+            <a:spAutoFit/>
+          </a:bodyPr>
+          <a:lstStyle/>
+          <a:p>
+            <a:r>
+              <a:rPr lang="ko-KR" altLang="en-US" sz="1400" dirty="0"/>
+              <a:t>현재 남은 턴</a:t>
+            </a:r>
+            <a:endParaRPr lang="en-US" altLang="ko-KR" sz="1400" dirty="0"/>
+          </a:p>
+          <a:p>
+            <a:r>
+              <a:rPr lang="ko-KR" altLang="en-US" sz="1400" dirty="0"/>
+              <a:t>진행 가능 시간</a:t>
+            </a:r>
+          </a:p>
+        </p:txBody>
+      </p:sp>
+      <p:cxnSp>
+        <p:nvCxnSpPr>
+          <p:cNvPr id="13" name="연결선: 꺾임 12">
+            <a:extLst>
+              <a:ext uri="{FF2B5EF4-FFF2-40B4-BE49-F238E27FC236}">
+                <a16:creationId xmlns:a16="http://schemas.microsoft.com/office/drawing/2014/main" id="{88FF1328-6C51-477B-B586-11EFAB57A953}"/>
+              </a:ext>
+            </a:extLst>
+          </p:cNvPr>
+          <p:cNvCxnSpPr>
+            <a:cxnSpLocks/>
+            <a:stCxn id="9" idx="2"/>
+          </p:cNvCxnSpPr>
+          <p:nvPr/>
+        </p:nvCxnSpPr>
+        <p:spPr>
+          <a:xfrm rot="16200000" flipH="1">
+            <a:off x="4429116" y="712249"/>
+            <a:ext cx="240663" cy="2568171"/>
+          </a:xfrm>
+          <a:prstGeom prst="bentConnector2">
+            <a:avLst/>
+          </a:prstGeom>
+          <a:ln w="28575">
+            <a:solidFill>
+              <a:srgbClr val="C00000"/>
+            </a:solidFill>
+          </a:ln>
+        </p:spPr>
+        <p:style>
+          <a:lnRef idx="1">
+            <a:schemeClr val="accent1"/>
+          </a:lnRef>
+          <a:fillRef idx="0">
+            <a:schemeClr val="accent1"/>
+          </a:fillRef>
+          <a:effectRef idx="0">
+            <a:schemeClr val="accent1"/>
+          </a:effectRef>
+          <a:fontRef idx="minor">
+            <a:schemeClr val="tx1"/>
+          </a:fontRef>
+        </p:style>
+      </p:cxnSp>
+      <p:cxnSp>
+        <p:nvCxnSpPr>
+          <p:cNvPr id="19" name="연결선: 꺾임 18">
+            <a:extLst>
+              <a:ext uri="{FF2B5EF4-FFF2-40B4-BE49-F238E27FC236}">
+                <a16:creationId xmlns:a16="http://schemas.microsoft.com/office/drawing/2014/main" id="{30A059B2-D583-400F-A951-893DA776C14E}"/>
+              </a:ext>
+            </a:extLst>
+          </p:cNvPr>
+          <p:cNvCxnSpPr>
+            <a:cxnSpLocks/>
+            <a:stCxn id="9" idx="2"/>
+          </p:cNvCxnSpPr>
+          <p:nvPr/>
+        </p:nvCxnSpPr>
+        <p:spPr>
+          <a:xfrm rot="16200000" flipH="1">
+            <a:off x="3408512" y="1732854"/>
+            <a:ext cx="2163338" cy="2449638"/>
+          </a:xfrm>
+          <a:prstGeom prst="bentConnector2">
+            <a:avLst/>
+          </a:prstGeom>
+          <a:ln w="28575">
+            <a:solidFill>
+              <a:srgbClr val="C00000"/>
+            </a:solidFill>
+          </a:ln>
+        </p:spPr>
+        <p:style>
+          <a:lnRef idx="1">
+            <a:schemeClr val="accent1"/>
+          </a:lnRef>
+          <a:fillRef idx="0">
+            <a:schemeClr val="accent1"/>
+          </a:fillRef>
+          <a:effectRef idx="0">
+            <a:schemeClr val="accent1"/>
+          </a:effectRef>
+          <a:fontRef idx="minor">
+            <a:schemeClr val="tx1"/>
+          </a:fontRef>
+        </p:style>
+      </p:cxnSp>
+      <p:cxnSp>
+        <p:nvCxnSpPr>
+          <p:cNvPr id="26" name="연결선: 꺾임 25">
+            <a:extLst>
+              <a:ext uri="{FF2B5EF4-FFF2-40B4-BE49-F238E27FC236}">
+                <a16:creationId xmlns:a16="http://schemas.microsoft.com/office/drawing/2014/main" id="{CD6C2138-1F94-4A4B-82E1-8E9B3B63C704}"/>
+              </a:ext>
+            </a:extLst>
+          </p:cNvPr>
+          <p:cNvCxnSpPr>
+            <a:cxnSpLocks/>
+            <a:endCxn id="11" idx="0"/>
+          </p:cNvCxnSpPr>
+          <p:nvPr/>
+        </p:nvCxnSpPr>
+        <p:spPr>
+          <a:xfrm>
+            <a:off x="6288003" y="2396067"/>
+            <a:ext cx="1900138" cy="1786781"/>
+          </a:xfrm>
+          <a:prstGeom prst="bentConnector2">
+            <a:avLst/>
+          </a:prstGeom>
+          <a:ln w="28575">
+            <a:solidFill>
+              <a:srgbClr val="C00000"/>
+            </a:solidFill>
+          </a:ln>
+        </p:spPr>
+        <p:style>
+          <a:lnRef idx="1">
+            <a:schemeClr val="accent1"/>
+          </a:lnRef>
+          <a:fillRef idx="0">
+            <a:schemeClr val="accent1"/>
+          </a:fillRef>
+          <a:effectRef idx="0">
+            <a:schemeClr val="accent1"/>
+          </a:effectRef>
+          <a:fontRef idx="minor">
+            <a:schemeClr val="tx1"/>
+          </a:fontRef>
+        </p:style>
+      </p:cxnSp>
+      <p:cxnSp>
+        <p:nvCxnSpPr>
+          <p:cNvPr id="31" name="연결선: 꺾임 30">
+            <a:extLst>
+              <a:ext uri="{FF2B5EF4-FFF2-40B4-BE49-F238E27FC236}">
+                <a16:creationId xmlns:a16="http://schemas.microsoft.com/office/drawing/2014/main" id="{CB3FA5BB-59E6-4A1C-B85D-91D8EC42D03A}"/>
+              </a:ext>
+            </a:extLst>
+          </p:cNvPr>
+          <p:cNvCxnSpPr>
+            <a:cxnSpLocks/>
+            <a:endCxn id="11" idx="0"/>
+          </p:cNvCxnSpPr>
+          <p:nvPr/>
+        </p:nvCxnSpPr>
+        <p:spPr>
+          <a:xfrm>
+            <a:off x="6288003" y="3981450"/>
+            <a:ext cx="1900138" cy="201398"/>
+          </a:xfrm>
+          <a:prstGeom prst="bentConnector2">
+            <a:avLst/>
+          </a:prstGeom>
+          <a:ln w="28575">
+            <a:solidFill>
+              <a:srgbClr val="C00000"/>
+            </a:solidFill>
+          </a:ln>
+        </p:spPr>
+        <p:style>
+          <a:lnRef idx="1">
+            <a:schemeClr val="accent1"/>
+          </a:lnRef>
+          <a:fillRef idx="0">
+            <a:schemeClr val="accent1"/>
+          </a:fillRef>
+          <a:effectRef idx="0">
+            <a:schemeClr val="accent1"/>
+          </a:effectRef>
+          <a:fontRef idx="minor">
+            <a:schemeClr val="tx1"/>
+          </a:fontRef>
+        </p:style>
+      </p:cxnSp>
     </p:spTree>
     <p:extLst>
       <p:ext uri="{BB962C8B-B14F-4D97-AF65-F5344CB8AC3E}">
@@ -5637,6 +6262,55 @@
           </a:graphicData>
         </a:graphic>
       </p:graphicFrame>
+      <p:sp>
+        <p:nvSpPr>
+          <p:cNvPr id="2" name="직사각형 1">
+            <a:extLst>
+              <a:ext uri="{FF2B5EF4-FFF2-40B4-BE49-F238E27FC236}">
+                <a16:creationId xmlns:a16="http://schemas.microsoft.com/office/drawing/2014/main" id="{2B03DA53-A666-4D86-B204-C2F8E6820CF3}"/>
+              </a:ext>
+            </a:extLst>
+          </p:cNvPr>
+          <p:cNvSpPr/>
+          <p:nvPr/>
+        </p:nvSpPr>
+        <p:spPr>
+          <a:xfrm>
+            <a:off x="4982632" y="4330700"/>
+            <a:ext cx="2226733" cy="414866"/>
+          </a:xfrm>
+          <a:prstGeom prst="rect">
+            <a:avLst/>
+          </a:prstGeom>
+        </p:spPr>
+        <p:style>
+          <a:lnRef idx="2">
+            <a:schemeClr val="accent1">
+              <a:shade val="50000"/>
+            </a:schemeClr>
+          </a:lnRef>
+          <a:fillRef idx="1">
+            <a:schemeClr val="accent1"/>
+          </a:fillRef>
+          <a:effectRef idx="0">
+            <a:schemeClr val="accent1"/>
+          </a:effectRef>
+          <a:fontRef idx="minor">
+            <a:schemeClr val="lt1"/>
+          </a:fontRef>
+        </p:style>
+        <p:txBody>
+          <a:bodyPr rtlCol="0" anchor="ctr"/>
+          <a:lstStyle/>
+          <a:p>
+            <a:pPr algn="ctr"/>
+            <a:r>
+              <a:rPr lang="ko-KR" altLang="en-US" dirty="0"/>
+              <a:t>내용 압축</a:t>
+            </a:r>
+          </a:p>
+        </p:txBody>
+      </p:sp>
     </p:spTree>
     <p:extLst>
       <p:ext uri="{BB962C8B-B14F-4D97-AF65-F5344CB8AC3E}">
@@ -6023,6 +6697,36 @@
           </a:graphicData>
         </a:graphic>
       </p:graphicFrame>
+      <p:pic>
+        <p:nvPicPr>
+          <p:cNvPr id="6" name="그림 5">
+            <a:extLst>
+              <a:ext uri="{FF2B5EF4-FFF2-40B4-BE49-F238E27FC236}">
+                <a16:creationId xmlns:a16="http://schemas.microsoft.com/office/drawing/2014/main" id="{1AB6BDAB-213C-49B2-86A6-A503186C6DA6}"/>
+              </a:ext>
+            </a:extLst>
+          </p:cNvPr>
+          <p:cNvPicPr>
+            <a:picLocks noChangeAspect="1"/>
+          </p:cNvPicPr>
+          <p:nvPr/>
+        </p:nvPicPr>
+        <p:blipFill>
+          <a:blip r:embed="rId2"/>
+          <a:stretch>
+            <a:fillRect/>
+          </a:stretch>
+        </p:blipFill>
+        <p:spPr>
+          <a:xfrm>
+            <a:off x="3803402" y="1268413"/>
+            <a:ext cx="4585195" cy="3630564"/>
+          </a:xfrm>
+          <a:prstGeom prst="rect">
+            <a:avLst/>
+          </a:prstGeom>
+        </p:spPr>
+      </p:pic>
     </p:spTree>
     <p:extLst>
       <p:ext uri="{BB962C8B-B14F-4D97-AF65-F5344CB8AC3E}">
@@ -6544,6 +7248,116 @@
           </a:graphicData>
         </a:graphic>
       </p:graphicFrame>
+      <p:sp>
+        <p:nvSpPr>
+          <p:cNvPr id="2" name="직사각형 1">
+            <a:extLst>
+              <a:ext uri="{FF2B5EF4-FFF2-40B4-BE49-F238E27FC236}">
+                <a16:creationId xmlns:a16="http://schemas.microsoft.com/office/drawing/2014/main" id="{B5EAE8B9-84EF-401A-8C9E-96D25C239CEB}"/>
+              </a:ext>
+            </a:extLst>
+          </p:cNvPr>
+          <p:cNvSpPr/>
+          <p:nvPr/>
+        </p:nvSpPr>
+        <p:spPr>
+          <a:xfrm>
+            <a:off x="2967566" y="5071534"/>
+            <a:ext cx="6256867" cy="897467"/>
+          </a:xfrm>
+          <a:prstGeom prst="rect">
+            <a:avLst/>
+          </a:prstGeom>
+        </p:spPr>
+        <p:style>
+          <a:lnRef idx="2">
+            <a:schemeClr val="accent1">
+              <a:shade val="50000"/>
+            </a:schemeClr>
+          </a:lnRef>
+          <a:fillRef idx="1">
+            <a:schemeClr val="accent1"/>
+          </a:fillRef>
+          <a:effectRef idx="0">
+            <a:schemeClr val="accent1"/>
+          </a:effectRef>
+          <a:fontRef idx="minor">
+            <a:schemeClr val="lt1"/>
+          </a:fontRef>
+        </p:style>
+        <p:txBody>
+          <a:bodyPr rtlCol="0" anchor="ctr"/>
+          <a:lstStyle/>
+          <a:p>
+            <a:pPr algn="ctr"/>
+            <a:r>
+              <a:rPr lang="ko-KR" altLang="en-US" dirty="0"/>
+              <a:t>유저에게 줄 수 있는 효과</a:t>
+            </a:r>
+          </a:p>
+        </p:txBody>
+      </p:sp>
+      <p:sp>
+        <p:nvSpPr>
+          <p:cNvPr id="5" name="직사각형 4">
+            <a:extLst>
+              <a:ext uri="{FF2B5EF4-FFF2-40B4-BE49-F238E27FC236}">
+                <a16:creationId xmlns:a16="http://schemas.microsoft.com/office/drawing/2014/main" id="{56D27CC0-EB0B-43CB-A74D-47630E9FBA26}"/>
+              </a:ext>
+            </a:extLst>
+          </p:cNvPr>
+          <p:cNvSpPr/>
+          <p:nvPr/>
+        </p:nvSpPr>
+        <p:spPr>
+          <a:xfrm>
+            <a:off x="1025524" y="1568200"/>
+            <a:ext cx="2997200" cy="626534"/>
+          </a:xfrm>
+          <a:prstGeom prst="rect">
+            <a:avLst/>
+          </a:prstGeom>
+        </p:spPr>
+        <p:style>
+          <a:lnRef idx="2">
+            <a:schemeClr val="accent1">
+              <a:shade val="50000"/>
+            </a:schemeClr>
+          </a:lnRef>
+          <a:fillRef idx="1">
+            <a:schemeClr val="accent1"/>
+          </a:fillRef>
+          <a:effectRef idx="0">
+            <a:schemeClr val="accent1"/>
+          </a:effectRef>
+          <a:fontRef idx="minor">
+            <a:schemeClr val="lt1"/>
+          </a:fontRef>
+        </p:style>
+        <p:txBody>
+          <a:bodyPr rtlCol="0" anchor="ctr"/>
+          <a:lstStyle/>
+          <a:p>
+            <a:pPr algn="ctr"/>
+            <a:r>
+              <a:rPr lang="ko-KR" altLang="en-US" dirty="0"/>
+              <a:t>무엇을 어떻게 왜</a:t>
+            </a:r>
+            <a:endParaRPr lang="en-US" altLang="ko-KR" dirty="0"/>
+          </a:p>
+          <a:p>
+            <a:pPr algn="ctr"/>
+            <a:r>
+              <a:rPr lang="en-US" altLang="ko-KR" dirty="0"/>
+              <a:t>+ </a:t>
+            </a:r>
+            <a:r>
+              <a:rPr lang="ko-KR" altLang="en-US" dirty="0"/>
+              <a:t>기대 효과</a:t>
+            </a:r>
+          </a:p>
+        </p:txBody>
+      </p:sp>
     </p:spTree>
     <p:extLst>
       <p:ext uri="{BB962C8B-B14F-4D97-AF65-F5344CB8AC3E}">
@@ -6634,7 +7448,7 @@
             </a:pPr>
             <a:r>
               <a:rPr lang="ko-KR" altLang="en-US" sz="3200" dirty="0"/>
-              <a:t>전투 화면 구현도</a:t>
+              <a:t>전투 화면 구상도</a:t>
             </a:r>
             <a:endParaRPr lang="en-US" altLang="ko-KR" sz="2400" dirty="0"/>
           </a:p>
@@ -6642,10 +7456,10 @@
       </p:sp>
       <p:pic>
         <p:nvPicPr>
-          <p:cNvPr id="3" name="그림 2">
+          <p:cNvPr id="5" name="그림 4">
             <a:extLst>
               <a:ext uri="{FF2B5EF4-FFF2-40B4-BE49-F238E27FC236}">
-                <a16:creationId xmlns:a16="http://schemas.microsoft.com/office/drawing/2014/main" id="{158FD340-A804-4BDD-9A12-004681AA9957}"/>
+                <a16:creationId xmlns:a16="http://schemas.microsoft.com/office/drawing/2014/main" id="{1C959841-B3DD-4E44-BA39-2E396CAD788A}"/>
               </a:ext>
             </a:extLst>
           </p:cNvPr>
@@ -6654,21 +7468,22 @@
           </p:cNvPicPr>
           <p:nvPr/>
         </p:nvPicPr>
-        <p:blipFill rotWithShape="1">
-          <a:blip r:embed="rId2" cstate="print">
+        <p:blipFill>
+          <a:blip r:embed="rId2">
             <a:extLst>
               <a:ext uri="{28A0092B-C50C-407E-A947-70E740481C1C}">
                 <a14:useLocalDpi xmlns:a14="http://schemas.microsoft.com/office/drawing/2010/main" val="0"/>
               </a:ext>
             </a:extLst>
           </a:blip>
-          <a:srcRect l="9723" t="9431" r="9721" b="5814"/>
-          <a:stretch/>
+          <a:stretch>
+            <a:fillRect/>
+          </a:stretch>
         </p:blipFill>
         <p:spPr>
           <a:xfrm>
-            <a:off x="909925" y="1458132"/>
-            <a:ext cx="4817535" cy="2724400"/>
+            <a:off x="819985" y="1883372"/>
+            <a:ext cx="5111426" cy="2874894"/>
           </a:xfrm>
           <a:prstGeom prst="rect">
             <a:avLst/>
@@ -6677,10 +7492,10 @@
       </p:pic>
       <p:pic>
         <p:nvPicPr>
-          <p:cNvPr id="6" name="그림 5">
+          <p:cNvPr id="8" name="그림 7">
             <a:extLst>
               <a:ext uri="{FF2B5EF4-FFF2-40B4-BE49-F238E27FC236}">
-                <a16:creationId xmlns:a16="http://schemas.microsoft.com/office/drawing/2014/main" id="{B571BDD2-801E-47B7-964A-80954ECBBBF3}"/>
+                <a16:creationId xmlns:a16="http://schemas.microsoft.com/office/drawing/2014/main" id="{EE0573E0-FBB3-438B-96B8-4BB8708CC808}"/>
               </a:ext>
             </a:extLst>
           </p:cNvPr>
@@ -6689,27 +7504,105 @@
           </p:cNvPicPr>
           <p:nvPr/>
         </p:nvPicPr>
-        <p:blipFill rotWithShape="1">
-          <a:blip r:embed="rId3" cstate="print">
+        <p:blipFill>
+          <a:blip r:embed="rId3">
             <a:extLst>
               <a:ext uri="{28A0092B-C50C-407E-A947-70E740481C1C}">
                 <a14:useLocalDpi xmlns:a14="http://schemas.microsoft.com/office/drawing/2010/main" val="0"/>
               </a:ext>
             </a:extLst>
           </a:blip>
-          <a:srcRect l="9722" t="9431" r="9931" b="5814"/>
-          <a:stretch/>
+          <a:stretch>
+            <a:fillRect/>
+          </a:stretch>
         </p:blipFill>
         <p:spPr>
           <a:xfrm>
-            <a:off x="6476999" y="1458133"/>
-            <a:ext cx="4805076" cy="2724399"/>
+            <a:off x="6260591" y="1883372"/>
+            <a:ext cx="5095301" cy="2874894"/>
           </a:xfrm>
           <a:prstGeom prst="rect">
             <a:avLst/>
           </a:prstGeom>
+          <a:ln>
+            <a:solidFill>
+              <a:schemeClr val="tx1"/>
+            </a:solidFill>
+          </a:ln>
         </p:spPr>
       </p:pic>
+      <p:sp>
+        <p:nvSpPr>
+          <p:cNvPr id="9" name="TextBox 8">
+            <a:extLst>
+              <a:ext uri="{FF2B5EF4-FFF2-40B4-BE49-F238E27FC236}">
+                <a16:creationId xmlns:a16="http://schemas.microsoft.com/office/drawing/2014/main" id="{58B1B3FD-8EB5-4918-80DA-082BB4ADBFDA}"/>
+              </a:ext>
+            </a:extLst>
+          </p:cNvPr>
+          <p:cNvSpPr txBox="1"/>
+          <p:nvPr/>
+        </p:nvSpPr>
+        <p:spPr>
+          <a:xfrm>
+            <a:off x="819985" y="4789039"/>
+            <a:ext cx="5111426" cy="369332"/>
+          </a:xfrm>
+          <a:prstGeom prst="rect">
+            <a:avLst/>
+          </a:prstGeom>
+          <a:noFill/>
+        </p:spPr>
+        <p:txBody>
+          <a:bodyPr wrap="square" rtlCol="0">
+            <a:spAutoFit/>
+          </a:bodyPr>
+          <a:lstStyle/>
+          <a:p>
+            <a:pPr algn="ctr"/>
+            <a:r>
+              <a:rPr lang="ko-KR" altLang="en-US" dirty="0"/>
+              <a:t>시작 기물 배치 팝업 창</a:t>
+            </a:r>
+          </a:p>
+        </p:txBody>
+      </p:sp>
+      <p:sp>
+        <p:nvSpPr>
+          <p:cNvPr id="10" name="TextBox 9">
+            <a:extLst>
+              <a:ext uri="{FF2B5EF4-FFF2-40B4-BE49-F238E27FC236}">
+                <a16:creationId xmlns:a16="http://schemas.microsoft.com/office/drawing/2014/main" id="{F6091F34-663A-49C1-9095-72CFDBC3DF9E}"/>
+              </a:ext>
+            </a:extLst>
+          </p:cNvPr>
+          <p:cNvSpPr txBox="1"/>
+          <p:nvPr/>
+        </p:nvSpPr>
+        <p:spPr>
+          <a:xfrm>
+            <a:off x="6260591" y="4789039"/>
+            <a:ext cx="5111426" cy="369332"/>
+          </a:xfrm>
+          <a:prstGeom prst="rect">
+            <a:avLst/>
+          </a:prstGeom>
+          <a:noFill/>
+        </p:spPr>
+        <p:txBody>
+          <a:bodyPr wrap="square" rtlCol="0">
+            <a:spAutoFit/>
+          </a:bodyPr>
+          <a:lstStyle/>
+          <a:p>
+            <a:pPr algn="ctr"/>
+            <a:r>
+              <a:rPr lang="ko-KR" altLang="en-US" dirty="0"/>
+              <a:t>전투 화면</a:t>
+            </a:r>
+          </a:p>
+        </p:txBody>
+      </p:sp>
     </p:spTree>
     <p:extLst>
       <p:ext uri="{BB962C8B-B14F-4D97-AF65-F5344CB8AC3E}">
@@ -7435,7 +8328,7 @@
           <p:nvPr>
             <p:extLst>
               <p:ext uri="{D42A27DB-BD31-4B8C-83A1-F6EECF244321}">
-                <p14:modId xmlns:p14="http://schemas.microsoft.com/office/powerpoint/2010/main" val="2990875124"/>
+                <p14:modId xmlns:p14="http://schemas.microsoft.com/office/powerpoint/2010/main" val="1784529910"/>
               </p:ext>
             </p:extLst>
           </p:nvPr>
@@ -7472,7 +8365,7 @@
                             <a:schemeClr val="tx1"/>
                           </a:solidFill>
                         </a:rPr>
-                        <a:t>선공 플레이어와 후공 플레이어를 코인 토스로 결정하는 시스템이다</a:t>
+                        <a:t>선공과 후공을 동전 던지기로 결정하는 시스템이다</a:t>
                       </a:r>
                       <a:r>
                         <a:rPr lang="en-US" altLang="ko-KR" sz="1400" b="0" dirty="0">
@@ -7660,7 +8553,7 @@
                             <a:schemeClr val="tx1"/>
                           </a:solidFill>
                         </a:rPr>
-                        <a:t> 선공과 후공 플레이어를 결정하는 방식이 매우 중요하다</a:t>
+                        <a:t>          선공과 후공 플레이어를 결정하는 방식이 매우 중요하다</a:t>
                       </a:r>
                       <a:r>
                         <a:rPr lang="en-US" altLang="ko-KR" sz="1200" b="0" dirty="0">
@@ -7797,41 +8690,104 @@
           </a:graphicData>
         </a:graphic>
       </p:graphicFrame>
-      <p:pic>
-        <p:nvPicPr>
-          <p:cNvPr id="6" name="그림 5">
+      <p:sp>
+        <p:nvSpPr>
+          <p:cNvPr id="2" name="직사각형 1">
             <a:extLst>
               <a:ext uri="{FF2B5EF4-FFF2-40B4-BE49-F238E27FC236}">
-                <a16:creationId xmlns:a16="http://schemas.microsoft.com/office/drawing/2014/main" id="{ED6DCE90-D6EE-409E-89A9-C7C95DFD36C6}"/>
+                <a16:creationId xmlns:a16="http://schemas.microsoft.com/office/drawing/2014/main" id="{4D6EC3A2-C6B5-431C-A31F-2D80F137AAEE}"/>
               </a:ext>
             </a:extLst>
           </p:cNvPr>
-          <p:cNvPicPr>
-            <a:picLocks noChangeAspect="1"/>
-          </p:cNvPicPr>
+          <p:cNvSpPr/>
           <p:nvPr/>
-        </p:nvPicPr>
-        <p:blipFill rotWithShape="1">
-          <a:blip r:embed="rId2" cstate="print">
-            <a:extLst>
-              <a:ext uri="{28A0092B-C50C-407E-A947-70E740481C1C}">
-                <a14:useLocalDpi xmlns:a14="http://schemas.microsoft.com/office/drawing/2010/main" val="0"/>
-              </a:ext>
-            </a:extLst>
-          </a:blip>
-          <a:srcRect l="77819" t="24416" r="9931" b="13386"/>
-          <a:stretch/>
-        </p:blipFill>
-        <p:spPr>
-          <a:xfrm>
-            <a:off x="6375399" y="2083751"/>
-            <a:ext cx="732609" cy="1999299"/>
+        </p:nvSpPr>
+        <p:spPr>
+          <a:xfrm>
+            <a:off x="5410200" y="5130800"/>
+            <a:ext cx="2099733" cy="374968"/>
           </a:xfrm>
           <a:prstGeom prst="rect">
             <a:avLst/>
           </a:prstGeom>
         </p:spPr>
-      </p:pic>
+        <p:style>
+          <a:lnRef idx="2">
+            <a:schemeClr val="accent1">
+              <a:shade val="50000"/>
+            </a:schemeClr>
+          </a:lnRef>
+          <a:fillRef idx="1">
+            <a:schemeClr val="accent1"/>
+          </a:fillRef>
+          <a:effectRef idx="0">
+            <a:schemeClr val="accent1"/>
+          </a:effectRef>
+          <a:fontRef idx="minor">
+            <a:schemeClr val="lt1"/>
+          </a:fontRef>
+        </p:style>
+        <p:txBody>
+          <a:bodyPr rtlCol="0" anchor="ctr"/>
+          <a:lstStyle/>
+          <a:p>
+            <a:pPr algn="ctr"/>
+            <a:r>
+              <a:rPr lang="ko-KR" altLang="en-US"/>
+              <a:t>중간 내용 추가</a:t>
+            </a:r>
+          </a:p>
+        </p:txBody>
+      </p:sp>
+      <p:sp>
+        <p:nvSpPr>
+          <p:cNvPr id="5" name="직사각형 4">
+            <a:extLst>
+              <a:ext uri="{FF2B5EF4-FFF2-40B4-BE49-F238E27FC236}">
+                <a16:creationId xmlns:a16="http://schemas.microsoft.com/office/drawing/2014/main" id="{DC7A7249-B729-43EE-9293-E254B74F2BD6}"/>
+              </a:ext>
+            </a:extLst>
+          </p:cNvPr>
+          <p:cNvSpPr/>
+          <p:nvPr/>
+        </p:nvSpPr>
+        <p:spPr>
+          <a:xfrm>
+            <a:off x="5469467" y="6282916"/>
+            <a:ext cx="2099733" cy="374968"/>
+          </a:xfrm>
+          <a:prstGeom prst="rect">
+            <a:avLst/>
+          </a:prstGeom>
+        </p:spPr>
+        <p:style>
+          <a:lnRef idx="2">
+            <a:schemeClr val="accent1">
+              <a:shade val="50000"/>
+            </a:schemeClr>
+          </a:lnRef>
+          <a:fillRef idx="1">
+            <a:schemeClr val="accent1"/>
+          </a:fillRef>
+          <a:effectRef idx="0">
+            <a:schemeClr val="accent1"/>
+          </a:effectRef>
+          <a:fontRef idx="minor">
+            <a:schemeClr val="lt1"/>
+          </a:fontRef>
+        </p:style>
+        <p:txBody>
+          <a:bodyPr rtlCol="0" anchor="ctr"/>
+          <a:lstStyle/>
+          <a:p>
+            <a:pPr algn="ctr"/>
+            <a:r>
+              <a:rPr lang="ko-KR" altLang="en-US" dirty="0"/>
+              <a:t>기대 효과</a:t>
+            </a:r>
+          </a:p>
+        </p:txBody>
+      </p:sp>
     </p:spTree>
     <p:extLst>
       <p:ext uri="{BB962C8B-B14F-4D97-AF65-F5344CB8AC3E}">
@@ -7955,14 +8911,14 @@
           <p:nvPr>
             <p:extLst>
               <p:ext uri="{D42A27DB-BD31-4B8C-83A1-F6EECF244321}">
-                <p14:modId xmlns:p14="http://schemas.microsoft.com/office/powerpoint/2010/main" val="4036506859"/>
+                <p14:modId xmlns:p14="http://schemas.microsoft.com/office/powerpoint/2010/main" val="3179121959"/>
               </p:ext>
             </p:extLst>
           </p:nvPr>
         </p:nvGraphicFramePr>
         <p:xfrm>
-          <a:off x="1055528" y="4225608"/>
-          <a:ext cx="10080943" cy="2011680"/>
+          <a:off x="1055527" y="4957128"/>
+          <a:ext cx="10080943" cy="1280160"/>
         </p:xfrm>
         <a:graphic>
           <a:graphicData uri="http://schemas.openxmlformats.org/drawingml/2006/table">
@@ -8164,71 +9120,7 @@
                             <a:schemeClr val="tx1"/>
                           </a:solidFill>
                         </a:rPr>
-                        <a:t>체스</a:t>
-                      </a:r>
-                      <a:r>
-                        <a:rPr lang="en-US" altLang="ko-KR" sz="1200" b="0" dirty="0">
-                          <a:solidFill>
-                            <a:schemeClr val="tx1"/>
-                          </a:solidFill>
-                        </a:rPr>
-                        <a:t>, </a:t>
-                      </a:r>
-                      <a:r>
-                        <a:rPr lang="ko-KR" altLang="en-US" sz="1200" b="0" dirty="0">
-                          <a:solidFill>
-                            <a:schemeClr val="tx1"/>
-                          </a:solidFill>
-                        </a:rPr>
-                        <a:t>장기와 같은 추상전략게임 장르는 게임 시작 시 모든 기물이 필드에 배치된 상태로 시작하게 되고 공격과 이동이 동일 시 되어 턴당 한번의 조작으로도 게임의 속도가 적절하게 조절된다</a:t>
-                      </a:r>
-                      <a:r>
-                        <a:rPr lang="en-US" altLang="ko-KR" sz="1200" b="0" dirty="0">
-                          <a:solidFill>
-                            <a:schemeClr val="tx1"/>
-                          </a:solidFill>
-                        </a:rPr>
-                        <a:t>. </a:t>
-                      </a:r>
-                      <a:r>
-                        <a:rPr lang="ko-KR" altLang="en-US" sz="1200" b="0" dirty="0">
-                          <a:solidFill>
-                            <a:schemeClr val="tx1"/>
-                          </a:solidFill>
-                        </a:rPr>
-                        <a:t>하지만 직접 기물을 소환하는 해당 게임에 경우에는 기물을 소환하고 이동 시키고 공격하는 모든 행동이 별개의 조작이기에 전투의 초반에 기물을 소환하는데 시간을 많이 소비하게 되며</a:t>
-                      </a:r>
-                      <a:r>
-                        <a:rPr lang="en-US" altLang="ko-KR" sz="1200" b="0" dirty="0">
-                          <a:solidFill>
-                            <a:schemeClr val="tx1"/>
-                          </a:solidFill>
-                        </a:rPr>
-                        <a:t>, </a:t>
-                      </a:r>
-                      <a:r>
-                        <a:rPr lang="ko-KR" altLang="en-US" sz="1200" b="0" dirty="0">
-                          <a:solidFill>
-                            <a:schemeClr val="tx1"/>
-                          </a:solidFill>
-                        </a:rPr>
-                        <a:t>이러한 상황은 전투 시간이 불필요하게 길어지고 전투의 초반 부분을 지루하게 한다</a:t>
-                      </a:r>
-                      <a:r>
-                        <a:rPr lang="en-US" altLang="ko-KR" sz="1200" b="0" dirty="0">
-                          <a:solidFill>
-                            <a:schemeClr val="tx1"/>
-                          </a:solidFill>
-                        </a:rPr>
-                        <a:t>. </a:t>
-                      </a:r>
-                      <a:r>
-                        <a:rPr lang="ko-KR" altLang="en-US" sz="1200" b="0" dirty="0">
-                          <a:solidFill>
-                            <a:schemeClr val="tx1"/>
-                          </a:solidFill>
-                        </a:rPr>
-                        <a:t>그렇기에 전투 초반에 기물을 소환하여 배치하는 과정을 생략하고 전투 초반의 흐름을 빠르게 하여 플레이어가 전투 초반에 느낄 수 있는 지루함을 감소 시키고 전투에 소비되는 시간을 단축하여 플레이어가 전투에서 받을 프로감을 줄이고 게임의 전체적인 플레이 시간을 늘리기 위하여 해당 시스템을 기획하였다</a:t>
+                        <a:t>전투 초반의 흐름을 빠르게 하여 플레이어가 전투 초반에 느낄 수 있는 지루함을 감소 시키고 전투에 소비되는 시간을 단축하여 플레이어가 전투에서 받을 피로감을 줄이고 게임의 전체적인 플레이 시간을 늘리기 위하여 해당 시스템을 기획하였다</a:t>
                       </a:r>
                       <a:r>
                         <a:rPr lang="en-US" altLang="ko-KR" sz="1200" b="0" dirty="0">
@@ -8282,6 +9174,488 @@
           </a:graphicData>
         </a:graphic>
       </p:graphicFrame>
+      <p:pic>
+        <p:nvPicPr>
+          <p:cNvPr id="10" name="그림 9">
+            <a:extLst>
+              <a:ext uri="{FF2B5EF4-FFF2-40B4-BE49-F238E27FC236}">
+                <a16:creationId xmlns:a16="http://schemas.microsoft.com/office/drawing/2014/main" id="{E73DE71D-73C8-4266-A685-AE87263EEA70}"/>
+              </a:ext>
+            </a:extLst>
+          </p:cNvPr>
+          <p:cNvPicPr>
+            <a:picLocks noChangeAspect="1"/>
+          </p:cNvPicPr>
+          <p:nvPr/>
+        </p:nvPicPr>
+        <p:blipFill>
+          <a:blip r:embed="rId2">
+            <a:extLst>
+              <a:ext uri="{28A0092B-C50C-407E-A947-70E740481C1C}">
+                <a14:useLocalDpi xmlns:a14="http://schemas.microsoft.com/office/drawing/2010/main" val="0"/>
+              </a:ext>
+            </a:extLst>
+          </a:blip>
+          <a:stretch>
+            <a:fillRect/>
+          </a:stretch>
+        </p:blipFill>
+        <p:spPr>
+          <a:xfrm>
+            <a:off x="5937695" y="1091394"/>
+            <a:ext cx="5553139" cy="2120290"/>
+          </a:xfrm>
+          <a:prstGeom prst="rect">
+            <a:avLst/>
+          </a:prstGeom>
+        </p:spPr>
+      </p:pic>
+      <p:sp>
+        <p:nvSpPr>
+          <p:cNvPr id="11" name="TextBox 10">
+            <a:extLst>
+              <a:ext uri="{FF2B5EF4-FFF2-40B4-BE49-F238E27FC236}">
+                <a16:creationId xmlns:a16="http://schemas.microsoft.com/office/drawing/2014/main" id="{F8147EB1-D54E-4AA3-A5D4-2AF0C88CFEE7}"/>
+              </a:ext>
+            </a:extLst>
+          </p:cNvPr>
+          <p:cNvSpPr txBox="1"/>
+          <p:nvPr/>
+        </p:nvSpPr>
+        <p:spPr>
+          <a:xfrm>
+            <a:off x="1718020" y="3358710"/>
+            <a:ext cx="3484035" cy="307777"/>
+          </a:xfrm>
+          <a:prstGeom prst="rect">
+            <a:avLst/>
+          </a:prstGeom>
+          <a:noFill/>
+        </p:spPr>
+        <p:txBody>
+          <a:bodyPr wrap="square" rtlCol="0">
+            <a:spAutoFit/>
+          </a:bodyPr>
+          <a:lstStyle/>
+          <a:p>
+            <a:pPr algn="ctr"/>
+            <a:r>
+              <a:rPr lang="ko-KR" altLang="en-US" sz="1400" dirty="0"/>
+              <a:t>전투 시작 시 출력되는 시작 기물 선택창</a:t>
+            </a:r>
+          </a:p>
+        </p:txBody>
+      </p:sp>
+      <p:sp>
+        <p:nvSpPr>
+          <p:cNvPr id="13" name="TextBox 12">
+            <a:extLst>
+              <a:ext uri="{FF2B5EF4-FFF2-40B4-BE49-F238E27FC236}">
+                <a16:creationId xmlns:a16="http://schemas.microsoft.com/office/drawing/2014/main" id="{E0D05881-EF70-46E0-877A-79230BC0A034}"/>
+              </a:ext>
+            </a:extLst>
+          </p:cNvPr>
+          <p:cNvSpPr txBox="1"/>
+          <p:nvPr/>
+        </p:nvSpPr>
+        <p:spPr>
+          <a:xfrm>
+            <a:off x="6359501" y="3460099"/>
+            <a:ext cx="2167465" cy="307777"/>
+          </a:xfrm>
+          <a:prstGeom prst="rect">
+            <a:avLst/>
+          </a:prstGeom>
+          <a:noFill/>
+        </p:spPr>
+        <p:txBody>
+          <a:bodyPr wrap="square" rtlCol="0">
+            <a:spAutoFit/>
+          </a:bodyPr>
+          <a:lstStyle/>
+          <a:p>
+            <a:pPr algn="ctr"/>
+            <a:r>
+              <a:rPr lang="ko-KR" altLang="en-US" sz="1400" dirty="0"/>
+              <a:t>선호 부대와 선호 배치</a:t>
+            </a:r>
+          </a:p>
+        </p:txBody>
+      </p:sp>
+      <p:sp>
+        <p:nvSpPr>
+          <p:cNvPr id="14" name="TextBox 13">
+            <a:extLst>
+              <a:ext uri="{FF2B5EF4-FFF2-40B4-BE49-F238E27FC236}">
+                <a16:creationId xmlns:a16="http://schemas.microsoft.com/office/drawing/2014/main" id="{177F7C3B-FD57-445A-8BE4-0A480971570B}"/>
+              </a:ext>
+            </a:extLst>
+          </p:cNvPr>
+          <p:cNvSpPr txBox="1"/>
+          <p:nvPr/>
+        </p:nvSpPr>
+        <p:spPr>
+          <a:xfrm>
+            <a:off x="9182668" y="3229630"/>
+            <a:ext cx="2167465" cy="523220"/>
+          </a:xfrm>
+          <a:prstGeom prst="rect">
+            <a:avLst/>
+          </a:prstGeom>
+          <a:noFill/>
+        </p:spPr>
+        <p:txBody>
+          <a:bodyPr wrap="square" rtlCol="0">
+            <a:spAutoFit/>
+          </a:bodyPr>
+          <a:lstStyle/>
+          <a:p>
+            <a:pPr algn="ctr"/>
+            <a:r>
+              <a:rPr lang="ko-KR" altLang="en-US" sz="1400" dirty="0"/>
+              <a:t>부대 비우기 버튼과</a:t>
+            </a:r>
+            <a:endParaRPr lang="en-US" altLang="ko-KR" sz="1400" dirty="0"/>
+          </a:p>
+          <a:p>
+            <a:pPr algn="ctr"/>
+            <a:r>
+              <a:rPr lang="ko-KR" altLang="en-US" sz="1400" dirty="0"/>
+              <a:t>배치 비우기 버튼</a:t>
+            </a:r>
+          </a:p>
+        </p:txBody>
+      </p:sp>
+      <p:sp>
+        <p:nvSpPr>
+          <p:cNvPr id="12" name="TextBox 11">
+            <a:extLst>
+              <a:ext uri="{FF2B5EF4-FFF2-40B4-BE49-F238E27FC236}">
+                <a16:creationId xmlns:a16="http://schemas.microsoft.com/office/drawing/2014/main" id="{3D6595E7-538E-4229-AB9D-F1F98A20DE70}"/>
+              </a:ext>
+            </a:extLst>
+          </p:cNvPr>
+          <p:cNvSpPr txBox="1"/>
+          <p:nvPr/>
+        </p:nvSpPr>
+        <p:spPr>
+          <a:xfrm>
+            <a:off x="5389354" y="1392227"/>
+            <a:ext cx="970147" cy="461665"/>
+          </a:xfrm>
+          <a:prstGeom prst="rect">
+            <a:avLst/>
+          </a:prstGeom>
+          <a:noFill/>
+        </p:spPr>
+        <p:txBody>
+          <a:bodyPr wrap="square" rtlCol="0">
+            <a:spAutoFit/>
+          </a:bodyPr>
+          <a:lstStyle/>
+          <a:p>
+            <a:pPr algn="ctr"/>
+            <a:r>
+              <a:rPr lang="ko-KR" altLang="en-US" sz="1200" dirty="0"/>
+              <a:t>선호 부대</a:t>
+            </a:r>
+            <a:r>
+              <a:rPr lang="en-US" altLang="ko-KR" sz="1200" dirty="0"/>
+              <a:t>/</a:t>
+            </a:r>
+          </a:p>
+          <a:p>
+            <a:pPr algn="ctr"/>
+            <a:r>
+              <a:rPr lang="ko-KR" altLang="en-US" sz="1200" dirty="0"/>
+              <a:t>배치 표식</a:t>
+            </a:r>
+          </a:p>
+        </p:txBody>
+      </p:sp>
+      <p:sp>
+        <p:nvSpPr>
+          <p:cNvPr id="16" name="TextBox 15">
+            <a:extLst>
+              <a:ext uri="{FF2B5EF4-FFF2-40B4-BE49-F238E27FC236}">
+                <a16:creationId xmlns:a16="http://schemas.microsoft.com/office/drawing/2014/main" id="{79F4E547-F2A6-47D2-AC3C-416F818DD6E7}"/>
+              </a:ext>
+            </a:extLst>
+          </p:cNvPr>
+          <p:cNvSpPr txBox="1"/>
+          <p:nvPr/>
+        </p:nvSpPr>
+        <p:spPr>
+          <a:xfrm>
+            <a:off x="7724095" y="2747855"/>
+            <a:ext cx="1317873" cy="646331"/>
+          </a:xfrm>
+          <a:prstGeom prst="rect">
+            <a:avLst/>
+          </a:prstGeom>
+          <a:noFill/>
+        </p:spPr>
+        <p:txBody>
+          <a:bodyPr wrap="square" rtlCol="0">
+            <a:spAutoFit/>
+          </a:bodyPr>
+          <a:lstStyle/>
+          <a:p>
+            <a:pPr algn="ctr"/>
+            <a:r>
+              <a:rPr lang="ko-KR" altLang="en-US" sz="1200" dirty="0"/>
+              <a:t>부대</a:t>
+            </a:r>
+            <a:r>
+              <a:rPr lang="en-US" altLang="ko-KR" sz="1200" dirty="0"/>
+              <a:t>/</a:t>
+            </a:r>
+            <a:r>
+              <a:rPr lang="ko-KR" altLang="en-US" sz="1200" dirty="0"/>
+              <a:t>배치가</a:t>
+            </a:r>
+            <a:endParaRPr lang="en-US" altLang="ko-KR" sz="1200" dirty="0"/>
+          </a:p>
+          <a:p>
+            <a:pPr algn="ctr"/>
+            <a:r>
+              <a:rPr lang="ko-KR" altLang="en-US" sz="1200" dirty="0"/>
+              <a:t>선택되어 있음을</a:t>
+            </a:r>
+            <a:endParaRPr lang="en-US" altLang="ko-KR" sz="1200" dirty="0"/>
+          </a:p>
+          <a:p>
+            <a:pPr algn="ctr"/>
+            <a:r>
+              <a:rPr lang="ko-KR" altLang="en-US" sz="1200" dirty="0"/>
+              <a:t>알리는 표식</a:t>
+            </a:r>
+          </a:p>
+        </p:txBody>
+      </p:sp>
+      <p:cxnSp>
+        <p:nvCxnSpPr>
+          <p:cNvPr id="17" name="연결선: 꺾임 16">
+            <a:extLst>
+              <a:ext uri="{FF2B5EF4-FFF2-40B4-BE49-F238E27FC236}">
+                <a16:creationId xmlns:a16="http://schemas.microsoft.com/office/drawing/2014/main" id="{A3AB5F7E-AB1F-4255-8609-65FAB2CB1FFC}"/>
+              </a:ext>
+            </a:extLst>
+          </p:cNvPr>
+          <p:cNvCxnSpPr>
+            <a:cxnSpLocks/>
+            <a:stCxn id="12" idx="2"/>
+          </p:cNvCxnSpPr>
+          <p:nvPr/>
+        </p:nvCxnSpPr>
+        <p:spPr>
+          <a:xfrm rot="16200000" flipH="1">
+            <a:off x="6936766" y="791553"/>
+            <a:ext cx="196629" cy="2321305"/>
+          </a:xfrm>
+          <a:prstGeom prst="bentConnector2">
+            <a:avLst/>
+          </a:prstGeom>
+          <a:ln w="28575">
+            <a:solidFill>
+              <a:srgbClr val="C00000"/>
+            </a:solidFill>
+          </a:ln>
+        </p:spPr>
+        <p:style>
+          <a:lnRef idx="1">
+            <a:schemeClr val="accent1"/>
+          </a:lnRef>
+          <a:fillRef idx="0">
+            <a:schemeClr val="accent1"/>
+          </a:fillRef>
+          <a:effectRef idx="0">
+            <a:schemeClr val="accent1"/>
+          </a:effectRef>
+          <a:fontRef idx="minor">
+            <a:schemeClr val="tx1"/>
+          </a:fontRef>
+        </p:style>
+      </p:cxnSp>
+      <p:cxnSp>
+        <p:nvCxnSpPr>
+          <p:cNvPr id="19" name="연결선: 꺾임 18">
+            <a:extLst>
+              <a:ext uri="{FF2B5EF4-FFF2-40B4-BE49-F238E27FC236}">
+                <a16:creationId xmlns:a16="http://schemas.microsoft.com/office/drawing/2014/main" id="{C9DBBE91-FC17-472C-A0D5-1A420A194D64}"/>
+              </a:ext>
+            </a:extLst>
+          </p:cNvPr>
+          <p:cNvCxnSpPr>
+            <a:cxnSpLocks/>
+            <a:stCxn id="12" idx="2"/>
+          </p:cNvCxnSpPr>
+          <p:nvPr/>
+        </p:nvCxnSpPr>
+        <p:spPr>
+          <a:xfrm rot="16200000" flipH="1">
+            <a:off x="5871618" y="1856702"/>
+            <a:ext cx="636069" cy="630448"/>
+          </a:xfrm>
+          <a:prstGeom prst="bentConnector3">
+            <a:avLst>
+              <a:gd name="adj1" fmla="val 50000"/>
+            </a:avLst>
+          </a:prstGeom>
+          <a:ln w="28575">
+            <a:solidFill>
+              <a:srgbClr val="C00000"/>
+            </a:solidFill>
+          </a:ln>
+        </p:spPr>
+        <p:style>
+          <a:lnRef idx="1">
+            <a:schemeClr val="accent1"/>
+          </a:lnRef>
+          <a:fillRef idx="0">
+            <a:schemeClr val="accent1"/>
+          </a:fillRef>
+          <a:effectRef idx="0">
+            <a:schemeClr val="accent1"/>
+          </a:effectRef>
+          <a:fontRef idx="minor">
+            <a:schemeClr val="tx1"/>
+          </a:fontRef>
+        </p:style>
+      </p:cxnSp>
+      <p:cxnSp>
+        <p:nvCxnSpPr>
+          <p:cNvPr id="23" name="연결선: 꺾임 22">
+            <a:extLst>
+              <a:ext uri="{FF2B5EF4-FFF2-40B4-BE49-F238E27FC236}">
+                <a16:creationId xmlns:a16="http://schemas.microsoft.com/office/drawing/2014/main" id="{4C73D1F2-F0CF-4542-937E-4D2B43215174}"/>
+              </a:ext>
+            </a:extLst>
+          </p:cNvPr>
+          <p:cNvCxnSpPr>
+            <a:cxnSpLocks/>
+            <a:endCxn id="16" idx="0"/>
+          </p:cNvCxnSpPr>
+          <p:nvPr/>
+        </p:nvCxnSpPr>
+        <p:spPr>
+          <a:xfrm rot="5400000">
+            <a:off x="8071482" y="2194448"/>
+            <a:ext cx="864957" cy="241856"/>
+          </a:xfrm>
+          <a:prstGeom prst="bentConnector3">
+            <a:avLst>
+              <a:gd name="adj1" fmla="val 50000"/>
+            </a:avLst>
+          </a:prstGeom>
+          <a:ln w="28575">
+            <a:solidFill>
+              <a:srgbClr val="C00000"/>
+            </a:solidFill>
+          </a:ln>
+        </p:spPr>
+        <p:style>
+          <a:lnRef idx="1">
+            <a:schemeClr val="accent1"/>
+          </a:lnRef>
+          <a:fillRef idx="0">
+            <a:schemeClr val="accent1"/>
+          </a:fillRef>
+          <a:effectRef idx="0">
+            <a:schemeClr val="accent1"/>
+          </a:effectRef>
+          <a:fontRef idx="minor">
+            <a:schemeClr val="tx1"/>
+          </a:fontRef>
+        </p:style>
+      </p:cxnSp>
+      <p:cxnSp>
+        <p:nvCxnSpPr>
+          <p:cNvPr id="32" name="연결선: 꺾임 31">
+            <a:extLst>
+              <a:ext uri="{FF2B5EF4-FFF2-40B4-BE49-F238E27FC236}">
+                <a16:creationId xmlns:a16="http://schemas.microsoft.com/office/drawing/2014/main" id="{578DE8CE-FEB9-4043-8058-9D7F643CFBA9}"/>
+              </a:ext>
+            </a:extLst>
+          </p:cNvPr>
+          <p:cNvCxnSpPr>
+            <a:cxnSpLocks/>
+            <a:endCxn id="16" idx="1"/>
+          </p:cNvCxnSpPr>
+          <p:nvPr/>
+        </p:nvCxnSpPr>
+        <p:spPr>
+          <a:xfrm>
+            <a:off x="6319838" y="2620133"/>
+            <a:ext cx="1404257" cy="450888"/>
+          </a:xfrm>
+          <a:prstGeom prst="bentConnector3">
+            <a:avLst>
+              <a:gd name="adj1" fmla="val 485"/>
+            </a:avLst>
+          </a:prstGeom>
+          <a:ln w="28575">
+            <a:solidFill>
+              <a:srgbClr val="C00000"/>
+            </a:solidFill>
+          </a:ln>
+        </p:spPr>
+        <p:style>
+          <a:lnRef idx="1">
+            <a:schemeClr val="accent1"/>
+          </a:lnRef>
+          <a:fillRef idx="0">
+            <a:schemeClr val="accent1"/>
+          </a:fillRef>
+          <a:effectRef idx="0">
+            <a:schemeClr val="accent1"/>
+          </a:effectRef>
+          <a:fontRef idx="minor">
+            <a:schemeClr val="tx1"/>
+          </a:fontRef>
+        </p:style>
+      </p:cxnSp>
+      <p:pic>
+        <p:nvPicPr>
+          <p:cNvPr id="43" name="그림 42">
+            <a:extLst>
+              <a:ext uri="{FF2B5EF4-FFF2-40B4-BE49-F238E27FC236}">
+                <a16:creationId xmlns:a16="http://schemas.microsoft.com/office/drawing/2014/main" id="{9EF19372-F664-4DAD-848E-35F4285CD94E}"/>
+              </a:ext>
+            </a:extLst>
+          </p:cNvPr>
+          <p:cNvPicPr>
+            <a:picLocks noChangeAspect="1"/>
+          </p:cNvPicPr>
+          <p:nvPr/>
+        </p:nvPicPr>
+        <p:blipFill>
+          <a:blip r:embed="rId3" cstate="print">
+            <a:extLst>
+              <a:ext uri="{28A0092B-C50C-407E-A947-70E740481C1C}">
+                <a14:useLocalDpi xmlns:a14="http://schemas.microsoft.com/office/drawing/2010/main" val="0"/>
+              </a:ext>
+            </a:extLst>
+          </a:blip>
+          <a:stretch>
+            <a:fillRect/>
+          </a:stretch>
+        </p:blipFill>
+        <p:spPr>
+          <a:xfrm>
+            <a:off x="1628410" y="1298331"/>
+            <a:ext cx="3663257" cy="2060379"/>
+          </a:xfrm>
+          <a:prstGeom prst="rect">
+            <a:avLst/>
+          </a:prstGeom>
+          <a:ln>
+            <a:solidFill>
+              <a:schemeClr val="tx1"/>
+            </a:solidFill>
+          </a:ln>
+        </p:spPr>
+      </p:pic>
     </p:spTree>
     <p:extLst>
       <p:ext uri="{BB962C8B-B14F-4D97-AF65-F5344CB8AC3E}">
@@ -8405,14 +9779,14 @@
           <p:nvPr>
             <p:extLst>
               <p:ext uri="{D42A27DB-BD31-4B8C-83A1-F6EECF244321}">
-                <p14:modId xmlns:p14="http://schemas.microsoft.com/office/powerpoint/2010/main" val="495910107"/>
+                <p14:modId xmlns:p14="http://schemas.microsoft.com/office/powerpoint/2010/main" val="166375910"/>
               </p:ext>
             </p:extLst>
           </p:nvPr>
         </p:nvGraphicFramePr>
         <p:xfrm>
-          <a:off x="1055528" y="4591368"/>
-          <a:ext cx="10080943" cy="1645920"/>
+          <a:off x="1055528" y="4751283"/>
+          <a:ext cx="10080943" cy="1463040"/>
         </p:xfrm>
         <a:graphic>
           <a:graphicData uri="http://schemas.openxmlformats.org/drawingml/2006/table">
@@ -8638,54 +10012,6 @@
                             <a:schemeClr val="tx1"/>
                           </a:solidFill>
                         </a:rPr>
-                        <a:t>. </a:t>
-                      </a:r>
-                      <a:r>
-                        <a:rPr lang="ko-KR" altLang="en-US" sz="1200" b="0" dirty="0">
-                          <a:solidFill>
-                            <a:schemeClr val="tx1"/>
-                          </a:solidFill>
-                        </a:rPr>
-                        <a:t>또한</a:t>
-                      </a:r>
-                      <a:r>
-                        <a:rPr lang="en-US" altLang="ko-KR" sz="1200" b="0" dirty="0">
-                          <a:solidFill>
-                            <a:schemeClr val="tx1"/>
-                          </a:solidFill>
-                        </a:rPr>
-                        <a:t>, </a:t>
-                      </a:r>
-                      <a:r>
-                        <a:rPr lang="ko-KR" altLang="en-US" sz="1200" b="0" dirty="0">
-                          <a:solidFill>
-                            <a:schemeClr val="tx1"/>
-                          </a:solidFill>
-                        </a:rPr>
-                        <a:t>다수의 부대와 배치를 설정하고 각 부대와 배치를 선호 부대</a:t>
-                      </a:r>
-                      <a:r>
-                        <a:rPr lang="en-US" altLang="ko-KR" sz="1200" b="0" dirty="0">
-                          <a:solidFill>
-                            <a:schemeClr val="tx1"/>
-                          </a:solidFill>
-                        </a:rPr>
-                        <a:t>/</a:t>
-                      </a:r>
-                      <a:r>
-                        <a:rPr lang="ko-KR" altLang="en-US" sz="1200" b="0" dirty="0">
-                          <a:solidFill>
-                            <a:schemeClr val="tx1"/>
-                          </a:solidFill>
-                        </a:rPr>
-                        <a:t>배치 설정하여 전투 시 선호 설정된 부대와 배치를 기본으로 선택되게 하였다</a:t>
-                      </a:r>
-                      <a:r>
-                        <a:rPr lang="en-US" altLang="ko-KR" sz="1200" b="0" dirty="0">
-                          <a:solidFill>
-                            <a:schemeClr val="tx1"/>
-                          </a:solidFill>
-                        </a:rPr>
                         <a:t>.</a:t>
                       </a:r>
                     </a:p>
@@ -9936,14 +11262,14 @@
           <p:nvPr>
             <p:extLst>
               <p:ext uri="{D42A27DB-BD31-4B8C-83A1-F6EECF244321}">
-                <p14:modId xmlns:p14="http://schemas.microsoft.com/office/powerpoint/2010/main" val="2495981016"/>
+                <p14:modId xmlns:p14="http://schemas.microsoft.com/office/powerpoint/2010/main" val="12701459"/>
               </p:ext>
             </p:extLst>
           </p:nvPr>
         </p:nvGraphicFramePr>
         <p:xfrm>
           <a:off x="1055528" y="4774248"/>
-          <a:ext cx="10080943" cy="1463040"/>
+          <a:ext cx="10080943" cy="1097280"/>
         </p:xfrm>
         <a:graphic>
           <a:graphicData uri="http://schemas.openxmlformats.org/drawingml/2006/table">
@@ -9973,7 +11299,7 @@
                             <a:schemeClr val="tx1"/>
                           </a:solidFill>
                         </a:rPr>
-                        <a:t>전투 시작 시 첫 손패 카드를 다시 뽑을 수 있는 시스템이다</a:t>
+                        <a:t>시스템이다</a:t>
                       </a:r>
                       <a:r>
                         <a:rPr lang="en-US" altLang="ko-KR" sz="1400" b="0" dirty="0">
@@ -10139,13 +11465,786 @@
                     <a:lstStyle/>
                     <a:p>
                       <a:pPr latinLnBrk="1"/>
+                      <a:endParaRPr lang="en-US" altLang="ko-KR" sz="1200" b="0" dirty="0">
+                        <a:solidFill>
+                          <a:schemeClr val="tx1"/>
+                        </a:solidFill>
+                      </a:endParaRPr>
+                    </a:p>
+                  </a:txBody>
+                  <a:tcPr anchor="ctr">
+                    <a:lnL w="12700" cmpd="sng">
+                      <a:noFill/>
+                    </a:lnL>
+                    <a:lnR w="12700" cmpd="sng">
+                      <a:noFill/>
+                    </a:lnR>
+                    <a:lnT w="12700" cap="flat" cmpd="sng" algn="ctr">
+                      <a:noFill/>
+                      <a:prstDash val="solid"/>
+                      <a:round/>
+                      <a:headEnd type="none" w="med" len="med"/>
+                      <a:tailEnd type="none" w="med" len="med"/>
+                    </a:lnT>
+                    <a:lnB w="12700" cap="flat" cmpd="sng" algn="ctr">
+                      <a:noFill/>
+                      <a:prstDash val="solid"/>
+                      <a:round/>
+                      <a:headEnd type="none" w="med" len="med"/>
+                      <a:tailEnd type="none" w="med" len="med"/>
+                    </a:lnB>
+                    <a:lnTlToBr w="12700" cmpd="sng">
+                      <a:noFill/>
+                      <a:prstDash val="solid"/>
+                    </a:lnTlToBr>
+                    <a:lnBlToTr w="12700" cmpd="sng">
+                      <a:noFill/>
+                      <a:prstDash val="solid"/>
+                    </a:lnBlToTr>
+                    <a:noFill/>
+                  </a:tcPr>
+                </a:tc>
+                <a:extLst>
+                  <a:ext uri="{0D108BD9-81ED-4DB2-BD59-A6C34878D82A}">
+                    <a16:rowId xmlns:a16="http://schemas.microsoft.com/office/drawing/2014/main" val="2690906204"/>
+                  </a:ext>
+                </a:extLst>
+              </a:tr>
+            </a:tbl>
+          </a:graphicData>
+        </a:graphic>
+      </p:graphicFrame>
+      <p:pic>
+        <p:nvPicPr>
+          <p:cNvPr id="3" name="그림 2">
+            <a:extLst>
+              <a:ext uri="{FF2B5EF4-FFF2-40B4-BE49-F238E27FC236}">
+                <a16:creationId xmlns:a16="http://schemas.microsoft.com/office/drawing/2014/main" id="{BA7EC7CA-5A6D-4D4C-A029-6C2937EEAFF0}"/>
+              </a:ext>
+            </a:extLst>
+          </p:cNvPr>
+          <p:cNvPicPr>
+            <a:picLocks noChangeAspect="1"/>
+          </p:cNvPicPr>
+          <p:nvPr/>
+        </p:nvPicPr>
+        <p:blipFill rotWithShape="1">
+          <a:blip r:embed="rId2">
+            <a:extLst>
+              <a:ext uri="{28A0092B-C50C-407E-A947-70E740481C1C}">
+                <a14:useLocalDpi xmlns:a14="http://schemas.microsoft.com/office/drawing/2010/main" val="0"/>
+              </a:ext>
+            </a:extLst>
+          </a:blip>
+          <a:srcRect l="7010" t="23963" r="56455" b="56452"/>
+          <a:stretch/>
+        </p:blipFill>
+        <p:spPr>
+          <a:xfrm>
+            <a:off x="6129410" y="1280096"/>
+            <a:ext cx="2773679" cy="1464368"/>
+          </a:xfrm>
+          <a:prstGeom prst="rect">
+            <a:avLst/>
+          </a:prstGeom>
+        </p:spPr>
+      </p:pic>
+      <p:pic>
+        <p:nvPicPr>
+          <p:cNvPr id="7" name="그림 6">
+            <a:extLst>
+              <a:ext uri="{FF2B5EF4-FFF2-40B4-BE49-F238E27FC236}">
+                <a16:creationId xmlns:a16="http://schemas.microsoft.com/office/drawing/2014/main" id="{88B0D971-CB18-4C0D-916A-9DE22DC93C11}"/>
+              </a:ext>
+            </a:extLst>
+          </p:cNvPr>
+          <p:cNvPicPr>
+            <a:picLocks noChangeAspect="1"/>
+          </p:cNvPicPr>
+          <p:nvPr/>
+        </p:nvPicPr>
+        <p:blipFill rotWithShape="1">
+          <a:blip r:embed="rId2">
+            <a:extLst>
+              <a:ext uri="{28A0092B-C50C-407E-A947-70E740481C1C}">
+                <a14:useLocalDpi xmlns:a14="http://schemas.microsoft.com/office/drawing/2010/main" val="0"/>
+              </a:ext>
+            </a:extLst>
+          </a:blip>
+          <a:srcRect l="75681"/>
+          <a:stretch/>
+        </p:blipFill>
+        <p:spPr>
+          <a:xfrm>
+            <a:off x="2590928" y="1099715"/>
+            <a:ext cx="907357" cy="3674533"/>
+          </a:xfrm>
+          <a:prstGeom prst="rect">
+            <a:avLst/>
+          </a:prstGeom>
+        </p:spPr>
+      </p:pic>
+      <p:sp>
+        <p:nvSpPr>
+          <p:cNvPr id="6" name="TextBox 5">
+            <a:extLst>
+              <a:ext uri="{FF2B5EF4-FFF2-40B4-BE49-F238E27FC236}">
+                <a16:creationId xmlns:a16="http://schemas.microsoft.com/office/drawing/2014/main" id="{355DFFB2-A3AA-4A39-A807-2A28B3308122}"/>
+              </a:ext>
+            </a:extLst>
+          </p:cNvPr>
+          <p:cNvSpPr txBox="1"/>
+          <p:nvPr/>
+        </p:nvSpPr>
+        <p:spPr>
+          <a:xfrm>
+            <a:off x="757888" y="2364682"/>
+            <a:ext cx="1512840" cy="276999"/>
+          </a:xfrm>
+          <a:prstGeom prst="rect">
+            <a:avLst/>
+          </a:prstGeom>
+          <a:noFill/>
+        </p:spPr>
+        <p:txBody>
+          <a:bodyPr wrap="square" rtlCol="0">
+            <a:spAutoFit/>
+          </a:bodyPr>
+          <a:lstStyle/>
+          <a:p>
+            <a:pPr algn="r"/>
+            <a:r>
+              <a:rPr lang="ko-KR" altLang="en-US" sz="1200" dirty="0"/>
+              <a:t>상대의 행동력 수정</a:t>
+            </a:r>
+          </a:p>
+        </p:txBody>
+      </p:sp>
+      <p:sp>
+        <p:nvSpPr>
+          <p:cNvPr id="9" name="TextBox 8">
+            <a:extLst>
+              <a:ext uri="{FF2B5EF4-FFF2-40B4-BE49-F238E27FC236}">
+                <a16:creationId xmlns:a16="http://schemas.microsoft.com/office/drawing/2014/main" id="{5115692C-01EE-488A-A683-1F52236B4410}"/>
+              </a:ext>
+            </a:extLst>
+          </p:cNvPr>
+          <p:cNvSpPr txBox="1"/>
+          <p:nvPr/>
+        </p:nvSpPr>
+        <p:spPr>
+          <a:xfrm>
+            <a:off x="757888" y="3653092"/>
+            <a:ext cx="1512840" cy="276999"/>
+          </a:xfrm>
+          <a:prstGeom prst="rect">
+            <a:avLst/>
+          </a:prstGeom>
+          <a:noFill/>
+        </p:spPr>
+        <p:txBody>
+          <a:bodyPr wrap="square" rtlCol="0">
+            <a:spAutoFit/>
+          </a:bodyPr>
+          <a:lstStyle/>
+          <a:p>
+            <a:pPr algn="r"/>
+            <a:r>
+              <a:rPr lang="ko-KR" altLang="en-US" sz="1200" dirty="0"/>
+              <a:t>본인의 행동력 수정</a:t>
+            </a:r>
+          </a:p>
+        </p:txBody>
+      </p:sp>
+      <p:sp>
+        <p:nvSpPr>
+          <p:cNvPr id="10" name="TextBox 9">
+            <a:extLst>
+              <a:ext uri="{FF2B5EF4-FFF2-40B4-BE49-F238E27FC236}">
+                <a16:creationId xmlns:a16="http://schemas.microsoft.com/office/drawing/2014/main" id="{42C07726-3396-4728-8B2D-F066CEEFD4B9}"/>
+              </a:ext>
+            </a:extLst>
+          </p:cNvPr>
+          <p:cNvSpPr txBox="1"/>
+          <p:nvPr/>
+        </p:nvSpPr>
+        <p:spPr>
+          <a:xfrm>
+            <a:off x="1062688" y="2905780"/>
+            <a:ext cx="1204865" cy="461665"/>
+          </a:xfrm>
+          <a:prstGeom prst="rect">
+            <a:avLst/>
+          </a:prstGeom>
+          <a:noFill/>
+        </p:spPr>
+        <p:txBody>
+          <a:bodyPr wrap="square" rtlCol="0">
+            <a:spAutoFit/>
+          </a:bodyPr>
+          <a:lstStyle/>
+          <a:p>
+            <a:pPr algn="r"/>
+            <a:r>
+              <a:rPr lang="ko-KR" altLang="en-US" sz="1200" dirty="0"/>
+              <a:t>숫자로 표기된</a:t>
+            </a:r>
+            <a:endParaRPr lang="en-US" altLang="ko-KR" sz="1200" dirty="0"/>
+          </a:p>
+          <a:p>
+            <a:pPr algn="r"/>
+            <a:r>
+              <a:rPr lang="ko-KR" altLang="en-US" sz="1200" dirty="0"/>
+              <a:t>행동력 수치</a:t>
+            </a:r>
+          </a:p>
+        </p:txBody>
+      </p:sp>
+      <p:cxnSp>
+        <p:nvCxnSpPr>
+          <p:cNvPr id="11" name="연결선: 꺾임 10">
+            <a:extLst>
+              <a:ext uri="{FF2B5EF4-FFF2-40B4-BE49-F238E27FC236}">
+                <a16:creationId xmlns:a16="http://schemas.microsoft.com/office/drawing/2014/main" id="{3C0B5403-9667-4403-8602-429E5655AA3E}"/>
+              </a:ext>
+            </a:extLst>
+          </p:cNvPr>
+          <p:cNvCxnSpPr>
+            <a:cxnSpLocks/>
+            <a:stCxn id="6" idx="3"/>
+          </p:cNvCxnSpPr>
+          <p:nvPr/>
+        </p:nvCxnSpPr>
+        <p:spPr>
+          <a:xfrm flipV="1">
+            <a:off x="2270728" y="2071564"/>
+            <a:ext cx="796463" cy="431618"/>
+          </a:xfrm>
+          <a:prstGeom prst="bentConnector3">
+            <a:avLst/>
+          </a:prstGeom>
+          <a:ln w="28575">
+            <a:solidFill>
+              <a:srgbClr val="C00000"/>
+            </a:solidFill>
+          </a:ln>
+        </p:spPr>
+        <p:style>
+          <a:lnRef idx="1">
+            <a:schemeClr val="accent1"/>
+          </a:lnRef>
+          <a:fillRef idx="0">
+            <a:schemeClr val="accent1"/>
+          </a:fillRef>
+          <a:effectRef idx="0">
+            <a:schemeClr val="accent1"/>
+          </a:effectRef>
+          <a:fontRef idx="minor">
+            <a:schemeClr val="tx1"/>
+          </a:fontRef>
+        </p:style>
+      </p:cxnSp>
+      <p:cxnSp>
+        <p:nvCxnSpPr>
+          <p:cNvPr id="13" name="연결선: 꺾임 12">
+            <a:extLst>
+              <a:ext uri="{FF2B5EF4-FFF2-40B4-BE49-F238E27FC236}">
+                <a16:creationId xmlns:a16="http://schemas.microsoft.com/office/drawing/2014/main" id="{BFF15F79-328D-444B-97CB-EB3E9A1A3451}"/>
+              </a:ext>
+            </a:extLst>
+          </p:cNvPr>
+          <p:cNvCxnSpPr>
+            <a:cxnSpLocks/>
+            <a:stCxn id="9" idx="3"/>
+          </p:cNvCxnSpPr>
+          <p:nvPr/>
+        </p:nvCxnSpPr>
+        <p:spPr>
+          <a:xfrm>
+            <a:off x="2270728" y="3791592"/>
+            <a:ext cx="773878" cy="132340"/>
+          </a:xfrm>
+          <a:prstGeom prst="bentConnector3">
+            <a:avLst/>
+          </a:prstGeom>
+          <a:ln w="28575">
+            <a:solidFill>
+              <a:srgbClr val="C00000"/>
+            </a:solidFill>
+          </a:ln>
+        </p:spPr>
+        <p:style>
+          <a:lnRef idx="1">
+            <a:schemeClr val="accent1"/>
+          </a:lnRef>
+          <a:fillRef idx="0">
+            <a:schemeClr val="accent1"/>
+          </a:fillRef>
+          <a:effectRef idx="0">
+            <a:schemeClr val="accent1"/>
+          </a:effectRef>
+          <a:fontRef idx="minor">
+            <a:schemeClr val="tx1"/>
+          </a:fontRef>
+        </p:style>
+      </p:cxnSp>
+      <p:cxnSp>
+        <p:nvCxnSpPr>
+          <p:cNvPr id="16" name="연결선: 꺾임 15">
+            <a:extLst>
+              <a:ext uri="{FF2B5EF4-FFF2-40B4-BE49-F238E27FC236}">
+                <a16:creationId xmlns:a16="http://schemas.microsoft.com/office/drawing/2014/main" id="{E5C337E8-3D2E-4125-B4A4-E3CCEF51FB68}"/>
+              </a:ext>
+            </a:extLst>
+          </p:cNvPr>
+          <p:cNvCxnSpPr>
+            <a:cxnSpLocks/>
+            <a:stCxn id="10" idx="3"/>
+          </p:cNvCxnSpPr>
+          <p:nvPr/>
+        </p:nvCxnSpPr>
+        <p:spPr>
+          <a:xfrm>
+            <a:off x="2267553" y="3136613"/>
+            <a:ext cx="559467" cy="292387"/>
+          </a:xfrm>
+          <a:prstGeom prst="bentConnector3">
+            <a:avLst/>
+          </a:prstGeom>
+          <a:ln w="28575">
+            <a:solidFill>
+              <a:srgbClr val="C00000"/>
+            </a:solidFill>
+          </a:ln>
+        </p:spPr>
+        <p:style>
+          <a:lnRef idx="1">
+            <a:schemeClr val="accent1"/>
+          </a:lnRef>
+          <a:fillRef idx="0">
+            <a:schemeClr val="accent1"/>
+          </a:fillRef>
+          <a:effectRef idx="0">
+            <a:schemeClr val="accent1"/>
+          </a:effectRef>
+          <a:fontRef idx="minor">
+            <a:schemeClr val="tx1"/>
+          </a:fontRef>
+        </p:style>
+      </p:cxnSp>
+      <p:grpSp>
+        <p:nvGrpSpPr>
+          <p:cNvPr id="33" name="그룹 32">
+            <a:extLst>
+              <a:ext uri="{FF2B5EF4-FFF2-40B4-BE49-F238E27FC236}">
+                <a16:creationId xmlns:a16="http://schemas.microsoft.com/office/drawing/2014/main" id="{199D7A6A-5496-40C1-AADE-30FBF3B50515}"/>
+              </a:ext>
+            </a:extLst>
+          </p:cNvPr>
+          <p:cNvGrpSpPr/>
+          <p:nvPr/>
+        </p:nvGrpSpPr>
+        <p:grpSpPr>
+          <a:xfrm>
+            <a:off x="5155364" y="2865200"/>
+            <a:ext cx="5038420" cy="527046"/>
+            <a:chOff x="5305079" y="3263858"/>
+            <a:chExt cx="5038420" cy="527046"/>
+          </a:xfrm>
+        </p:grpSpPr>
+        <p:sp>
+          <p:nvSpPr>
+            <p:cNvPr id="19" name="TextBox 18">
+              <a:extLst>
+                <a:ext uri="{FF2B5EF4-FFF2-40B4-BE49-F238E27FC236}">
+                  <a16:creationId xmlns:a16="http://schemas.microsoft.com/office/drawing/2014/main" id="{CE789343-95CB-4578-84FC-C6B00C41576E}"/>
+                </a:ext>
+              </a:extLst>
+            </p:cNvPr>
+            <p:cNvSpPr txBox="1"/>
+            <p:nvPr/>
+          </p:nvSpPr>
+          <p:spPr>
+            <a:xfrm>
+              <a:off x="5305079" y="3267684"/>
+              <a:ext cx="1508953" cy="523220"/>
+            </a:xfrm>
+            <a:prstGeom prst="rect">
+              <a:avLst/>
+            </a:prstGeom>
+            <a:noFill/>
+          </p:spPr>
+          <p:txBody>
+            <a:bodyPr wrap="square" rtlCol="0">
+              <a:spAutoFit/>
+            </a:bodyPr>
+            <a:lstStyle/>
+            <a:p>
+              <a:pPr algn="ctr"/>
+              <a:r>
+                <a:rPr lang="ko-KR" altLang="en-US" sz="1400" dirty="0"/>
+                <a:t>비활성화 상태의</a:t>
+              </a:r>
+              <a:endParaRPr lang="en-US" altLang="ko-KR" sz="1400" dirty="0"/>
+            </a:p>
+            <a:p>
+              <a:pPr algn="ctr"/>
+              <a:r>
+                <a:rPr lang="ko-KR" altLang="en-US" sz="1400" dirty="0"/>
+                <a:t>행동력 수정</a:t>
+              </a:r>
+            </a:p>
+          </p:txBody>
+        </p:sp>
+        <p:sp>
+          <p:nvSpPr>
+            <p:cNvPr id="20" name="TextBox 19">
+              <a:extLst>
+                <a:ext uri="{FF2B5EF4-FFF2-40B4-BE49-F238E27FC236}">
+                  <a16:creationId xmlns:a16="http://schemas.microsoft.com/office/drawing/2014/main" id="{164AB019-A1A4-4D33-AD24-8251599317D3}"/>
+                </a:ext>
+              </a:extLst>
+            </p:cNvPr>
+            <p:cNvSpPr txBox="1"/>
+            <p:nvPr/>
+          </p:nvSpPr>
+          <p:spPr>
+            <a:xfrm>
+              <a:off x="6814033" y="3267684"/>
+              <a:ext cx="1592926" cy="523220"/>
+            </a:xfrm>
+            <a:prstGeom prst="rect">
+              <a:avLst/>
+            </a:prstGeom>
+            <a:noFill/>
+          </p:spPr>
+          <p:txBody>
+            <a:bodyPr wrap="square" rtlCol="0">
+              <a:spAutoFit/>
+            </a:bodyPr>
+            <a:lstStyle/>
+            <a:p>
+              <a:pPr algn="ctr"/>
+              <a:r>
+                <a:rPr lang="ko-KR" altLang="en-US" sz="1400" dirty="0"/>
+                <a:t>빈 활성화 상태의</a:t>
+              </a:r>
+              <a:endParaRPr lang="en-US" altLang="ko-KR" sz="1400" dirty="0"/>
+            </a:p>
+            <a:p>
+              <a:pPr algn="ctr"/>
+              <a:r>
+                <a:rPr lang="ko-KR" altLang="en-US" sz="1400" dirty="0"/>
+                <a:t>행동력 수정</a:t>
+              </a:r>
+            </a:p>
+          </p:txBody>
+        </p:sp>
+        <p:sp>
+          <p:nvSpPr>
+            <p:cNvPr id="21" name="TextBox 20">
+              <a:extLst>
+                <a:ext uri="{FF2B5EF4-FFF2-40B4-BE49-F238E27FC236}">
+                  <a16:creationId xmlns:a16="http://schemas.microsoft.com/office/drawing/2014/main" id="{F30036CA-6C14-4168-90B6-A678D98D5EB4}"/>
+                </a:ext>
+              </a:extLst>
+            </p:cNvPr>
+            <p:cNvSpPr txBox="1"/>
+            <p:nvPr/>
+          </p:nvSpPr>
+          <p:spPr>
+            <a:xfrm>
+              <a:off x="8406961" y="3263858"/>
+              <a:ext cx="1936538" cy="523220"/>
+            </a:xfrm>
+            <a:prstGeom prst="rect">
+              <a:avLst/>
+            </a:prstGeom>
+            <a:noFill/>
+          </p:spPr>
+          <p:txBody>
+            <a:bodyPr wrap="square" rtlCol="0">
+              <a:spAutoFit/>
+            </a:bodyPr>
+            <a:lstStyle/>
+            <a:p>
+              <a:pPr algn="ctr"/>
+              <a:r>
+                <a:rPr lang="ko-KR" altLang="en-US" sz="1400" dirty="0"/>
+                <a:t>채워진 활성화 상태의</a:t>
+              </a:r>
+              <a:endParaRPr lang="en-US" altLang="ko-KR" sz="1400" dirty="0"/>
+            </a:p>
+            <a:p>
+              <a:pPr algn="ctr"/>
+              <a:r>
+                <a:rPr lang="ko-KR" altLang="en-US" sz="1400" dirty="0"/>
+                <a:t>행동력 수정</a:t>
+              </a:r>
+            </a:p>
+          </p:txBody>
+        </p:sp>
+      </p:grpSp>
+      <p:cxnSp>
+        <p:nvCxnSpPr>
+          <p:cNvPr id="22" name="연결선: 꺾임 21">
+            <a:extLst>
+              <a:ext uri="{FF2B5EF4-FFF2-40B4-BE49-F238E27FC236}">
+                <a16:creationId xmlns:a16="http://schemas.microsoft.com/office/drawing/2014/main" id="{469EFB49-1512-4B74-9555-7375D1AFA312}"/>
+              </a:ext>
+            </a:extLst>
+          </p:cNvPr>
+          <p:cNvCxnSpPr>
+            <a:cxnSpLocks/>
+            <a:stCxn id="19" idx="0"/>
+          </p:cNvCxnSpPr>
+          <p:nvPr/>
+        </p:nvCxnSpPr>
+        <p:spPr>
+          <a:xfrm rot="5400000" flipH="1" flipV="1">
+            <a:off x="5918376" y="2223871"/>
+            <a:ext cx="636621" cy="653691"/>
+          </a:xfrm>
+          <a:prstGeom prst="bentConnector2">
+            <a:avLst/>
+          </a:prstGeom>
+          <a:ln w="28575">
+            <a:solidFill>
+              <a:srgbClr val="C00000"/>
+            </a:solidFill>
+          </a:ln>
+        </p:spPr>
+        <p:style>
+          <a:lnRef idx="1">
+            <a:schemeClr val="accent1"/>
+          </a:lnRef>
+          <a:fillRef idx="0">
+            <a:schemeClr val="accent1"/>
+          </a:fillRef>
+          <a:effectRef idx="0">
+            <a:schemeClr val="accent1"/>
+          </a:effectRef>
+          <a:fontRef idx="minor">
+            <a:schemeClr val="tx1"/>
+          </a:fontRef>
+        </p:style>
+      </p:cxnSp>
+      <p:cxnSp>
+        <p:nvCxnSpPr>
+          <p:cNvPr id="25" name="연결선: 꺾임 24">
+            <a:extLst>
+              <a:ext uri="{FF2B5EF4-FFF2-40B4-BE49-F238E27FC236}">
+                <a16:creationId xmlns:a16="http://schemas.microsoft.com/office/drawing/2014/main" id="{90B4EBF1-5576-438E-93BA-04A9B3EC5BEF}"/>
+              </a:ext>
+            </a:extLst>
+          </p:cNvPr>
+          <p:cNvCxnSpPr>
+            <a:cxnSpLocks/>
+            <a:stCxn id="20" idx="0"/>
+          </p:cNvCxnSpPr>
+          <p:nvPr/>
+        </p:nvCxnSpPr>
+        <p:spPr>
+          <a:xfrm rot="5400000" flipH="1" flipV="1">
+            <a:off x="7243073" y="2492994"/>
+            <a:ext cx="593741" cy="158324"/>
+          </a:xfrm>
+          <a:prstGeom prst="bentConnector3">
+            <a:avLst/>
+          </a:prstGeom>
+          <a:ln w="28575">
+            <a:solidFill>
+              <a:srgbClr val="C00000"/>
+            </a:solidFill>
+          </a:ln>
+        </p:spPr>
+        <p:style>
+          <a:lnRef idx="1">
+            <a:schemeClr val="accent1"/>
+          </a:lnRef>
+          <a:fillRef idx="0">
+            <a:schemeClr val="accent1"/>
+          </a:fillRef>
+          <a:effectRef idx="0">
+            <a:schemeClr val="accent1"/>
+          </a:effectRef>
+          <a:fontRef idx="minor">
+            <a:schemeClr val="tx1"/>
+          </a:fontRef>
+        </p:style>
+      </p:cxnSp>
+      <p:cxnSp>
+        <p:nvCxnSpPr>
+          <p:cNvPr id="28" name="연결선: 꺾임 27">
+            <a:extLst>
+              <a:ext uri="{FF2B5EF4-FFF2-40B4-BE49-F238E27FC236}">
+                <a16:creationId xmlns:a16="http://schemas.microsoft.com/office/drawing/2014/main" id="{FEC3025C-6773-404F-98E9-6FA353841346}"/>
+              </a:ext>
+            </a:extLst>
+          </p:cNvPr>
+          <p:cNvCxnSpPr>
+            <a:cxnSpLocks/>
+            <a:stCxn id="21" idx="0"/>
+          </p:cNvCxnSpPr>
+          <p:nvPr/>
+        </p:nvCxnSpPr>
+        <p:spPr>
+          <a:xfrm rot="16200000" flipV="1">
+            <a:off x="8554538" y="2194222"/>
+            <a:ext cx="632795" cy="709161"/>
+          </a:xfrm>
+          <a:prstGeom prst="bentConnector2">
+            <a:avLst/>
+          </a:prstGeom>
+          <a:ln w="28575">
+            <a:solidFill>
+              <a:srgbClr val="C00000"/>
+            </a:solidFill>
+          </a:ln>
+        </p:spPr>
+        <p:style>
+          <a:lnRef idx="1">
+            <a:schemeClr val="accent1"/>
+          </a:lnRef>
+          <a:fillRef idx="0">
+            <a:schemeClr val="accent1"/>
+          </a:fillRef>
+          <a:effectRef idx="0">
+            <a:schemeClr val="accent1"/>
+          </a:effectRef>
+          <a:fontRef idx="minor">
+            <a:schemeClr val="tx1"/>
+          </a:fontRef>
+        </p:style>
+      </p:cxnSp>
+      <p:graphicFrame>
+        <p:nvGraphicFramePr>
+          <p:cNvPr id="38" name="표 38">
+            <a:extLst>
+              <a:ext uri="{FF2B5EF4-FFF2-40B4-BE49-F238E27FC236}">
+                <a16:creationId xmlns:a16="http://schemas.microsoft.com/office/drawing/2014/main" id="{A76C5FA7-82CE-49F2-940C-A72C7C128B87}"/>
+              </a:ext>
+            </a:extLst>
+          </p:cNvPr>
+          <p:cNvGraphicFramePr>
+            <a:graphicFrameLocks noGrp="1"/>
+          </p:cNvGraphicFramePr>
+          <p:nvPr>
+            <p:extLst>
+              <p:ext uri="{D42A27DB-BD31-4B8C-83A1-F6EECF244321}">
+                <p14:modId xmlns:p14="http://schemas.microsoft.com/office/powerpoint/2010/main" val="1411734326"/>
+              </p:ext>
+            </p:extLst>
+          </p:nvPr>
+        </p:nvGraphicFramePr>
+        <p:xfrm>
+          <a:off x="3745288" y="3752850"/>
+          <a:ext cx="7747635" cy="822960"/>
+        </p:xfrm>
+        <a:graphic>
+          <a:graphicData uri="http://schemas.openxmlformats.org/drawingml/2006/table">
+            <a:tbl>
+              <a:tblPr firstRow="1" bandRow="1">
+                <a:tableStyleId>{5C22544A-7EE6-4342-B048-85BDC9FD1C3A}</a:tableStyleId>
+              </a:tblPr>
+              <a:tblGrid>
+                <a:gridCol w="1564005">
+                  <a:extLst>
+                    <a:ext uri="{9D8B030D-6E8A-4147-A177-3AD203B41FA5}">
+                      <a16:colId xmlns:a16="http://schemas.microsoft.com/office/drawing/2014/main" val="4076526526"/>
+                    </a:ext>
+                  </a:extLst>
+                </a:gridCol>
+                <a:gridCol w="6183630">
+                  <a:extLst>
+                    <a:ext uri="{9D8B030D-6E8A-4147-A177-3AD203B41FA5}">
+                      <a16:colId xmlns:a16="http://schemas.microsoft.com/office/drawing/2014/main" val="3088240550"/>
+                    </a:ext>
+                  </a:extLst>
+                </a:gridCol>
+              </a:tblGrid>
+              <a:tr h="151324">
+                <a:tc>
+                  <a:txBody>
+                    <a:bodyPr/>
+                    <a:lstStyle/>
+                    <a:p>
+                      <a:pPr algn="ctr" latinLnBrk="1"/>
                       <a:r>
                         <a:rPr lang="ko-KR" altLang="en-US" sz="1200" b="0" dirty="0">
                           <a:solidFill>
                             <a:schemeClr val="tx1"/>
                           </a:solidFill>
                         </a:rPr>
-                        <a:t>전략 카드 게임에서 첫 손패에 잡힌 카드에 따라서 승패와 즉결되는 되기도 할 정도로 중요한 요소이다</a:t>
+                        <a:t>비활성화 상태</a:t>
+                      </a:r>
+                    </a:p>
+                  </a:txBody>
+                  <a:tcPr>
+                    <a:lnL w="12700" cmpd="sng">
+                      <a:noFill/>
+                    </a:lnL>
+                    <a:lnR w="12700" cap="flat" cmpd="sng" algn="ctr">
+                      <a:solidFill>
+                        <a:schemeClr val="tx1"/>
+                      </a:solidFill>
+                      <a:prstDash val="solid"/>
+                      <a:round/>
+                      <a:headEnd type="none" w="med" len="med"/>
+                      <a:tailEnd type="none" w="med" len="med"/>
+                    </a:lnR>
+                    <a:lnT w="12700" cmpd="sng">
+                      <a:noFill/>
+                    </a:lnT>
+                    <a:lnB w="12700" cap="flat" cmpd="sng" algn="ctr">
+                      <a:solidFill>
+                        <a:schemeClr val="tx1"/>
+                      </a:solidFill>
+                      <a:prstDash val="solid"/>
+                      <a:round/>
+                      <a:headEnd type="none" w="med" len="med"/>
+                      <a:tailEnd type="none" w="med" len="med"/>
+                    </a:lnB>
+                    <a:lnTlToBr w="12700" cmpd="sng">
+                      <a:noFill/>
+                      <a:prstDash val="solid"/>
+                    </a:lnTlToBr>
+                    <a:lnBlToTr w="12700" cmpd="sng">
+                      <a:noFill/>
+                      <a:prstDash val="solid"/>
+                    </a:lnBlToTr>
+                    <a:noFill/>
+                  </a:tcPr>
+                </a:tc>
+                <a:tc>
+                  <a:txBody>
+                    <a:bodyPr/>
+                    <a:lstStyle/>
+                    <a:p>
+                      <a:pPr marL="0" marR="0" lvl="0" indent="0" algn="l" defTabSz="914400" rtl="0" eaLnBrk="1" fontAlgn="auto" latinLnBrk="1" hangingPunct="1">
+                        <a:lnSpc>
+                          <a:spcPct val="100000"/>
+                        </a:lnSpc>
+                        <a:spcBef>
+                          <a:spcPts val="0"/>
+                        </a:spcBef>
+                        <a:spcAft>
+                          <a:spcPts val="0"/>
+                        </a:spcAft>
+                        <a:buClrTx/>
+                        <a:buSzTx/>
+                        <a:buFontTx/>
+                        <a:buNone/>
+                        <a:tabLst/>
+                        <a:defRPr/>
+                      </a:pPr>
+                      <a:r>
+                        <a:rPr lang="ko-KR" altLang="en-US" sz="1200" b="0" dirty="0">
+                          <a:solidFill>
+                            <a:schemeClr val="tx1"/>
+                          </a:solidFill>
+                        </a:rPr>
+                        <a:t>아직 사용할 수 없는 행동력 수정으로</a:t>
                       </a:r>
                       <a:r>
                         <a:rPr lang="en-US" altLang="ko-KR" sz="1200" b="0" dirty="0">
@@ -10153,7 +12252,7 @@
                             <a:schemeClr val="tx1"/>
                           </a:solidFill>
                         </a:rPr>
-                        <a:t>. </a:t>
+                        <a:t> </a:t>
                       </a:r>
                       <a:r>
                         <a:rPr lang="ko-KR" altLang="en-US" sz="1200" b="0" dirty="0">
@@ -10161,7 +12260,7 @@
                             <a:schemeClr val="tx1"/>
                           </a:solidFill>
                         </a:rPr>
-                        <a:t>하지만 첫 손패에 잡히는 카드는 순전히 운에 따라서 결정되며</a:t>
+                        <a:t>턴 시작 시 </a:t>
                       </a:r>
                       <a:r>
                         <a:rPr lang="en-US" altLang="ko-KR" sz="1200" b="0" dirty="0">
@@ -10169,7 +12268,7 @@
                             <a:schemeClr val="tx1"/>
                           </a:solidFill>
                         </a:rPr>
-                        <a:t>,</a:t>
+                        <a:t>1</a:t>
                       </a:r>
                       <a:r>
                         <a:rPr lang="ko-KR" altLang="en-US" sz="1200" b="0" dirty="0">
@@ -10177,23 +12276,7 @@
                             <a:schemeClr val="tx1"/>
                           </a:solidFill>
                         </a:rPr>
-                        <a:t> 첫 손패에 카드로 인하여 전투에서 패배할 경우는 플레이어에게 불쾌한 경험이다</a:t>
-                      </a:r>
-                      <a:r>
-                        <a:rPr lang="en-US" altLang="ko-KR" sz="1200" b="0" dirty="0">
-                          <a:solidFill>
-                            <a:schemeClr val="tx1"/>
-                          </a:solidFill>
-                        </a:rPr>
-                        <a:t>. </a:t>
-                      </a:r>
-                      <a:r>
-                        <a:rPr lang="ko-KR" altLang="en-US" sz="1200" b="0" dirty="0">
-                          <a:solidFill>
-                            <a:schemeClr val="tx1"/>
-                          </a:solidFill>
-                        </a:rPr>
-                        <a:t>그렇기에 첫 손패에 카드에서 원하는 카드를 골라 덱에 넣고 다시 뽑을 수 있는 해당 시스템을 채용하였다</a:t>
+                        <a:t>개가 활성화 상태로 변한다</a:t>
                       </a:r>
                       <a:r>
                         <a:rPr lang="en-US" altLang="ko-KR" sz="1200" b="0" dirty="0">
@@ -10205,22 +12288,26 @@
                       </a:r>
                     </a:p>
                   </a:txBody>
-                  <a:tcPr anchor="ctr">
-                    <a:lnL w="12700" cmpd="sng">
-                      <a:noFill/>
-                    </a:lnL>
-                    <a:lnR w="12700" cmpd="sng">
-                      <a:noFill/>
-                    </a:lnR>
-                    <a:lnT w="12700" cap="flat" cmpd="sng" algn="ctr">
-                      <a:noFill/>
+                  <a:tcPr>
+                    <a:lnL w="12700" cap="flat" cmpd="sng" algn="ctr">
+                      <a:solidFill>
+                        <a:schemeClr val="tx1"/>
+                      </a:solidFill>
                       <a:prstDash val="solid"/>
                       <a:round/>
                       <a:headEnd type="none" w="med" len="med"/>
                       <a:tailEnd type="none" w="med" len="med"/>
+                    </a:lnL>
+                    <a:lnR w="12700" cmpd="sng">
+                      <a:noFill/>
+                    </a:lnR>
+                    <a:lnT w="12700" cmpd="sng">
+                      <a:noFill/>
                     </a:lnT>
                     <a:lnB w="12700" cap="flat" cmpd="sng" algn="ctr">
-                      <a:noFill/>
+                      <a:solidFill>
+                        <a:schemeClr val="tx1"/>
+                      </a:solidFill>
                       <a:prstDash val="solid"/>
                       <a:round/>
                       <a:headEnd type="none" w="med" len="med"/>
@@ -10239,7 +12326,270 @@
                 </a:tc>
                 <a:extLst>
                   <a:ext uri="{0D108BD9-81ED-4DB2-BD59-A6C34878D82A}">
-                    <a16:rowId xmlns:a16="http://schemas.microsoft.com/office/drawing/2014/main" val="2690906204"/>
+                    <a16:rowId xmlns:a16="http://schemas.microsoft.com/office/drawing/2014/main" val="515056383"/>
+                  </a:ext>
+                </a:extLst>
+              </a:tr>
+              <a:tr h="151324">
+                <a:tc>
+                  <a:txBody>
+                    <a:bodyPr/>
+                    <a:lstStyle/>
+                    <a:p>
+                      <a:pPr algn="ctr" latinLnBrk="1"/>
+                      <a:r>
+                        <a:rPr lang="ko-KR" altLang="en-US" sz="1200" b="0" dirty="0">
+                          <a:solidFill>
+                            <a:schemeClr val="tx1"/>
+                          </a:solidFill>
+                        </a:rPr>
+                        <a:t>빈 활성화 상태</a:t>
+                      </a:r>
+                    </a:p>
+                  </a:txBody>
+                  <a:tcPr>
+                    <a:lnL w="12700" cmpd="sng">
+                      <a:noFill/>
+                    </a:lnL>
+                    <a:lnR w="12700" cap="flat" cmpd="sng" algn="ctr">
+                      <a:solidFill>
+                        <a:schemeClr val="tx1"/>
+                      </a:solidFill>
+                      <a:prstDash val="solid"/>
+                      <a:round/>
+                      <a:headEnd type="none" w="med" len="med"/>
+                      <a:tailEnd type="none" w="med" len="med"/>
+                    </a:lnR>
+                    <a:lnT w="12700" cap="flat" cmpd="sng" algn="ctr">
+                      <a:solidFill>
+                        <a:schemeClr val="tx1"/>
+                      </a:solidFill>
+                      <a:prstDash val="solid"/>
+                      <a:round/>
+                      <a:headEnd type="none" w="med" len="med"/>
+                      <a:tailEnd type="none" w="med" len="med"/>
+                    </a:lnT>
+                    <a:lnB w="12700" cap="flat" cmpd="sng" algn="ctr">
+                      <a:solidFill>
+                        <a:schemeClr val="tx1"/>
+                      </a:solidFill>
+                      <a:prstDash val="solid"/>
+                      <a:round/>
+                      <a:headEnd type="none" w="med" len="med"/>
+                      <a:tailEnd type="none" w="med" len="med"/>
+                    </a:lnB>
+                    <a:lnTlToBr w="12700" cmpd="sng">
+                      <a:noFill/>
+                      <a:prstDash val="solid"/>
+                    </a:lnTlToBr>
+                    <a:lnBlToTr w="12700" cmpd="sng">
+                      <a:noFill/>
+                      <a:prstDash val="solid"/>
+                    </a:lnBlToTr>
+                    <a:noFill/>
+                  </a:tcPr>
+                </a:tc>
+                <a:tc>
+                  <a:txBody>
+                    <a:bodyPr/>
+                    <a:lstStyle/>
+                    <a:p>
+                      <a:pPr marL="0" marR="0" lvl="0" indent="0" algn="l" defTabSz="914400" rtl="0" eaLnBrk="1" fontAlgn="auto" latinLnBrk="1" hangingPunct="1">
+                        <a:lnSpc>
+                          <a:spcPct val="100000"/>
+                        </a:lnSpc>
+                        <a:spcBef>
+                          <a:spcPts val="0"/>
+                        </a:spcBef>
+                        <a:spcAft>
+                          <a:spcPts val="0"/>
+                        </a:spcAft>
+                        <a:buClrTx/>
+                        <a:buSzTx/>
+                        <a:buFontTx/>
+                        <a:buNone/>
+                        <a:tabLst/>
+                        <a:defRPr/>
+                      </a:pPr>
+                      <a:r>
+                        <a:rPr lang="ko-KR" altLang="en-US" sz="1200" dirty="0"/>
+                        <a:t>현재 빈 상태인 행동력 수정으로 턴 시작 시 모두 채워진 상태로 변한다</a:t>
+                      </a:r>
+                      <a:r>
+                        <a:rPr lang="en-US" altLang="ko-KR" sz="1200" dirty="0"/>
+                        <a:t>.</a:t>
+                      </a:r>
+                    </a:p>
+                  </a:txBody>
+                  <a:tcPr>
+                    <a:lnL w="12700" cap="flat" cmpd="sng" algn="ctr">
+                      <a:solidFill>
+                        <a:schemeClr val="tx1"/>
+                      </a:solidFill>
+                      <a:prstDash val="solid"/>
+                      <a:round/>
+                      <a:headEnd type="none" w="med" len="med"/>
+                      <a:tailEnd type="none" w="med" len="med"/>
+                    </a:lnL>
+                    <a:lnR w="12700" cmpd="sng">
+                      <a:noFill/>
+                    </a:lnR>
+                    <a:lnT w="12700" cap="flat" cmpd="sng" algn="ctr">
+                      <a:solidFill>
+                        <a:schemeClr val="tx1"/>
+                      </a:solidFill>
+                      <a:prstDash val="solid"/>
+                      <a:round/>
+                      <a:headEnd type="none" w="med" len="med"/>
+                      <a:tailEnd type="none" w="med" len="med"/>
+                    </a:lnT>
+                    <a:lnB w="12700" cap="flat" cmpd="sng" algn="ctr">
+                      <a:solidFill>
+                        <a:schemeClr val="tx1"/>
+                      </a:solidFill>
+                      <a:prstDash val="solid"/>
+                      <a:round/>
+                      <a:headEnd type="none" w="med" len="med"/>
+                      <a:tailEnd type="none" w="med" len="med"/>
+                    </a:lnB>
+                    <a:lnTlToBr w="12700" cmpd="sng">
+                      <a:noFill/>
+                      <a:prstDash val="solid"/>
+                    </a:lnTlToBr>
+                    <a:lnBlToTr w="12700" cmpd="sng">
+                      <a:noFill/>
+                      <a:prstDash val="solid"/>
+                    </a:lnBlToTr>
+                    <a:noFill/>
+                  </a:tcPr>
+                </a:tc>
+                <a:extLst>
+                  <a:ext uri="{0D108BD9-81ED-4DB2-BD59-A6C34878D82A}">
+                    <a16:rowId xmlns:a16="http://schemas.microsoft.com/office/drawing/2014/main" val="1751998059"/>
+                  </a:ext>
+                </a:extLst>
+              </a:tr>
+              <a:tr h="151324">
+                <a:tc>
+                  <a:txBody>
+                    <a:bodyPr/>
+                    <a:lstStyle/>
+                    <a:p>
+                      <a:pPr algn="ctr" latinLnBrk="1"/>
+                      <a:r>
+                        <a:rPr lang="ko-KR" altLang="en-US" sz="1200" b="0" dirty="0">
+                          <a:solidFill>
+                            <a:schemeClr val="tx1"/>
+                          </a:solidFill>
+                        </a:rPr>
+                        <a:t>채워진 활성화 상태</a:t>
+                      </a:r>
+                    </a:p>
+                  </a:txBody>
+                  <a:tcPr>
+                    <a:lnL w="12700" cmpd="sng">
+                      <a:noFill/>
+                    </a:lnL>
+                    <a:lnR w="12700" cap="flat" cmpd="sng" algn="ctr">
+                      <a:solidFill>
+                        <a:schemeClr val="tx1"/>
+                      </a:solidFill>
+                      <a:prstDash val="solid"/>
+                      <a:round/>
+                      <a:headEnd type="none" w="med" len="med"/>
+                      <a:tailEnd type="none" w="med" len="med"/>
+                    </a:lnR>
+                    <a:lnT w="12700" cap="flat" cmpd="sng" algn="ctr">
+                      <a:solidFill>
+                        <a:schemeClr val="tx1"/>
+                      </a:solidFill>
+                      <a:prstDash val="solid"/>
+                      <a:round/>
+                      <a:headEnd type="none" w="med" len="med"/>
+                      <a:tailEnd type="none" w="med" len="med"/>
+                    </a:lnT>
+                    <a:lnB w="12700" cmpd="sng">
+                      <a:noFill/>
+                    </a:lnB>
+                    <a:lnTlToBr w="12700" cmpd="sng">
+                      <a:noFill/>
+                      <a:prstDash val="solid"/>
+                    </a:lnTlToBr>
+                    <a:lnBlToTr w="12700" cmpd="sng">
+                      <a:noFill/>
+                      <a:prstDash val="solid"/>
+                    </a:lnBlToTr>
+                    <a:noFill/>
+                  </a:tcPr>
+                </a:tc>
+                <a:tc>
+                  <a:txBody>
+                    <a:bodyPr/>
+                    <a:lstStyle/>
+                    <a:p>
+                      <a:pPr latinLnBrk="1"/>
+                      <a:r>
+                        <a:rPr lang="ko-KR" altLang="en-US" sz="1200" dirty="0"/>
+                        <a:t>현재 사용할 수 있는 행동력 수정으로 플레이어가 행동할 경우 </a:t>
+                      </a:r>
+                      <a:r>
+                        <a:rPr lang="en-US" altLang="ko-KR" sz="1200" dirty="0"/>
+                        <a:t>1</a:t>
+                      </a:r>
+                      <a:r>
+                        <a:rPr lang="ko-KR" altLang="en-US" sz="1200" dirty="0"/>
+                        <a:t>개가 빈 상태로 변한다</a:t>
+                      </a:r>
+                      <a:r>
+                        <a:rPr lang="en-US" altLang="ko-KR" sz="1200" dirty="0"/>
+                        <a:t>.</a:t>
+                      </a:r>
+                      <a:endParaRPr lang="ko-KR" altLang="en-US" sz="1200" b="0" dirty="0">
+                        <a:solidFill>
+                          <a:schemeClr val="tx1"/>
+                        </a:solidFill>
+                      </a:endParaRPr>
+                    </a:p>
+                  </a:txBody>
+                  <a:tcPr>
+                    <a:lnL w="12700" cap="flat" cmpd="sng" algn="ctr">
+                      <a:solidFill>
+                        <a:schemeClr val="tx1"/>
+                      </a:solidFill>
+                      <a:prstDash val="solid"/>
+                      <a:round/>
+                      <a:headEnd type="none" w="med" len="med"/>
+                      <a:tailEnd type="none" w="med" len="med"/>
+                    </a:lnL>
+                    <a:lnR w="12700" cmpd="sng">
+                      <a:noFill/>
+                    </a:lnR>
+                    <a:lnT w="12700" cap="flat" cmpd="sng" algn="ctr">
+                      <a:solidFill>
+                        <a:schemeClr val="tx1"/>
+                      </a:solidFill>
+                      <a:prstDash val="solid"/>
+                      <a:round/>
+                      <a:headEnd type="none" w="med" len="med"/>
+                      <a:tailEnd type="none" w="med" len="med"/>
+                    </a:lnT>
+                    <a:lnB w="12700" cmpd="sng">
+                      <a:noFill/>
+                    </a:lnB>
+                    <a:lnTlToBr w="12700" cmpd="sng">
+                      <a:noFill/>
+                      <a:prstDash val="solid"/>
+                    </a:lnTlToBr>
+                    <a:lnBlToTr w="12700" cmpd="sng">
+                      <a:noFill/>
+                      <a:prstDash val="solid"/>
+                    </a:lnBlToTr>
+                    <a:noFill/>
+                  </a:tcPr>
+                </a:tc>
+                <a:extLst>
+                  <a:ext uri="{0D108BD9-81ED-4DB2-BD59-A6C34878D82A}">
+                    <a16:rowId xmlns:a16="http://schemas.microsoft.com/office/drawing/2014/main" val="90703659"/>
                   </a:ext>
                 </a:extLst>
               </a:tr>

--- a/기획/체스/체스 전투 시스템 기획서.pptx
+++ b/기획/체스/체스 전투 시스템 기획서.pptx
@@ -320,7 +320,7 @@
           <a:p>
             <a:fld id="{4E9214C1-2863-45BA-A7C5-D5EA3C3D4C30}" type="datetimeFigureOut">
               <a:rPr lang="ko-KR" altLang="en-US" smtClean="0"/>
-              <a:t>2025-03-07</a:t>
+              <a:t>2025-06-11</a:t>
             </a:fld>
             <a:endParaRPr lang="ko-KR" altLang="en-US"/>
           </a:p>
@@ -485,7 +485,7 @@
           <a:p>
             <a:fld id="{8F563C85-90F6-445D-9B5B-8ABB00FB3043}" type="datetimeFigureOut">
               <a:rPr lang="ko-KR" altLang="en-US" smtClean="0"/>
-              <a:t>2025-03-07</a:t>
+              <a:t>2025-06-11</a:t>
             </a:fld>
             <a:endParaRPr lang="ko-KR" altLang="en-US"/>
           </a:p>
@@ -976,7 +976,7 @@
             </a:pPr>
             <a:fld id="{B9320F77-B9A0-41C5-862A-B4B631284C64}" type="datetime1">
               <a:rPr lang="en-GB" altLang="en-US"/>
-              <a:t>07/03/2025</a:t>
+              <a:t>11/06/2025</a:t>
             </a:fld>
             <a:endParaRPr lang="ko-KR" altLang="en-US"/>
           </a:p>
@@ -1176,7 +1176,7 @@
             </a:pPr>
             <a:fld id="{B9320F77-B9A0-41C5-862A-B4B631284C64}" type="datetime1">
               <a:rPr lang="en-GB" altLang="en-US"/>
-              <a:t>07/03/2025</a:t>
+              <a:t>11/06/2025</a:t>
             </a:fld>
             <a:endParaRPr lang="ko-KR" altLang="en-US"/>
           </a:p>
@@ -1376,7 +1376,7 @@
             </a:pPr>
             <a:fld id="{B9320F77-B9A0-41C5-862A-B4B631284C64}" type="datetime1">
               <a:rPr lang="en-GB" altLang="en-US"/>
-              <a:t>07/03/2025</a:t>
+              <a:t>11/06/2025</a:t>
             </a:fld>
             <a:endParaRPr lang="ko-KR" altLang="en-US"/>
           </a:p>
@@ -1576,7 +1576,7 @@
             </a:pPr>
             <a:fld id="{B9320F77-B9A0-41C5-862A-B4B631284C64}" type="datetime1">
               <a:rPr lang="en-GB" altLang="en-US"/>
-              <a:t>07/03/2025</a:t>
+              <a:t>11/06/2025</a:t>
             </a:fld>
             <a:endParaRPr lang="ko-KR" altLang="en-US"/>
           </a:p>
@@ -1842,7 +1842,7 @@
             </a:pPr>
             <a:fld id="{B9320F77-B9A0-41C5-862A-B4B631284C64}" type="datetime1">
               <a:rPr lang="en-GB" altLang="en-US"/>
-              <a:t>07/03/2025</a:t>
+              <a:t>11/06/2025</a:t>
             </a:fld>
             <a:endParaRPr lang="ko-KR" altLang="en-US"/>
           </a:p>
@@ -2098,7 +2098,7 @@
             </a:pPr>
             <a:fld id="{B9320F77-B9A0-41C5-862A-B4B631284C64}" type="datetime1">
               <a:rPr lang="en-GB" altLang="en-US"/>
-              <a:t>07/03/2025</a:t>
+              <a:t>11/06/2025</a:t>
             </a:fld>
             <a:endParaRPr lang="ko-KR" altLang="en-US"/>
           </a:p>
@@ -2484,7 +2484,7 @@
             </a:pPr>
             <a:fld id="{B9320F77-B9A0-41C5-862A-B4B631284C64}" type="datetime1">
               <a:rPr lang="en-GB" altLang="en-US"/>
-              <a:t>07/03/2025</a:t>
+              <a:t>11/06/2025</a:t>
             </a:fld>
             <a:endParaRPr lang="ko-KR" altLang="en-US"/>
           </a:p>
@@ -2628,7 +2628,7 @@
             </a:pPr>
             <a:fld id="{B9320F77-B9A0-41C5-862A-B4B631284C64}" type="datetime1">
               <a:rPr lang="en-GB" altLang="en-US"/>
-              <a:t>07/03/2025</a:t>
+              <a:t>11/06/2025</a:t>
             </a:fld>
             <a:endParaRPr lang="ko-KR" altLang="en-US"/>
           </a:p>
@@ -2745,7 +2745,7 @@
             </a:pPr>
             <a:fld id="{B9320F77-B9A0-41C5-862A-B4B631284C64}" type="datetime1">
               <a:rPr lang="en-GB" altLang="en-US"/>
-              <a:t>07/03/2025</a:t>
+              <a:t>11/06/2025</a:t>
             </a:fld>
             <a:endParaRPr lang="ko-KR" altLang="en-US"/>
           </a:p>
@@ -3042,7 +3042,7 @@
             </a:pPr>
             <a:fld id="{B9320F77-B9A0-41C5-862A-B4B631284C64}" type="datetime1">
               <a:rPr lang="en-GB" altLang="en-US"/>
-              <a:t>07/03/2025</a:t>
+              <a:t>11/06/2025</a:t>
             </a:fld>
             <a:endParaRPr lang="ko-KR" altLang="en-US"/>
           </a:p>
@@ -3316,7 +3316,7 @@
             </a:pPr>
             <a:fld id="{B9320F77-B9A0-41C5-862A-B4B631284C64}" type="datetime1">
               <a:rPr lang="en-GB" altLang="en-US"/>
-              <a:t>07/03/2025</a:t>
+              <a:t>11/06/2025</a:t>
             </a:fld>
             <a:endParaRPr lang="ko-KR" altLang="en-US"/>
           </a:p>
@@ -3546,7 +3546,7 @@
             </a:pPr>
             <a:fld id="{B9320F77-B9A0-41C5-862A-B4B631284C64}" type="datetime1">
               <a:rPr lang="en-GB" altLang="en-US"/>
-              <a:t>07/03/2025</a:t>
+              <a:t>11/06/2025</a:t>
             </a:fld>
             <a:endParaRPr lang="ko-KR" altLang="en-US"/>
           </a:p>
@@ -8328,7 +8328,7 @@
           <p:nvPr>
             <p:extLst>
               <p:ext uri="{D42A27DB-BD31-4B8C-83A1-F6EECF244321}">
-                <p14:modId xmlns:p14="http://schemas.microsoft.com/office/powerpoint/2010/main" val="1784529910"/>
+                <p14:modId xmlns:p14="http://schemas.microsoft.com/office/powerpoint/2010/main" val="2652846966"/>
               </p:ext>
             </p:extLst>
           </p:nvPr>
